--- a/docs/dartpost.pptx
+++ b/docs/dartpost.pptx
@@ -4,11 +4,22 @@
   <p:sldMasterIdLst>
     <p:sldMasterId id="2147483648" r:id="rId1"/>
   </p:sldMasterIdLst>
+  <p:notesMasterIdLst>
+    <p:notesMasterId r:id="rId14"/>
+  </p:notesMasterIdLst>
   <p:sldIdLst>
     <p:sldId id="256" r:id="rId2"/>
     <p:sldId id="257" r:id="rId3"/>
-    <p:sldId id="258" r:id="rId4"/>
-    <p:sldId id="259" r:id="rId5"/>
+    <p:sldId id="260" r:id="rId4"/>
+    <p:sldId id="261" r:id="rId5"/>
+    <p:sldId id="265" r:id="rId6"/>
+    <p:sldId id="266" r:id="rId7"/>
+    <p:sldId id="262" r:id="rId8"/>
+    <p:sldId id="263" r:id="rId9"/>
+    <p:sldId id="264" r:id="rId10"/>
+    <p:sldId id="267" r:id="rId11"/>
+    <p:sldId id="258" r:id="rId12"/>
+    <p:sldId id="259" r:id="rId13"/>
   </p:sldIdLst>
   <p:sldSz cx="12192000" cy="6858000"/>
   <p:notesSz cx="6858000" cy="9144000"/>
@@ -115,6 +126,355 @@
 </p:presentation>
 </file>
 
+<file path=ppt/notesMasters/notesMaster1.xml><?xml version="1.0" encoding="utf-8"?>
+<p:notesMaster xmlns:a="http://schemas.openxmlformats.org/drawingml/2006/main" xmlns:r="http://schemas.openxmlformats.org/officeDocument/2006/relationships" xmlns:p="http://schemas.openxmlformats.org/presentationml/2006/main">
+  <p:cSld>
+    <p:bg>
+      <p:bgRef idx="1001">
+        <a:schemeClr val="bg1"/>
+      </p:bgRef>
+    </p:bg>
+    <p:spTree>
+      <p:nvGrpSpPr>
+        <p:cNvPr id="1" name=""/>
+        <p:cNvGrpSpPr/>
+        <p:nvPr/>
+      </p:nvGrpSpPr>
+      <p:grpSpPr>
+        <a:xfrm>
+          <a:off x="0" y="0"/>
+          <a:ext cx="0" cy="0"/>
+          <a:chOff x="0" y="0"/>
+          <a:chExt cx="0" cy="0"/>
+        </a:xfrm>
+      </p:grpSpPr>
+      <p:sp>
+        <p:nvSpPr>
+          <p:cNvPr id="2" name="Header Placeholder 1"/>
+          <p:cNvSpPr>
+            <a:spLocks noGrp="1"/>
+          </p:cNvSpPr>
+          <p:nvPr>
+            <p:ph type="hdr" sz="quarter"/>
+          </p:nvPr>
+        </p:nvSpPr>
+        <p:spPr>
+          <a:xfrm>
+            <a:off x="0" y="0"/>
+            <a:ext cx="2971800" cy="458788"/>
+          </a:xfrm>
+          <a:prstGeom prst="rect">
+            <a:avLst/>
+          </a:prstGeom>
+        </p:spPr>
+        <p:txBody>
+          <a:bodyPr vert="horz" lIns="91440" tIns="45720" rIns="91440" bIns="45720" rtlCol="0"/>
+          <a:lstStyle>
+            <a:lvl1pPr algn="l">
+              <a:defRPr sz="1200"/>
+            </a:lvl1pPr>
+          </a:lstStyle>
+          <a:p>
+            <a:endParaRPr lang="en-US"/>
+          </a:p>
+        </p:txBody>
+      </p:sp>
+      <p:sp>
+        <p:nvSpPr>
+          <p:cNvPr id="3" name="Date Placeholder 2"/>
+          <p:cNvSpPr>
+            <a:spLocks noGrp="1"/>
+          </p:cNvSpPr>
+          <p:nvPr>
+            <p:ph type="dt" idx="1"/>
+          </p:nvPr>
+        </p:nvSpPr>
+        <p:spPr>
+          <a:xfrm>
+            <a:off x="3884613" y="0"/>
+            <a:ext cx="2971800" cy="458788"/>
+          </a:xfrm>
+          <a:prstGeom prst="rect">
+            <a:avLst/>
+          </a:prstGeom>
+        </p:spPr>
+        <p:txBody>
+          <a:bodyPr vert="horz" lIns="91440" tIns="45720" rIns="91440" bIns="45720" rtlCol="0"/>
+          <a:lstStyle>
+            <a:lvl1pPr algn="r">
+              <a:defRPr sz="1200"/>
+            </a:lvl1pPr>
+          </a:lstStyle>
+          <a:p>
+            <a:fld id="{F45204BA-6BFE-D84E-8A71-AB1BA7FB5FAF}" type="datetimeFigureOut">
+              <a:rPr lang="en-US" smtClean="0"/>
+              <a:t>9/15/20</a:t>
+            </a:fld>
+            <a:endParaRPr lang="en-US"/>
+          </a:p>
+        </p:txBody>
+      </p:sp>
+      <p:sp>
+        <p:nvSpPr>
+          <p:cNvPr id="4" name="Slide Image Placeholder 3"/>
+          <p:cNvSpPr>
+            <a:spLocks noGrp="1" noRot="1" noChangeAspect="1"/>
+          </p:cNvSpPr>
+          <p:nvPr>
+            <p:ph type="sldImg" idx="2"/>
+          </p:nvPr>
+        </p:nvSpPr>
+        <p:spPr>
+          <a:xfrm>
+            <a:off x="685800" y="1143000"/>
+            <a:ext cx="5486400" cy="3086100"/>
+          </a:xfrm>
+          <a:prstGeom prst="rect">
+            <a:avLst/>
+          </a:prstGeom>
+          <a:noFill/>
+          <a:ln w="12700">
+            <a:solidFill>
+              <a:prstClr val="black"/>
+            </a:solidFill>
+          </a:ln>
+        </p:spPr>
+        <p:txBody>
+          <a:bodyPr vert="horz" lIns="91440" tIns="45720" rIns="91440" bIns="45720" rtlCol="0" anchor="ctr"/>
+          <a:lstStyle/>
+          <a:p>
+            <a:endParaRPr lang="en-US"/>
+          </a:p>
+        </p:txBody>
+      </p:sp>
+      <p:sp>
+        <p:nvSpPr>
+          <p:cNvPr id="5" name="Notes Placeholder 4"/>
+          <p:cNvSpPr>
+            <a:spLocks noGrp="1"/>
+          </p:cNvSpPr>
+          <p:nvPr>
+            <p:ph type="body" sz="quarter" idx="3"/>
+          </p:nvPr>
+        </p:nvSpPr>
+        <p:spPr>
+          <a:xfrm>
+            <a:off x="685800" y="4400550"/>
+            <a:ext cx="5486400" cy="3600450"/>
+          </a:xfrm>
+          <a:prstGeom prst="rect">
+            <a:avLst/>
+          </a:prstGeom>
+        </p:spPr>
+        <p:txBody>
+          <a:bodyPr vert="horz" lIns="91440" tIns="45720" rIns="91440" bIns="45720" rtlCol="0"/>
+          <a:lstStyle/>
+          <a:p>
+            <a:pPr lvl="0"/>
+            <a:r>
+              <a:rPr lang="en-US"/>
+              <a:t>Click to edit Master text styles</a:t>
+            </a:r>
+          </a:p>
+          <a:p>
+            <a:pPr lvl="1"/>
+            <a:r>
+              <a:rPr lang="en-US"/>
+              <a:t>Second level</a:t>
+            </a:r>
+          </a:p>
+          <a:p>
+            <a:pPr lvl="2"/>
+            <a:r>
+              <a:rPr lang="en-US"/>
+              <a:t>Third level</a:t>
+            </a:r>
+          </a:p>
+          <a:p>
+            <a:pPr lvl="3"/>
+            <a:r>
+              <a:rPr lang="en-US"/>
+              <a:t>Fourth level</a:t>
+            </a:r>
+          </a:p>
+          <a:p>
+            <a:pPr lvl="4"/>
+            <a:r>
+              <a:rPr lang="en-US"/>
+              <a:t>Fifth level</a:t>
+            </a:r>
+          </a:p>
+        </p:txBody>
+      </p:sp>
+      <p:sp>
+        <p:nvSpPr>
+          <p:cNvPr id="6" name="Footer Placeholder 5"/>
+          <p:cNvSpPr>
+            <a:spLocks noGrp="1"/>
+          </p:cNvSpPr>
+          <p:nvPr>
+            <p:ph type="ftr" sz="quarter" idx="4"/>
+          </p:nvPr>
+        </p:nvSpPr>
+        <p:spPr>
+          <a:xfrm>
+            <a:off x="0" y="8685213"/>
+            <a:ext cx="2971800" cy="458787"/>
+          </a:xfrm>
+          <a:prstGeom prst="rect">
+            <a:avLst/>
+          </a:prstGeom>
+        </p:spPr>
+        <p:txBody>
+          <a:bodyPr vert="horz" lIns="91440" tIns="45720" rIns="91440" bIns="45720" rtlCol="0" anchor="b"/>
+          <a:lstStyle>
+            <a:lvl1pPr algn="l">
+              <a:defRPr sz="1200"/>
+            </a:lvl1pPr>
+          </a:lstStyle>
+          <a:p>
+            <a:endParaRPr lang="en-US"/>
+          </a:p>
+        </p:txBody>
+      </p:sp>
+      <p:sp>
+        <p:nvSpPr>
+          <p:cNvPr id="7" name="Slide Number Placeholder 6"/>
+          <p:cNvSpPr>
+            <a:spLocks noGrp="1"/>
+          </p:cNvSpPr>
+          <p:nvPr>
+            <p:ph type="sldNum" sz="quarter" idx="5"/>
+          </p:nvPr>
+        </p:nvSpPr>
+        <p:spPr>
+          <a:xfrm>
+            <a:off x="3884613" y="8685213"/>
+            <a:ext cx="2971800" cy="458787"/>
+          </a:xfrm>
+          <a:prstGeom prst="rect">
+            <a:avLst/>
+          </a:prstGeom>
+        </p:spPr>
+        <p:txBody>
+          <a:bodyPr vert="horz" lIns="91440" tIns="45720" rIns="91440" bIns="45720" rtlCol="0" anchor="b"/>
+          <a:lstStyle>
+            <a:lvl1pPr algn="r">
+              <a:defRPr sz="1200"/>
+            </a:lvl1pPr>
+          </a:lstStyle>
+          <a:p>
+            <a:fld id="{756173E5-2809-A848-B39C-4B49C2DA67E7}" type="slidenum">
+              <a:rPr lang="en-US" smtClean="0"/>
+              <a:t>‹#›</a:t>
+            </a:fld>
+            <a:endParaRPr lang="en-US"/>
+          </a:p>
+        </p:txBody>
+      </p:sp>
+    </p:spTree>
+    <p:extLst>
+      <p:ext uri="{BB962C8B-B14F-4D97-AF65-F5344CB8AC3E}">
+        <p14:creationId xmlns:p14="http://schemas.microsoft.com/office/powerpoint/2010/main" val="3460110856"/>
+      </p:ext>
+    </p:extLst>
+  </p:cSld>
+  <p:clrMap bg1="lt1" tx1="dk1" bg2="lt2" tx2="dk2" accent1="accent1" accent2="accent2" accent3="accent3" accent4="accent4" accent5="accent5" accent6="accent6" hlink="hlink" folHlink="folHlink"/>
+  <p:notesStyle>
+    <a:lvl1pPr marL="0" algn="l" defTabSz="914400" rtl="0" eaLnBrk="1" latinLnBrk="0" hangingPunct="1">
+      <a:defRPr sz="1200" kern="1200">
+        <a:solidFill>
+          <a:schemeClr val="tx1"/>
+        </a:solidFill>
+        <a:latin typeface="+mn-lt"/>
+        <a:ea typeface="+mn-ea"/>
+        <a:cs typeface="+mn-cs"/>
+      </a:defRPr>
+    </a:lvl1pPr>
+    <a:lvl2pPr marL="457200" algn="l" defTabSz="914400" rtl="0" eaLnBrk="1" latinLnBrk="0" hangingPunct="1">
+      <a:defRPr sz="1200" kern="1200">
+        <a:solidFill>
+          <a:schemeClr val="tx1"/>
+        </a:solidFill>
+        <a:latin typeface="+mn-lt"/>
+        <a:ea typeface="+mn-ea"/>
+        <a:cs typeface="+mn-cs"/>
+      </a:defRPr>
+    </a:lvl2pPr>
+    <a:lvl3pPr marL="914400" algn="l" defTabSz="914400" rtl="0" eaLnBrk="1" latinLnBrk="0" hangingPunct="1">
+      <a:defRPr sz="1200" kern="1200">
+        <a:solidFill>
+          <a:schemeClr val="tx1"/>
+        </a:solidFill>
+        <a:latin typeface="+mn-lt"/>
+        <a:ea typeface="+mn-ea"/>
+        <a:cs typeface="+mn-cs"/>
+      </a:defRPr>
+    </a:lvl3pPr>
+    <a:lvl4pPr marL="1371600" algn="l" defTabSz="914400" rtl="0" eaLnBrk="1" latinLnBrk="0" hangingPunct="1">
+      <a:defRPr sz="1200" kern="1200">
+        <a:solidFill>
+          <a:schemeClr val="tx1"/>
+        </a:solidFill>
+        <a:latin typeface="+mn-lt"/>
+        <a:ea typeface="+mn-ea"/>
+        <a:cs typeface="+mn-cs"/>
+      </a:defRPr>
+    </a:lvl4pPr>
+    <a:lvl5pPr marL="1828800" algn="l" defTabSz="914400" rtl="0" eaLnBrk="1" latinLnBrk="0" hangingPunct="1">
+      <a:defRPr sz="1200" kern="1200">
+        <a:solidFill>
+          <a:schemeClr val="tx1"/>
+        </a:solidFill>
+        <a:latin typeface="+mn-lt"/>
+        <a:ea typeface="+mn-ea"/>
+        <a:cs typeface="+mn-cs"/>
+      </a:defRPr>
+    </a:lvl5pPr>
+    <a:lvl6pPr marL="2286000" algn="l" defTabSz="914400" rtl="0" eaLnBrk="1" latinLnBrk="0" hangingPunct="1">
+      <a:defRPr sz="1200" kern="1200">
+        <a:solidFill>
+          <a:schemeClr val="tx1"/>
+        </a:solidFill>
+        <a:latin typeface="+mn-lt"/>
+        <a:ea typeface="+mn-ea"/>
+        <a:cs typeface="+mn-cs"/>
+      </a:defRPr>
+    </a:lvl6pPr>
+    <a:lvl7pPr marL="2743200" algn="l" defTabSz="914400" rtl="0" eaLnBrk="1" latinLnBrk="0" hangingPunct="1">
+      <a:defRPr sz="1200" kern="1200">
+        <a:solidFill>
+          <a:schemeClr val="tx1"/>
+        </a:solidFill>
+        <a:latin typeface="+mn-lt"/>
+        <a:ea typeface="+mn-ea"/>
+        <a:cs typeface="+mn-cs"/>
+      </a:defRPr>
+    </a:lvl7pPr>
+    <a:lvl8pPr marL="3200400" algn="l" defTabSz="914400" rtl="0" eaLnBrk="1" latinLnBrk="0" hangingPunct="1">
+      <a:defRPr sz="1200" kern="1200">
+        <a:solidFill>
+          <a:schemeClr val="tx1"/>
+        </a:solidFill>
+        <a:latin typeface="+mn-lt"/>
+        <a:ea typeface="+mn-ea"/>
+        <a:cs typeface="+mn-cs"/>
+      </a:defRPr>
+    </a:lvl8pPr>
+    <a:lvl9pPr marL="3657600" algn="l" defTabSz="914400" rtl="0" eaLnBrk="1" latinLnBrk="0" hangingPunct="1">
+      <a:defRPr sz="1200" kern="1200">
+        <a:solidFill>
+          <a:schemeClr val="tx1"/>
+        </a:solidFill>
+        <a:latin typeface="+mn-lt"/>
+        <a:ea typeface="+mn-ea"/>
+        <a:cs typeface="+mn-cs"/>
+      </a:defRPr>
+    </a:lvl9pPr>
+  </p:notesStyle>
+</p:notesMaster>
+</file>
+
 <file path=ppt/slideLayouts/slideLayout1.xml><?xml version="1.0" encoding="utf-8"?>
 <p:sldLayout xmlns:a="http://schemas.openxmlformats.org/drawingml/2006/main" xmlns:r="http://schemas.openxmlformats.org/officeDocument/2006/relationships" xmlns:p="http://schemas.openxmlformats.org/presentationml/2006/main" type="title" preserve="1">
   <p:cSld name="Title Slide">
@@ -260,9 +620,9 @@
           <a:bodyPr/>
           <a:lstStyle/>
           <a:p>
-            <a:fld id="{2D6679F4-FC3A-144C-B13E-21FA2ABCD2BC}" type="datetimeFigureOut">
+            <a:fld id="{99724A53-B208-E343-8ACB-6919B5171113}" type="datetime1">
               <a:rPr lang="en-US" smtClean="0"/>
-              <a:t>9/10/20</a:t>
+              <a:t>9/15/20</a:t>
             </a:fld>
             <a:endParaRPr lang="en-US"/>
           </a:p>
@@ -458,9 +818,9 @@
           <a:bodyPr/>
           <a:lstStyle/>
           <a:p>
-            <a:fld id="{2D6679F4-FC3A-144C-B13E-21FA2ABCD2BC}" type="datetimeFigureOut">
+            <a:fld id="{057B134D-1994-F346-A325-CF22BFDE0F34}" type="datetime1">
               <a:rPr lang="en-US" smtClean="0"/>
-              <a:t>9/10/20</a:t>
+              <a:t>9/15/20</a:t>
             </a:fld>
             <a:endParaRPr lang="en-US"/>
           </a:p>
@@ -666,9 +1026,9 @@
           <a:bodyPr/>
           <a:lstStyle/>
           <a:p>
-            <a:fld id="{2D6679F4-FC3A-144C-B13E-21FA2ABCD2BC}" type="datetimeFigureOut">
+            <a:fld id="{8F273EFF-1436-5C49-9D9D-8B167494FBE3}" type="datetime1">
               <a:rPr lang="en-US" smtClean="0"/>
-              <a:t>9/10/20</a:t>
+              <a:t>9/15/20</a:t>
             </a:fld>
             <a:endParaRPr lang="en-US"/>
           </a:p>
@@ -864,9 +1224,9 @@
           <a:bodyPr/>
           <a:lstStyle/>
           <a:p>
-            <a:fld id="{2D6679F4-FC3A-144C-B13E-21FA2ABCD2BC}" type="datetimeFigureOut">
+            <a:fld id="{0BCC1344-A4BF-A04A-808D-36E0A3C01C3A}" type="datetime1">
               <a:rPr lang="en-US" smtClean="0"/>
-              <a:t>9/10/20</a:t>
+              <a:t>9/15/20</a:t>
             </a:fld>
             <a:endParaRPr lang="en-US"/>
           </a:p>
@@ -1139,9 +1499,9 @@
           <a:bodyPr/>
           <a:lstStyle/>
           <a:p>
-            <a:fld id="{2D6679F4-FC3A-144C-B13E-21FA2ABCD2BC}" type="datetimeFigureOut">
+            <a:fld id="{BD3585A0-4F64-2E46-9A8E-9D99F6A9D11B}" type="datetime1">
               <a:rPr lang="en-US" smtClean="0"/>
-              <a:t>9/10/20</a:t>
+              <a:t>9/15/20</a:t>
             </a:fld>
             <a:endParaRPr lang="en-US"/>
           </a:p>
@@ -1404,9 +1764,9 @@
           <a:bodyPr/>
           <a:lstStyle/>
           <a:p>
-            <a:fld id="{2D6679F4-FC3A-144C-B13E-21FA2ABCD2BC}" type="datetimeFigureOut">
+            <a:fld id="{F4D89D6C-429E-0742-A821-76138EBE8C72}" type="datetime1">
               <a:rPr lang="en-US" smtClean="0"/>
-              <a:t>9/10/20</a:t>
+              <a:t>9/15/20</a:t>
             </a:fld>
             <a:endParaRPr lang="en-US"/>
           </a:p>
@@ -1816,9 +2176,9 @@
           <a:bodyPr/>
           <a:lstStyle/>
           <a:p>
-            <a:fld id="{2D6679F4-FC3A-144C-B13E-21FA2ABCD2BC}" type="datetimeFigureOut">
+            <a:fld id="{070A7645-1D49-ED48-8677-72F74EB38CFB}" type="datetime1">
               <a:rPr lang="en-US" smtClean="0"/>
-              <a:t>9/10/20</a:t>
+              <a:t>9/15/20</a:t>
             </a:fld>
             <a:endParaRPr lang="en-US"/>
           </a:p>
@@ -1957,9 +2317,9 @@
           <a:bodyPr/>
           <a:lstStyle/>
           <a:p>
-            <a:fld id="{2D6679F4-FC3A-144C-B13E-21FA2ABCD2BC}" type="datetimeFigureOut">
+            <a:fld id="{8CF33880-07D8-994D-AE12-FCD04D31C1FE}" type="datetime1">
               <a:rPr lang="en-US" smtClean="0"/>
-              <a:t>9/10/20</a:t>
+              <a:t>9/15/20</a:t>
             </a:fld>
             <a:endParaRPr lang="en-US"/>
           </a:p>
@@ -2070,9 +2430,9 @@
           <a:bodyPr/>
           <a:lstStyle/>
           <a:p>
-            <a:fld id="{2D6679F4-FC3A-144C-B13E-21FA2ABCD2BC}" type="datetimeFigureOut">
+            <a:fld id="{5EC84C56-B96B-424A-8991-EC812510A3D5}" type="datetime1">
               <a:rPr lang="en-US" smtClean="0"/>
-              <a:t>9/10/20</a:t>
+              <a:t>9/15/20</a:t>
             </a:fld>
             <a:endParaRPr lang="en-US"/>
           </a:p>
@@ -2381,9 +2741,9 @@
           <a:bodyPr/>
           <a:lstStyle/>
           <a:p>
-            <a:fld id="{2D6679F4-FC3A-144C-B13E-21FA2ABCD2BC}" type="datetimeFigureOut">
+            <a:fld id="{DDDAD896-D098-0344-8C18-427FDEB2ED07}" type="datetime1">
               <a:rPr lang="en-US" smtClean="0"/>
-              <a:t>9/10/20</a:t>
+              <a:t>9/15/20</a:t>
             </a:fld>
             <a:endParaRPr lang="en-US"/>
           </a:p>
@@ -2669,9 +3029,9 @@
           <a:bodyPr/>
           <a:lstStyle/>
           <a:p>
-            <a:fld id="{2D6679F4-FC3A-144C-B13E-21FA2ABCD2BC}" type="datetimeFigureOut">
+            <a:fld id="{41C619C7-A4B5-9A4D-B627-34A79352DF36}" type="datetime1">
               <a:rPr lang="en-US" smtClean="0"/>
-              <a:t>9/10/20</a:t>
+              <a:t>9/15/20</a:t>
             </a:fld>
             <a:endParaRPr lang="en-US"/>
           </a:p>
@@ -2910,9 +3270,9 @@
             </a:lvl1pPr>
           </a:lstStyle>
           <a:p>
-            <a:fld id="{2D6679F4-FC3A-144C-B13E-21FA2ABCD2BC}" type="datetimeFigureOut">
+            <a:fld id="{C4E658C3-D4D1-824A-8042-D6EBFE46C3BC}" type="datetime1">
               <a:rPr lang="en-US" smtClean="0"/>
-              <a:t>9/10/20</a:t>
+              <a:t>9/15/20</a:t>
             </a:fld>
             <a:endParaRPr lang="en-US"/>
           </a:p>
@@ -3029,6 +3389,7 @@
     <p:sldLayoutId id="2147483658" r:id="rId10"/>
     <p:sldLayoutId id="2147483659" r:id="rId11"/>
   </p:sldLayoutIdLst>
+  <p:hf hdr="0" ftr="0" dt="0"/>
   <p:txStyles>
     <p:titleStyle>
       <a:lvl1pPr algn="l" defTabSz="914400" rtl="0" eaLnBrk="1" latinLnBrk="0" hangingPunct="1">
@@ -3383,10 +3744,564 @@
           </a:p>
         </p:txBody>
       </p:sp>
+      <p:sp>
+        <p:nvSpPr>
+          <p:cNvPr id="4" name="Slide Number Placeholder 3">
+            <a:extLst>
+              <a:ext uri="{FF2B5EF4-FFF2-40B4-BE49-F238E27FC236}">
+                <a16:creationId xmlns:a16="http://schemas.microsoft.com/office/drawing/2014/main" id="{A17BD019-5828-4B43-AE5A-DD1C5C1C5318}"/>
+              </a:ext>
+            </a:extLst>
+          </p:cNvPr>
+          <p:cNvSpPr>
+            <a:spLocks noGrp="1"/>
+          </p:cNvSpPr>
+          <p:nvPr>
+            <p:ph type="sldNum" sz="quarter" idx="12"/>
+          </p:nvPr>
+        </p:nvSpPr>
+        <p:spPr/>
+        <p:txBody>
+          <a:bodyPr/>
+          <a:lstStyle/>
+          <a:p>
+            <a:fld id="{24616A5F-DC9D-EE40-97A8-DF361035BFDB}" type="slidenum">
+              <a:rPr lang="en-US" smtClean="0"/>
+              <a:t>1</a:t>
+            </a:fld>
+            <a:endParaRPr lang="en-US"/>
+          </a:p>
+        </p:txBody>
+      </p:sp>
     </p:spTree>
     <p:extLst>
       <p:ext uri="{BB962C8B-B14F-4D97-AF65-F5344CB8AC3E}">
         <p14:creationId xmlns:p14="http://schemas.microsoft.com/office/powerpoint/2010/main" val="1421845398"/>
+      </p:ext>
+    </p:extLst>
+  </p:cSld>
+  <p:clrMapOvr>
+    <a:masterClrMapping/>
+  </p:clrMapOvr>
+</p:sld>
+</file>
+
+<file path=ppt/slides/slide10.xml><?xml version="1.0" encoding="utf-8"?>
+<p:sld xmlns:a="http://schemas.openxmlformats.org/drawingml/2006/main" xmlns:r="http://schemas.openxmlformats.org/officeDocument/2006/relationships" xmlns:p="http://schemas.openxmlformats.org/presentationml/2006/main">
+  <p:cSld>
+    <p:spTree>
+      <p:nvGrpSpPr>
+        <p:cNvPr id="1" name=""/>
+        <p:cNvGrpSpPr/>
+        <p:nvPr/>
+      </p:nvGrpSpPr>
+      <p:grpSpPr>
+        <a:xfrm>
+          <a:off x="0" y="0"/>
+          <a:ext cx="0" cy="0"/>
+          <a:chOff x="0" y="0"/>
+          <a:chExt cx="0" cy="0"/>
+        </a:xfrm>
+      </p:grpSpPr>
+      <p:sp>
+        <p:nvSpPr>
+          <p:cNvPr id="8" name="Title 7">
+            <a:extLst>
+              <a:ext uri="{FF2B5EF4-FFF2-40B4-BE49-F238E27FC236}">
+                <a16:creationId xmlns:a16="http://schemas.microsoft.com/office/drawing/2014/main" id="{33208F87-6F14-724C-8974-CF2669A52CEE}"/>
+              </a:ext>
+            </a:extLst>
+          </p:cNvPr>
+          <p:cNvSpPr>
+            <a:spLocks noGrp="1"/>
+          </p:cNvSpPr>
+          <p:nvPr>
+            <p:ph type="title"/>
+          </p:nvPr>
+        </p:nvSpPr>
+        <p:spPr/>
+        <p:txBody>
+          <a:bodyPr/>
+          <a:lstStyle/>
+          <a:p>
+            <a:r>
+              <a:rPr lang="en-US" dirty="0"/>
+              <a:t>Old slides</a:t>
+            </a:r>
+          </a:p>
+        </p:txBody>
+      </p:sp>
+      <p:sp>
+        <p:nvSpPr>
+          <p:cNvPr id="9" name="Text Placeholder 8">
+            <a:extLst>
+              <a:ext uri="{FF2B5EF4-FFF2-40B4-BE49-F238E27FC236}">
+                <a16:creationId xmlns:a16="http://schemas.microsoft.com/office/drawing/2014/main" id="{BEF75C1E-8911-5C4F-90FD-D1EEBCFE36E3}"/>
+              </a:ext>
+            </a:extLst>
+          </p:cNvPr>
+          <p:cNvSpPr>
+            <a:spLocks noGrp="1"/>
+          </p:cNvSpPr>
+          <p:nvPr>
+            <p:ph type="body" idx="1"/>
+          </p:nvPr>
+        </p:nvSpPr>
+        <p:spPr/>
+        <p:txBody>
+          <a:bodyPr/>
+          <a:lstStyle/>
+          <a:p>
+            <a:endParaRPr lang="en-US"/>
+          </a:p>
+        </p:txBody>
+      </p:sp>
+      <p:sp>
+        <p:nvSpPr>
+          <p:cNvPr id="2" name="Slide Number Placeholder 1">
+            <a:extLst>
+              <a:ext uri="{FF2B5EF4-FFF2-40B4-BE49-F238E27FC236}">
+                <a16:creationId xmlns:a16="http://schemas.microsoft.com/office/drawing/2014/main" id="{1D5EAA6A-8E3F-C343-9980-E62100D8CC12}"/>
+              </a:ext>
+            </a:extLst>
+          </p:cNvPr>
+          <p:cNvSpPr>
+            <a:spLocks noGrp="1"/>
+          </p:cNvSpPr>
+          <p:nvPr>
+            <p:ph type="sldNum" sz="quarter" idx="12"/>
+          </p:nvPr>
+        </p:nvSpPr>
+        <p:spPr/>
+        <p:txBody>
+          <a:bodyPr/>
+          <a:lstStyle/>
+          <a:p>
+            <a:fld id="{24616A5F-DC9D-EE40-97A8-DF361035BFDB}" type="slidenum">
+              <a:rPr lang="en-US" smtClean="0"/>
+              <a:t>10</a:t>
+            </a:fld>
+            <a:endParaRPr lang="en-US"/>
+          </a:p>
+        </p:txBody>
+      </p:sp>
+    </p:spTree>
+    <p:extLst>
+      <p:ext uri="{BB962C8B-B14F-4D97-AF65-F5344CB8AC3E}">
+        <p14:creationId xmlns:p14="http://schemas.microsoft.com/office/powerpoint/2010/main" val="1619073036"/>
+      </p:ext>
+    </p:extLst>
+  </p:cSld>
+  <p:clrMapOvr>
+    <a:masterClrMapping/>
+  </p:clrMapOvr>
+</p:sld>
+</file>
+
+<file path=ppt/slides/slide11.xml><?xml version="1.0" encoding="utf-8"?>
+<p:sld xmlns:a="http://schemas.openxmlformats.org/drawingml/2006/main" xmlns:r="http://schemas.openxmlformats.org/officeDocument/2006/relationships" xmlns:p="http://schemas.openxmlformats.org/presentationml/2006/main">
+  <p:cSld>
+    <p:spTree>
+      <p:nvGrpSpPr>
+        <p:cNvPr id="1" name=""/>
+        <p:cNvGrpSpPr/>
+        <p:nvPr/>
+      </p:nvGrpSpPr>
+      <p:grpSpPr>
+        <a:xfrm>
+          <a:off x="0" y="0"/>
+          <a:ext cx="0" cy="0"/>
+          <a:chOff x="0" y="0"/>
+          <a:chExt cx="0" cy="0"/>
+        </a:xfrm>
+      </p:grpSpPr>
+      <p:sp>
+        <p:nvSpPr>
+          <p:cNvPr id="2" name="Title 1">
+            <a:extLst>
+              <a:ext uri="{FF2B5EF4-FFF2-40B4-BE49-F238E27FC236}">
+                <a16:creationId xmlns:a16="http://schemas.microsoft.com/office/drawing/2014/main" id="{2551A04A-845B-A64C-8CF5-42C19B5EC552}"/>
+              </a:ext>
+            </a:extLst>
+          </p:cNvPr>
+          <p:cNvSpPr>
+            <a:spLocks noGrp="1"/>
+          </p:cNvSpPr>
+          <p:nvPr>
+            <p:ph type="title"/>
+          </p:nvPr>
+        </p:nvSpPr>
+        <p:spPr/>
+        <p:txBody>
+          <a:bodyPr/>
+          <a:lstStyle/>
+          <a:p>
+            <a:r>
+              <a:rPr lang="en-US" dirty="0"/>
+              <a:t>Detection rate by strategies</a:t>
+            </a:r>
+          </a:p>
+        </p:txBody>
+      </p:sp>
+      <p:sp>
+        <p:nvSpPr>
+          <p:cNvPr id="5" name="Content Placeholder 4">
+            <a:extLst>
+              <a:ext uri="{FF2B5EF4-FFF2-40B4-BE49-F238E27FC236}">
+                <a16:creationId xmlns:a16="http://schemas.microsoft.com/office/drawing/2014/main" id="{B5AD89D2-9EC1-6640-B181-9789A040C655}"/>
+              </a:ext>
+            </a:extLst>
+          </p:cNvPr>
+          <p:cNvSpPr>
+            <a:spLocks noGrp="1"/>
+          </p:cNvSpPr>
+          <p:nvPr>
+            <p:ph sz="half" idx="2"/>
+          </p:nvPr>
+        </p:nvSpPr>
+        <p:spPr/>
+        <p:txBody>
+          <a:bodyPr>
+            <a:normAutofit fontScale="92500" lnSpcReduction="20000"/>
+          </a:bodyPr>
+          <a:lstStyle/>
+          <a:p>
+            <a:r>
+              <a:rPr lang="en-US" dirty="0"/>
+              <a:t>x-axis: time t = 1,..,6</a:t>
+            </a:r>
+          </a:p>
+          <a:p>
+            <a:r>
+              <a:rPr lang="en-US" dirty="0"/>
+              <a:t>y-axis: 𝑓(𝑡)=% 𝑜𝑓 𝑠𝑜𝑐𝑘𝑠 𝑐𝑟𝑒𝑎𝑡𝑒𝑑 𝑏𝑦 𝑠𝑡𝑟𝑎𝑡𝑒𝑔𝑦 𝑆 𝑡</a:t>
+            </a:r>
+            <a:r>
+              <a:rPr lang="en-US" dirty="0" err="1"/>
+              <a:t>ℎ</a:t>
+            </a:r>
+            <a:r>
+              <a:rPr lang="en-US" dirty="0"/>
+              <a:t>𝑎𝑡 𝑤𝑒𝑟𝑒 𝑑𝑒𝑡𝑒𝑐𝑡𝑒𝑑 𝑤𝑖𝑡</a:t>
+            </a:r>
+            <a:r>
+              <a:rPr lang="en-US" dirty="0" err="1"/>
+              <a:t>ℎ</a:t>
+            </a:r>
+            <a:r>
+              <a:rPr lang="en-US" dirty="0"/>
+              <a:t>𝑖𝑛 𝑡 𝑢𝑛𝑖𝑡𝑠 𝑜𝑓 𝑐𝑟𝑒𝑎𝑡𝑖𝑜𝑛. </a:t>
+            </a:r>
+          </a:p>
+          <a:p>
+            <a:r>
+              <a:rPr lang="en-US" dirty="0"/>
+              <a:t>4 curves using S = the 3 strategies provided to sock operators plus ALL (all socks, regardless of strategy)</a:t>
+            </a:r>
+          </a:p>
+          <a:p>
+            <a:endParaRPr lang="en-US" dirty="0"/>
+          </a:p>
+          <a:p>
+            <a:r>
+              <a:rPr lang="en-US" b="1" dirty="0"/>
+              <a:t>Only 8 out of 210 are detected by the users</a:t>
+            </a:r>
+          </a:p>
+          <a:p>
+            <a:r>
+              <a:rPr lang="en-US" b="1" dirty="0"/>
+              <a:t>Other 3 curves need some time to process</a:t>
+            </a:r>
+          </a:p>
+        </p:txBody>
+      </p:sp>
+      <p:pic>
+        <p:nvPicPr>
+          <p:cNvPr id="6" name="Content Placeholder 5">
+            <a:extLst>
+              <a:ext uri="{FF2B5EF4-FFF2-40B4-BE49-F238E27FC236}">
+                <a16:creationId xmlns:a16="http://schemas.microsoft.com/office/drawing/2014/main" id="{EB0E9766-1D3B-D845-964E-2CCE72CEFEBC}"/>
+              </a:ext>
+            </a:extLst>
+          </p:cNvPr>
+          <p:cNvPicPr>
+            <a:picLocks noGrp="1" noChangeAspect="1"/>
+          </p:cNvPicPr>
+          <p:nvPr>
+            <p:ph sz="half" idx="1"/>
+          </p:nvPr>
+        </p:nvPicPr>
+        <p:blipFill>
+          <a:blip r:embed="rId2"/>
+          <a:stretch>
+            <a:fillRect/>
+          </a:stretch>
+        </p:blipFill>
+        <p:spPr>
+          <a:xfrm>
+            <a:off x="838200" y="2347592"/>
+            <a:ext cx="5181600" cy="3307404"/>
+          </a:xfrm>
+          <a:prstGeom prst="rect">
+            <a:avLst/>
+          </a:prstGeom>
+        </p:spPr>
+      </p:pic>
+      <p:sp>
+        <p:nvSpPr>
+          <p:cNvPr id="3" name="Slide Number Placeholder 2">
+            <a:extLst>
+              <a:ext uri="{FF2B5EF4-FFF2-40B4-BE49-F238E27FC236}">
+                <a16:creationId xmlns:a16="http://schemas.microsoft.com/office/drawing/2014/main" id="{5F4BFA82-B02A-584A-8634-0318A56A4E67}"/>
+              </a:ext>
+            </a:extLst>
+          </p:cNvPr>
+          <p:cNvSpPr>
+            <a:spLocks noGrp="1"/>
+          </p:cNvSpPr>
+          <p:nvPr>
+            <p:ph type="sldNum" sz="quarter" idx="12"/>
+          </p:nvPr>
+        </p:nvSpPr>
+        <p:spPr/>
+        <p:txBody>
+          <a:bodyPr/>
+          <a:lstStyle/>
+          <a:p>
+            <a:fld id="{24616A5F-DC9D-EE40-97A8-DF361035BFDB}" type="slidenum">
+              <a:rPr lang="en-US" smtClean="0"/>
+              <a:t>11</a:t>
+            </a:fld>
+            <a:endParaRPr lang="en-US"/>
+          </a:p>
+        </p:txBody>
+      </p:sp>
+    </p:spTree>
+    <p:extLst>
+      <p:ext uri="{BB962C8B-B14F-4D97-AF65-F5344CB8AC3E}">
+        <p14:creationId xmlns:p14="http://schemas.microsoft.com/office/powerpoint/2010/main" val="2907845043"/>
+      </p:ext>
+    </p:extLst>
+  </p:cSld>
+  <p:clrMapOvr>
+    <a:masterClrMapping/>
+  </p:clrMapOvr>
+</p:sld>
+</file>
+
+<file path=ppt/slides/slide12.xml><?xml version="1.0" encoding="utf-8"?>
+<p:sld xmlns:a="http://schemas.openxmlformats.org/drawingml/2006/main" xmlns:r="http://schemas.openxmlformats.org/officeDocument/2006/relationships" xmlns:p="http://schemas.openxmlformats.org/presentationml/2006/main">
+  <p:cSld>
+    <p:spTree>
+      <p:nvGrpSpPr>
+        <p:cNvPr id="1" name=""/>
+        <p:cNvGrpSpPr/>
+        <p:nvPr/>
+      </p:nvGrpSpPr>
+      <p:grpSpPr>
+        <a:xfrm>
+          <a:off x="0" y="0"/>
+          <a:ext cx="0" cy="0"/>
+          <a:chOff x="0" y="0"/>
+          <a:chExt cx="0" cy="0"/>
+        </a:xfrm>
+      </p:grpSpPr>
+      <p:sp>
+        <p:nvSpPr>
+          <p:cNvPr id="2" name="Title 1">
+            <a:extLst>
+              <a:ext uri="{FF2B5EF4-FFF2-40B4-BE49-F238E27FC236}">
+                <a16:creationId xmlns:a16="http://schemas.microsoft.com/office/drawing/2014/main" id="{F0275B2B-D85F-A943-BF16-A4197496ECC0}"/>
+              </a:ext>
+            </a:extLst>
+          </p:cNvPr>
+          <p:cNvSpPr>
+            <a:spLocks noGrp="1"/>
+          </p:cNvSpPr>
+          <p:nvPr>
+            <p:ph type="title"/>
+          </p:nvPr>
+        </p:nvSpPr>
+        <p:spPr/>
+        <p:txBody>
+          <a:bodyPr/>
+          <a:lstStyle/>
+          <a:p>
+            <a:r>
+              <a:rPr lang="en-US" dirty="0"/>
+              <a:t>Graph 2</a:t>
+            </a:r>
+          </a:p>
+        </p:txBody>
+      </p:sp>
+      <p:sp>
+        <p:nvSpPr>
+          <p:cNvPr id="5" name="Content Placeholder 4">
+            <a:extLst>
+              <a:ext uri="{FF2B5EF4-FFF2-40B4-BE49-F238E27FC236}">
+                <a16:creationId xmlns:a16="http://schemas.microsoft.com/office/drawing/2014/main" id="{27DF41CD-BA78-1E49-9EF9-2E614C7CF8BF}"/>
+              </a:ext>
+            </a:extLst>
+          </p:cNvPr>
+          <p:cNvSpPr>
+            <a:spLocks noGrp="1"/>
+          </p:cNvSpPr>
+          <p:nvPr>
+            <p:ph idx="1"/>
+          </p:nvPr>
+        </p:nvSpPr>
+        <p:spPr/>
+        <p:txBody>
+          <a:bodyPr>
+            <a:normAutofit lnSpcReduction="10000"/>
+          </a:bodyPr>
+          <a:lstStyle/>
+          <a:p>
+            <a:r>
+              <a:rPr lang="en-US" dirty="0"/>
+              <a:t>x-axis: time t = 1,..,6</a:t>
+            </a:r>
+          </a:p>
+          <a:p>
+            <a:r>
+              <a:rPr lang="en-US" dirty="0"/>
+              <a:t>y-axis:</a:t>
+            </a:r>
+          </a:p>
+          <a:p>
+            <a:pPr lvl="1"/>
+            <a:r>
+              <a:rPr lang="en-US" dirty="0"/>
+              <a:t>𝑓(𝑡)=% 𝑜𝑓 𝑟𝑒𝑡𝑤𝑒𝑒𝑡𝑠 𝑜𝑓 𝑎𝑙𝑙 𝑠𝑜𝑐𝑘 𝑝𝑜𝑠𝑡𝑠 𝑢𝑝𝑡𝑜 𝑡𝑖𝑚𝑒 𝑡, 𝑟𝑒𝑔𝑎𝑟𝑑𝑙𝑒𝑠𝑠 𝑜𝑓 𝑤</a:t>
+            </a:r>
+            <a:r>
+              <a:rPr lang="en-US" dirty="0" err="1"/>
+              <a:t>ℎ</a:t>
+            </a:r>
+            <a:r>
+              <a:rPr lang="en-US" dirty="0"/>
+              <a:t>𝑒𝑡</a:t>
+            </a:r>
+            <a:r>
+              <a:rPr lang="en-US" dirty="0" err="1"/>
+              <a:t>ℎ</a:t>
+            </a:r>
+            <a:r>
+              <a:rPr lang="en-US" dirty="0"/>
+              <a:t>𝑒𝑟 𝑡</a:t>
+            </a:r>
+            <a:r>
+              <a:rPr lang="en-US" dirty="0" err="1"/>
+              <a:t>ℎ</a:t>
+            </a:r>
+            <a:r>
+              <a:rPr lang="en-US" dirty="0"/>
+              <a:t>𝑒 𝑠𝑜𝑐𝑘𝑠 𝑤</a:t>
+            </a:r>
+            <a:r>
+              <a:rPr lang="en-US" dirty="0" err="1"/>
+              <a:t>ℎ</a:t>
+            </a:r>
+            <a:r>
+              <a:rPr lang="en-US" dirty="0"/>
+              <a:t>𝑒𝑟𝑒 𝑑𝑖𝑠𝑐𝑜𝑣𝑒𝑟𝑒𝑑 𝑜𝑟 𝑛𝑜𝑡.</a:t>
+            </a:r>
+          </a:p>
+          <a:p>
+            <a:pPr lvl="1"/>
+            <a:r>
+              <a:rPr lang="en-US" dirty="0"/>
+              <a:t>𝑓(𝑡)=% 𝑜𝑓 𝑟𝑒𝑡𝑤𝑒𝑒𝑡𝑠 𝑜𝑓 𝑎𝑙𝑙 𝑠𝑜𝑐𝑘 𝑝𝑜𝑠𝑡𝑠 𝑢𝑝𝑡𝑜 𝑡𝑖𝑚𝑒 𝑡 𝑤</a:t>
+            </a:r>
+            <a:r>
+              <a:rPr lang="en-US" dirty="0" err="1"/>
+              <a:t>ℎ</a:t>
+            </a:r>
+            <a:r>
+              <a:rPr lang="en-US" dirty="0"/>
+              <a:t>𝑖𝑐</a:t>
+            </a:r>
+            <a:r>
+              <a:rPr lang="en-US" dirty="0" err="1"/>
+              <a:t>ℎ</a:t>
+            </a:r>
+            <a:r>
+              <a:rPr lang="en-US" dirty="0"/>
+              <a:t> 𝑤𝑒𝑟𝑒 𝑛𝑜𝑡 𝑑𝑖𝑠𝑐𝑜𝑣𝑒𝑟𝑒𝑑 𝑏𝑦 𝑡𝑖𝑚𝑒 𝑡</a:t>
+            </a:r>
+          </a:p>
+          <a:p>
+            <a:pPr lvl="1"/>
+            <a:r>
+              <a:rPr lang="en-US" dirty="0"/>
+              <a:t>𝑓(𝑡)=% 𝑜𝑓 𝑟𝑒𝑡𝑤𝑒𝑒𝑡𝑠 𝑜𝑓 𝑎𝑙𝑙 𝑠𝑜𝑐𝑘 𝑝𝑜𝑠𝑡𝑠 𝑢𝑝𝑡𝑜 𝑡𝑖𝑚𝑒 𝑡 𝑡</a:t>
+            </a:r>
+            <a:r>
+              <a:rPr lang="en-US" dirty="0" err="1"/>
+              <a:t>ℎ</a:t>
+            </a:r>
+            <a:r>
+              <a:rPr lang="en-US" dirty="0"/>
+              <a:t>𝑒𝑟𝑒 𝑤𝑒𝑟𝑒 𝑛𝑒𝑣𝑒𝑟 𝑑𝑖𝑠𝑐𝑜𝑣𝑒𝑟𝑒𝑑.</a:t>
+            </a:r>
+          </a:p>
+          <a:p>
+            <a:r>
+              <a:rPr lang="en-US" dirty="0"/>
+              <a:t>3 curves in all</a:t>
+            </a:r>
+          </a:p>
+          <a:p>
+            <a:r>
+              <a:rPr lang="en-US" b="1" dirty="0"/>
+              <a:t>None of the sock posts are retweeted (reposted)</a:t>
+            </a:r>
+          </a:p>
+          <a:p>
+            <a:r>
+              <a:rPr lang="en-US" b="1" dirty="0"/>
+              <a:t>397 out of 1622 are commented on the sock posts</a:t>
+            </a:r>
+          </a:p>
+          <a:p>
+            <a:endParaRPr lang="en-US" dirty="0"/>
+          </a:p>
+        </p:txBody>
+      </p:sp>
+      <p:sp>
+        <p:nvSpPr>
+          <p:cNvPr id="3" name="Slide Number Placeholder 2">
+            <a:extLst>
+              <a:ext uri="{FF2B5EF4-FFF2-40B4-BE49-F238E27FC236}">
+                <a16:creationId xmlns:a16="http://schemas.microsoft.com/office/drawing/2014/main" id="{745AF503-46CB-D345-81AE-BBAF269C840C}"/>
+              </a:ext>
+            </a:extLst>
+          </p:cNvPr>
+          <p:cNvSpPr>
+            <a:spLocks noGrp="1"/>
+          </p:cNvSpPr>
+          <p:nvPr>
+            <p:ph type="sldNum" sz="quarter" idx="12"/>
+          </p:nvPr>
+        </p:nvSpPr>
+        <p:spPr/>
+        <p:txBody>
+          <a:bodyPr/>
+          <a:lstStyle/>
+          <a:p>
+            <a:fld id="{24616A5F-DC9D-EE40-97A8-DF361035BFDB}" type="slidenum">
+              <a:rPr lang="en-US" smtClean="0"/>
+              <a:t>12</a:t>
+            </a:fld>
+            <a:endParaRPr lang="en-US"/>
+          </a:p>
+        </p:txBody>
+      </p:sp>
+    </p:spTree>
+    <p:extLst>
+      <p:ext uri="{BB962C8B-B14F-4D97-AF65-F5344CB8AC3E}">
+        <p14:creationId xmlns:p14="http://schemas.microsoft.com/office/powerpoint/2010/main" val="228399139"/>
       </p:ext>
     </p:extLst>
   </p:cSld>
@@ -3538,6 +4453,35 @@
               <a:rPr lang="en-US" dirty="0"/>
               <a:t>Searches: 846</a:t>
             </a:r>
+          </a:p>
+        </p:txBody>
+      </p:sp>
+      <p:sp>
+        <p:nvSpPr>
+          <p:cNvPr id="4" name="Slide Number Placeholder 3">
+            <a:extLst>
+              <a:ext uri="{FF2B5EF4-FFF2-40B4-BE49-F238E27FC236}">
+                <a16:creationId xmlns:a16="http://schemas.microsoft.com/office/drawing/2014/main" id="{E5627FDF-144A-E141-9142-5EBC62AD86A3}"/>
+              </a:ext>
+            </a:extLst>
+          </p:cNvPr>
+          <p:cNvSpPr>
+            <a:spLocks noGrp="1"/>
+          </p:cNvSpPr>
+          <p:nvPr>
+            <p:ph type="sldNum" sz="quarter" idx="12"/>
+          </p:nvPr>
+        </p:nvSpPr>
+        <p:spPr/>
+        <p:txBody>
+          <a:bodyPr/>
+          <a:lstStyle/>
+          <a:p>
+            <a:fld id="{24616A5F-DC9D-EE40-97A8-DF361035BFDB}" type="slidenum">
+              <a:rPr lang="en-US" smtClean="0"/>
+              <a:t>2</a:t>
+            </a:fld>
+            <a:endParaRPr lang="en-US"/>
           </a:p>
         </p:txBody>
       </p:sp>
@@ -3573,10 +4517,10 @@
       </p:grpSpPr>
       <p:sp>
         <p:nvSpPr>
-          <p:cNvPr id="2" name="Title 1">
-            <a:extLst>
-              <a:ext uri="{FF2B5EF4-FFF2-40B4-BE49-F238E27FC236}">
-                <a16:creationId xmlns:a16="http://schemas.microsoft.com/office/drawing/2014/main" id="{2551A04A-845B-A64C-8CF5-42C19B5EC552}"/>
+          <p:cNvPr id="5" name="Title 4">
+            <a:extLst>
+              <a:ext uri="{FF2B5EF4-FFF2-40B4-BE49-F238E27FC236}">
+                <a16:creationId xmlns:a16="http://schemas.microsoft.com/office/drawing/2014/main" id="{E959E309-708D-024F-B178-DAE53DB5AC53}"/>
               </a:ext>
             </a:extLst>
           </p:cNvPr>
@@ -3593,92 +4537,18 @@
           <a:lstStyle/>
           <a:p>
             <a:r>
-              <a:rPr lang="en-US"/>
-              <a:t>Graph 1</a:t>
-            </a:r>
-            <a:endParaRPr lang="en-US" dirty="0"/>
-          </a:p>
-        </p:txBody>
-      </p:sp>
-      <p:sp>
-        <p:nvSpPr>
-          <p:cNvPr id="5" name="Content Placeholder 4">
-            <a:extLst>
-              <a:ext uri="{FF2B5EF4-FFF2-40B4-BE49-F238E27FC236}">
-                <a16:creationId xmlns:a16="http://schemas.microsoft.com/office/drawing/2014/main" id="{B5AD89D2-9EC1-6640-B181-9789A040C655}"/>
-              </a:ext>
-            </a:extLst>
-          </p:cNvPr>
-          <p:cNvSpPr>
-            <a:spLocks noGrp="1"/>
-          </p:cNvSpPr>
-          <p:nvPr>
-            <p:ph sz="half" idx="2"/>
-          </p:nvPr>
-        </p:nvSpPr>
-        <p:spPr/>
-        <p:txBody>
-          <a:bodyPr>
-            <a:normAutofit fontScale="92500" lnSpcReduction="20000"/>
-          </a:bodyPr>
-          <a:lstStyle/>
-          <a:p>
-            <a:r>
               <a:rPr lang="en-US" dirty="0"/>
-              <a:t>x-axis: time t = 1,..,6</a:t>
-            </a:r>
-          </a:p>
-          <a:p>
-            <a:r>
-              <a:rPr lang="en-US" dirty="0"/>
-              <a:t>y-axis: 𝑓(𝑡)=% 𝑜𝑓 𝑠𝑜𝑐𝑘𝑠 𝑐𝑟𝑒𝑎𝑡𝑒𝑑 𝑏𝑦 𝑠𝑡𝑟𝑎𝑡𝑒𝑔𝑦 𝑆 𝑡</a:t>
-            </a:r>
-            <a:r>
-              <a:rPr lang="en-US" dirty="0" err="1"/>
-              <a:t>ℎ</a:t>
-            </a:r>
-            <a:r>
-              <a:rPr lang="en-US" dirty="0"/>
-              <a:t>𝑎𝑡 𝑤𝑒𝑟𝑒 𝑑𝑒𝑡𝑒𝑐𝑡𝑒𝑑 𝑤𝑖𝑡</a:t>
-            </a:r>
-            <a:r>
-              <a:rPr lang="en-US" dirty="0" err="1"/>
-              <a:t>ℎ</a:t>
-            </a:r>
-            <a:r>
-              <a:rPr lang="en-US" dirty="0"/>
-              <a:t>𝑖𝑛 𝑡 𝑢𝑛𝑖𝑡𝑠 𝑜𝑓 𝑐𝑟𝑒𝑎𝑡𝑖𝑜𝑛. </a:t>
-            </a:r>
-          </a:p>
-          <a:p>
-            <a:r>
-              <a:rPr lang="en-US" dirty="0"/>
-              <a:t>4 curves using S = the 3 strategies provided to sock operators plus ALL (all socks, regardless of strategy)</a:t>
-            </a:r>
-          </a:p>
-          <a:p>
-            <a:endParaRPr lang="en-US" dirty="0"/>
-          </a:p>
-          <a:p>
-            <a:r>
-              <a:rPr lang="en-US" b="1" dirty="0"/>
-              <a:t>Only 8 out of 210 are detected by the users</a:t>
-            </a:r>
-          </a:p>
-          <a:p>
-            <a:r>
-              <a:rPr lang="en-US" b="1" dirty="0"/>
-              <a:t>Other 3 curves need some time to process</a:t>
+              <a:t>Activities by sockpuppets</a:t>
             </a:r>
           </a:p>
         </p:txBody>
       </p:sp>
       <p:pic>
         <p:nvPicPr>
-          <p:cNvPr id="11" name="Content Placeholder 10">
-            <a:extLst>
-              <a:ext uri="{FF2B5EF4-FFF2-40B4-BE49-F238E27FC236}">
-                <a16:creationId xmlns:a16="http://schemas.microsoft.com/office/drawing/2014/main" id="{927B47B7-D527-7F4A-ADC3-A51621577F11}"/>
+          <p:cNvPr id="4" name="Content Placeholder 3">
+            <a:extLst>
+              <a:ext uri="{FF2B5EF4-FFF2-40B4-BE49-F238E27FC236}">
+                <a16:creationId xmlns:a16="http://schemas.microsoft.com/office/drawing/2014/main" id="{D27F9768-4682-2646-B227-4BEF9CAA2729}"/>
               </a:ext>
             </a:extLst>
           </p:cNvPr>
@@ -3697,15 +4567,81 @@
         </p:blipFill>
         <p:spPr>
           <a:xfrm>
-            <a:off x="528107" y="1825625"/>
-            <a:ext cx="5474157" cy="4105618"/>
+            <a:off x="1003300" y="2299494"/>
+            <a:ext cx="4851400" cy="3403600"/>
           </a:xfrm>
+          <a:prstGeom prst="rect">
+            <a:avLst/>
+          </a:prstGeom>
         </p:spPr>
       </p:pic>
+      <p:sp>
+        <p:nvSpPr>
+          <p:cNvPr id="6" name="Content Placeholder 5">
+            <a:extLst>
+              <a:ext uri="{FF2B5EF4-FFF2-40B4-BE49-F238E27FC236}">
+                <a16:creationId xmlns:a16="http://schemas.microsoft.com/office/drawing/2014/main" id="{5E3C3DDE-BEB3-DD47-BC3F-2A9EFEA05A8C}"/>
+              </a:ext>
+            </a:extLst>
+          </p:cNvPr>
+          <p:cNvSpPr>
+            <a:spLocks noGrp="1"/>
+          </p:cNvSpPr>
+          <p:nvPr>
+            <p:ph sz="half" idx="2"/>
+          </p:nvPr>
+        </p:nvSpPr>
+        <p:spPr/>
+        <p:txBody>
+          <a:bodyPr/>
+          <a:lstStyle/>
+          <a:p>
+            <a:r>
+              <a:rPr lang="en-US" dirty="0"/>
+              <a:t>Activities include Post, Comments, and both</a:t>
+            </a:r>
+          </a:p>
+          <a:p>
+            <a:r>
+              <a:rPr lang="en-US" dirty="0"/>
+              <a:t>Normal users have more activities than sockpuppets</a:t>
+            </a:r>
+          </a:p>
+        </p:txBody>
+      </p:sp>
+      <p:sp>
+        <p:nvSpPr>
+          <p:cNvPr id="2" name="Slide Number Placeholder 1">
+            <a:extLst>
+              <a:ext uri="{FF2B5EF4-FFF2-40B4-BE49-F238E27FC236}">
+                <a16:creationId xmlns:a16="http://schemas.microsoft.com/office/drawing/2014/main" id="{9B7F06EA-35E6-AC44-9A16-D96A5AB1695D}"/>
+              </a:ext>
+            </a:extLst>
+          </p:cNvPr>
+          <p:cNvSpPr>
+            <a:spLocks noGrp="1"/>
+          </p:cNvSpPr>
+          <p:nvPr>
+            <p:ph type="sldNum" sz="quarter" idx="12"/>
+          </p:nvPr>
+        </p:nvSpPr>
+        <p:spPr/>
+        <p:txBody>
+          <a:bodyPr/>
+          <a:lstStyle/>
+          <a:p>
+            <a:fld id="{24616A5F-DC9D-EE40-97A8-DF361035BFDB}" type="slidenum">
+              <a:rPr lang="en-US" smtClean="0"/>
+              <a:t>3</a:t>
+            </a:fld>
+            <a:endParaRPr lang="en-US"/>
+          </a:p>
+        </p:txBody>
+      </p:sp>
     </p:spTree>
     <p:extLst>
       <p:ext uri="{BB962C8B-B14F-4D97-AF65-F5344CB8AC3E}">
-        <p14:creationId xmlns:p14="http://schemas.microsoft.com/office/powerpoint/2010/main" val="2907845043"/>
+        <p14:creationId xmlns:p14="http://schemas.microsoft.com/office/powerpoint/2010/main" val="1096310440"/>
       </p:ext>
     </p:extLst>
   </p:cSld>
@@ -3737,7 +4673,7 @@
           <p:cNvPr id="2" name="Title 1">
             <a:extLst>
               <a:ext uri="{FF2B5EF4-FFF2-40B4-BE49-F238E27FC236}">
-                <a16:creationId xmlns:a16="http://schemas.microsoft.com/office/drawing/2014/main" id="{F0275B2B-D85F-A943-BF16-A4197496ECC0}"/>
+                <a16:creationId xmlns:a16="http://schemas.microsoft.com/office/drawing/2014/main" id="{0C339359-0E0C-DD42-8ACC-4510730B3334}"/>
               </a:ext>
             </a:extLst>
           </p:cNvPr>
@@ -3755,149 +4691,1260 @@
           <a:p>
             <a:r>
               <a:rPr lang="en-US" dirty="0"/>
-              <a:t>Graph 2</a:t>
-            </a:r>
-          </a:p>
-        </p:txBody>
-      </p:sp>
-      <p:sp>
-        <p:nvSpPr>
+              <a:t>Activities by strategies of </a:t>
+            </a:r>
+            <a:r>
+              <a:rPr lang="en-US" dirty="0" err="1"/>
+              <a:t>scokpuppets</a:t>
+            </a:r>
+            <a:endParaRPr lang="en-US" dirty="0"/>
+          </a:p>
+        </p:txBody>
+      </p:sp>
+      <p:pic>
+        <p:nvPicPr>
           <p:cNvPr id="5" name="Content Placeholder 4">
             <a:extLst>
               <a:ext uri="{FF2B5EF4-FFF2-40B4-BE49-F238E27FC236}">
-                <a16:creationId xmlns:a16="http://schemas.microsoft.com/office/drawing/2014/main" id="{27DF41CD-BA78-1E49-9EF9-2E614C7CF8BF}"/>
-              </a:ext>
-            </a:extLst>
-          </p:cNvPr>
-          <p:cNvSpPr>
-            <a:spLocks noGrp="1"/>
-          </p:cNvSpPr>
-          <p:nvPr>
-            <p:ph idx="1"/>
-          </p:nvPr>
-        </p:nvSpPr>
-        <p:spPr/>
-        <p:txBody>
-          <a:bodyPr>
-            <a:normAutofit lnSpcReduction="10000"/>
-          </a:bodyPr>
+                <a16:creationId xmlns:a16="http://schemas.microsoft.com/office/drawing/2014/main" id="{FF6B0B1D-FFE8-2745-8E85-8049E98DB2DA}"/>
+              </a:ext>
+            </a:extLst>
+          </p:cNvPr>
+          <p:cNvPicPr>
+            <a:picLocks noGrp="1" noChangeAspect="1"/>
+          </p:cNvPicPr>
+          <p:nvPr>
+            <p:ph sz="half" idx="1"/>
+          </p:nvPr>
+        </p:nvPicPr>
+        <p:blipFill>
+          <a:blip r:embed="rId2"/>
+          <a:stretch>
+            <a:fillRect/>
+          </a:stretch>
+        </p:blipFill>
+        <p:spPr>
+          <a:xfrm>
+            <a:off x="927100" y="2343944"/>
+            <a:ext cx="5003800" cy="3314700"/>
+          </a:xfrm>
+          <a:prstGeom prst="rect">
+            <a:avLst/>
+          </a:prstGeom>
+        </p:spPr>
+      </p:pic>
+      <p:sp>
+        <p:nvSpPr>
+          <p:cNvPr id="4" name="Content Placeholder 3">
+            <a:extLst>
+              <a:ext uri="{FF2B5EF4-FFF2-40B4-BE49-F238E27FC236}">
+                <a16:creationId xmlns:a16="http://schemas.microsoft.com/office/drawing/2014/main" id="{2BE9CB9D-C25C-BB4E-B430-7C0D2FBEFC14}"/>
+              </a:ext>
+            </a:extLst>
+          </p:cNvPr>
+          <p:cNvSpPr>
+            <a:spLocks noGrp="1"/>
+          </p:cNvSpPr>
+          <p:nvPr>
+            <p:ph sz="half" idx="2"/>
+          </p:nvPr>
+        </p:nvSpPr>
+        <p:spPr/>
+        <p:txBody>
+          <a:bodyPr/>
           <a:lstStyle/>
           <a:p>
             <a:r>
               <a:rPr lang="en-US" dirty="0"/>
-              <a:t>x-axis: time t = 1,..,6</a:t>
+              <a:t>COVERT has more activities than others</a:t>
             </a:r>
           </a:p>
           <a:p>
             <a:r>
               <a:rPr lang="en-US" dirty="0"/>
-              <a:t>y-axis:</a:t>
-            </a:r>
-          </a:p>
-          <a:p>
-            <a:pPr lvl="1"/>
-            <a:r>
-              <a:rPr lang="en-US" dirty="0"/>
-              <a:t>𝑓(𝑡)=% 𝑜𝑓 𝑟𝑒𝑡𝑤𝑒𝑒𝑡𝑠 𝑜𝑓 𝑎𝑙𝑙 𝑠𝑜𝑐𝑘 𝑝𝑜𝑠𝑡𝑠 𝑢𝑝𝑡𝑜 𝑡𝑖𝑚𝑒 𝑡, 𝑟𝑒𝑔𝑎𝑟𝑑𝑙𝑒𝑠𝑠 𝑜𝑓 𝑤</a:t>
-            </a:r>
-            <a:r>
-              <a:rPr lang="en-US" dirty="0" err="1"/>
-              <a:t>ℎ</a:t>
-            </a:r>
-            <a:r>
-              <a:rPr lang="en-US" dirty="0"/>
-              <a:t>𝑒𝑡</a:t>
-            </a:r>
-            <a:r>
-              <a:rPr lang="en-US" dirty="0" err="1"/>
-              <a:t>ℎ</a:t>
-            </a:r>
-            <a:r>
-              <a:rPr lang="en-US" dirty="0"/>
-              <a:t>𝑒𝑟 𝑡</a:t>
-            </a:r>
-            <a:r>
-              <a:rPr lang="en-US" dirty="0" err="1"/>
-              <a:t>ℎ</a:t>
-            </a:r>
-            <a:r>
-              <a:rPr lang="en-US" dirty="0"/>
-              <a:t>𝑒 𝑠𝑜𝑐𝑘𝑠 𝑤</a:t>
-            </a:r>
-            <a:r>
-              <a:rPr lang="en-US" dirty="0" err="1"/>
-              <a:t>ℎ</a:t>
-            </a:r>
-            <a:r>
-              <a:rPr lang="en-US" dirty="0"/>
-              <a:t>𝑒𝑟𝑒 𝑑𝑖𝑠𝑐𝑜𝑣𝑒𝑟𝑒𝑑 𝑜𝑟 𝑛𝑜𝑡.</a:t>
-            </a:r>
-          </a:p>
-          <a:p>
-            <a:pPr lvl="1"/>
-            <a:r>
-              <a:rPr lang="en-US" dirty="0"/>
-              <a:t>𝑓(𝑡)=% 𝑜𝑓 𝑟𝑒𝑡𝑤𝑒𝑒𝑡𝑠 𝑜𝑓 𝑎𝑙𝑙 𝑠𝑜𝑐𝑘 𝑝𝑜𝑠𝑡𝑠 𝑢𝑝𝑡𝑜 𝑡𝑖𝑚𝑒 𝑡 𝑤</a:t>
-            </a:r>
-            <a:r>
-              <a:rPr lang="en-US" dirty="0" err="1"/>
-              <a:t>ℎ</a:t>
-            </a:r>
-            <a:r>
-              <a:rPr lang="en-US" dirty="0"/>
-              <a:t>𝑖𝑐</a:t>
-            </a:r>
-            <a:r>
-              <a:rPr lang="en-US" dirty="0" err="1"/>
-              <a:t>ℎ</a:t>
-            </a:r>
-            <a:r>
-              <a:rPr lang="en-US" dirty="0"/>
-              <a:t> 𝑤𝑒𝑟𝑒 𝑛𝑜𝑡 𝑑𝑖𝑠𝑐𝑜𝑣𝑒𝑟𝑒𝑑 𝑏𝑦 𝑡𝑖𝑚𝑒 𝑡</a:t>
-            </a:r>
-          </a:p>
-          <a:p>
-            <a:pPr lvl="1"/>
-            <a:r>
-              <a:rPr lang="en-US" dirty="0"/>
-              <a:t>𝑓(𝑡)=% 𝑜𝑓 𝑟𝑒𝑡𝑤𝑒𝑒𝑡𝑠 𝑜𝑓 𝑎𝑙𝑙 𝑠𝑜𝑐𝑘 𝑝𝑜𝑠𝑡𝑠 𝑢𝑝𝑡𝑜 𝑡𝑖𝑚𝑒 𝑡 𝑡</a:t>
-            </a:r>
-            <a:r>
-              <a:rPr lang="en-US" dirty="0" err="1"/>
-              <a:t>ℎ</a:t>
-            </a:r>
-            <a:r>
-              <a:rPr lang="en-US" dirty="0"/>
-              <a:t>𝑒𝑟𝑒 𝑤𝑒𝑟𝑒 𝑛𝑒𝑣𝑒𝑟 𝑑𝑖𝑠𝑐𝑜𝑣𝑒𝑟𝑒𝑑.</a:t>
-            </a:r>
-          </a:p>
-          <a:p>
-            <a:r>
-              <a:rPr lang="en-US" dirty="0"/>
-              <a:t>3 curves in all</a:t>
-            </a:r>
-          </a:p>
-          <a:p>
-            <a:r>
-              <a:rPr lang="en-US" b="1" dirty="0"/>
-              <a:t>None of the sock posts are retweeted (reposted)</a:t>
-            </a:r>
-          </a:p>
-          <a:p>
-            <a:r>
-              <a:rPr lang="en-US" b="1" dirty="0"/>
-              <a:t>397 out of 1622 are commented on the sock posts</a:t>
-            </a:r>
-          </a:p>
-          <a:p>
-            <a:endParaRPr lang="en-US" dirty="0"/>
+              <a:t>OVERT has least activities</a:t>
+            </a:r>
+          </a:p>
+        </p:txBody>
+      </p:sp>
+      <p:sp>
+        <p:nvSpPr>
+          <p:cNvPr id="3" name="Slide Number Placeholder 2">
+            <a:extLst>
+              <a:ext uri="{FF2B5EF4-FFF2-40B4-BE49-F238E27FC236}">
+                <a16:creationId xmlns:a16="http://schemas.microsoft.com/office/drawing/2014/main" id="{4AC256A9-2C96-3D4E-B130-8E06E8F28C33}"/>
+              </a:ext>
+            </a:extLst>
+          </p:cNvPr>
+          <p:cNvSpPr>
+            <a:spLocks noGrp="1"/>
+          </p:cNvSpPr>
+          <p:nvPr>
+            <p:ph type="sldNum" sz="quarter" idx="12"/>
+          </p:nvPr>
+        </p:nvSpPr>
+        <p:spPr/>
+        <p:txBody>
+          <a:bodyPr/>
+          <a:lstStyle/>
+          <a:p>
+            <a:fld id="{24616A5F-DC9D-EE40-97A8-DF361035BFDB}" type="slidenum">
+              <a:rPr lang="en-US" smtClean="0"/>
+              <a:t>4</a:t>
+            </a:fld>
+            <a:endParaRPr lang="en-US"/>
           </a:p>
         </p:txBody>
       </p:sp>
     </p:spTree>
     <p:extLst>
       <p:ext uri="{BB962C8B-B14F-4D97-AF65-F5344CB8AC3E}">
-        <p14:creationId xmlns:p14="http://schemas.microsoft.com/office/powerpoint/2010/main" val="228399139"/>
+        <p14:creationId xmlns:p14="http://schemas.microsoft.com/office/powerpoint/2010/main" val="4209164790"/>
+      </p:ext>
+    </p:extLst>
+  </p:cSld>
+  <p:clrMapOvr>
+    <a:masterClrMapping/>
+  </p:clrMapOvr>
+</p:sld>
+</file>
+
+<file path=ppt/slides/slide5.xml><?xml version="1.0" encoding="utf-8"?>
+<p:sld xmlns:a="http://schemas.openxmlformats.org/drawingml/2006/main" xmlns:r="http://schemas.openxmlformats.org/officeDocument/2006/relationships" xmlns:p="http://schemas.openxmlformats.org/presentationml/2006/main">
+  <p:cSld>
+    <p:spTree>
+      <p:nvGrpSpPr>
+        <p:cNvPr id="1" name=""/>
+        <p:cNvGrpSpPr/>
+        <p:nvPr/>
+      </p:nvGrpSpPr>
+      <p:grpSpPr>
+        <a:xfrm>
+          <a:off x="0" y="0"/>
+          <a:ext cx="0" cy="0"/>
+          <a:chOff x="0" y="0"/>
+          <a:chExt cx="0" cy="0"/>
+        </a:xfrm>
+      </p:grpSpPr>
+      <mc:AlternateContent xmlns:mc="http://schemas.openxmlformats.org/markup-compatibility/2006" xmlns:a14="http://schemas.microsoft.com/office/drawing/2010/main">
+        <mc:Choice Requires="a14">
+          <p:sp>
+            <p:nvSpPr>
+              <p:cNvPr id="2" name="Title 1">
+                <a:extLst>
+                  <a:ext uri="{FF2B5EF4-FFF2-40B4-BE49-F238E27FC236}">
+                    <a16:creationId xmlns:a16="http://schemas.microsoft.com/office/drawing/2014/main" id="{7CD59750-3A61-1949-85AA-BA092B7D1160}"/>
+                  </a:ext>
+                </a:extLst>
+              </p:cNvPr>
+              <p:cNvSpPr>
+                <a:spLocks noGrp="1"/>
+              </p:cNvSpPr>
+              <p:nvPr>
+                <p:ph type="title"/>
+              </p:nvPr>
+            </p:nvSpPr>
+            <p:spPr/>
+            <p:txBody>
+              <a:bodyPr>
+                <a:normAutofit fontScale="90000"/>
+              </a:bodyPr>
+              <a:lstStyle/>
+              <a:p>
+                <a:r>
+                  <a:rPr lang="en-US" dirty="0"/>
+                  <a:t>Follower activities </a:t>
+                </a:r>
+                <a14:m>
+                  <m:oMath xmlns:m="http://schemas.openxmlformats.org/officeDocument/2006/math">
+                    <m:r>
+                      <m:rPr>
+                        <m:sty m:val="p"/>
+                      </m:rPr>
+                      <a:rPr lang="en-US" b="0" i="0" smtClean="0">
+                        <a:latin typeface="Cambria Math" panose="02040503050406030204" pitchFamily="18" charset="0"/>
+                      </a:rPr>
+                      <m:t>FA</m:t>
+                    </m:r>
+                    <m:d>
+                      <m:dPr>
+                        <m:ctrlPr>
+                          <a:rPr lang="en-US" b="0" i="1" smtClean="0">
+                            <a:latin typeface="Cambria Math" panose="02040503050406030204" pitchFamily="18" charset="0"/>
+                          </a:rPr>
+                        </m:ctrlPr>
+                      </m:dPr>
+                      <m:e>
+                        <m:r>
+                          <m:rPr>
+                            <m:sty m:val="p"/>
+                          </m:rPr>
+                          <a:rPr lang="en-US" b="0" i="0" smtClean="0">
+                            <a:latin typeface="Cambria Math" panose="02040503050406030204" pitchFamily="18" charset="0"/>
+                          </a:rPr>
+                          <m:t>u</m:t>
+                        </m:r>
+                      </m:e>
+                    </m:d>
+                    <m:r>
+                      <a:rPr lang="en-US" b="0" i="0" smtClean="0">
+                        <a:latin typeface="Cambria Math" panose="02040503050406030204" pitchFamily="18" charset="0"/>
+                      </a:rPr>
+                      <m:t>=</m:t>
+                    </m:r>
+                    <m:nary>
+                      <m:naryPr>
+                        <m:chr m:val="∑"/>
+                        <m:supHide m:val="on"/>
+                        <m:ctrlPr>
+                          <a:rPr lang="en-US" b="0" i="1" smtClean="0">
+                            <a:latin typeface="Cambria Math" panose="02040503050406030204" pitchFamily="18" charset="0"/>
+                          </a:rPr>
+                        </m:ctrlPr>
+                      </m:naryPr>
+                      <m:sub>
+                        <m:r>
+                          <m:rPr>
+                            <m:brk m:alnAt="7"/>
+                          </m:rPr>
+                          <a:rPr lang="en-US" b="0" i="1" smtClean="0">
+                            <a:latin typeface="Cambria Math" panose="02040503050406030204" pitchFamily="18" charset="0"/>
+                          </a:rPr>
+                          <m:t>𝑣</m:t>
+                        </m:r>
+                        <m:r>
+                          <a:rPr lang="en-US" b="0" i="1" smtClean="0">
+                            <a:latin typeface="Cambria Math" panose="02040503050406030204" pitchFamily="18" charset="0"/>
+                          </a:rPr>
+                          <m:t>∈</m:t>
+                        </m:r>
+                        <m:r>
+                          <a:rPr lang="en-US" b="0" i="1" smtClean="0">
+                            <a:latin typeface="Cambria Math" panose="02040503050406030204" pitchFamily="18" charset="0"/>
+                          </a:rPr>
+                          <m:t>𝐹𝑜𝑙𝑙𝑜𝑤𝑒𝑟𝑠</m:t>
+                        </m:r>
+                        <m:r>
+                          <a:rPr lang="en-US" b="0" i="1" smtClean="0">
+                            <a:latin typeface="Cambria Math" panose="02040503050406030204" pitchFamily="18" charset="0"/>
+                          </a:rPr>
+                          <m:t>(</m:t>
+                        </m:r>
+                        <m:r>
+                          <a:rPr lang="en-US" b="0" i="1" smtClean="0">
+                            <a:latin typeface="Cambria Math" panose="02040503050406030204" pitchFamily="18" charset="0"/>
+                          </a:rPr>
+                          <m:t>𝑢</m:t>
+                        </m:r>
+                        <m:r>
+                          <a:rPr lang="en-US" b="0" i="1" smtClean="0">
+                            <a:latin typeface="Cambria Math" panose="02040503050406030204" pitchFamily="18" charset="0"/>
+                          </a:rPr>
+                          <m:t>)</m:t>
+                        </m:r>
+                      </m:sub>
+                      <m:sup/>
+                      <m:e>
+                        <m:r>
+                          <a:rPr lang="en-US" b="0" i="1" smtClean="0">
+                            <a:latin typeface="Cambria Math" panose="02040503050406030204" pitchFamily="18" charset="0"/>
+                          </a:rPr>
+                          <m:t>𝑇𝑤𝑒𝑒𝑡𝑠</m:t>
+                        </m:r>
+                        <m:r>
+                          <a:rPr lang="en-US" b="0" i="1" smtClean="0">
+                            <a:latin typeface="Cambria Math" panose="02040503050406030204" pitchFamily="18" charset="0"/>
+                          </a:rPr>
+                          <m:t>(</m:t>
+                        </m:r>
+                        <m:r>
+                          <a:rPr lang="en-US" b="0" i="1" smtClean="0">
+                            <a:latin typeface="Cambria Math" panose="02040503050406030204" pitchFamily="18" charset="0"/>
+                          </a:rPr>
+                          <m:t>𝑣</m:t>
+                        </m:r>
+                        <m:r>
+                          <a:rPr lang="en-US" b="0" i="1" smtClean="0">
+                            <a:latin typeface="Cambria Math" panose="02040503050406030204" pitchFamily="18" charset="0"/>
+                          </a:rPr>
+                          <m:t>)</m:t>
+                        </m:r>
+                      </m:e>
+                    </m:nary>
+                  </m:oMath>
+                </a14:m>
+                <a:endParaRPr lang="en-US" dirty="0"/>
+              </a:p>
+            </p:txBody>
+          </p:sp>
+        </mc:Choice>
+        <mc:Fallback xmlns="">
+          <p:sp>
+            <p:nvSpPr>
+              <p:cNvPr id="2" name="Title 1">
+                <a:extLst>
+                  <a:ext uri="{FF2B5EF4-FFF2-40B4-BE49-F238E27FC236}">
+                    <a16:creationId xmlns:a16="http://schemas.microsoft.com/office/drawing/2014/main" id="{7CD59750-3A61-1949-85AA-BA092B7D1160}"/>
+                  </a:ext>
+                </a:extLst>
+              </p:cNvPr>
+              <p:cNvSpPr>
+                <a:spLocks noGrp="1" noRot="1" noChangeAspect="1" noMove="1" noResize="1" noEditPoints="1" noAdjustHandles="1" noChangeArrowheads="1" noChangeShapeType="1" noTextEdit="1"/>
+              </p:cNvSpPr>
+              <p:nvPr>
+                <p:ph type="title"/>
+              </p:nvPr>
+            </p:nvSpPr>
+            <p:spPr>
+              <a:blipFill>
+                <a:blip r:embed="rId2"/>
+                <a:stretch>
+                  <a:fillRect l="-7971" t="-34615" b="-106731"/>
+                </a:stretch>
+              </a:blipFill>
+            </p:spPr>
+            <p:txBody>
+              <a:bodyPr/>
+              <a:lstStyle/>
+              <a:p>
+                <a:r>
+                  <a:rPr lang="en-US">
+                    <a:noFill/>
+                  </a:rPr>
+                  <a:t> </a:t>
+                </a:r>
+              </a:p>
+            </p:txBody>
+          </p:sp>
+        </mc:Fallback>
+      </mc:AlternateContent>
+      <p:pic>
+        <p:nvPicPr>
+          <p:cNvPr id="5" name="Content Placeholder 4">
+            <a:extLst>
+              <a:ext uri="{FF2B5EF4-FFF2-40B4-BE49-F238E27FC236}">
+                <a16:creationId xmlns:a16="http://schemas.microsoft.com/office/drawing/2014/main" id="{E07AA9DB-4CEA-2845-BCF9-818FA5AC74F5}"/>
+              </a:ext>
+            </a:extLst>
+          </p:cNvPr>
+          <p:cNvPicPr>
+            <a:picLocks noGrp="1" noChangeAspect="1"/>
+          </p:cNvPicPr>
+          <p:nvPr>
+            <p:ph sz="half" idx="1"/>
+          </p:nvPr>
+        </p:nvPicPr>
+        <p:blipFill>
+          <a:blip r:embed="rId3"/>
+          <a:stretch>
+            <a:fillRect/>
+          </a:stretch>
+        </p:blipFill>
+        <p:spPr>
+          <a:xfrm>
+            <a:off x="946150" y="2299494"/>
+            <a:ext cx="4965700" cy="3403600"/>
+          </a:xfrm>
+          <a:prstGeom prst="rect">
+            <a:avLst/>
+          </a:prstGeom>
+        </p:spPr>
+      </p:pic>
+      <p:pic>
+        <p:nvPicPr>
+          <p:cNvPr id="6" name="Content Placeholder 5">
+            <a:extLst>
+              <a:ext uri="{FF2B5EF4-FFF2-40B4-BE49-F238E27FC236}">
+                <a16:creationId xmlns:a16="http://schemas.microsoft.com/office/drawing/2014/main" id="{4C3DBD7B-CE6D-F64E-B6AF-72E80E03755B}"/>
+              </a:ext>
+            </a:extLst>
+          </p:cNvPr>
+          <p:cNvPicPr>
+            <a:picLocks noGrp="1" noChangeAspect="1"/>
+          </p:cNvPicPr>
+          <p:nvPr>
+            <p:ph sz="half" idx="2"/>
+          </p:nvPr>
+        </p:nvPicPr>
+        <p:blipFill>
+          <a:blip r:embed="rId4"/>
+          <a:stretch>
+            <a:fillRect/>
+          </a:stretch>
+        </p:blipFill>
+        <p:spPr>
+          <a:xfrm>
+            <a:off x="6318250" y="2312194"/>
+            <a:ext cx="4889500" cy="3378200"/>
+          </a:xfrm>
+          <a:prstGeom prst="rect">
+            <a:avLst/>
+          </a:prstGeom>
+        </p:spPr>
+      </p:pic>
+      <p:sp>
+        <p:nvSpPr>
+          <p:cNvPr id="7" name="TextBox 6">
+            <a:extLst>
+              <a:ext uri="{FF2B5EF4-FFF2-40B4-BE49-F238E27FC236}">
+                <a16:creationId xmlns:a16="http://schemas.microsoft.com/office/drawing/2014/main" id="{395D8E72-B1EC-154B-8600-9CBAC9E4C9FA}"/>
+              </a:ext>
+            </a:extLst>
+          </p:cNvPr>
+          <p:cNvSpPr txBox="1"/>
+          <p:nvPr/>
+        </p:nvSpPr>
+        <p:spPr>
+          <a:xfrm>
+            <a:off x="665018" y="6127668"/>
+            <a:ext cx="7217938" cy="369332"/>
+          </a:xfrm>
+          <a:prstGeom prst="rect">
+            <a:avLst/>
+          </a:prstGeom>
+          <a:noFill/>
+        </p:spPr>
+        <p:txBody>
+          <a:bodyPr wrap="none" rtlCol="0">
+            <a:spAutoFit/>
+          </a:bodyPr>
+          <a:lstStyle/>
+          <a:p>
+            <a:r>
+              <a:rPr lang="en-US" dirty="0"/>
+              <a:t>Followers for COVERT has activities, which are also likely to be sockpuppets</a:t>
+            </a:r>
+          </a:p>
+        </p:txBody>
+      </p:sp>
+      <p:sp>
+        <p:nvSpPr>
+          <p:cNvPr id="3" name="Slide Number Placeholder 2">
+            <a:extLst>
+              <a:ext uri="{FF2B5EF4-FFF2-40B4-BE49-F238E27FC236}">
+                <a16:creationId xmlns:a16="http://schemas.microsoft.com/office/drawing/2014/main" id="{BF6BF318-586C-1F4D-9798-BD8A1AF7EDC8}"/>
+              </a:ext>
+            </a:extLst>
+          </p:cNvPr>
+          <p:cNvSpPr>
+            <a:spLocks noGrp="1"/>
+          </p:cNvSpPr>
+          <p:nvPr>
+            <p:ph type="sldNum" sz="quarter" idx="12"/>
+          </p:nvPr>
+        </p:nvSpPr>
+        <p:spPr/>
+        <p:txBody>
+          <a:bodyPr/>
+          <a:lstStyle/>
+          <a:p>
+            <a:fld id="{24616A5F-DC9D-EE40-97A8-DF361035BFDB}" type="slidenum">
+              <a:rPr lang="en-US" smtClean="0"/>
+              <a:t>5</a:t>
+            </a:fld>
+            <a:endParaRPr lang="en-US"/>
+          </a:p>
+        </p:txBody>
+      </p:sp>
+    </p:spTree>
+    <p:extLst>
+      <p:ext uri="{BB962C8B-B14F-4D97-AF65-F5344CB8AC3E}">
+        <p14:creationId xmlns:p14="http://schemas.microsoft.com/office/powerpoint/2010/main" val="3824423977"/>
+      </p:ext>
+    </p:extLst>
+  </p:cSld>
+  <p:clrMapOvr>
+    <a:masterClrMapping/>
+  </p:clrMapOvr>
+</p:sld>
+</file>
+
+<file path=ppt/slides/slide6.xml><?xml version="1.0" encoding="utf-8"?>
+<p:sld xmlns:a="http://schemas.openxmlformats.org/drawingml/2006/main" xmlns:r="http://schemas.openxmlformats.org/officeDocument/2006/relationships" xmlns:p="http://schemas.openxmlformats.org/presentationml/2006/main">
+  <p:cSld>
+    <p:spTree>
+      <p:nvGrpSpPr>
+        <p:cNvPr id="1" name=""/>
+        <p:cNvGrpSpPr/>
+        <p:nvPr/>
+      </p:nvGrpSpPr>
+      <p:grpSpPr>
+        <a:xfrm>
+          <a:off x="0" y="0"/>
+          <a:ext cx="0" cy="0"/>
+          <a:chOff x="0" y="0"/>
+          <a:chExt cx="0" cy="0"/>
+        </a:xfrm>
+      </p:grpSpPr>
+      <mc:AlternateContent xmlns:mc="http://schemas.openxmlformats.org/markup-compatibility/2006" xmlns:a14="http://schemas.microsoft.com/office/drawing/2010/main">
+        <mc:Choice Requires="a14">
+          <p:sp>
+            <p:nvSpPr>
+              <p:cNvPr id="2" name="Title 1">
+                <a:extLst>
+                  <a:ext uri="{FF2B5EF4-FFF2-40B4-BE49-F238E27FC236}">
+                    <a16:creationId xmlns:a16="http://schemas.microsoft.com/office/drawing/2014/main" id="{1F05F370-281B-1840-870B-D13531721643}"/>
+                  </a:ext>
+                </a:extLst>
+              </p:cNvPr>
+              <p:cNvSpPr>
+                <a:spLocks noGrp="1"/>
+              </p:cNvSpPr>
+              <p:nvPr>
+                <p:ph type="title"/>
+              </p:nvPr>
+            </p:nvSpPr>
+            <p:spPr/>
+            <p:txBody>
+              <a:bodyPr/>
+              <a:lstStyle/>
+              <a:p>
+                <a:r>
+                  <a:rPr lang="en-US" dirty="0"/>
+                  <a:t>Direct Influence </a:t>
+                </a:r>
+                <a14:m>
+                  <m:oMath xmlns:m="http://schemas.openxmlformats.org/officeDocument/2006/math">
+                    <m:r>
+                      <a:rPr lang="en-US" b="0" i="1" smtClean="0">
+                        <a:latin typeface="Cambria Math" panose="02040503050406030204" pitchFamily="18" charset="0"/>
+                      </a:rPr>
+                      <m:t>𝐷𝐼</m:t>
+                    </m:r>
+                    <m:d>
+                      <m:dPr>
+                        <m:ctrlPr>
+                          <a:rPr lang="en-US" b="0" i="1" smtClean="0">
+                            <a:latin typeface="Cambria Math" panose="02040503050406030204" pitchFamily="18" charset="0"/>
+                          </a:rPr>
+                        </m:ctrlPr>
+                      </m:dPr>
+                      <m:e>
+                        <m:r>
+                          <a:rPr lang="en-US" b="0" i="1" smtClean="0">
+                            <a:latin typeface="Cambria Math" panose="02040503050406030204" pitchFamily="18" charset="0"/>
+                          </a:rPr>
+                          <m:t>𝑢</m:t>
+                        </m:r>
+                      </m:e>
+                    </m:d>
+                    <m:r>
+                      <a:rPr lang="en-US" b="0" i="1" smtClean="0">
+                        <a:latin typeface="Cambria Math" panose="02040503050406030204" pitchFamily="18" charset="0"/>
+                      </a:rPr>
+                      <m:t>=</m:t>
+                    </m:r>
+                    <m:f>
+                      <m:fPr>
+                        <m:ctrlPr>
+                          <a:rPr lang="en-US" b="0" i="1" smtClean="0">
+                            <a:latin typeface="Cambria Math" panose="02040503050406030204" pitchFamily="18" charset="0"/>
+                          </a:rPr>
+                        </m:ctrlPr>
+                      </m:fPr>
+                      <m:num>
+                        <m:r>
+                          <a:rPr lang="en-US" b="0" i="1" smtClean="0">
+                            <a:latin typeface="Cambria Math" panose="02040503050406030204" pitchFamily="18" charset="0"/>
+                          </a:rPr>
+                          <m:t>𝑇𝑤𝑒𝑒𝑡𝑠</m:t>
+                        </m:r>
+                        <m:r>
+                          <a:rPr lang="en-US" b="0" i="1" smtClean="0">
+                            <a:latin typeface="Cambria Math" panose="02040503050406030204" pitchFamily="18" charset="0"/>
+                          </a:rPr>
+                          <m:t>(</m:t>
+                        </m:r>
+                        <m:r>
+                          <a:rPr lang="en-US" b="0" i="1" smtClean="0">
+                            <a:latin typeface="Cambria Math" panose="02040503050406030204" pitchFamily="18" charset="0"/>
+                          </a:rPr>
+                          <m:t>𝑢</m:t>
+                        </m:r>
+                        <m:r>
+                          <a:rPr lang="en-US" b="0" i="1" smtClean="0">
+                            <a:latin typeface="Cambria Math" panose="02040503050406030204" pitchFamily="18" charset="0"/>
+                          </a:rPr>
+                          <m:t>)</m:t>
+                        </m:r>
+                      </m:num>
+                      <m:den>
+                        <m:r>
+                          <a:rPr lang="en-US" b="0" i="1" smtClean="0">
+                            <a:latin typeface="Cambria Math" panose="02040503050406030204" pitchFamily="18" charset="0"/>
+                          </a:rPr>
+                          <m:t>𝐹𝐴</m:t>
+                        </m:r>
+                        <m:r>
+                          <a:rPr lang="en-US" b="0" i="1" smtClean="0">
+                            <a:latin typeface="Cambria Math" panose="02040503050406030204" pitchFamily="18" charset="0"/>
+                          </a:rPr>
+                          <m:t>(</m:t>
+                        </m:r>
+                        <m:r>
+                          <a:rPr lang="en-US" b="0" i="1" smtClean="0">
+                            <a:latin typeface="Cambria Math" panose="02040503050406030204" pitchFamily="18" charset="0"/>
+                          </a:rPr>
+                          <m:t>𝑢</m:t>
+                        </m:r>
+                        <m:r>
+                          <a:rPr lang="en-US" b="0" i="1" smtClean="0">
+                            <a:latin typeface="Cambria Math" panose="02040503050406030204" pitchFamily="18" charset="0"/>
+                          </a:rPr>
+                          <m:t>)</m:t>
+                        </m:r>
+                      </m:den>
+                    </m:f>
+                  </m:oMath>
+                </a14:m>
+                <a:endParaRPr lang="en-US" dirty="0"/>
+              </a:p>
+            </p:txBody>
+          </p:sp>
+        </mc:Choice>
+        <mc:Fallback xmlns="">
+          <p:sp>
+            <p:nvSpPr>
+              <p:cNvPr id="2" name="Title 1">
+                <a:extLst>
+                  <a:ext uri="{FF2B5EF4-FFF2-40B4-BE49-F238E27FC236}">
+                    <a16:creationId xmlns:a16="http://schemas.microsoft.com/office/drawing/2014/main" id="{1F05F370-281B-1840-870B-D13531721643}"/>
+                  </a:ext>
+                </a:extLst>
+              </p:cNvPr>
+              <p:cNvSpPr>
+                <a:spLocks noGrp="1" noRot="1" noChangeAspect="1" noMove="1" noResize="1" noEditPoints="1" noAdjustHandles="1" noChangeArrowheads="1" noChangeShapeType="1" noTextEdit="1"/>
+              </p:cNvSpPr>
+              <p:nvPr>
+                <p:ph type="title"/>
+              </p:nvPr>
+            </p:nvSpPr>
+            <p:spPr>
+              <a:blipFill>
+                <a:blip r:embed="rId2"/>
+                <a:stretch>
+                  <a:fillRect l="-2415" b="-2885"/>
+                </a:stretch>
+              </a:blipFill>
+            </p:spPr>
+            <p:txBody>
+              <a:bodyPr/>
+              <a:lstStyle/>
+              <a:p>
+                <a:r>
+                  <a:rPr lang="en-US">
+                    <a:noFill/>
+                  </a:rPr>
+                  <a:t> </a:t>
+                </a:r>
+              </a:p>
+            </p:txBody>
+          </p:sp>
+        </mc:Fallback>
+      </mc:AlternateContent>
+      <p:pic>
+        <p:nvPicPr>
+          <p:cNvPr id="9" name="Content Placeholder 8">
+            <a:extLst>
+              <a:ext uri="{FF2B5EF4-FFF2-40B4-BE49-F238E27FC236}">
+                <a16:creationId xmlns:a16="http://schemas.microsoft.com/office/drawing/2014/main" id="{60FB4AA0-EFD5-764A-8776-AB0D8B052AF7}"/>
+              </a:ext>
+            </a:extLst>
+          </p:cNvPr>
+          <p:cNvPicPr>
+            <a:picLocks noGrp="1" noChangeAspect="1"/>
+          </p:cNvPicPr>
+          <p:nvPr>
+            <p:ph sz="half" idx="1"/>
+          </p:nvPr>
+        </p:nvPicPr>
+        <p:blipFill>
+          <a:blip r:embed="rId3"/>
+          <a:stretch>
+            <a:fillRect/>
+          </a:stretch>
+        </p:blipFill>
+        <p:spPr>
+          <a:xfrm>
+            <a:off x="920750" y="2356644"/>
+            <a:ext cx="5016500" cy="3289300"/>
+          </a:xfrm>
+          <a:prstGeom prst="rect">
+            <a:avLst/>
+          </a:prstGeom>
+        </p:spPr>
+      </p:pic>
+      <p:pic>
+        <p:nvPicPr>
+          <p:cNvPr id="12" name="Content Placeholder 11">
+            <a:extLst>
+              <a:ext uri="{FF2B5EF4-FFF2-40B4-BE49-F238E27FC236}">
+                <a16:creationId xmlns:a16="http://schemas.microsoft.com/office/drawing/2014/main" id="{5A10DB26-0DA3-B349-A008-2A43A4786BE8}"/>
+              </a:ext>
+            </a:extLst>
+          </p:cNvPr>
+          <p:cNvPicPr>
+            <a:picLocks noGrp="1" noChangeAspect="1"/>
+          </p:cNvPicPr>
+          <p:nvPr>
+            <p:ph sz="half" idx="2"/>
+          </p:nvPr>
+        </p:nvPicPr>
+        <p:blipFill>
+          <a:blip r:embed="rId4"/>
+          <a:stretch>
+            <a:fillRect/>
+          </a:stretch>
+        </p:blipFill>
+        <p:spPr>
+          <a:xfrm>
+            <a:off x="6261100" y="2280444"/>
+            <a:ext cx="5003800" cy="3441700"/>
+          </a:xfrm>
+          <a:prstGeom prst="rect">
+            <a:avLst/>
+          </a:prstGeom>
+        </p:spPr>
+      </p:pic>
+      <p:sp>
+        <p:nvSpPr>
+          <p:cNvPr id="13" name="TextBox 12">
+            <a:extLst>
+              <a:ext uri="{FF2B5EF4-FFF2-40B4-BE49-F238E27FC236}">
+                <a16:creationId xmlns:a16="http://schemas.microsoft.com/office/drawing/2014/main" id="{BE0EBA47-CFC6-3243-9D8A-446C00B2B48C}"/>
+              </a:ext>
+            </a:extLst>
+          </p:cNvPr>
+          <p:cNvSpPr txBox="1"/>
+          <p:nvPr/>
+        </p:nvSpPr>
+        <p:spPr>
+          <a:xfrm>
+            <a:off x="546265" y="6008914"/>
+            <a:ext cx="6504281" cy="646331"/>
+          </a:xfrm>
+          <a:prstGeom prst="rect">
+            <a:avLst/>
+          </a:prstGeom>
+          <a:noFill/>
+        </p:spPr>
+        <p:txBody>
+          <a:bodyPr wrap="none" rtlCol="0">
+            <a:spAutoFit/>
+          </a:bodyPr>
+          <a:lstStyle/>
+          <a:p>
+            <a:r>
+              <a:rPr lang="en-US" dirty="0"/>
+              <a:t>Hard to distinguish sockpuppets or normal users by direct influence</a:t>
+            </a:r>
+          </a:p>
+          <a:p>
+            <a:r>
+              <a:rPr lang="en-US" dirty="0"/>
+              <a:t>COVERT has most direct influence</a:t>
+            </a:r>
+          </a:p>
+        </p:txBody>
+      </p:sp>
+      <p:sp>
+        <p:nvSpPr>
+          <p:cNvPr id="3" name="Slide Number Placeholder 2">
+            <a:extLst>
+              <a:ext uri="{FF2B5EF4-FFF2-40B4-BE49-F238E27FC236}">
+                <a16:creationId xmlns:a16="http://schemas.microsoft.com/office/drawing/2014/main" id="{57BB5309-865B-C54C-9FA1-163DBA46597C}"/>
+              </a:ext>
+            </a:extLst>
+          </p:cNvPr>
+          <p:cNvSpPr>
+            <a:spLocks noGrp="1"/>
+          </p:cNvSpPr>
+          <p:nvPr>
+            <p:ph type="sldNum" sz="quarter" idx="12"/>
+          </p:nvPr>
+        </p:nvSpPr>
+        <p:spPr/>
+        <p:txBody>
+          <a:bodyPr/>
+          <a:lstStyle/>
+          <a:p>
+            <a:fld id="{24616A5F-DC9D-EE40-97A8-DF361035BFDB}" type="slidenum">
+              <a:rPr lang="en-US" smtClean="0"/>
+              <a:t>6</a:t>
+            </a:fld>
+            <a:endParaRPr lang="en-US"/>
+          </a:p>
+        </p:txBody>
+      </p:sp>
+    </p:spTree>
+    <p:extLst>
+      <p:ext uri="{BB962C8B-B14F-4D97-AF65-F5344CB8AC3E}">
+        <p14:creationId xmlns:p14="http://schemas.microsoft.com/office/powerpoint/2010/main" val="1421959787"/>
+      </p:ext>
+    </p:extLst>
+  </p:cSld>
+  <p:clrMapOvr>
+    <a:masterClrMapping/>
+  </p:clrMapOvr>
+</p:sld>
+</file>
+
+<file path=ppt/slides/slide7.xml><?xml version="1.0" encoding="utf-8"?>
+<p:sld xmlns:a="http://schemas.openxmlformats.org/drawingml/2006/main" xmlns:r="http://schemas.openxmlformats.org/officeDocument/2006/relationships" xmlns:p="http://schemas.openxmlformats.org/presentationml/2006/main">
+  <p:cSld>
+    <p:spTree>
+      <p:nvGrpSpPr>
+        <p:cNvPr id="1" name=""/>
+        <p:cNvGrpSpPr/>
+        <p:nvPr/>
+      </p:nvGrpSpPr>
+      <p:grpSpPr>
+        <a:xfrm>
+          <a:off x="0" y="0"/>
+          <a:ext cx="0" cy="0"/>
+          <a:chOff x="0" y="0"/>
+          <a:chExt cx="0" cy="0"/>
+        </a:xfrm>
+      </p:grpSpPr>
+      <p:sp>
+        <p:nvSpPr>
+          <p:cNvPr id="2" name="Title 1">
+            <a:extLst>
+              <a:ext uri="{FF2B5EF4-FFF2-40B4-BE49-F238E27FC236}">
+                <a16:creationId xmlns:a16="http://schemas.microsoft.com/office/drawing/2014/main" id="{2B341EE0-8BE1-6744-B7A9-340881B1FD8D}"/>
+              </a:ext>
+            </a:extLst>
+          </p:cNvPr>
+          <p:cNvSpPr>
+            <a:spLocks noGrp="1"/>
+          </p:cNvSpPr>
+          <p:nvPr>
+            <p:ph type="title"/>
+          </p:nvPr>
+        </p:nvSpPr>
+        <p:spPr/>
+        <p:txBody>
+          <a:bodyPr/>
+          <a:lstStyle/>
+          <a:p>
+            <a:r>
+              <a:rPr lang="en-US" dirty="0"/>
+              <a:t>Number of discovered by strategies</a:t>
+            </a:r>
+          </a:p>
+        </p:txBody>
+      </p:sp>
+      <p:pic>
+        <p:nvPicPr>
+          <p:cNvPr id="5" name="Content Placeholder 4">
+            <a:extLst>
+              <a:ext uri="{FF2B5EF4-FFF2-40B4-BE49-F238E27FC236}">
+                <a16:creationId xmlns:a16="http://schemas.microsoft.com/office/drawing/2014/main" id="{FAAED3A6-71ED-E24E-BA39-09EA9034961D}"/>
+              </a:ext>
+            </a:extLst>
+          </p:cNvPr>
+          <p:cNvPicPr>
+            <a:picLocks noGrp="1" noChangeAspect="1"/>
+          </p:cNvPicPr>
+          <p:nvPr>
+            <p:ph sz="half" idx="1"/>
+          </p:nvPr>
+        </p:nvPicPr>
+        <p:blipFill>
+          <a:blip r:embed="rId2"/>
+          <a:stretch>
+            <a:fillRect/>
+          </a:stretch>
+        </p:blipFill>
+        <p:spPr>
+          <a:xfrm>
+            <a:off x="933450" y="2331244"/>
+            <a:ext cx="4991100" cy="3340100"/>
+          </a:xfrm>
+          <a:prstGeom prst="rect">
+            <a:avLst/>
+          </a:prstGeom>
+        </p:spPr>
+      </p:pic>
+      <p:sp>
+        <p:nvSpPr>
+          <p:cNvPr id="4" name="Content Placeholder 3">
+            <a:extLst>
+              <a:ext uri="{FF2B5EF4-FFF2-40B4-BE49-F238E27FC236}">
+                <a16:creationId xmlns:a16="http://schemas.microsoft.com/office/drawing/2014/main" id="{80A66004-DCB7-744C-A310-8E609540FCFE}"/>
+              </a:ext>
+            </a:extLst>
+          </p:cNvPr>
+          <p:cNvSpPr>
+            <a:spLocks noGrp="1"/>
+          </p:cNvSpPr>
+          <p:nvPr>
+            <p:ph sz="half" idx="2"/>
+          </p:nvPr>
+        </p:nvSpPr>
+        <p:spPr/>
+        <p:txBody>
+          <a:bodyPr/>
+          <a:lstStyle/>
+          <a:p>
+            <a:r>
+              <a:rPr lang="en-US" dirty="0"/>
+              <a:t>8 sockpuppets are discovered</a:t>
+            </a:r>
+          </a:p>
+          <a:p>
+            <a:pPr lvl="1"/>
+            <a:r>
+              <a:rPr lang="en-US" dirty="0"/>
+              <a:t>4 COVERT</a:t>
+            </a:r>
+          </a:p>
+          <a:p>
+            <a:pPr lvl="1"/>
+            <a:r>
+              <a:rPr lang="en-US" dirty="0"/>
+              <a:t>3 OVERT</a:t>
+            </a:r>
+          </a:p>
+          <a:p>
+            <a:pPr lvl="1"/>
+            <a:r>
+              <a:rPr lang="en-US" dirty="0"/>
+              <a:t>1 UNRESTRICTED</a:t>
+            </a:r>
+          </a:p>
+        </p:txBody>
+      </p:sp>
+      <p:sp>
+        <p:nvSpPr>
+          <p:cNvPr id="3" name="Slide Number Placeholder 2">
+            <a:extLst>
+              <a:ext uri="{FF2B5EF4-FFF2-40B4-BE49-F238E27FC236}">
+                <a16:creationId xmlns:a16="http://schemas.microsoft.com/office/drawing/2014/main" id="{5B1B45B2-28C9-3C48-B3C0-57DBA38111DD}"/>
+              </a:ext>
+            </a:extLst>
+          </p:cNvPr>
+          <p:cNvSpPr>
+            <a:spLocks noGrp="1"/>
+          </p:cNvSpPr>
+          <p:nvPr>
+            <p:ph type="sldNum" sz="quarter" idx="12"/>
+          </p:nvPr>
+        </p:nvSpPr>
+        <p:spPr/>
+        <p:txBody>
+          <a:bodyPr/>
+          <a:lstStyle/>
+          <a:p>
+            <a:fld id="{24616A5F-DC9D-EE40-97A8-DF361035BFDB}" type="slidenum">
+              <a:rPr lang="en-US" smtClean="0"/>
+              <a:t>7</a:t>
+            </a:fld>
+            <a:endParaRPr lang="en-US"/>
+          </a:p>
+        </p:txBody>
+      </p:sp>
+    </p:spTree>
+    <p:extLst>
+      <p:ext uri="{BB962C8B-B14F-4D97-AF65-F5344CB8AC3E}">
+        <p14:creationId xmlns:p14="http://schemas.microsoft.com/office/powerpoint/2010/main" val="3451669571"/>
+      </p:ext>
+    </p:extLst>
+  </p:cSld>
+  <p:clrMapOvr>
+    <a:masterClrMapping/>
+  </p:clrMapOvr>
+</p:sld>
+</file>
+
+<file path=ppt/slides/slide8.xml><?xml version="1.0" encoding="utf-8"?>
+<p:sld xmlns:a="http://schemas.openxmlformats.org/drawingml/2006/main" xmlns:r="http://schemas.openxmlformats.org/officeDocument/2006/relationships" xmlns:p="http://schemas.openxmlformats.org/presentationml/2006/main">
+  <p:cSld>
+    <p:spTree>
+      <p:nvGrpSpPr>
+        <p:cNvPr id="1" name=""/>
+        <p:cNvGrpSpPr/>
+        <p:nvPr/>
+      </p:nvGrpSpPr>
+      <p:grpSpPr>
+        <a:xfrm>
+          <a:off x="0" y="0"/>
+          <a:ext cx="0" cy="0"/>
+          <a:chOff x="0" y="0"/>
+          <a:chExt cx="0" cy="0"/>
+        </a:xfrm>
+      </p:grpSpPr>
+      <p:sp>
+        <p:nvSpPr>
+          <p:cNvPr id="2" name="Title 1">
+            <a:extLst>
+              <a:ext uri="{FF2B5EF4-FFF2-40B4-BE49-F238E27FC236}">
+                <a16:creationId xmlns:a16="http://schemas.microsoft.com/office/drawing/2014/main" id="{FFFE1FB0-1ED4-D94E-AC5A-D56483534C62}"/>
+              </a:ext>
+            </a:extLst>
+          </p:cNvPr>
+          <p:cNvSpPr>
+            <a:spLocks noGrp="1"/>
+          </p:cNvSpPr>
+          <p:nvPr>
+            <p:ph type="title"/>
+          </p:nvPr>
+        </p:nvSpPr>
+        <p:spPr/>
+        <p:txBody>
+          <a:bodyPr/>
+          <a:lstStyle/>
+          <a:p>
+            <a:r>
+              <a:rPr lang="en-US" dirty="0"/>
+              <a:t>Average time to discover</a:t>
+            </a:r>
+          </a:p>
+        </p:txBody>
+      </p:sp>
+      <p:pic>
+        <p:nvPicPr>
+          <p:cNvPr id="5" name="Content Placeholder 4">
+            <a:extLst>
+              <a:ext uri="{FF2B5EF4-FFF2-40B4-BE49-F238E27FC236}">
+                <a16:creationId xmlns:a16="http://schemas.microsoft.com/office/drawing/2014/main" id="{D581FEDF-1ED6-AF47-B426-A6107D2E60A7}"/>
+              </a:ext>
+            </a:extLst>
+          </p:cNvPr>
+          <p:cNvPicPr>
+            <a:picLocks noGrp="1" noChangeAspect="1"/>
+          </p:cNvPicPr>
+          <p:nvPr>
+            <p:ph sz="half" idx="1"/>
+          </p:nvPr>
+        </p:nvPicPr>
+        <p:blipFill>
+          <a:blip r:embed="rId2"/>
+          <a:stretch>
+            <a:fillRect/>
+          </a:stretch>
+        </p:blipFill>
+        <p:spPr>
+          <a:xfrm>
+            <a:off x="908050" y="2324894"/>
+            <a:ext cx="5041900" cy="3352800"/>
+          </a:xfrm>
+          <a:prstGeom prst="rect">
+            <a:avLst/>
+          </a:prstGeom>
+        </p:spPr>
+      </p:pic>
+      <p:sp>
+        <p:nvSpPr>
+          <p:cNvPr id="4" name="Content Placeholder 3">
+            <a:extLst>
+              <a:ext uri="{FF2B5EF4-FFF2-40B4-BE49-F238E27FC236}">
+                <a16:creationId xmlns:a16="http://schemas.microsoft.com/office/drawing/2014/main" id="{587A6EC4-691F-FD43-9D77-6E22C9029E06}"/>
+              </a:ext>
+            </a:extLst>
+          </p:cNvPr>
+          <p:cNvSpPr>
+            <a:spLocks noGrp="1"/>
+          </p:cNvSpPr>
+          <p:nvPr>
+            <p:ph sz="half" idx="2"/>
+          </p:nvPr>
+        </p:nvSpPr>
+        <p:spPr/>
+        <p:txBody>
+          <a:bodyPr/>
+          <a:lstStyle/>
+          <a:p>
+            <a:r>
+              <a:rPr lang="en-US" dirty="0"/>
+              <a:t>UNRESTRICTED sockpuppets takes </a:t>
+            </a:r>
+            <a:r>
+              <a:rPr lang="en-US" b="1" dirty="0"/>
+              <a:t>1 day</a:t>
+            </a:r>
+            <a:r>
+              <a:rPr lang="en-US" dirty="0"/>
+              <a:t> to discover on average (</a:t>
+            </a:r>
+            <a:r>
+              <a:rPr lang="en-US" b="1" dirty="0"/>
+              <a:t>only one sample</a:t>
+            </a:r>
+            <a:r>
+              <a:rPr lang="en-US" dirty="0"/>
+              <a:t>)</a:t>
+            </a:r>
+          </a:p>
+        </p:txBody>
+      </p:sp>
+      <p:sp>
+        <p:nvSpPr>
+          <p:cNvPr id="3" name="Slide Number Placeholder 2">
+            <a:extLst>
+              <a:ext uri="{FF2B5EF4-FFF2-40B4-BE49-F238E27FC236}">
+                <a16:creationId xmlns:a16="http://schemas.microsoft.com/office/drawing/2014/main" id="{120E5A24-9428-1B47-83CF-C347F1934C05}"/>
+              </a:ext>
+            </a:extLst>
+          </p:cNvPr>
+          <p:cNvSpPr>
+            <a:spLocks noGrp="1"/>
+          </p:cNvSpPr>
+          <p:nvPr>
+            <p:ph type="sldNum" sz="quarter" idx="12"/>
+          </p:nvPr>
+        </p:nvSpPr>
+        <p:spPr/>
+        <p:txBody>
+          <a:bodyPr/>
+          <a:lstStyle/>
+          <a:p>
+            <a:fld id="{24616A5F-DC9D-EE40-97A8-DF361035BFDB}" type="slidenum">
+              <a:rPr lang="en-US" smtClean="0"/>
+              <a:t>8</a:t>
+            </a:fld>
+            <a:endParaRPr lang="en-US"/>
+          </a:p>
+        </p:txBody>
+      </p:sp>
+    </p:spTree>
+    <p:extLst>
+      <p:ext uri="{BB962C8B-B14F-4D97-AF65-F5344CB8AC3E}">
+        <p14:creationId xmlns:p14="http://schemas.microsoft.com/office/powerpoint/2010/main" val="3225662817"/>
+      </p:ext>
+    </p:extLst>
+  </p:cSld>
+  <p:clrMapOvr>
+    <a:masterClrMapping/>
+  </p:clrMapOvr>
+</p:sld>
+</file>
+
+<file path=ppt/slides/slide9.xml><?xml version="1.0" encoding="utf-8"?>
+<p:sld xmlns:a="http://schemas.openxmlformats.org/drawingml/2006/main" xmlns:r="http://schemas.openxmlformats.org/officeDocument/2006/relationships" xmlns:p="http://schemas.openxmlformats.org/presentationml/2006/main">
+  <p:cSld>
+    <p:spTree>
+      <p:nvGrpSpPr>
+        <p:cNvPr id="1" name=""/>
+        <p:cNvGrpSpPr/>
+        <p:nvPr/>
+      </p:nvGrpSpPr>
+      <p:grpSpPr>
+        <a:xfrm>
+          <a:off x="0" y="0"/>
+          <a:ext cx="0" cy="0"/>
+          <a:chOff x="0" y="0"/>
+          <a:chExt cx="0" cy="0"/>
+        </a:xfrm>
+      </p:grpSpPr>
+      <p:sp>
+        <p:nvSpPr>
+          <p:cNvPr id="2" name="Title 1">
+            <a:extLst>
+              <a:ext uri="{FF2B5EF4-FFF2-40B4-BE49-F238E27FC236}">
+                <a16:creationId xmlns:a16="http://schemas.microsoft.com/office/drawing/2014/main" id="{83E9BD10-FC0B-3442-AEE4-C75A1854FF0C}"/>
+              </a:ext>
+            </a:extLst>
+          </p:cNvPr>
+          <p:cNvSpPr>
+            <a:spLocks noGrp="1"/>
+          </p:cNvSpPr>
+          <p:nvPr>
+            <p:ph type="title"/>
+          </p:nvPr>
+        </p:nvSpPr>
+        <p:spPr/>
+        <p:txBody>
+          <a:bodyPr/>
+          <a:lstStyle/>
+          <a:p>
+            <a:endParaRPr lang="en-US"/>
+          </a:p>
+        </p:txBody>
+      </p:sp>
+      <p:sp>
+        <p:nvSpPr>
+          <p:cNvPr id="3" name="Content Placeholder 2">
+            <a:extLst>
+              <a:ext uri="{FF2B5EF4-FFF2-40B4-BE49-F238E27FC236}">
+                <a16:creationId xmlns:a16="http://schemas.microsoft.com/office/drawing/2014/main" id="{1151CAF2-61B4-EF4F-952C-24796D95827B}"/>
+              </a:ext>
+            </a:extLst>
+          </p:cNvPr>
+          <p:cNvSpPr>
+            <a:spLocks noGrp="1"/>
+          </p:cNvSpPr>
+          <p:nvPr>
+            <p:ph sz="half" idx="1"/>
+          </p:nvPr>
+        </p:nvSpPr>
+        <p:spPr/>
+        <p:txBody>
+          <a:bodyPr/>
+          <a:lstStyle/>
+          <a:p>
+            <a:endParaRPr lang="en-US"/>
+          </a:p>
+        </p:txBody>
+      </p:sp>
+      <p:sp>
+        <p:nvSpPr>
+          <p:cNvPr id="4" name="Content Placeholder 3">
+            <a:extLst>
+              <a:ext uri="{FF2B5EF4-FFF2-40B4-BE49-F238E27FC236}">
+                <a16:creationId xmlns:a16="http://schemas.microsoft.com/office/drawing/2014/main" id="{2C80D5EE-844D-574B-B7E2-043FFA658D58}"/>
+              </a:ext>
+            </a:extLst>
+          </p:cNvPr>
+          <p:cNvSpPr>
+            <a:spLocks noGrp="1"/>
+          </p:cNvSpPr>
+          <p:nvPr>
+            <p:ph sz="half" idx="2"/>
+          </p:nvPr>
+        </p:nvSpPr>
+        <p:spPr/>
+        <p:txBody>
+          <a:bodyPr/>
+          <a:lstStyle/>
+          <a:p>
+            <a:endParaRPr lang="en-US"/>
+          </a:p>
+        </p:txBody>
+      </p:sp>
+      <p:sp>
+        <p:nvSpPr>
+          <p:cNvPr id="5" name="Slide Number Placeholder 4">
+            <a:extLst>
+              <a:ext uri="{FF2B5EF4-FFF2-40B4-BE49-F238E27FC236}">
+                <a16:creationId xmlns:a16="http://schemas.microsoft.com/office/drawing/2014/main" id="{BC69A43B-6614-7A4C-895F-D9562964E223}"/>
+              </a:ext>
+            </a:extLst>
+          </p:cNvPr>
+          <p:cNvSpPr>
+            <a:spLocks noGrp="1"/>
+          </p:cNvSpPr>
+          <p:nvPr>
+            <p:ph type="sldNum" sz="quarter" idx="12"/>
+          </p:nvPr>
+        </p:nvSpPr>
+        <p:spPr/>
+        <p:txBody>
+          <a:bodyPr/>
+          <a:lstStyle/>
+          <a:p>
+            <a:fld id="{24616A5F-DC9D-EE40-97A8-DF361035BFDB}" type="slidenum">
+              <a:rPr lang="en-US" smtClean="0"/>
+              <a:t>9</a:t>
+            </a:fld>
+            <a:endParaRPr lang="en-US"/>
+          </a:p>
+        </p:txBody>
+      </p:sp>
+    </p:spTree>
+    <p:extLst>
+      <p:ext uri="{BB962C8B-B14F-4D97-AF65-F5344CB8AC3E}">
+        <p14:creationId xmlns:p14="http://schemas.microsoft.com/office/powerpoint/2010/main" val="2496965411"/>
       </p:ext>
     </p:extLst>
   </p:cSld>
@@ -4200,4 +6247,299 @@
     </a:ext>
   </a:extLst>
 </a:theme>
+</file>
+
+<file path=ppt/theme/theme2.xml><?xml version="1.0" encoding="utf-8"?>
+<a:theme xmlns:a="http://schemas.openxmlformats.org/drawingml/2006/main" name="Office Theme">
+  <a:themeElements>
+    <a:clrScheme name="Office">
+      <a:dk1>
+        <a:sysClr val="windowText" lastClr="000000"/>
+      </a:dk1>
+      <a:lt1>
+        <a:sysClr val="window" lastClr="FFFFFF"/>
+      </a:lt1>
+      <a:dk2>
+        <a:srgbClr val="44546A"/>
+      </a:dk2>
+      <a:lt2>
+        <a:srgbClr val="E7E6E6"/>
+      </a:lt2>
+      <a:accent1>
+        <a:srgbClr val="4472C4"/>
+      </a:accent1>
+      <a:accent2>
+        <a:srgbClr val="ED7D31"/>
+      </a:accent2>
+      <a:accent3>
+        <a:srgbClr val="A5A5A5"/>
+      </a:accent3>
+      <a:accent4>
+        <a:srgbClr val="FFC000"/>
+      </a:accent4>
+      <a:accent5>
+        <a:srgbClr val="5B9BD5"/>
+      </a:accent5>
+      <a:accent6>
+        <a:srgbClr val="70AD47"/>
+      </a:accent6>
+      <a:hlink>
+        <a:srgbClr val="0563C1"/>
+      </a:hlink>
+      <a:folHlink>
+        <a:srgbClr val="954F72"/>
+      </a:folHlink>
+    </a:clrScheme>
+    <a:fontScheme name="Office">
+      <a:majorFont>
+        <a:latin typeface="Calibri Light" panose="020F0302020204030204"/>
+        <a:ea typeface=""/>
+        <a:cs typeface=""/>
+        <a:font script="Jpan" typeface="游ゴシック Light"/>
+        <a:font script="Hang" typeface="맑은 고딕"/>
+        <a:font script="Hans" typeface="等线 Light"/>
+        <a:font script="Hant" typeface="新細明體"/>
+        <a:font script="Arab" typeface="Times New Roman"/>
+        <a:font script="Hebr" typeface="Times New Roman"/>
+        <a:font script="Thai" typeface="Angsana New"/>
+        <a:font script="Ethi" typeface="Nyala"/>
+        <a:font script="Beng" typeface="Vrinda"/>
+        <a:font script="Gujr" typeface="Shruti"/>
+        <a:font script="Khmr" typeface="MoolBoran"/>
+        <a:font script="Knda" typeface="Tunga"/>
+        <a:font script="Guru" typeface="Raavi"/>
+        <a:font script="Cans" typeface="Euphemia"/>
+        <a:font script="Cher" typeface="Plantagenet Cherokee"/>
+        <a:font script="Yiii" typeface="Microsoft Yi Baiti"/>
+        <a:font script="Tibt" typeface="Microsoft Himalaya"/>
+        <a:font script="Thaa" typeface="MV Boli"/>
+        <a:font script="Deva" typeface="Mangal"/>
+        <a:font script="Telu" typeface="Gautami"/>
+        <a:font script="Taml" typeface="Latha"/>
+        <a:font script="Syrc" typeface="Estrangelo Edessa"/>
+        <a:font script="Orya" typeface="Kalinga"/>
+        <a:font script="Mlym" typeface="Kartika"/>
+        <a:font script="Laoo" typeface="DokChampa"/>
+        <a:font script="Sinh" typeface="Iskoola Pota"/>
+        <a:font script="Mong" typeface="Mongolian Baiti"/>
+        <a:font script="Viet" typeface="Times New Roman"/>
+        <a:font script="Uigh" typeface="Microsoft Uighur"/>
+        <a:font script="Geor" typeface="Sylfaen"/>
+        <a:font script="Armn" typeface="Arial"/>
+        <a:font script="Bugi" typeface="Leelawadee UI"/>
+        <a:font script="Bopo" typeface="Microsoft JhengHei"/>
+        <a:font script="Java" typeface="Javanese Text"/>
+        <a:font script="Lisu" typeface="Segoe UI"/>
+        <a:font script="Mymr" typeface="Myanmar Text"/>
+        <a:font script="Nkoo" typeface="Ebrima"/>
+        <a:font script="Olck" typeface="Nirmala UI"/>
+        <a:font script="Osma" typeface="Ebrima"/>
+        <a:font script="Phag" typeface="Phagspa"/>
+        <a:font script="Syrn" typeface="Estrangelo Edessa"/>
+        <a:font script="Syrj" typeface="Estrangelo Edessa"/>
+        <a:font script="Syre" typeface="Estrangelo Edessa"/>
+        <a:font script="Sora" typeface="Nirmala UI"/>
+        <a:font script="Tale" typeface="Microsoft Tai Le"/>
+        <a:font script="Talu" typeface="Microsoft New Tai Lue"/>
+        <a:font script="Tfng" typeface="Ebrima"/>
+      </a:majorFont>
+      <a:minorFont>
+        <a:latin typeface="Calibri" panose="020F0502020204030204"/>
+        <a:ea typeface=""/>
+        <a:cs typeface=""/>
+        <a:font script="Jpan" typeface="游ゴシック"/>
+        <a:font script="Hang" typeface="맑은 고딕"/>
+        <a:font script="Hans" typeface="等线"/>
+        <a:font script="Hant" typeface="新細明體"/>
+        <a:font script="Arab" typeface="Arial"/>
+        <a:font script="Hebr" typeface="Arial"/>
+        <a:font script="Thai" typeface="Cordia New"/>
+        <a:font script="Ethi" typeface="Nyala"/>
+        <a:font script="Beng" typeface="Vrinda"/>
+        <a:font script="Gujr" typeface="Shruti"/>
+        <a:font script="Khmr" typeface="DaunPenh"/>
+        <a:font script="Knda" typeface="Tunga"/>
+        <a:font script="Guru" typeface="Raavi"/>
+        <a:font script="Cans" typeface="Euphemia"/>
+        <a:font script="Cher" typeface="Plantagenet Cherokee"/>
+        <a:font script="Yiii" typeface="Microsoft Yi Baiti"/>
+        <a:font script="Tibt" typeface="Microsoft Himalaya"/>
+        <a:font script="Thaa" typeface="MV Boli"/>
+        <a:font script="Deva" typeface="Mangal"/>
+        <a:font script="Telu" typeface="Gautami"/>
+        <a:font script="Taml" typeface="Latha"/>
+        <a:font script="Syrc" typeface="Estrangelo Edessa"/>
+        <a:font script="Orya" typeface="Kalinga"/>
+        <a:font script="Mlym" typeface="Kartika"/>
+        <a:font script="Laoo" typeface="DokChampa"/>
+        <a:font script="Sinh" typeface="Iskoola Pota"/>
+        <a:font script="Mong" typeface="Mongolian Baiti"/>
+        <a:font script="Viet" typeface="Arial"/>
+        <a:font script="Uigh" typeface="Microsoft Uighur"/>
+        <a:font script="Geor" typeface="Sylfaen"/>
+        <a:font script="Armn" typeface="Arial"/>
+        <a:font script="Bugi" typeface="Leelawadee UI"/>
+        <a:font script="Bopo" typeface="Microsoft JhengHei"/>
+        <a:font script="Java" typeface="Javanese Text"/>
+        <a:font script="Lisu" typeface="Segoe UI"/>
+        <a:font script="Mymr" typeface="Myanmar Text"/>
+        <a:font script="Nkoo" typeface="Ebrima"/>
+        <a:font script="Olck" typeface="Nirmala UI"/>
+        <a:font script="Osma" typeface="Ebrima"/>
+        <a:font script="Phag" typeface="Phagspa"/>
+        <a:font script="Syrn" typeface="Estrangelo Edessa"/>
+        <a:font script="Syrj" typeface="Estrangelo Edessa"/>
+        <a:font script="Syre" typeface="Estrangelo Edessa"/>
+        <a:font script="Sora" typeface="Nirmala UI"/>
+        <a:font script="Tale" typeface="Microsoft Tai Le"/>
+        <a:font script="Talu" typeface="Microsoft New Tai Lue"/>
+        <a:font script="Tfng" typeface="Ebrima"/>
+      </a:minorFont>
+    </a:fontScheme>
+    <a:fmtScheme name="Office">
+      <a:fillStyleLst>
+        <a:solidFill>
+          <a:schemeClr val="phClr"/>
+        </a:solidFill>
+        <a:gradFill rotWithShape="1">
+          <a:gsLst>
+            <a:gs pos="0">
+              <a:schemeClr val="phClr">
+                <a:lumMod val="110000"/>
+                <a:satMod val="105000"/>
+                <a:tint val="67000"/>
+              </a:schemeClr>
+            </a:gs>
+            <a:gs pos="50000">
+              <a:schemeClr val="phClr">
+                <a:lumMod val="105000"/>
+                <a:satMod val="103000"/>
+                <a:tint val="73000"/>
+              </a:schemeClr>
+            </a:gs>
+            <a:gs pos="100000">
+              <a:schemeClr val="phClr">
+                <a:lumMod val="105000"/>
+                <a:satMod val="109000"/>
+                <a:tint val="81000"/>
+              </a:schemeClr>
+            </a:gs>
+          </a:gsLst>
+          <a:lin ang="5400000" scaled="0"/>
+        </a:gradFill>
+        <a:gradFill rotWithShape="1">
+          <a:gsLst>
+            <a:gs pos="0">
+              <a:schemeClr val="phClr">
+                <a:satMod val="103000"/>
+                <a:lumMod val="102000"/>
+                <a:tint val="94000"/>
+              </a:schemeClr>
+            </a:gs>
+            <a:gs pos="50000">
+              <a:schemeClr val="phClr">
+                <a:satMod val="110000"/>
+                <a:lumMod val="100000"/>
+                <a:shade val="100000"/>
+              </a:schemeClr>
+            </a:gs>
+            <a:gs pos="100000">
+              <a:schemeClr val="phClr">
+                <a:lumMod val="99000"/>
+                <a:satMod val="120000"/>
+                <a:shade val="78000"/>
+              </a:schemeClr>
+            </a:gs>
+          </a:gsLst>
+          <a:lin ang="5400000" scaled="0"/>
+        </a:gradFill>
+      </a:fillStyleLst>
+      <a:lnStyleLst>
+        <a:ln w="6350" cap="flat" cmpd="sng" algn="ctr">
+          <a:solidFill>
+            <a:schemeClr val="phClr"/>
+          </a:solidFill>
+          <a:prstDash val="solid"/>
+          <a:miter lim="800000"/>
+        </a:ln>
+        <a:ln w="12700" cap="flat" cmpd="sng" algn="ctr">
+          <a:solidFill>
+            <a:schemeClr val="phClr"/>
+          </a:solidFill>
+          <a:prstDash val="solid"/>
+          <a:miter lim="800000"/>
+        </a:ln>
+        <a:ln w="19050" cap="flat" cmpd="sng" algn="ctr">
+          <a:solidFill>
+            <a:schemeClr val="phClr"/>
+          </a:solidFill>
+          <a:prstDash val="solid"/>
+          <a:miter lim="800000"/>
+        </a:ln>
+      </a:lnStyleLst>
+      <a:effectStyleLst>
+        <a:effectStyle>
+          <a:effectLst/>
+        </a:effectStyle>
+        <a:effectStyle>
+          <a:effectLst/>
+        </a:effectStyle>
+        <a:effectStyle>
+          <a:effectLst>
+            <a:outerShdw blurRad="57150" dist="19050" dir="5400000" algn="ctr" rotWithShape="0">
+              <a:srgbClr val="000000">
+                <a:alpha val="63000"/>
+              </a:srgbClr>
+            </a:outerShdw>
+          </a:effectLst>
+        </a:effectStyle>
+      </a:effectStyleLst>
+      <a:bgFillStyleLst>
+        <a:solidFill>
+          <a:schemeClr val="phClr"/>
+        </a:solidFill>
+        <a:solidFill>
+          <a:schemeClr val="phClr">
+            <a:tint val="95000"/>
+            <a:satMod val="170000"/>
+          </a:schemeClr>
+        </a:solidFill>
+        <a:gradFill rotWithShape="1">
+          <a:gsLst>
+            <a:gs pos="0">
+              <a:schemeClr val="phClr">
+                <a:tint val="93000"/>
+                <a:satMod val="150000"/>
+                <a:shade val="98000"/>
+                <a:lumMod val="102000"/>
+              </a:schemeClr>
+            </a:gs>
+            <a:gs pos="50000">
+              <a:schemeClr val="phClr">
+                <a:tint val="98000"/>
+                <a:satMod val="130000"/>
+                <a:shade val="90000"/>
+                <a:lumMod val="103000"/>
+              </a:schemeClr>
+            </a:gs>
+            <a:gs pos="100000">
+              <a:schemeClr val="phClr">
+                <a:shade val="63000"/>
+                <a:satMod val="120000"/>
+              </a:schemeClr>
+            </a:gs>
+          </a:gsLst>
+          <a:lin ang="5400000" scaled="0"/>
+        </a:gradFill>
+      </a:bgFillStyleLst>
+    </a:fmtScheme>
+  </a:themeElements>
+  <a:objectDefaults/>
+  <a:extraClrSchemeLst/>
+  <a:extLst>
+    <a:ext uri="{05A4C25C-085E-4340-85A3-A5531E510DB2}">
+      <thm15:themeFamily xmlns:thm15="http://schemas.microsoft.com/office/thememl/2012/main" name="Office Theme" id="{62F939B6-93AF-4DB8-9C6B-D6C7DFDC589F}" vid="{4A3C46E8-61CC-4603-A589-7422A47A8E4A}"/>
+    </a:ext>
+  </a:extLst>
+</a:theme>
 </file>
--- a/docs/dartpost.pptx
+++ b/docs/dartpost.pptx
@@ -5,7 +5,7 @@
     <p:sldMasterId id="2147483648" r:id="rId1"/>
   </p:sldMasterIdLst>
   <p:notesMasterIdLst>
-    <p:notesMasterId r:id="rId14"/>
+    <p:notesMasterId r:id="rId17"/>
   </p:notesMasterIdLst>
   <p:sldIdLst>
     <p:sldId id="256" r:id="rId2"/>
@@ -13,13 +13,16 @@
     <p:sldId id="260" r:id="rId4"/>
     <p:sldId id="261" r:id="rId5"/>
     <p:sldId id="265" r:id="rId6"/>
-    <p:sldId id="266" r:id="rId7"/>
-    <p:sldId id="262" r:id="rId8"/>
-    <p:sldId id="263" r:id="rId9"/>
-    <p:sldId id="264" r:id="rId10"/>
-    <p:sldId id="267" r:id="rId11"/>
-    <p:sldId id="258" r:id="rId12"/>
-    <p:sldId id="259" r:id="rId13"/>
+    <p:sldId id="268" r:id="rId7"/>
+    <p:sldId id="266" r:id="rId8"/>
+    <p:sldId id="269" r:id="rId9"/>
+    <p:sldId id="263" r:id="rId10"/>
+    <p:sldId id="271" r:id="rId11"/>
+    <p:sldId id="270" r:id="rId12"/>
+    <p:sldId id="262" r:id="rId13"/>
+    <p:sldId id="267" r:id="rId14"/>
+    <p:sldId id="258" r:id="rId15"/>
+    <p:sldId id="259" r:id="rId16"/>
   </p:sldIdLst>
   <p:sldSz cx="12192000" cy="6858000"/>
   <p:notesSz cx="6858000" cy="9144000"/>
@@ -208,7 +211,7 @@
           <a:p>
             <a:fld id="{F45204BA-6BFE-D84E-8A71-AB1BA7FB5FAF}" type="datetimeFigureOut">
               <a:rPr lang="en-US" smtClean="0"/>
-              <a:t>9/15/20</a:t>
+              <a:t>9/20/20</a:t>
             </a:fld>
             <a:endParaRPr lang="en-US"/>
           </a:p>
@@ -622,7 +625,7 @@
           <a:p>
             <a:fld id="{99724A53-B208-E343-8ACB-6919B5171113}" type="datetime1">
               <a:rPr lang="en-US" smtClean="0"/>
-              <a:t>9/15/20</a:t>
+              <a:t>9/20/20</a:t>
             </a:fld>
             <a:endParaRPr lang="en-US"/>
           </a:p>
@@ -820,7 +823,7 @@
           <a:p>
             <a:fld id="{057B134D-1994-F346-A325-CF22BFDE0F34}" type="datetime1">
               <a:rPr lang="en-US" smtClean="0"/>
-              <a:t>9/15/20</a:t>
+              <a:t>9/20/20</a:t>
             </a:fld>
             <a:endParaRPr lang="en-US"/>
           </a:p>
@@ -1028,7 +1031,7 @@
           <a:p>
             <a:fld id="{8F273EFF-1436-5C49-9D9D-8B167494FBE3}" type="datetime1">
               <a:rPr lang="en-US" smtClean="0"/>
-              <a:t>9/15/20</a:t>
+              <a:t>9/20/20</a:t>
             </a:fld>
             <a:endParaRPr lang="en-US"/>
           </a:p>
@@ -1226,7 +1229,7 @@
           <a:p>
             <a:fld id="{0BCC1344-A4BF-A04A-808D-36E0A3C01C3A}" type="datetime1">
               <a:rPr lang="en-US" smtClean="0"/>
-              <a:t>9/15/20</a:t>
+              <a:t>9/20/20</a:t>
             </a:fld>
             <a:endParaRPr lang="en-US"/>
           </a:p>
@@ -1501,7 +1504,7 @@
           <a:p>
             <a:fld id="{BD3585A0-4F64-2E46-9A8E-9D99F6A9D11B}" type="datetime1">
               <a:rPr lang="en-US" smtClean="0"/>
-              <a:t>9/15/20</a:t>
+              <a:t>9/20/20</a:t>
             </a:fld>
             <a:endParaRPr lang="en-US"/>
           </a:p>
@@ -1766,7 +1769,7 @@
           <a:p>
             <a:fld id="{F4D89D6C-429E-0742-A821-76138EBE8C72}" type="datetime1">
               <a:rPr lang="en-US" smtClean="0"/>
-              <a:t>9/15/20</a:t>
+              <a:t>9/20/20</a:t>
             </a:fld>
             <a:endParaRPr lang="en-US"/>
           </a:p>
@@ -2178,7 +2181,7 @@
           <a:p>
             <a:fld id="{070A7645-1D49-ED48-8677-72F74EB38CFB}" type="datetime1">
               <a:rPr lang="en-US" smtClean="0"/>
-              <a:t>9/15/20</a:t>
+              <a:t>9/20/20</a:t>
             </a:fld>
             <a:endParaRPr lang="en-US"/>
           </a:p>
@@ -2319,7 +2322,7 @@
           <a:p>
             <a:fld id="{8CF33880-07D8-994D-AE12-FCD04D31C1FE}" type="datetime1">
               <a:rPr lang="en-US" smtClean="0"/>
-              <a:t>9/15/20</a:t>
+              <a:t>9/20/20</a:t>
             </a:fld>
             <a:endParaRPr lang="en-US"/>
           </a:p>
@@ -2432,7 +2435,7 @@
           <a:p>
             <a:fld id="{5EC84C56-B96B-424A-8991-EC812510A3D5}" type="datetime1">
               <a:rPr lang="en-US" smtClean="0"/>
-              <a:t>9/15/20</a:t>
+              <a:t>9/20/20</a:t>
             </a:fld>
             <a:endParaRPr lang="en-US"/>
           </a:p>
@@ -2743,7 +2746,7 @@
           <a:p>
             <a:fld id="{DDDAD896-D098-0344-8C18-427FDEB2ED07}" type="datetime1">
               <a:rPr lang="en-US" smtClean="0"/>
-              <a:t>9/15/20</a:t>
+              <a:t>9/20/20</a:t>
             </a:fld>
             <a:endParaRPr lang="en-US"/>
           </a:p>
@@ -3031,7 +3034,7 @@
           <a:p>
             <a:fld id="{41C619C7-A4B5-9A4D-B627-34A79352DF36}" type="datetime1">
               <a:rPr lang="en-US" smtClean="0"/>
-              <a:t>9/15/20</a:t>
+              <a:t>9/20/20</a:t>
             </a:fld>
             <a:endParaRPr lang="en-US"/>
           </a:p>
@@ -3272,7 +3275,7 @@
           <a:p>
             <a:fld id="{C4E658C3-D4D1-824A-8042-D6EBFE46C3BC}" type="datetime1">
               <a:rPr lang="en-US" smtClean="0"/>
-              <a:t>9/15/20</a:t>
+              <a:t>9/20/20</a:t>
             </a:fld>
             <a:endParaRPr lang="en-US"/>
           </a:p>
@@ -3805,10 +3808,10 @@
       </p:grpSpPr>
       <p:sp>
         <p:nvSpPr>
-          <p:cNvPr id="8" name="Title 7">
-            <a:extLst>
-              <a:ext uri="{FF2B5EF4-FFF2-40B4-BE49-F238E27FC236}">
-                <a16:creationId xmlns:a16="http://schemas.microsoft.com/office/drawing/2014/main" id="{33208F87-6F14-724C-8974-CF2669A52CEE}"/>
+          <p:cNvPr id="2" name="Title 1">
+            <a:extLst>
+              <a:ext uri="{FF2B5EF4-FFF2-40B4-BE49-F238E27FC236}">
+                <a16:creationId xmlns:a16="http://schemas.microsoft.com/office/drawing/2014/main" id="{21DA75AE-858E-CA46-A29A-D7711D818039}"/>
               </a:ext>
             </a:extLst>
           </p:cNvPr>
@@ -3826,17 +3829,17 @@
           <a:p>
             <a:r>
               <a:rPr lang="en-US" dirty="0"/>
-              <a:t>Old slides</a:t>
-            </a:r>
-          </a:p>
-        </p:txBody>
-      </p:sp>
-      <p:sp>
-        <p:nvSpPr>
-          <p:cNvPr id="9" name="Text Placeholder 8">
-            <a:extLst>
-              <a:ext uri="{FF2B5EF4-FFF2-40B4-BE49-F238E27FC236}">
-                <a16:creationId xmlns:a16="http://schemas.microsoft.com/office/drawing/2014/main" id="{BEF75C1E-8911-5C4F-90FD-D1EEBCFE36E3}"/>
+              <a:t>Additional details of relationship between reporter and suspects</a:t>
+            </a:r>
+          </a:p>
+        </p:txBody>
+      </p:sp>
+      <p:sp>
+        <p:nvSpPr>
+          <p:cNvPr id="3" name="Text Placeholder 2">
+            <a:extLst>
+              <a:ext uri="{FF2B5EF4-FFF2-40B4-BE49-F238E27FC236}">
+                <a16:creationId xmlns:a16="http://schemas.microsoft.com/office/drawing/2014/main" id="{F7BB94A2-25D1-F946-AF2A-BEBA8CA7EFEE}"/>
               </a:ext>
             </a:extLst>
           </p:cNvPr>
@@ -3852,16 +3855,111 @@
           <a:bodyPr/>
           <a:lstStyle/>
           <a:p>
-            <a:endParaRPr lang="en-US"/>
-          </a:p>
-        </p:txBody>
-      </p:sp>
-      <p:sp>
-        <p:nvSpPr>
-          <p:cNvPr id="2" name="Slide Number Placeholder 1">
-            <a:extLst>
-              <a:ext uri="{FF2B5EF4-FFF2-40B4-BE49-F238E27FC236}">
-                <a16:creationId xmlns:a16="http://schemas.microsoft.com/office/drawing/2014/main" id="{1D5EAA6A-8E3F-C343-9980-E62100D8CC12}"/>
+            <a:r>
+              <a:rPr lang="en-US" dirty="0"/>
+              <a:t>25 targeted at normal user</a:t>
+            </a:r>
+          </a:p>
+        </p:txBody>
+      </p:sp>
+      <p:pic>
+        <p:nvPicPr>
+          <p:cNvPr id="8" name="Content Placeholder 7">
+            <a:extLst>
+              <a:ext uri="{FF2B5EF4-FFF2-40B4-BE49-F238E27FC236}">
+                <a16:creationId xmlns:a16="http://schemas.microsoft.com/office/drawing/2014/main" id="{66564C4F-475B-8B42-8DF8-11FE2CBEA4E4}"/>
+              </a:ext>
+            </a:extLst>
+          </p:cNvPr>
+          <p:cNvPicPr>
+            <a:picLocks noGrp="1" noChangeAspect="1"/>
+          </p:cNvPicPr>
+          <p:nvPr>
+            <p:ph sz="half" idx="2"/>
+          </p:nvPr>
+        </p:nvPicPr>
+        <p:blipFill>
+          <a:blip r:embed="rId2"/>
+          <a:stretch>
+            <a:fillRect/>
+          </a:stretch>
+        </p:blipFill>
+        <p:spPr>
+          <a:xfrm>
+            <a:off x="992981" y="2670969"/>
+            <a:ext cx="4851400" cy="3352800"/>
+          </a:xfrm>
+          <a:prstGeom prst="rect">
+            <a:avLst/>
+          </a:prstGeom>
+        </p:spPr>
+      </p:pic>
+      <p:sp>
+        <p:nvSpPr>
+          <p:cNvPr id="5" name="Text Placeholder 4">
+            <a:extLst>
+              <a:ext uri="{FF2B5EF4-FFF2-40B4-BE49-F238E27FC236}">
+                <a16:creationId xmlns:a16="http://schemas.microsoft.com/office/drawing/2014/main" id="{D5BC63E5-75D7-874C-BA68-4B7A63493BD9}"/>
+              </a:ext>
+            </a:extLst>
+          </p:cNvPr>
+          <p:cNvSpPr>
+            <a:spLocks noGrp="1"/>
+          </p:cNvSpPr>
+          <p:nvPr>
+            <p:ph type="body" sz="quarter" idx="3"/>
+          </p:nvPr>
+        </p:nvSpPr>
+        <p:spPr/>
+        <p:txBody>
+          <a:bodyPr/>
+          <a:lstStyle/>
+          <a:p>
+            <a:r>
+              <a:rPr lang="en-US" dirty="0"/>
+              <a:t>21 targeted at sockpuppets</a:t>
+            </a:r>
+          </a:p>
+        </p:txBody>
+      </p:sp>
+      <p:pic>
+        <p:nvPicPr>
+          <p:cNvPr id="9" name="Content Placeholder 8">
+            <a:extLst>
+              <a:ext uri="{FF2B5EF4-FFF2-40B4-BE49-F238E27FC236}">
+                <a16:creationId xmlns:a16="http://schemas.microsoft.com/office/drawing/2014/main" id="{F498ED5A-96F8-DD48-B1DD-0CD40B02C865}"/>
+              </a:ext>
+            </a:extLst>
+          </p:cNvPr>
+          <p:cNvPicPr>
+            <a:picLocks noGrp="1" noChangeAspect="1"/>
+          </p:cNvPicPr>
+          <p:nvPr>
+            <p:ph sz="quarter" idx="4"/>
+          </p:nvPr>
+        </p:nvPicPr>
+        <p:blipFill>
+          <a:blip r:embed="rId3"/>
+          <a:stretch>
+            <a:fillRect/>
+          </a:stretch>
+        </p:blipFill>
+        <p:spPr>
+          <a:xfrm>
+            <a:off x="6350794" y="2651919"/>
+            <a:ext cx="4826000" cy="3390900"/>
+          </a:xfrm>
+          <a:prstGeom prst="rect">
+            <a:avLst/>
+          </a:prstGeom>
+        </p:spPr>
+      </p:pic>
+      <p:sp>
+        <p:nvSpPr>
+          <p:cNvPr id="7" name="Slide Number Placeholder 6">
+            <a:extLst>
+              <a:ext uri="{FF2B5EF4-FFF2-40B4-BE49-F238E27FC236}">
+                <a16:creationId xmlns:a16="http://schemas.microsoft.com/office/drawing/2014/main" id="{DEA07DBC-9407-854C-B7AD-97F15407C4FB}"/>
               </a:ext>
             </a:extLst>
           </p:cNvPr>
@@ -3888,7 +3986,7 @@
     </p:spTree>
     <p:extLst>
       <p:ext uri="{BB962C8B-B14F-4D97-AF65-F5344CB8AC3E}">
-        <p14:creationId xmlns:p14="http://schemas.microsoft.com/office/powerpoint/2010/main" val="1619073036"/>
+        <p14:creationId xmlns:p14="http://schemas.microsoft.com/office/powerpoint/2010/main" val="1016630652"/>
       </p:ext>
     </p:extLst>
   </p:cSld>
@@ -3920,7 +4018,7 @@
           <p:cNvPr id="2" name="Title 1">
             <a:extLst>
               <a:ext uri="{FF2B5EF4-FFF2-40B4-BE49-F238E27FC236}">
-                <a16:creationId xmlns:a16="http://schemas.microsoft.com/office/drawing/2014/main" id="{2551A04A-845B-A64C-8CF5-42C19B5EC552}"/>
+                <a16:creationId xmlns:a16="http://schemas.microsoft.com/office/drawing/2014/main" id="{246DA6F2-9156-E841-9CA3-FB09540F6D02}"/>
               </a:ext>
             </a:extLst>
           </p:cNvPr>
@@ -3938,90 +4036,45 @@
           <a:p>
             <a:r>
               <a:rPr lang="en-US" dirty="0"/>
-              <a:t>Detection rate by strategies</a:t>
-            </a:r>
-          </a:p>
-        </p:txBody>
-      </p:sp>
-      <p:sp>
-        <p:nvSpPr>
-          <p:cNvPr id="5" name="Content Placeholder 4">
-            <a:extLst>
-              <a:ext uri="{FF2B5EF4-FFF2-40B4-BE49-F238E27FC236}">
-                <a16:creationId xmlns:a16="http://schemas.microsoft.com/office/drawing/2014/main" id="{B5AD89D2-9EC1-6640-B181-9789A040C655}"/>
-              </a:ext>
-            </a:extLst>
-          </p:cNvPr>
-          <p:cNvSpPr>
-            <a:spLocks noGrp="1"/>
-          </p:cNvSpPr>
-          <p:nvPr>
-            <p:ph sz="half" idx="2"/>
-          </p:nvPr>
-        </p:nvSpPr>
-        <p:spPr/>
-        <p:txBody>
-          <a:bodyPr>
-            <a:normAutofit fontScale="92500" lnSpcReduction="20000"/>
-          </a:bodyPr>
+              <a:t>Who are reported (suspects)?</a:t>
+            </a:r>
+          </a:p>
+        </p:txBody>
+      </p:sp>
+      <p:sp>
+        <p:nvSpPr>
+          <p:cNvPr id="3" name="Text Placeholder 2">
+            <a:extLst>
+              <a:ext uri="{FF2B5EF4-FFF2-40B4-BE49-F238E27FC236}">
+                <a16:creationId xmlns:a16="http://schemas.microsoft.com/office/drawing/2014/main" id="{1F5711CC-D7FF-7046-ADC0-57998FEB114B}"/>
+              </a:ext>
+            </a:extLst>
+          </p:cNvPr>
+          <p:cNvSpPr>
+            <a:spLocks noGrp="1"/>
+          </p:cNvSpPr>
+          <p:nvPr>
+            <p:ph type="body" idx="1"/>
+          </p:nvPr>
+        </p:nvSpPr>
+        <p:spPr/>
+        <p:txBody>
+          <a:bodyPr/>
           <a:lstStyle/>
           <a:p>
             <a:r>
               <a:rPr lang="en-US" dirty="0"/>
-              <a:t>x-axis: time t = 1,..,6</a:t>
-            </a:r>
-          </a:p>
-          <a:p>
-            <a:r>
-              <a:rPr lang="en-US" dirty="0"/>
-              <a:t>y-axis: 𝑓(𝑡)=% 𝑜𝑓 𝑠𝑜𝑐𝑘𝑠 𝑐𝑟𝑒𝑎𝑡𝑒𝑑 𝑏𝑦 𝑠𝑡𝑟𝑎𝑡𝑒𝑔𝑦 𝑆 𝑡</a:t>
-            </a:r>
-            <a:r>
-              <a:rPr lang="en-US" dirty="0" err="1"/>
-              <a:t>ℎ</a:t>
-            </a:r>
-            <a:r>
-              <a:rPr lang="en-US" dirty="0"/>
-              <a:t>𝑎𝑡 𝑤𝑒𝑟𝑒 𝑑𝑒𝑡𝑒𝑐𝑡𝑒𝑑 𝑤𝑖𝑡</a:t>
-            </a:r>
-            <a:r>
-              <a:rPr lang="en-US" dirty="0" err="1"/>
-              <a:t>ℎ</a:t>
-            </a:r>
-            <a:r>
-              <a:rPr lang="en-US" dirty="0"/>
-              <a:t>𝑖𝑛 𝑡 𝑢𝑛𝑖𝑡𝑠 𝑜𝑓 𝑐𝑟𝑒𝑎𝑡𝑖𝑜𝑛. </a:t>
-            </a:r>
-          </a:p>
-          <a:p>
-            <a:r>
-              <a:rPr lang="en-US" dirty="0"/>
-              <a:t>4 curves using S = the 3 strategies provided to sock operators plus ALL (all socks, regardless of strategy)</a:t>
-            </a:r>
-          </a:p>
-          <a:p>
-            <a:endParaRPr lang="en-US" dirty="0"/>
-          </a:p>
-          <a:p>
-            <a:r>
-              <a:rPr lang="en-US" b="1" dirty="0"/>
-              <a:t>Only 8 out of 210 are detected by the users</a:t>
-            </a:r>
-          </a:p>
-          <a:p>
-            <a:r>
-              <a:rPr lang="en-US" b="1" dirty="0"/>
-              <a:t>Other 3 curves need some time to process</a:t>
+              <a:t>Account kind</a:t>
             </a:r>
           </a:p>
         </p:txBody>
       </p:sp>
       <p:pic>
         <p:nvPicPr>
-          <p:cNvPr id="6" name="Content Placeholder 5">
-            <a:extLst>
-              <a:ext uri="{FF2B5EF4-FFF2-40B4-BE49-F238E27FC236}">
-                <a16:creationId xmlns:a16="http://schemas.microsoft.com/office/drawing/2014/main" id="{EB0E9766-1D3B-D845-964E-2CCE72CEFEBC}"/>
+          <p:cNvPr id="8" name="Content Placeholder 7">
+            <a:extLst>
+              <a:ext uri="{FF2B5EF4-FFF2-40B4-BE49-F238E27FC236}">
+                <a16:creationId xmlns:a16="http://schemas.microsoft.com/office/drawing/2014/main" id="{5847C956-5811-5644-908D-B1A24B2D59AA}"/>
               </a:ext>
             </a:extLst>
           </p:cNvPr>
@@ -4029,7 +4082,7 @@
             <a:picLocks noGrp="1" noChangeAspect="1"/>
           </p:cNvPicPr>
           <p:nvPr>
-            <p:ph sz="half" idx="1"/>
+            <p:ph sz="half" idx="2"/>
           </p:nvPr>
         </p:nvPicPr>
         <p:blipFill>
@@ -4040,8 +4093,8 @@
         </p:blipFill>
         <p:spPr>
           <a:xfrm>
-            <a:off x="838200" y="2347592"/>
-            <a:ext cx="5181600" cy="3307404"/>
+            <a:off x="954881" y="2670969"/>
+            <a:ext cx="4927600" cy="3352800"/>
           </a:xfrm>
           <a:prstGeom prst="rect">
             <a:avLst/>
@@ -4050,10 +4103,70 @@
       </p:pic>
       <p:sp>
         <p:nvSpPr>
-          <p:cNvPr id="3" name="Slide Number Placeholder 2">
-            <a:extLst>
-              <a:ext uri="{FF2B5EF4-FFF2-40B4-BE49-F238E27FC236}">
-                <a16:creationId xmlns:a16="http://schemas.microsoft.com/office/drawing/2014/main" id="{5F4BFA82-B02A-584A-8634-0318A56A4E67}"/>
+          <p:cNvPr id="5" name="Text Placeholder 4">
+            <a:extLst>
+              <a:ext uri="{FF2B5EF4-FFF2-40B4-BE49-F238E27FC236}">
+                <a16:creationId xmlns:a16="http://schemas.microsoft.com/office/drawing/2014/main" id="{E3730A02-7935-F046-90D5-71D4928F0002}"/>
+              </a:ext>
+            </a:extLst>
+          </p:cNvPr>
+          <p:cNvSpPr>
+            <a:spLocks noGrp="1"/>
+          </p:cNvSpPr>
+          <p:nvPr>
+            <p:ph type="body" sz="quarter" idx="3"/>
+          </p:nvPr>
+        </p:nvSpPr>
+        <p:spPr/>
+        <p:txBody>
+          <a:bodyPr/>
+          <a:lstStyle/>
+          <a:p>
+            <a:r>
+              <a:rPr lang="en-US" dirty="0"/>
+              <a:t>Active users or not?</a:t>
+            </a:r>
+          </a:p>
+        </p:txBody>
+      </p:sp>
+      <p:pic>
+        <p:nvPicPr>
+          <p:cNvPr id="9" name="Content Placeholder 8">
+            <a:extLst>
+              <a:ext uri="{FF2B5EF4-FFF2-40B4-BE49-F238E27FC236}">
+                <a16:creationId xmlns:a16="http://schemas.microsoft.com/office/drawing/2014/main" id="{9E285943-D88D-174C-A9FF-DD6BB0AFB620}"/>
+              </a:ext>
+            </a:extLst>
+          </p:cNvPr>
+          <p:cNvPicPr>
+            <a:picLocks noGrp="1" noChangeAspect="1"/>
+          </p:cNvPicPr>
+          <p:nvPr>
+            <p:ph sz="quarter" idx="4"/>
+          </p:nvPr>
+        </p:nvPicPr>
+        <p:blipFill>
+          <a:blip r:embed="rId3"/>
+          <a:stretch>
+            <a:fillRect/>
+          </a:stretch>
+        </p:blipFill>
+        <p:spPr>
+          <a:xfrm>
+            <a:off x="6331744" y="2613819"/>
+            <a:ext cx="4864100" cy="3467100"/>
+          </a:xfrm>
+          <a:prstGeom prst="rect">
+            <a:avLst/>
+          </a:prstGeom>
+        </p:spPr>
+      </p:pic>
+      <p:sp>
+        <p:nvSpPr>
+          <p:cNvPr id="7" name="Slide Number Placeholder 6">
+            <a:extLst>
+              <a:ext uri="{FF2B5EF4-FFF2-40B4-BE49-F238E27FC236}">
+                <a16:creationId xmlns:a16="http://schemas.microsoft.com/office/drawing/2014/main" id="{2D7A1477-81E3-4A4C-BF1E-A03B0D2C0231}"/>
               </a:ext>
             </a:extLst>
           </p:cNvPr>
@@ -4080,7 +4193,7 @@
     </p:spTree>
     <p:extLst>
       <p:ext uri="{BB962C8B-B14F-4D97-AF65-F5344CB8AC3E}">
-        <p14:creationId xmlns:p14="http://schemas.microsoft.com/office/powerpoint/2010/main" val="2907845043"/>
+        <p14:creationId xmlns:p14="http://schemas.microsoft.com/office/powerpoint/2010/main" val="2987064774"/>
       </p:ext>
     </p:extLst>
   </p:cSld>
@@ -4112,6 +4225,627 @@
           <p:cNvPr id="2" name="Title 1">
             <a:extLst>
               <a:ext uri="{FF2B5EF4-FFF2-40B4-BE49-F238E27FC236}">
+                <a16:creationId xmlns:a16="http://schemas.microsoft.com/office/drawing/2014/main" id="{2B341EE0-8BE1-6744-B7A9-340881B1FD8D}"/>
+              </a:ext>
+            </a:extLst>
+          </p:cNvPr>
+          <p:cNvSpPr>
+            <a:spLocks noGrp="1"/>
+          </p:cNvSpPr>
+          <p:nvPr>
+            <p:ph type="title"/>
+          </p:nvPr>
+        </p:nvSpPr>
+        <p:spPr/>
+        <p:txBody>
+          <a:bodyPr/>
+          <a:lstStyle/>
+          <a:p>
+            <a:r>
+              <a:rPr lang="en-US" dirty="0"/>
+              <a:t>Who is discovered?</a:t>
+            </a:r>
+          </a:p>
+        </p:txBody>
+      </p:sp>
+      <p:sp>
+        <p:nvSpPr>
+          <p:cNvPr id="7" name="Text Placeholder 6">
+            <a:extLst>
+              <a:ext uri="{FF2B5EF4-FFF2-40B4-BE49-F238E27FC236}">
+                <a16:creationId xmlns:a16="http://schemas.microsoft.com/office/drawing/2014/main" id="{9FD13EF1-6736-434F-8C21-CEA99993DEF1}"/>
+              </a:ext>
+            </a:extLst>
+          </p:cNvPr>
+          <p:cNvSpPr>
+            <a:spLocks noGrp="1"/>
+          </p:cNvSpPr>
+          <p:nvPr>
+            <p:ph type="body" idx="1"/>
+          </p:nvPr>
+        </p:nvSpPr>
+        <p:spPr/>
+        <p:txBody>
+          <a:bodyPr/>
+          <a:lstStyle/>
+          <a:p>
+            <a:r>
+              <a:rPr lang="en-US" dirty="0"/>
+              <a:t>Number of discovered by strategies</a:t>
+            </a:r>
+          </a:p>
+        </p:txBody>
+      </p:sp>
+      <p:pic>
+        <p:nvPicPr>
+          <p:cNvPr id="5" name="Content Placeholder 4">
+            <a:extLst>
+              <a:ext uri="{FF2B5EF4-FFF2-40B4-BE49-F238E27FC236}">
+                <a16:creationId xmlns:a16="http://schemas.microsoft.com/office/drawing/2014/main" id="{FAAED3A6-71ED-E24E-BA39-09EA9034961D}"/>
+              </a:ext>
+            </a:extLst>
+          </p:cNvPr>
+          <p:cNvPicPr>
+            <a:picLocks noGrp="1" noChangeAspect="1"/>
+          </p:cNvPicPr>
+          <p:nvPr>
+            <p:ph sz="half" idx="2"/>
+          </p:nvPr>
+        </p:nvPicPr>
+        <p:blipFill>
+          <a:blip r:embed="rId2"/>
+          <a:stretch>
+            <a:fillRect/>
+          </a:stretch>
+        </p:blipFill>
+        <p:spPr>
+          <a:xfrm>
+            <a:off x="923131" y="2677319"/>
+            <a:ext cx="4991100" cy="3340100"/>
+          </a:xfrm>
+          <a:prstGeom prst="rect">
+            <a:avLst/>
+          </a:prstGeom>
+        </p:spPr>
+      </p:pic>
+      <p:sp>
+        <p:nvSpPr>
+          <p:cNvPr id="8" name="Text Placeholder 7">
+            <a:extLst>
+              <a:ext uri="{FF2B5EF4-FFF2-40B4-BE49-F238E27FC236}">
+                <a16:creationId xmlns:a16="http://schemas.microsoft.com/office/drawing/2014/main" id="{941B0458-8F47-654C-9B29-E46A069469BA}"/>
+              </a:ext>
+            </a:extLst>
+          </p:cNvPr>
+          <p:cNvSpPr>
+            <a:spLocks noGrp="1"/>
+          </p:cNvSpPr>
+          <p:nvPr>
+            <p:ph type="body" sz="quarter" idx="3"/>
+          </p:nvPr>
+        </p:nvSpPr>
+        <p:spPr/>
+        <p:txBody>
+          <a:bodyPr/>
+          <a:lstStyle/>
+          <a:p>
+            <a:r>
+              <a:rPr lang="en-US" dirty="0"/>
+              <a:t>Average time to discover</a:t>
+            </a:r>
+          </a:p>
+        </p:txBody>
+      </p:sp>
+      <p:sp>
+        <p:nvSpPr>
+          <p:cNvPr id="3" name="Slide Number Placeholder 2">
+            <a:extLst>
+              <a:ext uri="{FF2B5EF4-FFF2-40B4-BE49-F238E27FC236}">
+                <a16:creationId xmlns:a16="http://schemas.microsoft.com/office/drawing/2014/main" id="{5B1B45B2-28C9-3C48-B3C0-57DBA38111DD}"/>
+              </a:ext>
+            </a:extLst>
+          </p:cNvPr>
+          <p:cNvSpPr>
+            <a:spLocks noGrp="1"/>
+          </p:cNvSpPr>
+          <p:nvPr>
+            <p:ph type="sldNum" sz="quarter" idx="12"/>
+          </p:nvPr>
+        </p:nvSpPr>
+        <p:spPr/>
+        <p:txBody>
+          <a:bodyPr/>
+          <a:lstStyle/>
+          <a:p>
+            <a:fld id="{24616A5F-DC9D-EE40-97A8-DF361035BFDB}" type="slidenum">
+              <a:rPr lang="en-US" smtClean="0"/>
+              <a:t>12</a:t>
+            </a:fld>
+            <a:endParaRPr lang="en-US"/>
+          </a:p>
+        </p:txBody>
+      </p:sp>
+      <p:sp>
+        <p:nvSpPr>
+          <p:cNvPr id="6" name="TextBox 5">
+            <a:extLst>
+              <a:ext uri="{FF2B5EF4-FFF2-40B4-BE49-F238E27FC236}">
+                <a16:creationId xmlns:a16="http://schemas.microsoft.com/office/drawing/2014/main" id="{AD30DB46-198B-B941-8925-A414D23E1504}"/>
+              </a:ext>
+            </a:extLst>
+          </p:cNvPr>
+          <p:cNvSpPr txBox="1"/>
+          <p:nvPr/>
+        </p:nvSpPr>
+        <p:spPr>
+          <a:xfrm>
+            <a:off x="5252483" y="314940"/>
+            <a:ext cx="2958246" cy="1200329"/>
+          </a:xfrm>
+          <a:prstGeom prst="rect">
+            <a:avLst/>
+          </a:prstGeom>
+          <a:noFill/>
+        </p:spPr>
+        <p:txBody>
+          <a:bodyPr wrap="none" rtlCol="0">
+            <a:spAutoFit/>
+          </a:bodyPr>
+          <a:lstStyle/>
+          <a:p>
+            <a:r>
+              <a:rPr lang="en-US" dirty="0"/>
+              <a:t>8 sockpuppets are discovered</a:t>
+            </a:r>
+          </a:p>
+          <a:p>
+            <a:pPr lvl="1"/>
+            <a:r>
+              <a:rPr lang="en-US" dirty="0"/>
+              <a:t>4 COVERT</a:t>
+            </a:r>
+          </a:p>
+          <a:p>
+            <a:pPr lvl="1"/>
+            <a:r>
+              <a:rPr lang="en-US" dirty="0"/>
+              <a:t>3 OVERT</a:t>
+            </a:r>
+          </a:p>
+          <a:p>
+            <a:pPr lvl="1"/>
+            <a:r>
+              <a:rPr lang="en-US" dirty="0"/>
+              <a:t>1 UNRESTRICTED</a:t>
+            </a:r>
+          </a:p>
+        </p:txBody>
+      </p:sp>
+      <p:pic>
+        <p:nvPicPr>
+          <p:cNvPr id="10" name="Content Placeholder 4">
+            <a:extLst>
+              <a:ext uri="{FF2B5EF4-FFF2-40B4-BE49-F238E27FC236}">
+                <a16:creationId xmlns:a16="http://schemas.microsoft.com/office/drawing/2014/main" id="{A6C43F05-1055-D04C-BEB7-1233CACD2FD1}"/>
+              </a:ext>
+            </a:extLst>
+          </p:cNvPr>
+          <p:cNvPicPr>
+            <a:picLocks noGrp="1" noChangeAspect="1"/>
+          </p:cNvPicPr>
+          <p:nvPr>
+            <p:ph sz="quarter" idx="4"/>
+          </p:nvPr>
+        </p:nvPicPr>
+        <p:blipFill>
+          <a:blip r:embed="rId3"/>
+          <a:stretch>
+            <a:fillRect/>
+          </a:stretch>
+        </p:blipFill>
+        <p:spPr>
+          <a:xfrm>
+            <a:off x="6242844" y="2670969"/>
+            <a:ext cx="5041900" cy="3352800"/>
+          </a:xfrm>
+          <a:prstGeom prst="rect">
+            <a:avLst/>
+          </a:prstGeom>
+        </p:spPr>
+      </p:pic>
+      <p:sp>
+        <p:nvSpPr>
+          <p:cNvPr id="11" name="TextBox 10">
+            <a:extLst>
+              <a:ext uri="{FF2B5EF4-FFF2-40B4-BE49-F238E27FC236}">
+                <a16:creationId xmlns:a16="http://schemas.microsoft.com/office/drawing/2014/main" id="{312F8C1E-0545-934C-9AD8-BC97AD267B53}"/>
+              </a:ext>
+            </a:extLst>
+          </p:cNvPr>
+          <p:cNvSpPr txBox="1"/>
+          <p:nvPr/>
+        </p:nvSpPr>
+        <p:spPr>
+          <a:xfrm>
+            <a:off x="8358011" y="365125"/>
+            <a:ext cx="3833989" cy="1200329"/>
+          </a:xfrm>
+          <a:prstGeom prst="rect">
+            <a:avLst/>
+          </a:prstGeom>
+          <a:noFill/>
+        </p:spPr>
+        <p:txBody>
+          <a:bodyPr wrap="square" rtlCol="0">
+            <a:spAutoFit/>
+          </a:bodyPr>
+          <a:lstStyle/>
+          <a:p>
+            <a:r>
+              <a:rPr lang="en-US" dirty="0"/>
+              <a:t>UNRESTRICTED sockpuppets takes </a:t>
+            </a:r>
+            <a:r>
+              <a:rPr lang="en-US" b="1" dirty="0"/>
+              <a:t>1 day</a:t>
+            </a:r>
+            <a:r>
+              <a:rPr lang="en-US" dirty="0"/>
+              <a:t> to discover on average (</a:t>
+            </a:r>
+            <a:r>
+              <a:rPr lang="en-US" b="1" dirty="0"/>
+              <a:t>only one sample</a:t>
+            </a:r>
+            <a:r>
+              <a:rPr lang="en-US" dirty="0"/>
+              <a:t>)</a:t>
+            </a:r>
+          </a:p>
+          <a:p>
+            <a:endParaRPr lang="en-US" dirty="0"/>
+          </a:p>
+        </p:txBody>
+      </p:sp>
+    </p:spTree>
+    <p:extLst>
+      <p:ext uri="{BB962C8B-B14F-4D97-AF65-F5344CB8AC3E}">
+        <p14:creationId xmlns:p14="http://schemas.microsoft.com/office/powerpoint/2010/main" val="3451669571"/>
+      </p:ext>
+    </p:extLst>
+  </p:cSld>
+  <p:clrMapOvr>
+    <a:masterClrMapping/>
+  </p:clrMapOvr>
+</p:sld>
+</file>
+
+<file path=ppt/slides/slide13.xml><?xml version="1.0" encoding="utf-8"?>
+<p:sld xmlns:a="http://schemas.openxmlformats.org/drawingml/2006/main" xmlns:r="http://schemas.openxmlformats.org/officeDocument/2006/relationships" xmlns:p="http://schemas.openxmlformats.org/presentationml/2006/main">
+  <p:cSld>
+    <p:spTree>
+      <p:nvGrpSpPr>
+        <p:cNvPr id="1" name=""/>
+        <p:cNvGrpSpPr/>
+        <p:nvPr/>
+      </p:nvGrpSpPr>
+      <p:grpSpPr>
+        <a:xfrm>
+          <a:off x="0" y="0"/>
+          <a:ext cx="0" cy="0"/>
+          <a:chOff x="0" y="0"/>
+          <a:chExt cx="0" cy="0"/>
+        </a:xfrm>
+      </p:grpSpPr>
+      <p:sp>
+        <p:nvSpPr>
+          <p:cNvPr id="8" name="Title 7">
+            <a:extLst>
+              <a:ext uri="{FF2B5EF4-FFF2-40B4-BE49-F238E27FC236}">
+                <a16:creationId xmlns:a16="http://schemas.microsoft.com/office/drawing/2014/main" id="{33208F87-6F14-724C-8974-CF2669A52CEE}"/>
+              </a:ext>
+            </a:extLst>
+          </p:cNvPr>
+          <p:cNvSpPr>
+            <a:spLocks noGrp="1"/>
+          </p:cNvSpPr>
+          <p:nvPr>
+            <p:ph type="title"/>
+          </p:nvPr>
+        </p:nvSpPr>
+        <p:spPr/>
+        <p:txBody>
+          <a:bodyPr/>
+          <a:lstStyle/>
+          <a:p>
+            <a:r>
+              <a:rPr lang="en-US" dirty="0"/>
+              <a:t>Old slides</a:t>
+            </a:r>
+          </a:p>
+        </p:txBody>
+      </p:sp>
+      <p:sp>
+        <p:nvSpPr>
+          <p:cNvPr id="9" name="Text Placeholder 8">
+            <a:extLst>
+              <a:ext uri="{FF2B5EF4-FFF2-40B4-BE49-F238E27FC236}">
+                <a16:creationId xmlns:a16="http://schemas.microsoft.com/office/drawing/2014/main" id="{BEF75C1E-8911-5C4F-90FD-D1EEBCFE36E3}"/>
+              </a:ext>
+            </a:extLst>
+          </p:cNvPr>
+          <p:cNvSpPr>
+            <a:spLocks noGrp="1"/>
+          </p:cNvSpPr>
+          <p:nvPr>
+            <p:ph type="body" idx="1"/>
+          </p:nvPr>
+        </p:nvSpPr>
+        <p:spPr/>
+        <p:txBody>
+          <a:bodyPr/>
+          <a:lstStyle/>
+          <a:p>
+            <a:endParaRPr lang="en-US"/>
+          </a:p>
+        </p:txBody>
+      </p:sp>
+      <p:sp>
+        <p:nvSpPr>
+          <p:cNvPr id="2" name="Slide Number Placeholder 1">
+            <a:extLst>
+              <a:ext uri="{FF2B5EF4-FFF2-40B4-BE49-F238E27FC236}">
+                <a16:creationId xmlns:a16="http://schemas.microsoft.com/office/drawing/2014/main" id="{1D5EAA6A-8E3F-C343-9980-E62100D8CC12}"/>
+              </a:ext>
+            </a:extLst>
+          </p:cNvPr>
+          <p:cNvSpPr>
+            <a:spLocks noGrp="1"/>
+          </p:cNvSpPr>
+          <p:nvPr>
+            <p:ph type="sldNum" sz="quarter" idx="12"/>
+          </p:nvPr>
+        </p:nvSpPr>
+        <p:spPr/>
+        <p:txBody>
+          <a:bodyPr/>
+          <a:lstStyle/>
+          <a:p>
+            <a:fld id="{24616A5F-DC9D-EE40-97A8-DF361035BFDB}" type="slidenum">
+              <a:rPr lang="en-US" smtClean="0"/>
+              <a:t>13</a:t>
+            </a:fld>
+            <a:endParaRPr lang="en-US"/>
+          </a:p>
+        </p:txBody>
+      </p:sp>
+    </p:spTree>
+    <p:extLst>
+      <p:ext uri="{BB962C8B-B14F-4D97-AF65-F5344CB8AC3E}">
+        <p14:creationId xmlns:p14="http://schemas.microsoft.com/office/powerpoint/2010/main" val="1619073036"/>
+      </p:ext>
+    </p:extLst>
+  </p:cSld>
+  <p:clrMapOvr>
+    <a:masterClrMapping/>
+  </p:clrMapOvr>
+</p:sld>
+</file>
+
+<file path=ppt/slides/slide14.xml><?xml version="1.0" encoding="utf-8"?>
+<p:sld xmlns:a="http://schemas.openxmlformats.org/drawingml/2006/main" xmlns:r="http://schemas.openxmlformats.org/officeDocument/2006/relationships" xmlns:p="http://schemas.openxmlformats.org/presentationml/2006/main">
+  <p:cSld>
+    <p:spTree>
+      <p:nvGrpSpPr>
+        <p:cNvPr id="1" name=""/>
+        <p:cNvGrpSpPr/>
+        <p:nvPr/>
+      </p:nvGrpSpPr>
+      <p:grpSpPr>
+        <a:xfrm>
+          <a:off x="0" y="0"/>
+          <a:ext cx="0" cy="0"/>
+          <a:chOff x="0" y="0"/>
+          <a:chExt cx="0" cy="0"/>
+        </a:xfrm>
+      </p:grpSpPr>
+      <p:sp>
+        <p:nvSpPr>
+          <p:cNvPr id="2" name="Title 1">
+            <a:extLst>
+              <a:ext uri="{FF2B5EF4-FFF2-40B4-BE49-F238E27FC236}">
+                <a16:creationId xmlns:a16="http://schemas.microsoft.com/office/drawing/2014/main" id="{2551A04A-845B-A64C-8CF5-42C19B5EC552}"/>
+              </a:ext>
+            </a:extLst>
+          </p:cNvPr>
+          <p:cNvSpPr>
+            <a:spLocks noGrp="1"/>
+          </p:cNvSpPr>
+          <p:nvPr>
+            <p:ph type="title"/>
+          </p:nvPr>
+        </p:nvSpPr>
+        <p:spPr/>
+        <p:txBody>
+          <a:bodyPr/>
+          <a:lstStyle/>
+          <a:p>
+            <a:r>
+              <a:rPr lang="en-US" dirty="0"/>
+              <a:t>Detection rate by strategies</a:t>
+            </a:r>
+          </a:p>
+        </p:txBody>
+      </p:sp>
+      <p:sp>
+        <p:nvSpPr>
+          <p:cNvPr id="5" name="Content Placeholder 4">
+            <a:extLst>
+              <a:ext uri="{FF2B5EF4-FFF2-40B4-BE49-F238E27FC236}">
+                <a16:creationId xmlns:a16="http://schemas.microsoft.com/office/drawing/2014/main" id="{B5AD89D2-9EC1-6640-B181-9789A040C655}"/>
+              </a:ext>
+            </a:extLst>
+          </p:cNvPr>
+          <p:cNvSpPr>
+            <a:spLocks noGrp="1"/>
+          </p:cNvSpPr>
+          <p:nvPr>
+            <p:ph sz="half" idx="2"/>
+          </p:nvPr>
+        </p:nvSpPr>
+        <p:spPr/>
+        <p:txBody>
+          <a:bodyPr>
+            <a:normAutofit fontScale="92500" lnSpcReduction="20000"/>
+          </a:bodyPr>
+          <a:lstStyle/>
+          <a:p>
+            <a:r>
+              <a:rPr lang="en-US" dirty="0"/>
+              <a:t>x-axis: time t = 1,..,6</a:t>
+            </a:r>
+          </a:p>
+          <a:p>
+            <a:r>
+              <a:rPr lang="en-US" dirty="0"/>
+              <a:t>y-axis: 𝑓(𝑡)=% 𝑜𝑓 𝑠𝑜𝑐𝑘𝑠 𝑐𝑟𝑒𝑎𝑡𝑒𝑑 𝑏𝑦 𝑠𝑡𝑟𝑎𝑡𝑒𝑔𝑦 𝑆 𝑡</a:t>
+            </a:r>
+            <a:r>
+              <a:rPr lang="en-US" dirty="0" err="1"/>
+              <a:t>ℎ</a:t>
+            </a:r>
+            <a:r>
+              <a:rPr lang="en-US" dirty="0"/>
+              <a:t>𝑎𝑡 𝑤𝑒𝑟𝑒 𝑑𝑒𝑡𝑒𝑐𝑡𝑒𝑑 𝑤𝑖𝑡</a:t>
+            </a:r>
+            <a:r>
+              <a:rPr lang="en-US" dirty="0" err="1"/>
+              <a:t>ℎ</a:t>
+            </a:r>
+            <a:r>
+              <a:rPr lang="en-US" dirty="0"/>
+              <a:t>𝑖𝑛 𝑡 𝑢𝑛𝑖𝑡𝑠 𝑜𝑓 𝑐𝑟𝑒𝑎𝑡𝑖𝑜𝑛. </a:t>
+            </a:r>
+          </a:p>
+          <a:p>
+            <a:r>
+              <a:rPr lang="en-US" dirty="0"/>
+              <a:t>4 curves using S = the 3 strategies provided to sock operators plus ALL (all socks, regardless of strategy)</a:t>
+            </a:r>
+          </a:p>
+          <a:p>
+            <a:endParaRPr lang="en-US" dirty="0"/>
+          </a:p>
+          <a:p>
+            <a:r>
+              <a:rPr lang="en-US" b="1" dirty="0"/>
+              <a:t>Only 8 out of 210 are detected by the users</a:t>
+            </a:r>
+          </a:p>
+          <a:p>
+            <a:r>
+              <a:rPr lang="en-US" b="1" dirty="0"/>
+              <a:t>Other 3 curves need some time to process</a:t>
+            </a:r>
+          </a:p>
+        </p:txBody>
+      </p:sp>
+      <p:pic>
+        <p:nvPicPr>
+          <p:cNvPr id="6" name="Content Placeholder 5">
+            <a:extLst>
+              <a:ext uri="{FF2B5EF4-FFF2-40B4-BE49-F238E27FC236}">
+                <a16:creationId xmlns:a16="http://schemas.microsoft.com/office/drawing/2014/main" id="{EB0E9766-1D3B-D845-964E-2CCE72CEFEBC}"/>
+              </a:ext>
+            </a:extLst>
+          </p:cNvPr>
+          <p:cNvPicPr>
+            <a:picLocks noGrp="1" noChangeAspect="1"/>
+          </p:cNvPicPr>
+          <p:nvPr>
+            <p:ph sz="half" idx="1"/>
+          </p:nvPr>
+        </p:nvPicPr>
+        <p:blipFill>
+          <a:blip r:embed="rId2"/>
+          <a:stretch>
+            <a:fillRect/>
+          </a:stretch>
+        </p:blipFill>
+        <p:spPr>
+          <a:xfrm>
+            <a:off x="838200" y="2347592"/>
+            <a:ext cx="5181600" cy="3307404"/>
+          </a:xfrm>
+          <a:prstGeom prst="rect">
+            <a:avLst/>
+          </a:prstGeom>
+        </p:spPr>
+      </p:pic>
+      <p:sp>
+        <p:nvSpPr>
+          <p:cNvPr id="3" name="Slide Number Placeholder 2">
+            <a:extLst>
+              <a:ext uri="{FF2B5EF4-FFF2-40B4-BE49-F238E27FC236}">
+                <a16:creationId xmlns:a16="http://schemas.microsoft.com/office/drawing/2014/main" id="{5F4BFA82-B02A-584A-8634-0318A56A4E67}"/>
+              </a:ext>
+            </a:extLst>
+          </p:cNvPr>
+          <p:cNvSpPr>
+            <a:spLocks noGrp="1"/>
+          </p:cNvSpPr>
+          <p:nvPr>
+            <p:ph type="sldNum" sz="quarter" idx="12"/>
+          </p:nvPr>
+        </p:nvSpPr>
+        <p:spPr/>
+        <p:txBody>
+          <a:bodyPr/>
+          <a:lstStyle/>
+          <a:p>
+            <a:fld id="{24616A5F-DC9D-EE40-97A8-DF361035BFDB}" type="slidenum">
+              <a:rPr lang="en-US" smtClean="0"/>
+              <a:t>14</a:t>
+            </a:fld>
+            <a:endParaRPr lang="en-US"/>
+          </a:p>
+        </p:txBody>
+      </p:sp>
+    </p:spTree>
+    <p:extLst>
+      <p:ext uri="{BB962C8B-B14F-4D97-AF65-F5344CB8AC3E}">
+        <p14:creationId xmlns:p14="http://schemas.microsoft.com/office/powerpoint/2010/main" val="2907845043"/>
+      </p:ext>
+    </p:extLst>
+  </p:cSld>
+  <p:clrMapOvr>
+    <a:masterClrMapping/>
+  </p:clrMapOvr>
+</p:sld>
+</file>
+
+<file path=ppt/slides/slide15.xml><?xml version="1.0" encoding="utf-8"?>
+<p:sld xmlns:a="http://schemas.openxmlformats.org/drawingml/2006/main" xmlns:r="http://schemas.openxmlformats.org/officeDocument/2006/relationships" xmlns:p="http://schemas.openxmlformats.org/presentationml/2006/main">
+  <p:cSld>
+    <p:spTree>
+      <p:nvGrpSpPr>
+        <p:cNvPr id="1" name=""/>
+        <p:cNvGrpSpPr/>
+        <p:nvPr/>
+      </p:nvGrpSpPr>
+      <p:grpSpPr>
+        <a:xfrm>
+          <a:off x="0" y="0"/>
+          <a:ext cx="0" cy="0"/>
+          <a:chOff x="0" y="0"/>
+          <a:chExt cx="0" cy="0"/>
+        </a:xfrm>
+      </p:grpSpPr>
+      <p:sp>
+        <p:nvSpPr>
+          <p:cNvPr id="2" name="Title 1">
+            <a:extLst>
+              <a:ext uri="{FF2B5EF4-FFF2-40B4-BE49-F238E27FC236}">
                 <a16:creationId xmlns:a16="http://schemas.microsoft.com/office/drawing/2014/main" id="{F0275B2B-D85F-A943-BF16-A4197496ECC0}"/>
               </a:ext>
             </a:extLst>
@@ -4292,7 +5026,7 @@
           <a:p>
             <a:fld id="{24616A5F-DC9D-EE40-97A8-DF361035BFDB}" type="slidenum">
               <a:rPr lang="en-US" smtClean="0"/>
-              <a:t>12</a:t>
+              <a:t>15</a:t>
             </a:fld>
             <a:endParaRPr lang="en-US"/>
           </a:p>
@@ -4369,13 +5103,13 @@
             <a:spLocks noGrp="1"/>
           </p:cNvSpPr>
           <p:nvPr>
-            <p:ph idx="1"/>
+            <p:ph sz="half" idx="1"/>
           </p:nvPr>
         </p:nvSpPr>
         <p:spPr/>
         <p:txBody>
           <a:bodyPr>
-            <a:normAutofit fontScale="92500" lnSpcReduction="10000"/>
+            <a:normAutofit fontScale="85000" lnSpcReduction="20000"/>
           </a:bodyPr>
           <a:lstStyle/>
           <a:p>
@@ -4387,12 +5121,22 @@
           <a:p>
             <a:pPr lvl="1"/>
             <a:r>
-              <a:rPr lang="en-US" dirty="0" err="1"/>
-              <a:t>Sockpuppets</a:t>
-            </a:r>
-            <a:r>
               <a:rPr lang="en-US" dirty="0"/>
-              <a:t>: 210</a:t>
+              <a:t>Moderators and observers</a:t>
+            </a:r>
+          </a:p>
+          <a:p>
+            <a:pPr lvl="1"/>
+            <a:r>
+              <a:rPr lang="en-US" dirty="0"/>
+              <a:t>Sockpuppets: 210</a:t>
+            </a:r>
+          </a:p>
+          <a:p>
+            <a:pPr lvl="1"/>
+            <a:r>
+              <a:rPr lang="en-US" dirty="0"/>
+              <a:t>Participants: 160</a:t>
             </a:r>
           </a:p>
           <a:p>
@@ -4444,7 +5188,7 @@
           </a:p>
           <a:p>
             <a:r>
-              <a:rPr lang="en-US" dirty="0"/>
+              <a:rPr lang="en-US" b="1" dirty="0"/>
               <a:t>Follows: 176</a:t>
             </a:r>
           </a:p>
@@ -4456,6 +5200,304 @@
           </a:p>
         </p:txBody>
       </p:sp>
+      <p:graphicFrame>
+        <p:nvGraphicFramePr>
+          <p:cNvPr id="7" name="Table 7">
+            <a:extLst>
+              <a:ext uri="{FF2B5EF4-FFF2-40B4-BE49-F238E27FC236}">
+                <a16:creationId xmlns:a16="http://schemas.microsoft.com/office/drawing/2014/main" id="{521EB272-088C-0A44-B1AD-F200E166B653}"/>
+              </a:ext>
+            </a:extLst>
+          </p:cNvPr>
+          <p:cNvGraphicFramePr>
+            <a:graphicFrameLocks noGrp="1"/>
+          </p:cNvGraphicFramePr>
+          <p:nvPr>
+            <p:ph sz="half" idx="2"/>
+            <p:extLst>
+              <p:ext uri="{D42A27DB-BD31-4B8C-83A1-F6EECF244321}">
+                <p14:modId xmlns:p14="http://schemas.microsoft.com/office/powerpoint/2010/main" val="1875910953"/>
+              </p:ext>
+            </p:extLst>
+          </p:nvPr>
+        </p:nvGraphicFramePr>
+        <p:xfrm>
+          <a:off x="6172202" y="3436458"/>
+          <a:ext cx="5791372" cy="1483360"/>
+        </p:xfrm>
+        <a:graphic>
+          <a:graphicData uri="http://schemas.openxmlformats.org/drawingml/2006/table">
+            <a:tbl>
+              <a:tblPr firstRow="1" bandRow="1">
+                <a:tableStyleId>{5C22544A-7EE6-4342-B048-85BDC9FD1C3A}</a:tableStyleId>
+              </a:tblPr>
+              <a:tblGrid>
+                <a:gridCol w="1447843">
+                  <a:extLst>
+                    <a:ext uri="{9D8B030D-6E8A-4147-A177-3AD203B41FA5}">
+                      <a16:colId xmlns:a16="http://schemas.microsoft.com/office/drawing/2014/main" val="3595030613"/>
+                    </a:ext>
+                  </a:extLst>
+                </a:gridCol>
+                <a:gridCol w="1447843">
+                  <a:extLst>
+                    <a:ext uri="{9D8B030D-6E8A-4147-A177-3AD203B41FA5}">
+                      <a16:colId xmlns:a16="http://schemas.microsoft.com/office/drawing/2014/main" val="2675234291"/>
+                    </a:ext>
+                  </a:extLst>
+                </a:gridCol>
+                <a:gridCol w="1447843">
+                  <a:extLst>
+                    <a:ext uri="{9D8B030D-6E8A-4147-A177-3AD203B41FA5}">
+                      <a16:colId xmlns:a16="http://schemas.microsoft.com/office/drawing/2014/main" val="2666549026"/>
+                    </a:ext>
+                  </a:extLst>
+                </a:gridCol>
+                <a:gridCol w="1447843">
+                  <a:extLst>
+                    <a:ext uri="{9D8B030D-6E8A-4147-A177-3AD203B41FA5}">
+                      <a16:colId xmlns:a16="http://schemas.microsoft.com/office/drawing/2014/main" val="3736143909"/>
+                    </a:ext>
+                  </a:extLst>
+                </a:gridCol>
+              </a:tblGrid>
+              <a:tr h="370840">
+                <a:tc>
+                  <a:txBody>
+                    <a:bodyPr/>
+                    <a:lstStyle/>
+                    <a:p>
+                      <a:endParaRPr lang="en-US" dirty="0"/>
+                    </a:p>
+                  </a:txBody>
+                  <a:tcPr/>
+                </a:tc>
+                <a:tc>
+                  <a:txBody>
+                    <a:bodyPr/>
+                    <a:lstStyle/>
+                    <a:p>
+                      <a:r>
+                        <a:rPr lang="en-US" dirty="0"/>
+                        <a:t>Participants</a:t>
+                      </a:r>
+                    </a:p>
+                  </a:txBody>
+                  <a:tcPr/>
+                </a:tc>
+                <a:tc>
+                  <a:txBody>
+                    <a:bodyPr/>
+                    <a:lstStyle/>
+                    <a:p>
+                      <a:r>
+                        <a:rPr lang="en-US" dirty="0"/>
+                        <a:t>Sockpuppet</a:t>
+                      </a:r>
+                    </a:p>
+                  </a:txBody>
+                  <a:tcPr/>
+                </a:tc>
+                <a:tc>
+                  <a:txBody>
+                    <a:bodyPr/>
+                    <a:lstStyle/>
+                    <a:p>
+                      <a:r>
+                        <a:rPr lang="en-US" dirty="0"/>
+                        <a:t>Total</a:t>
+                      </a:r>
+                    </a:p>
+                  </a:txBody>
+                  <a:tcPr/>
+                </a:tc>
+                <a:extLst>
+                  <a:ext uri="{0D108BD9-81ED-4DB2-BD59-A6C34878D82A}">
+                    <a16:rowId xmlns:a16="http://schemas.microsoft.com/office/drawing/2014/main" val="1208855065"/>
+                  </a:ext>
+                </a:extLst>
+              </a:tr>
+              <a:tr h="370840">
+                <a:tc>
+                  <a:txBody>
+                    <a:bodyPr/>
+                    <a:lstStyle/>
+                    <a:p>
+                      <a:r>
+                        <a:rPr lang="en-US" dirty="0"/>
+                        <a:t>Inactive</a:t>
+                      </a:r>
+                    </a:p>
+                  </a:txBody>
+                  <a:tcPr/>
+                </a:tc>
+                <a:tc>
+                  <a:txBody>
+                    <a:bodyPr/>
+                    <a:lstStyle/>
+                    <a:p>
+                      <a:r>
+                        <a:rPr lang="en-US" dirty="0"/>
+                        <a:t>119</a:t>
+                      </a:r>
+                    </a:p>
+                  </a:txBody>
+                  <a:tcPr/>
+                </a:tc>
+                <a:tc>
+                  <a:txBody>
+                    <a:bodyPr/>
+                    <a:lstStyle/>
+                    <a:p>
+                      <a:r>
+                        <a:rPr lang="en-US" dirty="0"/>
+                        <a:t>184</a:t>
+                      </a:r>
+                    </a:p>
+                  </a:txBody>
+                  <a:tcPr/>
+                </a:tc>
+                <a:tc>
+                  <a:txBody>
+                    <a:bodyPr/>
+                    <a:lstStyle/>
+                    <a:p>
+                      <a:r>
+                        <a:rPr lang="en-US" dirty="0"/>
+                        <a:t>303</a:t>
+                      </a:r>
+                    </a:p>
+                  </a:txBody>
+                  <a:tcPr/>
+                </a:tc>
+                <a:extLst>
+                  <a:ext uri="{0D108BD9-81ED-4DB2-BD59-A6C34878D82A}">
+                    <a16:rowId xmlns:a16="http://schemas.microsoft.com/office/drawing/2014/main" val="3454411430"/>
+                  </a:ext>
+                </a:extLst>
+              </a:tr>
+              <a:tr h="370840">
+                <a:tc>
+                  <a:txBody>
+                    <a:bodyPr/>
+                    <a:lstStyle/>
+                    <a:p>
+                      <a:r>
+                        <a:rPr lang="en-US" dirty="0"/>
+                        <a:t>Active</a:t>
+                      </a:r>
+                    </a:p>
+                  </a:txBody>
+                  <a:tcPr/>
+                </a:tc>
+                <a:tc>
+                  <a:txBody>
+                    <a:bodyPr/>
+                    <a:lstStyle/>
+                    <a:p>
+                      <a:r>
+                        <a:rPr lang="en-US" dirty="0"/>
+                        <a:t>41</a:t>
+                      </a:r>
+                    </a:p>
+                  </a:txBody>
+                  <a:tcPr/>
+                </a:tc>
+                <a:tc>
+                  <a:txBody>
+                    <a:bodyPr/>
+                    <a:lstStyle/>
+                    <a:p>
+                      <a:r>
+                        <a:rPr lang="en-US" dirty="0"/>
+                        <a:t>26</a:t>
+                      </a:r>
+                    </a:p>
+                  </a:txBody>
+                  <a:tcPr/>
+                </a:tc>
+                <a:tc>
+                  <a:txBody>
+                    <a:bodyPr/>
+                    <a:lstStyle/>
+                    <a:p>
+                      <a:r>
+                        <a:rPr lang="en-US" dirty="0"/>
+                        <a:t>67</a:t>
+                      </a:r>
+                    </a:p>
+                  </a:txBody>
+                  <a:tcPr/>
+                </a:tc>
+                <a:extLst>
+                  <a:ext uri="{0D108BD9-81ED-4DB2-BD59-A6C34878D82A}">
+                    <a16:rowId xmlns:a16="http://schemas.microsoft.com/office/drawing/2014/main" val="853469313"/>
+                  </a:ext>
+                </a:extLst>
+              </a:tr>
+              <a:tr h="370840">
+                <a:tc>
+                  <a:txBody>
+                    <a:bodyPr/>
+                    <a:lstStyle/>
+                    <a:p>
+                      <a:r>
+                        <a:rPr lang="en-US" dirty="0"/>
+                        <a:t>Total</a:t>
+                      </a:r>
+                    </a:p>
+                  </a:txBody>
+                  <a:tcPr/>
+                </a:tc>
+                <a:tc>
+                  <a:txBody>
+                    <a:bodyPr/>
+                    <a:lstStyle/>
+                    <a:p>
+                      <a:r>
+                        <a:rPr lang="en-US" dirty="0"/>
+                        <a:t>160</a:t>
+                      </a:r>
+                    </a:p>
+                  </a:txBody>
+                  <a:tcPr/>
+                </a:tc>
+                <a:tc>
+                  <a:txBody>
+                    <a:bodyPr/>
+                    <a:lstStyle/>
+                    <a:p>
+                      <a:r>
+                        <a:rPr lang="en-US" dirty="0"/>
+                        <a:t>210</a:t>
+                      </a:r>
+                    </a:p>
+                  </a:txBody>
+                  <a:tcPr/>
+                </a:tc>
+                <a:tc>
+                  <a:txBody>
+                    <a:bodyPr/>
+                    <a:lstStyle/>
+                    <a:p>
+                      <a:r>
+                        <a:rPr lang="en-US" dirty="0"/>
+                        <a:t>370</a:t>
+                      </a:r>
+                    </a:p>
+                  </a:txBody>
+                  <a:tcPr/>
+                </a:tc>
+                <a:extLst>
+                  <a:ext uri="{0D108BD9-81ED-4DB2-BD59-A6C34878D82A}">
+                    <a16:rowId xmlns:a16="http://schemas.microsoft.com/office/drawing/2014/main" val="3432946974"/>
+                  </a:ext>
+                </a:extLst>
+              </a:tr>
+            </a:tbl>
+          </a:graphicData>
+        </a:graphic>
+      </p:graphicFrame>
       <p:sp>
         <p:nvSpPr>
           <p:cNvPr id="4" name="Slide Number Placeholder 3">
@@ -4482,6 +5524,76 @@
               <a:t>2</a:t>
             </a:fld>
             <a:endParaRPr lang="en-US"/>
+          </a:p>
+        </p:txBody>
+      </p:sp>
+      <p:sp>
+        <p:nvSpPr>
+          <p:cNvPr id="5" name="TextBox 4">
+            <a:extLst>
+              <a:ext uri="{FF2B5EF4-FFF2-40B4-BE49-F238E27FC236}">
+                <a16:creationId xmlns:a16="http://schemas.microsoft.com/office/drawing/2014/main" id="{81A2B7AD-4A6E-6D4B-9C96-6A4B2BE6F3E4}"/>
+              </a:ext>
+            </a:extLst>
+          </p:cNvPr>
+          <p:cNvSpPr txBox="1"/>
+          <p:nvPr/>
+        </p:nvSpPr>
+        <p:spPr>
+          <a:xfrm>
+            <a:off x="6542567" y="136525"/>
+            <a:ext cx="5421007" cy="1384995"/>
+          </a:xfrm>
+          <a:prstGeom prst="rect">
+            <a:avLst/>
+          </a:prstGeom>
+          <a:noFill/>
+        </p:spPr>
+        <p:txBody>
+          <a:bodyPr wrap="square" rtlCol="0">
+            <a:spAutoFit/>
+          </a:bodyPr>
+          <a:lstStyle/>
+          <a:p>
+            <a:r>
+              <a:rPr lang="en-US" sz="2800" b="1" dirty="0"/>
+              <a:t>Sparse social network, only 176 user follow relationships among 478 users.</a:t>
+            </a:r>
+          </a:p>
+        </p:txBody>
+      </p:sp>
+      <p:sp>
+        <p:nvSpPr>
+          <p:cNvPr id="8" name="TextBox 7">
+            <a:extLst>
+              <a:ext uri="{FF2B5EF4-FFF2-40B4-BE49-F238E27FC236}">
+                <a16:creationId xmlns:a16="http://schemas.microsoft.com/office/drawing/2014/main" id="{99D2EA39-75AF-594E-8CCA-38C9ECB729E5}"/>
+              </a:ext>
+            </a:extLst>
+          </p:cNvPr>
+          <p:cNvSpPr txBox="1"/>
+          <p:nvPr/>
+        </p:nvSpPr>
+        <p:spPr>
+          <a:xfrm>
+            <a:off x="8183386" y="2668772"/>
+            <a:ext cx="2139368" cy="369332"/>
+          </a:xfrm>
+          <a:prstGeom prst="rect">
+            <a:avLst/>
+          </a:prstGeom>
+          <a:noFill/>
+        </p:spPr>
+        <p:txBody>
+          <a:bodyPr wrap="none" rtlCol="0">
+            <a:spAutoFit/>
+          </a:bodyPr>
+          <a:lstStyle/>
+          <a:p>
+            <a:r>
+              <a:rPr lang="en-US" dirty="0"/>
+              <a:t>Active accounts stats</a:t>
+            </a:r>
           </a:p>
         </p:txBody>
       </p:sp>
@@ -4543,6 +5655,34 @@
           </a:p>
         </p:txBody>
       </p:sp>
+      <p:sp>
+        <p:nvSpPr>
+          <p:cNvPr id="7" name="Text Placeholder 6">
+            <a:extLst>
+              <a:ext uri="{FF2B5EF4-FFF2-40B4-BE49-F238E27FC236}">
+                <a16:creationId xmlns:a16="http://schemas.microsoft.com/office/drawing/2014/main" id="{A14816BD-BF13-B649-B19B-831030E0B83A}"/>
+              </a:ext>
+            </a:extLst>
+          </p:cNvPr>
+          <p:cNvSpPr>
+            <a:spLocks noGrp="1"/>
+          </p:cNvSpPr>
+          <p:nvPr>
+            <p:ph type="body" idx="1"/>
+          </p:nvPr>
+        </p:nvSpPr>
+        <p:spPr/>
+        <p:txBody>
+          <a:bodyPr/>
+          <a:lstStyle/>
+          <a:p>
+            <a:r>
+              <a:rPr lang="en-US" dirty="0"/>
+              <a:t>All accounts</a:t>
+            </a:r>
+          </a:p>
+        </p:txBody>
+      </p:sp>
       <p:pic>
         <p:nvPicPr>
           <p:cNvPr id="4" name="Content Placeholder 3">
@@ -4556,7 +5696,7 @@
             <a:picLocks noGrp="1" noChangeAspect="1"/>
           </p:cNvPicPr>
           <p:nvPr>
-            <p:ph sz="half" idx="1"/>
+            <p:ph sz="half" idx="2"/>
           </p:nvPr>
         </p:nvPicPr>
         <p:blipFill>
@@ -4567,7 +5707,7 @@
         </p:blipFill>
         <p:spPr>
           <a:xfrm>
-            <a:off x="1003300" y="2299494"/>
+            <a:off x="992981" y="2645569"/>
             <a:ext cx="4851400" cy="3403600"/>
           </a:xfrm>
           <a:prstGeom prst="rect">
@@ -4577,18 +5717,18 @@
       </p:pic>
       <p:sp>
         <p:nvSpPr>
-          <p:cNvPr id="6" name="Content Placeholder 5">
-            <a:extLst>
-              <a:ext uri="{FF2B5EF4-FFF2-40B4-BE49-F238E27FC236}">
-                <a16:creationId xmlns:a16="http://schemas.microsoft.com/office/drawing/2014/main" id="{5E3C3DDE-BEB3-DD47-BC3F-2A9EFEA05A8C}"/>
-              </a:ext>
-            </a:extLst>
-          </p:cNvPr>
-          <p:cNvSpPr>
-            <a:spLocks noGrp="1"/>
-          </p:cNvSpPr>
-          <p:nvPr>
-            <p:ph sz="half" idx="2"/>
+          <p:cNvPr id="8" name="Text Placeholder 7">
+            <a:extLst>
+              <a:ext uri="{FF2B5EF4-FFF2-40B4-BE49-F238E27FC236}">
+                <a16:creationId xmlns:a16="http://schemas.microsoft.com/office/drawing/2014/main" id="{957714C8-A3C4-0141-A6D9-4D4DC9FB07B9}"/>
+              </a:ext>
+            </a:extLst>
+          </p:cNvPr>
+          <p:cNvSpPr>
+            <a:spLocks noGrp="1"/>
+          </p:cNvSpPr>
+          <p:nvPr>
+            <p:ph type="body" sz="quarter" idx="3"/>
           </p:nvPr>
         </p:nvSpPr>
         <p:spPr/>
@@ -4598,17 +5738,43 @@
           <a:p>
             <a:r>
               <a:rPr lang="en-US" dirty="0"/>
-              <a:t>Activities include Post, Comments, and both</a:t>
-            </a:r>
-          </a:p>
-          <a:p>
-            <a:r>
-              <a:rPr lang="en-US" dirty="0"/>
-              <a:t>Normal users have more activities than sockpuppets</a:t>
-            </a:r>
-          </a:p>
-        </p:txBody>
-      </p:sp>
+              <a:t>Active accounts</a:t>
+            </a:r>
+          </a:p>
+        </p:txBody>
+      </p:sp>
+      <p:pic>
+        <p:nvPicPr>
+          <p:cNvPr id="10" name="Content Placeholder 9">
+            <a:extLst>
+              <a:ext uri="{FF2B5EF4-FFF2-40B4-BE49-F238E27FC236}">
+                <a16:creationId xmlns:a16="http://schemas.microsoft.com/office/drawing/2014/main" id="{EA43AD99-2FA7-7D4C-B214-6A48309B9316}"/>
+              </a:ext>
+            </a:extLst>
+          </p:cNvPr>
+          <p:cNvPicPr>
+            <a:picLocks noGrp="1" noChangeAspect="1"/>
+          </p:cNvPicPr>
+          <p:nvPr>
+            <p:ph sz="quarter" idx="4"/>
+          </p:nvPr>
+        </p:nvPicPr>
+        <p:blipFill>
+          <a:blip r:embed="rId3"/>
+          <a:stretch>
+            <a:fillRect/>
+          </a:stretch>
+        </p:blipFill>
+        <p:spPr>
+          <a:xfrm>
+            <a:off x="6325394" y="2670969"/>
+            <a:ext cx="4876800" cy="3352800"/>
+          </a:xfrm>
+          <a:prstGeom prst="rect">
+            <a:avLst/>
+          </a:prstGeom>
+        </p:spPr>
+      </p:pic>
       <p:sp>
         <p:nvSpPr>
           <p:cNvPr id="2" name="Slide Number Placeholder 1">
@@ -4635,6 +5801,47 @@
               <a:t>3</a:t>
             </a:fld>
             <a:endParaRPr lang="en-US"/>
+          </a:p>
+        </p:txBody>
+      </p:sp>
+      <p:sp>
+        <p:nvSpPr>
+          <p:cNvPr id="3" name="TextBox 2">
+            <a:extLst>
+              <a:ext uri="{FF2B5EF4-FFF2-40B4-BE49-F238E27FC236}">
+                <a16:creationId xmlns:a16="http://schemas.microsoft.com/office/drawing/2014/main" id="{B9CB0DF7-2AE0-DF46-B5E8-A5A0C025E956}"/>
+              </a:ext>
+            </a:extLst>
+          </p:cNvPr>
+          <p:cNvSpPr txBox="1"/>
+          <p:nvPr/>
+        </p:nvSpPr>
+        <p:spPr>
+          <a:xfrm>
+            <a:off x="772731" y="6033184"/>
+            <a:ext cx="5081969" cy="646331"/>
+          </a:xfrm>
+          <a:prstGeom prst="rect">
+            <a:avLst/>
+          </a:prstGeom>
+          <a:noFill/>
+        </p:spPr>
+        <p:txBody>
+          <a:bodyPr wrap="none" rtlCol="0">
+            <a:spAutoFit/>
+          </a:bodyPr>
+          <a:lstStyle/>
+          <a:p>
+            <a:r>
+              <a:rPr lang="en-US" dirty="0"/>
+              <a:t>Activities include Post, Comments, and both</a:t>
+            </a:r>
+          </a:p>
+          <a:p>
+            <a:r>
+              <a:rPr lang="en-US" dirty="0"/>
+              <a:t>Normal users have more activities than sockpuppets</a:t>
+            </a:r>
           </a:p>
         </p:txBody>
       </p:sp>
@@ -4701,6 +5908,34 @@
           </a:p>
         </p:txBody>
       </p:sp>
+      <p:sp>
+        <p:nvSpPr>
+          <p:cNvPr id="6" name="Text Placeholder 5">
+            <a:extLst>
+              <a:ext uri="{FF2B5EF4-FFF2-40B4-BE49-F238E27FC236}">
+                <a16:creationId xmlns:a16="http://schemas.microsoft.com/office/drawing/2014/main" id="{0E9C95BA-2189-5540-A280-1859AFA6BCAB}"/>
+              </a:ext>
+            </a:extLst>
+          </p:cNvPr>
+          <p:cNvSpPr>
+            <a:spLocks noGrp="1"/>
+          </p:cNvSpPr>
+          <p:nvPr>
+            <p:ph type="body" idx="1"/>
+          </p:nvPr>
+        </p:nvSpPr>
+        <p:spPr/>
+        <p:txBody>
+          <a:bodyPr/>
+          <a:lstStyle/>
+          <a:p>
+            <a:r>
+              <a:rPr lang="en-US" dirty="0"/>
+              <a:t>All accounts</a:t>
+            </a:r>
+          </a:p>
+        </p:txBody>
+      </p:sp>
       <p:pic>
         <p:nvPicPr>
           <p:cNvPr id="5" name="Content Placeholder 4">
@@ -4714,7 +5949,7 @@
             <a:picLocks noGrp="1" noChangeAspect="1"/>
           </p:cNvPicPr>
           <p:nvPr>
-            <p:ph sz="half" idx="1"/>
+            <p:ph sz="half" idx="2"/>
           </p:nvPr>
         </p:nvPicPr>
         <p:blipFill>
@@ -4725,7 +5960,7 @@
         </p:blipFill>
         <p:spPr>
           <a:xfrm>
-            <a:off x="927100" y="2343944"/>
+            <a:off x="916781" y="2690019"/>
             <a:ext cx="5003800" cy="3314700"/>
           </a:xfrm>
           <a:prstGeom prst="rect">
@@ -4735,18 +5970,18 @@
       </p:pic>
       <p:sp>
         <p:nvSpPr>
-          <p:cNvPr id="4" name="Content Placeholder 3">
-            <a:extLst>
-              <a:ext uri="{FF2B5EF4-FFF2-40B4-BE49-F238E27FC236}">
-                <a16:creationId xmlns:a16="http://schemas.microsoft.com/office/drawing/2014/main" id="{2BE9CB9D-C25C-BB4E-B430-7C0D2FBEFC14}"/>
-              </a:ext>
-            </a:extLst>
-          </p:cNvPr>
-          <p:cNvSpPr>
-            <a:spLocks noGrp="1"/>
-          </p:cNvSpPr>
-          <p:nvPr>
-            <p:ph sz="half" idx="2"/>
+          <p:cNvPr id="7" name="Text Placeholder 6">
+            <a:extLst>
+              <a:ext uri="{FF2B5EF4-FFF2-40B4-BE49-F238E27FC236}">
+                <a16:creationId xmlns:a16="http://schemas.microsoft.com/office/drawing/2014/main" id="{9D7F5E8A-0F95-8F4E-99B6-D1BA49D308B9}"/>
+              </a:ext>
+            </a:extLst>
+          </p:cNvPr>
+          <p:cNvSpPr>
+            <a:spLocks noGrp="1"/>
+          </p:cNvSpPr>
+          <p:nvPr>
+            <p:ph type="body" sz="quarter" idx="3"/>
           </p:nvPr>
         </p:nvSpPr>
         <p:spPr/>
@@ -4756,17 +5991,43 @@
           <a:p>
             <a:r>
               <a:rPr lang="en-US" dirty="0"/>
-              <a:t>COVERT has more activities than others</a:t>
-            </a:r>
-          </a:p>
-          <a:p>
-            <a:r>
-              <a:rPr lang="en-US" dirty="0"/>
-              <a:t>OVERT has least activities</a:t>
-            </a:r>
-          </a:p>
-        </p:txBody>
-      </p:sp>
+              <a:t>Active accounts</a:t>
+            </a:r>
+          </a:p>
+        </p:txBody>
+      </p:sp>
+      <p:pic>
+        <p:nvPicPr>
+          <p:cNvPr id="9" name="Content Placeholder 8">
+            <a:extLst>
+              <a:ext uri="{FF2B5EF4-FFF2-40B4-BE49-F238E27FC236}">
+                <a16:creationId xmlns:a16="http://schemas.microsoft.com/office/drawing/2014/main" id="{CB31A920-30B2-D340-9E14-9A6F14CED4A7}"/>
+              </a:ext>
+            </a:extLst>
+          </p:cNvPr>
+          <p:cNvPicPr>
+            <a:picLocks noGrp="1" noChangeAspect="1"/>
+          </p:cNvPicPr>
+          <p:nvPr>
+            <p:ph sz="quarter" idx="4"/>
+          </p:nvPr>
+        </p:nvPicPr>
+        <p:blipFill>
+          <a:blip r:embed="rId3"/>
+          <a:stretch>
+            <a:fillRect/>
+          </a:stretch>
+        </p:blipFill>
+        <p:spPr>
+          <a:xfrm>
+            <a:off x="6325394" y="2664619"/>
+            <a:ext cx="4876800" cy="3365500"/>
+          </a:xfrm>
+          <a:prstGeom prst="rect">
+            <a:avLst/>
+          </a:prstGeom>
+        </p:spPr>
+      </p:pic>
       <p:sp>
         <p:nvSpPr>
           <p:cNvPr id="3" name="Slide Number Placeholder 2">
@@ -4793,6 +6054,47 @@
               <a:t>4</a:t>
             </a:fld>
             <a:endParaRPr lang="en-US"/>
+          </a:p>
+        </p:txBody>
+      </p:sp>
+      <p:sp>
+        <p:nvSpPr>
+          <p:cNvPr id="8" name="TextBox 7">
+            <a:extLst>
+              <a:ext uri="{FF2B5EF4-FFF2-40B4-BE49-F238E27FC236}">
+                <a16:creationId xmlns:a16="http://schemas.microsoft.com/office/drawing/2014/main" id="{A90E6A89-6B8C-CE4D-8F94-2C22F1E4DD3F}"/>
+              </a:ext>
+            </a:extLst>
+          </p:cNvPr>
+          <p:cNvSpPr txBox="1"/>
+          <p:nvPr/>
+        </p:nvSpPr>
+        <p:spPr>
+          <a:xfrm>
+            <a:off x="1360967" y="6075144"/>
+            <a:ext cx="4636608" cy="646331"/>
+          </a:xfrm>
+          <a:prstGeom prst="rect">
+            <a:avLst/>
+          </a:prstGeom>
+          <a:noFill/>
+        </p:spPr>
+        <p:txBody>
+          <a:bodyPr wrap="square" rtlCol="0">
+            <a:spAutoFit/>
+          </a:bodyPr>
+          <a:lstStyle/>
+          <a:p>
+            <a:r>
+              <a:rPr lang="en-US" dirty="0"/>
+              <a:t>COVERT has more activities than others</a:t>
+            </a:r>
+          </a:p>
+          <a:p>
+            <a:r>
+              <a:rPr lang="en-US" dirty="0"/>
+              <a:t>OVERT has least activities</a:t>
+            </a:r>
           </a:p>
         </p:txBody>
       </p:sp>
@@ -4826,8 +6128,8 @@
           <a:chExt cx="0" cy="0"/>
         </a:xfrm>
       </p:grpSpPr>
-      <mc:AlternateContent xmlns:mc="http://schemas.openxmlformats.org/markup-compatibility/2006" xmlns:a14="http://schemas.microsoft.com/office/drawing/2010/main">
-        <mc:Choice Requires="a14">
+      <mc:AlternateContent xmlns:mc="http://schemas.openxmlformats.org/markup-compatibility/2006">
+        <mc:Choice xmlns:a14="http://schemas.microsoft.com/office/drawing/2010/main" Requires="a14">
           <p:sp>
             <p:nvSpPr>
               <p:cNvPr id="2" name="Title 1">
@@ -4978,7 +6280,7 @@
             </p:txBody>
           </p:sp>
         </mc:Choice>
-        <mc:Fallback xmlns="">
+        <mc:Fallback>
           <p:sp>
             <p:nvSpPr>
               <p:cNvPr id="2" name="Title 1">
@@ -4999,7 +6301,7 @@
               <a:blipFill>
                 <a:blip r:embed="rId2"/>
                 <a:stretch>
-                  <a:fillRect l="-7971" t="-34615" b="-106731"/>
+                  <a:fillRect l="-7961" t="-35238" b="-105714"/>
                 </a:stretch>
               </a:blipFill>
             </p:spPr>
@@ -5018,6 +6320,34 @@
           </p:sp>
         </mc:Fallback>
       </mc:AlternateContent>
+      <p:sp>
+        <p:nvSpPr>
+          <p:cNvPr id="10" name="Text Placeholder 9">
+            <a:extLst>
+              <a:ext uri="{FF2B5EF4-FFF2-40B4-BE49-F238E27FC236}">
+                <a16:creationId xmlns:a16="http://schemas.microsoft.com/office/drawing/2014/main" id="{36D6589C-B86B-3C43-AE6B-9C23C7F2A1BF}"/>
+              </a:ext>
+            </a:extLst>
+          </p:cNvPr>
+          <p:cNvSpPr>
+            <a:spLocks noGrp="1"/>
+          </p:cNvSpPr>
+          <p:nvPr>
+            <p:ph type="body" idx="1"/>
+          </p:nvPr>
+        </p:nvSpPr>
+        <p:spPr/>
+        <p:txBody>
+          <a:bodyPr/>
+          <a:lstStyle/>
+          <a:p>
+            <a:r>
+              <a:rPr lang="en-US" dirty="0"/>
+              <a:t>All accounts</a:t>
+            </a:r>
+          </a:p>
+        </p:txBody>
+      </p:sp>
       <p:pic>
         <p:nvPicPr>
           <p:cNvPr id="5" name="Content Placeholder 4">
@@ -5031,7 +6361,7 @@
             <a:picLocks noGrp="1" noChangeAspect="1"/>
           </p:cNvPicPr>
           <p:nvPr>
-            <p:ph sz="half" idx="1"/>
+            <p:ph sz="half" idx="2"/>
           </p:nvPr>
         </p:nvPicPr>
         <p:blipFill>
@@ -5042,7 +6372,7 @@
         </p:blipFill>
         <p:spPr>
           <a:xfrm>
-            <a:off x="946150" y="2299494"/>
+            <a:off x="935831" y="2645569"/>
             <a:ext cx="4965700" cy="3403600"/>
           </a:xfrm>
           <a:prstGeom prst="rect">
@@ -5050,12 +6380,139 @@
           </a:prstGeom>
         </p:spPr>
       </p:pic>
+      <p:sp>
+        <p:nvSpPr>
+          <p:cNvPr id="11" name="Text Placeholder 10">
+            <a:extLst>
+              <a:ext uri="{FF2B5EF4-FFF2-40B4-BE49-F238E27FC236}">
+                <a16:creationId xmlns:a16="http://schemas.microsoft.com/office/drawing/2014/main" id="{D11DA2FA-B227-AB47-9A93-F60FF5C4B0DF}"/>
+              </a:ext>
+            </a:extLst>
+          </p:cNvPr>
+          <p:cNvSpPr>
+            <a:spLocks noGrp="1"/>
+          </p:cNvSpPr>
+          <p:nvPr>
+            <p:ph type="body" sz="quarter" idx="3"/>
+          </p:nvPr>
+        </p:nvSpPr>
+        <p:spPr/>
+        <p:txBody>
+          <a:bodyPr/>
+          <a:lstStyle/>
+          <a:p>
+            <a:r>
+              <a:rPr lang="en-US" dirty="0"/>
+              <a:t>Active accounts</a:t>
+            </a:r>
+          </a:p>
+        </p:txBody>
+      </p:sp>
+      <p:sp>
+        <p:nvSpPr>
+          <p:cNvPr id="3" name="Slide Number Placeholder 2">
+            <a:extLst>
+              <a:ext uri="{FF2B5EF4-FFF2-40B4-BE49-F238E27FC236}">
+                <a16:creationId xmlns:a16="http://schemas.microsoft.com/office/drawing/2014/main" id="{BF6BF318-586C-1F4D-9798-BD8A1AF7EDC8}"/>
+              </a:ext>
+            </a:extLst>
+          </p:cNvPr>
+          <p:cNvSpPr>
+            <a:spLocks noGrp="1"/>
+          </p:cNvSpPr>
+          <p:nvPr>
+            <p:ph type="sldNum" sz="quarter" idx="12"/>
+          </p:nvPr>
+        </p:nvSpPr>
+        <p:spPr/>
+        <p:txBody>
+          <a:bodyPr/>
+          <a:lstStyle/>
+          <a:p>
+            <a:fld id="{24616A5F-DC9D-EE40-97A8-DF361035BFDB}" type="slidenum">
+              <a:rPr lang="en-US" smtClean="0"/>
+              <a:t>5</a:t>
+            </a:fld>
+            <a:endParaRPr lang="en-US"/>
+          </a:p>
+        </p:txBody>
+      </p:sp>
+      <p:sp>
+        <p:nvSpPr>
+          <p:cNvPr id="4" name="TextBox 3">
+            <a:extLst>
+              <a:ext uri="{FF2B5EF4-FFF2-40B4-BE49-F238E27FC236}">
+                <a16:creationId xmlns:a16="http://schemas.microsoft.com/office/drawing/2014/main" id="{6BA9717C-058E-9245-9F27-65A7B36721BB}"/>
+              </a:ext>
+            </a:extLst>
+          </p:cNvPr>
+          <p:cNvSpPr txBox="1"/>
+          <p:nvPr/>
+        </p:nvSpPr>
+        <p:spPr>
+          <a:xfrm>
+            <a:off x="8610600" y="365125"/>
+            <a:ext cx="2905988" cy="369332"/>
+          </a:xfrm>
+          <a:prstGeom prst="rect">
+            <a:avLst/>
+          </a:prstGeom>
+          <a:noFill/>
+        </p:spPr>
+        <p:txBody>
+          <a:bodyPr wrap="none" rtlCol="0">
+            <a:spAutoFit/>
+          </a:bodyPr>
+          <a:lstStyle/>
+          <a:p>
+            <a:r>
+              <a:rPr lang="en-US" dirty="0"/>
+              <a:t>176 follows among 478 users</a:t>
+            </a:r>
+          </a:p>
+        </p:txBody>
+      </p:sp>
+      <p:sp>
+        <p:nvSpPr>
+          <p:cNvPr id="14" name="TextBox 13">
+            <a:extLst>
+              <a:ext uri="{FF2B5EF4-FFF2-40B4-BE49-F238E27FC236}">
+                <a16:creationId xmlns:a16="http://schemas.microsoft.com/office/drawing/2014/main" id="{525B6846-FAA4-314B-8D46-722521FED0B0}"/>
+              </a:ext>
+            </a:extLst>
+          </p:cNvPr>
+          <p:cNvSpPr txBox="1"/>
+          <p:nvPr/>
+        </p:nvSpPr>
+        <p:spPr>
+          <a:xfrm>
+            <a:off x="6366567" y="6169580"/>
+            <a:ext cx="4794454" cy="369332"/>
+          </a:xfrm>
+          <a:prstGeom prst="rect">
+            <a:avLst/>
+          </a:prstGeom>
+          <a:noFill/>
+        </p:spPr>
+        <p:txBody>
+          <a:bodyPr wrap="none" rtlCol="0">
+            <a:spAutoFit/>
+          </a:bodyPr>
+          <a:lstStyle/>
+          <a:p>
+            <a:r>
+              <a:rPr lang="en-US" dirty="0"/>
+              <a:t>Active accounts have far more follower activities!</a:t>
+            </a:r>
+          </a:p>
+        </p:txBody>
+      </p:sp>
       <p:pic>
         <p:nvPicPr>
-          <p:cNvPr id="6" name="Content Placeholder 5">
-            <a:extLst>
-              <a:ext uri="{FF2B5EF4-FFF2-40B4-BE49-F238E27FC236}">
-                <a16:creationId xmlns:a16="http://schemas.microsoft.com/office/drawing/2014/main" id="{4C3DBD7B-CE6D-F64E-B6AF-72E80E03755B}"/>
+          <p:cNvPr id="17" name="Content Placeholder 16">
+            <a:extLst>
+              <a:ext uri="{FF2B5EF4-FFF2-40B4-BE49-F238E27FC236}">
+                <a16:creationId xmlns:a16="http://schemas.microsoft.com/office/drawing/2014/main" id="{5C5F781D-5466-C649-BE2E-E03449C6E347}"/>
               </a:ext>
             </a:extLst>
           </p:cNvPr>
@@ -5063,7 +6520,7 @@
             <a:picLocks noGrp="1" noChangeAspect="1"/>
           </p:cNvPicPr>
           <p:nvPr>
-            <p:ph sz="half" idx="2"/>
+            <p:ph sz="quarter" idx="4"/>
           </p:nvPr>
         </p:nvPicPr>
         <p:blipFill>
@@ -5074,78 +6531,14 @@
         </p:blipFill>
         <p:spPr>
           <a:xfrm>
-            <a:off x="6318250" y="2312194"/>
-            <a:ext cx="4889500" cy="3378200"/>
+            <a:off x="6261894" y="2677319"/>
+            <a:ext cx="5003800" cy="3340100"/>
           </a:xfrm>
           <a:prstGeom prst="rect">
             <a:avLst/>
           </a:prstGeom>
         </p:spPr>
       </p:pic>
-      <p:sp>
-        <p:nvSpPr>
-          <p:cNvPr id="7" name="TextBox 6">
-            <a:extLst>
-              <a:ext uri="{FF2B5EF4-FFF2-40B4-BE49-F238E27FC236}">
-                <a16:creationId xmlns:a16="http://schemas.microsoft.com/office/drawing/2014/main" id="{395D8E72-B1EC-154B-8600-9CBAC9E4C9FA}"/>
-              </a:ext>
-            </a:extLst>
-          </p:cNvPr>
-          <p:cNvSpPr txBox="1"/>
-          <p:nvPr/>
-        </p:nvSpPr>
-        <p:spPr>
-          <a:xfrm>
-            <a:off x="665018" y="6127668"/>
-            <a:ext cx="7217938" cy="369332"/>
-          </a:xfrm>
-          <a:prstGeom prst="rect">
-            <a:avLst/>
-          </a:prstGeom>
-          <a:noFill/>
-        </p:spPr>
-        <p:txBody>
-          <a:bodyPr wrap="none" rtlCol="0">
-            <a:spAutoFit/>
-          </a:bodyPr>
-          <a:lstStyle/>
-          <a:p>
-            <a:r>
-              <a:rPr lang="en-US" dirty="0"/>
-              <a:t>Followers for COVERT has activities, which are also likely to be sockpuppets</a:t>
-            </a:r>
-          </a:p>
-        </p:txBody>
-      </p:sp>
-      <p:sp>
-        <p:nvSpPr>
-          <p:cNvPr id="3" name="Slide Number Placeholder 2">
-            <a:extLst>
-              <a:ext uri="{FF2B5EF4-FFF2-40B4-BE49-F238E27FC236}">
-                <a16:creationId xmlns:a16="http://schemas.microsoft.com/office/drawing/2014/main" id="{BF6BF318-586C-1F4D-9798-BD8A1AF7EDC8}"/>
-              </a:ext>
-            </a:extLst>
-          </p:cNvPr>
-          <p:cNvSpPr>
-            <a:spLocks noGrp="1"/>
-          </p:cNvSpPr>
-          <p:nvPr>
-            <p:ph type="sldNum" sz="quarter" idx="12"/>
-          </p:nvPr>
-        </p:nvSpPr>
-        <p:spPr/>
-        <p:txBody>
-          <a:bodyPr/>
-          <a:lstStyle/>
-          <a:p>
-            <a:fld id="{24616A5F-DC9D-EE40-97A8-DF361035BFDB}" type="slidenum">
-              <a:rPr lang="en-US" smtClean="0"/>
-              <a:t>5</a:t>
-            </a:fld>
-            <a:endParaRPr lang="en-US"/>
-          </a:p>
-        </p:txBody>
-      </p:sp>
     </p:spTree>
     <p:extLst>
       <p:ext uri="{BB962C8B-B14F-4D97-AF65-F5344CB8AC3E}">
@@ -5176,8 +6569,484 @@
           <a:chExt cx="0" cy="0"/>
         </a:xfrm>
       </p:grpSpPr>
-      <mc:AlternateContent xmlns:mc="http://schemas.openxmlformats.org/markup-compatibility/2006" xmlns:a14="http://schemas.microsoft.com/office/drawing/2010/main">
-        <mc:Choice Requires="a14">
+      <mc:AlternateContent xmlns:mc="http://schemas.openxmlformats.org/markup-compatibility/2006">
+        <mc:Choice xmlns:a14="http://schemas.microsoft.com/office/drawing/2010/main" Requires="a14">
+          <p:sp>
+            <p:nvSpPr>
+              <p:cNvPr id="2" name="Title 1">
+                <a:extLst>
+                  <a:ext uri="{FF2B5EF4-FFF2-40B4-BE49-F238E27FC236}">
+                    <a16:creationId xmlns:a16="http://schemas.microsoft.com/office/drawing/2014/main" id="{7CD59750-3A61-1949-85AA-BA092B7D1160}"/>
+                  </a:ext>
+                </a:extLst>
+              </p:cNvPr>
+              <p:cNvSpPr>
+                <a:spLocks noGrp="1"/>
+              </p:cNvSpPr>
+              <p:nvPr>
+                <p:ph type="title"/>
+              </p:nvPr>
+            </p:nvSpPr>
+            <p:spPr/>
+            <p:txBody>
+              <a:bodyPr>
+                <a:normAutofit fontScale="90000"/>
+              </a:bodyPr>
+              <a:lstStyle/>
+              <a:p>
+                <a:r>
+                  <a:rPr lang="en-US" dirty="0"/>
+                  <a:t>Follower activities </a:t>
+                </a:r>
+                <a14:m>
+                  <m:oMath xmlns:m="http://schemas.openxmlformats.org/officeDocument/2006/math">
+                    <m:r>
+                      <m:rPr>
+                        <m:sty m:val="p"/>
+                      </m:rPr>
+                      <a:rPr lang="en-US" b="0" i="0" smtClean="0">
+                        <a:latin typeface="Cambria Math" panose="02040503050406030204" pitchFamily="18" charset="0"/>
+                      </a:rPr>
+                      <m:t>FA</m:t>
+                    </m:r>
+                    <m:d>
+                      <m:dPr>
+                        <m:ctrlPr>
+                          <a:rPr lang="en-US" b="0" i="1" smtClean="0">
+                            <a:latin typeface="Cambria Math" panose="02040503050406030204" pitchFamily="18" charset="0"/>
+                          </a:rPr>
+                        </m:ctrlPr>
+                      </m:dPr>
+                      <m:e>
+                        <m:r>
+                          <m:rPr>
+                            <m:sty m:val="p"/>
+                          </m:rPr>
+                          <a:rPr lang="en-US" b="0" i="0" smtClean="0">
+                            <a:latin typeface="Cambria Math" panose="02040503050406030204" pitchFamily="18" charset="0"/>
+                          </a:rPr>
+                          <m:t>u</m:t>
+                        </m:r>
+                      </m:e>
+                    </m:d>
+                    <m:r>
+                      <a:rPr lang="en-US" b="0" i="0" smtClean="0">
+                        <a:latin typeface="Cambria Math" panose="02040503050406030204" pitchFamily="18" charset="0"/>
+                      </a:rPr>
+                      <m:t>=</m:t>
+                    </m:r>
+                    <m:nary>
+                      <m:naryPr>
+                        <m:chr m:val="∑"/>
+                        <m:supHide m:val="on"/>
+                        <m:ctrlPr>
+                          <a:rPr lang="en-US" b="0" i="1" smtClean="0">
+                            <a:latin typeface="Cambria Math" panose="02040503050406030204" pitchFamily="18" charset="0"/>
+                          </a:rPr>
+                        </m:ctrlPr>
+                      </m:naryPr>
+                      <m:sub>
+                        <m:r>
+                          <m:rPr>
+                            <m:brk m:alnAt="7"/>
+                          </m:rPr>
+                          <a:rPr lang="en-US" b="0" i="1" smtClean="0">
+                            <a:latin typeface="Cambria Math" panose="02040503050406030204" pitchFamily="18" charset="0"/>
+                          </a:rPr>
+                          <m:t>𝑣</m:t>
+                        </m:r>
+                        <m:r>
+                          <a:rPr lang="en-US" b="0" i="1" smtClean="0">
+                            <a:latin typeface="Cambria Math" panose="02040503050406030204" pitchFamily="18" charset="0"/>
+                          </a:rPr>
+                          <m:t>∈</m:t>
+                        </m:r>
+                        <m:r>
+                          <a:rPr lang="en-US" b="0" i="1" smtClean="0">
+                            <a:latin typeface="Cambria Math" panose="02040503050406030204" pitchFamily="18" charset="0"/>
+                          </a:rPr>
+                          <m:t>𝐹𝑜𝑙𝑙𝑜𝑤𝑒𝑟𝑠</m:t>
+                        </m:r>
+                        <m:r>
+                          <a:rPr lang="en-US" b="0" i="1" smtClean="0">
+                            <a:latin typeface="Cambria Math" panose="02040503050406030204" pitchFamily="18" charset="0"/>
+                          </a:rPr>
+                          <m:t>(</m:t>
+                        </m:r>
+                        <m:r>
+                          <a:rPr lang="en-US" b="0" i="1" smtClean="0">
+                            <a:latin typeface="Cambria Math" panose="02040503050406030204" pitchFamily="18" charset="0"/>
+                          </a:rPr>
+                          <m:t>𝑢</m:t>
+                        </m:r>
+                        <m:r>
+                          <a:rPr lang="en-US" b="0" i="1" smtClean="0">
+                            <a:latin typeface="Cambria Math" panose="02040503050406030204" pitchFamily="18" charset="0"/>
+                          </a:rPr>
+                          <m:t>)</m:t>
+                        </m:r>
+                      </m:sub>
+                      <m:sup/>
+                      <m:e>
+                        <m:r>
+                          <a:rPr lang="en-US" b="0" i="1" smtClean="0">
+                            <a:latin typeface="Cambria Math" panose="02040503050406030204" pitchFamily="18" charset="0"/>
+                          </a:rPr>
+                          <m:t>𝑇𝑤𝑒𝑒𝑡𝑠</m:t>
+                        </m:r>
+                        <m:r>
+                          <a:rPr lang="en-US" b="0" i="1" smtClean="0">
+                            <a:latin typeface="Cambria Math" panose="02040503050406030204" pitchFamily="18" charset="0"/>
+                          </a:rPr>
+                          <m:t>(</m:t>
+                        </m:r>
+                        <m:r>
+                          <a:rPr lang="en-US" b="0" i="1" smtClean="0">
+                            <a:latin typeface="Cambria Math" panose="02040503050406030204" pitchFamily="18" charset="0"/>
+                          </a:rPr>
+                          <m:t>𝑣</m:t>
+                        </m:r>
+                        <m:r>
+                          <a:rPr lang="en-US" b="0" i="1" smtClean="0">
+                            <a:latin typeface="Cambria Math" panose="02040503050406030204" pitchFamily="18" charset="0"/>
+                          </a:rPr>
+                          <m:t>)</m:t>
+                        </m:r>
+                      </m:e>
+                    </m:nary>
+                  </m:oMath>
+                </a14:m>
+                <a:endParaRPr lang="en-US" dirty="0"/>
+              </a:p>
+            </p:txBody>
+          </p:sp>
+        </mc:Choice>
+        <mc:Fallback>
+          <p:sp>
+            <p:nvSpPr>
+              <p:cNvPr id="2" name="Title 1">
+                <a:extLst>
+                  <a:ext uri="{FF2B5EF4-FFF2-40B4-BE49-F238E27FC236}">
+                    <a16:creationId xmlns:a16="http://schemas.microsoft.com/office/drawing/2014/main" id="{7CD59750-3A61-1949-85AA-BA092B7D1160}"/>
+                  </a:ext>
+                </a:extLst>
+              </p:cNvPr>
+              <p:cNvSpPr>
+                <a:spLocks noGrp="1" noRot="1" noChangeAspect="1" noMove="1" noResize="1" noEditPoints="1" noAdjustHandles="1" noChangeArrowheads="1" noChangeShapeType="1" noTextEdit="1"/>
+              </p:cNvSpPr>
+              <p:nvPr>
+                <p:ph type="title"/>
+              </p:nvPr>
+            </p:nvSpPr>
+            <p:spPr>
+              <a:blipFill>
+                <a:blip r:embed="rId2"/>
+                <a:stretch>
+                  <a:fillRect l="-7961" t="-35238" b="-105714"/>
+                </a:stretch>
+              </a:blipFill>
+            </p:spPr>
+            <p:txBody>
+              <a:bodyPr/>
+              <a:lstStyle/>
+              <a:p>
+                <a:r>
+                  <a:rPr lang="en-US">
+                    <a:noFill/>
+                  </a:rPr>
+                  <a:t> </a:t>
+                </a:r>
+              </a:p>
+            </p:txBody>
+          </p:sp>
+        </mc:Fallback>
+      </mc:AlternateContent>
+      <p:sp>
+        <p:nvSpPr>
+          <p:cNvPr id="13" name="Text Placeholder 12">
+            <a:extLst>
+              <a:ext uri="{FF2B5EF4-FFF2-40B4-BE49-F238E27FC236}">
+                <a16:creationId xmlns:a16="http://schemas.microsoft.com/office/drawing/2014/main" id="{AA4F74FA-1A4C-CB40-AD68-04AB42168314}"/>
+              </a:ext>
+            </a:extLst>
+          </p:cNvPr>
+          <p:cNvSpPr>
+            <a:spLocks noGrp="1"/>
+          </p:cNvSpPr>
+          <p:nvPr>
+            <p:ph type="body" idx="1"/>
+          </p:nvPr>
+        </p:nvSpPr>
+        <p:spPr/>
+        <p:txBody>
+          <a:bodyPr/>
+          <a:lstStyle/>
+          <a:p>
+            <a:r>
+              <a:rPr lang="en-US" dirty="0"/>
+              <a:t>All accounts</a:t>
+            </a:r>
+          </a:p>
+        </p:txBody>
+      </p:sp>
+      <p:pic>
+        <p:nvPicPr>
+          <p:cNvPr id="12" name="Content Placeholder 5">
+            <a:extLst>
+              <a:ext uri="{FF2B5EF4-FFF2-40B4-BE49-F238E27FC236}">
+                <a16:creationId xmlns:a16="http://schemas.microsoft.com/office/drawing/2014/main" id="{9426AEB7-F232-7E43-B055-5DB3317D0576}"/>
+              </a:ext>
+            </a:extLst>
+          </p:cNvPr>
+          <p:cNvPicPr>
+            <a:picLocks noGrp="1" noChangeAspect="1"/>
+          </p:cNvPicPr>
+          <p:nvPr>
+            <p:ph sz="half" idx="2"/>
+          </p:nvPr>
+        </p:nvPicPr>
+        <p:blipFill>
+          <a:blip r:embed="rId3"/>
+          <a:stretch>
+            <a:fillRect/>
+          </a:stretch>
+        </p:blipFill>
+        <p:spPr>
+          <a:xfrm>
+            <a:off x="973931" y="2658269"/>
+            <a:ext cx="4889500" cy="3378200"/>
+          </a:xfrm>
+          <a:prstGeom prst="rect">
+            <a:avLst/>
+          </a:prstGeom>
+        </p:spPr>
+      </p:pic>
+      <p:sp>
+        <p:nvSpPr>
+          <p:cNvPr id="14" name="Text Placeholder 13">
+            <a:extLst>
+              <a:ext uri="{FF2B5EF4-FFF2-40B4-BE49-F238E27FC236}">
+                <a16:creationId xmlns:a16="http://schemas.microsoft.com/office/drawing/2014/main" id="{7D051306-B8F2-9D4C-98A3-468A2665DC4C}"/>
+              </a:ext>
+            </a:extLst>
+          </p:cNvPr>
+          <p:cNvSpPr>
+            <a:spLocks noGrp="1"/>
+          </p:cNvSpPr>
+          <p:nvPr>
+            <p:ph type="body" sz="quarter" idx="3"/>
+          </p:nvPr>
+        </p:nvSpPr>
+        <p:spPr/>
+        <p:txBody>
+          <a:bodyPr/>
+          <a:lstStyle/>
+          <a:p>
+            <a:r>
+              <a:rPr lang="en-US" dirty="0"/>
+              <a:t>Active accounts</a:t>
+            </a:r>
+          </a:p>
+        </p:txBody>
+      </p:sp>
+      <p:pic>
+        <p:nvPicPr>
+          <p:cNvPr id="16" name="Content Placeholder 15">
+            <a:extLst>
+              <a:ext uri="{FF2B5EF4-FFF2-40B4-BE49-F238E27FC236}">
+                <a16:creationId xmlns:a16="http://schemas.microsoft.com/office/drawing/2014/main" id="{40256E20-A98E-0D4A-A378-959E1656340B}"/>
+              </a:ext>
+            </a:extLst>
+          </p:cNvPr>
+          <p:cNvPicPr>
+            <a:picLocks noGrp="1" noChangeAspect="1"/>
+          </p:cNvPicPr>
+          <p:nvPr>
+            <p:ph sz="quarter" idx="4"/>
+          </p:nvPr>
+        </p:nvPicPr>
+        <p:blipFill>
+          <a:blip r:embed="rId4"/>
+          <a:stretch>
+            <a:fillRect/>
+          </a:stretch>
+        </p:blipFill>
+        <p:spPr>
+          <a:xfrm>
+            <a:off x="6287294" y="2677319"/>
+            <a:ext cx="4953000" cy="3340100"/>
+          </a:xfrm>
+          <a:prstGeom prst="rect">
+            <a:avLst/>
+          </a:prstGeom>
+        </p:spPr>
+      </p:pic>
+      <p:sp>
+        <p:nvSpPr>
+          <p:cNvPr id="3" name="Slide Number Placeholder 2">
+            <a:extLst>
+              <a:ext uri="{FF2B5EF4-FFF2-40B4-BE49-F238E27FC236}">
+                <a16:creationId xmlns:a16="http://schemas.microsoft.com/office/drawing/2014/main" id="{BF6BF318-586C-1F4D-9798-BD8A1AF7EDC8}"/>
+              </a:ext>
+            </a:extLst>
+          </p:cNvPr>
+          <p:cNvSpPr>
+            <a:spLocks noGrp="1"/>
+          </p:cNvSpPr>
+          <p:nvPr>
+            <p:ph type="sldNum" sz="quarter" idx="12"/>
+          </p:nvPr>
+        </p:nvSpPr>
+        <p:spPr/>
+        <p:txBody>
+          <a:bodyPr/>
+          <a:lstStyle/>
+          <a:p>
+            <a:fld id="{24616A5F-DC9D-EE40-97A8-DF361035BFDB}" type="slidenum">
+              <a:rPr lang="en-US" smtClean="0"/>
+              <a:t>6</a:t>
+            </a:fld>
+            <a:endParaRPr lang="en-US"/>
+          </a:p>
+        </p:txBody>
+      </p:sp>
+      <p:sp>
+        <p:nvSpPr>
+          <p:cNvPr id="7" name="TextBox 6">
+            <a:extLst>
+              <a:ext uri="{FF2B5EF4-FFF2-40B4-BE49-F238E27FC236}">
+                <a16:creationId xmlns:a16="http://schemas.microsoft.com/office/drawing/2014/main" id="{395D8E72-B1EC-154B-8600-9CBAC9E4C9FA}"/>
+              </a:ext>
+            </a:extLst>
+          </p:cNvPr>
+          <p:cNvSpPr txBox="1"/>
+          <p:nvPr/>
+        </p:nvSpPr>
+        <p:spPr>
+          <a:xfrm>
+            <a:off x="7289102" y="6130558"/>
+            <a:ext cx="3437159" cy="369332"/>
+          </a:xfrm>
+          <a:prstGeom prst="rect">
+            <a:avLst/>
+          </a:prstGeom>
+          <a:noFill/>
+        </p:spPr>
+        <p:txBody>
+          <a:bodyPr wrap="none" rtlCol="0">
+            <a:spAutoFit/>
+          </a:bodyPr>
+          <a:lstStyle/>
+          <a:p>
+            <a:r>
+              <a:rPr lang="en-US" dirty="0"/>
+              <a:t>Only COVERT have active followers</a:t>
+            </a:r>
+          </a:p>
+        </p:txBody>
+      </p:sp>
+      <p:sp>
+        <p:nvSpPr>
+          <p:cNvPr id="4" name="TextBox 3">
+            <a:extLst>
+              <a:ext uri="{FF2B5EF4-FFF2-40B4-BE49-F238E27FC236}">
+                <a16:creationId xmlns:a16="http://schemas.microsoft.com/office/drawing/2014/main" id="{6BA9717C-058E-9245-9F27-65A7B36721BB}"/>
+              </a:ext>
+            </a:extLst>
+          </p:cNvPr>
+          <p:cNvSpPr txBox="1"/>
+          <p:nvPr/>
+        </p:nvSpPr>
+        <p:spPr>
+          <a:xfrm>
+            <a:off x="8610600" y="365125"/>
+            <a:ext cx="2905988" cy="369332"/>
+          </a:xfrm>
+          <a:prstGeom prst="rect">
+            <a:avLst/>
+          </a:prstGeom>
+          <a:noFill/>
+        </p:spPr>
+        <p:txBody>
+          <a:bodyPr wrap="none" rtlCol="0">
+            <a:spAutoFit/>
+          </a:bodyPr>
+          <a:lstStyle/>
+          <a:p>
+            <a:r>
+              <a:rPr lang="en-US" dirty="0"/>
+              <a:t>176 follows among 478 users</a:t>
+            </a:r>
+          </a:p>
+        </p:txBody>
+      </p:sp>
+      <p:sp>
+        <p:nvSpPr>
+          <p:cNvPr id="17" name="TextBox 16">
+            <a:extLst>
+              <a:ext uri="{FF2B5EF4-FFF2-40B4-BE49-F238E27FC236}">
+                <a16:creationId xmlns:a16="http://schemas.microsoft.com/office/drawing/2014/main" id="{0383E87D-3C85-0E41-B715-AF01FBEF5790}"/>
+              </a:ext>
+            </a:extLst>
+          </p:cNvPr>
+          <p:cNvSpPr txBox="1"/>
+          <p:nvPr/>
+        </p:nvSpPr>
+        <p:spPr>
+          <a:xfrm>
+            <a:off x="1152108" y="6036469"/>
+            <a:ext cx="5020092" cy="369332"/>
+          </a:xfrm>
+          <a:prstGeom prst="rect">
+            <a:avLst/>
+          </a:prstGeom>
+          <a:noFill/>
+        </p:spPr>
+        <p:txBody>
+          <a:bodyPr wrap="none" rtlCol="0">
+            <a:spAutoFit/>
+          </a:bodyPr>
+          <a:lstStyle/>
+          <a:p>
+            <a:r>
+              <a:rPr lang="en-US" dirty="0"/>
+              <a:t>Some accounts are only active for less than one day.</a:t>
+            </a:r>
+          </a:p>
+        </p:txBody>
+      </p:sp>
+    </p:spTree>
+    <p:extLst>
+      <p:ext uri="{BB962C8B-B14F-4D97-AF65-F5344CB8AC3E}">
+        <p14:creationId xmlns:p14="http://schemas.microsoft.com/office/powerpoint/2010/main" val="1959078131"/>
+      </p:ext>
+    </p:extLst>
+  </p:cSld>
+  <p:clrMapOvr>
+    <a:masterClrMapping/>
+  </p:clrMapOvr>
+</p:sld>
+</file>
+
+<file path=ppt/slides/slide7.xml><?xml version="1.0" encoding="utf-8"?>
+<p:sld xmlns:a="http://schemas.openxmlformats.org/drawingml/2006/main" xmlns:r="http://schemas.openxmlformats.org/officeDocument/2006/relationships" xmlns:p="http://schemas.openxmlformats.org/presentationml/2006/main">
+  <p:cSld>
+    <p:spTree>
+      <p:nvGrpSpPr>
+        <p:cNvPr id="1" name=""/>
+        <p:cNvGrpSpPr/>
+        <p:nvPr/>
+      </p:nvGrpSpPr>
+      <p:grpSpPr>
+        <a:xfrm>
+          <a:off x="0" y="0"/>
+          <a:ext cx="0" cy="0"/>
+          <a:chOff x="0" y="0"/>
+          <a:chExt cx="0" cy="0"/>
+        </a:xfrm>
+      </p:grpSpPr>
+      <mc:AlternateContent xmlns:mc="http://schemas.openxmlformats.org/markup-compatibility/2006">
+        <mc:Choice xmlns:a14="http://schemas.microsoft.com/office/drawing/2010/main" Requires="a14">
           <p:sp>
             <p:nvSpPr>
               <p:cNvPr id="2" name="Title 1">
@@ -5302,7 +7171,7 @@
             </p:txBody>
           </p:sp>
         </mc:Choice>
-        <mc:Fallback xmlns="">
+        <mc:Fallback>
           <p:sp>
             <p:nvSpPr>
               <p:cNvPr id="2" name="Title 1">
@@ -5323,7 +7192,7 @@
               <a:blipFill>
                 <a:blip r:embed="rId2"/>
                 <a:stretch>
-                  <a:fillRect l="-2415" b="-2885"/>
+                  <a:fillRect l="-2413" b="-2857"/>
                 </a:stretch>
               </a:blipFill>
             </p:spPr>
@@ -5342,6 +7211,34 @@
           </p:sp>
         </mc:Fallback>
       </mc:AlternateContent>
+      <p:sp>
+        <p:nvSpPr>
+          <p:cNvPr id="4" name="Text Placeholder 3">
+            <a:extLst>
+              <a:ext uri="{FF2B5EF4-FFF2-40B4-BE49-F238E27FC236}">
+                <a16:creationId xmlns:a16="http://schemas.microsoft.com/office/drawing/2014/main" id="{EA9CF97C-89F8-3F4F-BE48-6128A5D5AA3D}"/>
+              </a:ext>
+            </a:extLst>
+          </p:cNvPr>
+          <p:cNvSpPr>
+            <a:spLocks noGrp="1"/>
+          </p:cNvSpPr>
+          <p:nvPr>
+            <p:ph type="body" idx="1"/>
+          </p:nvPr>
+        </p:nvSpPr>
+        <p:spPr/>
+        <p:txBody>
+          <a:bodyPr/>
+          <a:lstStyle/>
+          <a:p>
+            <a:r>
+              <a:rPr lang="en-US" dirty="0"/>
+              <a:t>All accounts</a:t>
+            </a:r>
+          </a:p>
+        </p:txBody>
+      </p:sp>
       <p:pic>
         <p:nvPicPr>
           <p:cNvPr id="9" name="Content Placeholder 8">
@@ -5355,7 +7252,7 @@
             <a:picLocks noGrp="1" noChangeAspect="1"/>
           </p:cNvPicPr>
           <p:nvPr>
-            <p:ph sz="half" idx="1"/>
+            <p:ph sz="half" idx="2"/>
           </p:nvPr>
         </p:nvPicPr>
         <p:blipFill>
@@ -5366,7 +7263,7 @@
         </p:blipFill>
         <p:spPr>
           <a:xfrm>
-            <a:off x="920750" y="2356644"/>
+            <a:off x="910431" y="2702719"/>
             <a:ext cx="5016500" cy="3289300"/>
           </a:xfrm>
           <a:prstGeom prst="rect">
@@ -5374,12 +7271,69 @@
           </a:prstGeom>
         </p:spPr>
       </p:pic>
+      <p:sp>
+        <p:nvSpPr>
+          <p:cNvPr id="5" name="Text Placeholder 4">
+            <a:extLst>
+              <a:ext uri="{FF2B5EF4-FFF2-40B4-BE49-F238E27FC236}">
+                <a16:creationId xmlns:a16="http://schemas.microsoft.com/office/drawing/2014/main" id="{B25ED657-CE45-9947-A766-EE630E2ADD41}"/>
+              </a:ext>
+            </a:extLst>
+          </p:cNvPr>
+          <p:cNvSpPr>
+            <a:spLocks noGrp="1"/>
+          </p:cNvSpPr>
+          <p:nvPr>
+            <p:ph type="body" sz="quarter" idx="3"/>
+          </p:nvPr>
+        </p:nvSpPr>
+        <p:spPr/>
+        <p:txBody>
+          <a:bodyPr/>
+          <a:lstStyle/>
+          <a:p>
+            <a:r>
+              <a:rPr lang="en-US" dirty="0"/>
+              <a:t>Active accounts</a:t>
+            </a:r>
+          </a:p>
+        </p:txBody>
+      </p:sp>
+      <p:sp>
+        <p:nvSpPr>
+          <p:cNvPr id="3" name="Slide Number Placeholder 2">
+            <a:extLst>
+              <a:ext uri="{FF2B5EF4-FFF2-40B4-BE49-F238E27FC236}">
+                <a16:creationId xmlns:a16="http://schemas.microsoft.com/office/drawing/2014/main" id="{57BB5309-865B-C54C-9FA1-163DBA46597C}"/>
+              </a:ext>
+            </a:extLst>
+          </p:cNvPr>
+          <p:cNvSpPr>
+            <a:spLocks noGrp="1"/>
+          </p:cNvSpPr>
+          <p:nvPr>
+            <p:ph type="sldNum" sz="quarter" idx="12"/>
+          </p:nvPr>
+        </p:nvSpPr>
+        <p:spPr/>
+        <p:txBody>
+          <a:bodyPr/>
+          <a:lstStyle/>
+          <a:p>
+            <a:fld id="{24616A5F-DC9D-EE40-97A8-DF361035BFDB}" type="slidenum">
+              <a:rPr lang="en-US" smtClean="0"/>
+              <a:t>7</a:t>
+            </a:fld>
+            <a:endParaRPr lang="en-US"/>
+          </a:p>
+        </p:txBody>
+      </p:sp>
       <p:pic>
         <p:nvPicPr>
-          <p:cNvPr id="12" name="Content Placeholder 11">
-            <a:extLst>
-              <a:ext uri="{FF2B5EF4-FFF2-40B4-BE49-F238E27FC236}">
-                <a16:creationId xmlns:a16="http://schemas.microsoft.com/office/drawing/2014/main" id="{5A10DB26-0DA3-B349-A008-2A43A4786BE8}"/>
+          <p:cNvPr id="8" name="Content Placeholder 7">
+            <a:extLst>
+              <a:ext uri="{FF2B5EF4-FFF2-40B4-BE49-F238E27FC236}">
+                <a16:creationId xmlns:a16="http://schemas.microsoft.com/office/drawing/2014/main" id="{107ECCE0-749E-0E48-B7A1-A158014755F4}"/>
               </a:ext>
             </a:extLst>
           </p:cNvPr>
@@ -5387,7 +7341,7 @@
             <a:picLocks noGrp="1" noChangeAspect="1"/>
           </p:cNvPicPr>
           <p:nvPr>
-            <p:ph sz="half" idx="2"/>
+            <p:ph sz="quarter" idx="4"/>
           </p:nvPr>
         </p:nvPicPr>
         <p:blipFill>
@@ -5398,8 +7352,8 @@
         </p:blipFill>
         <p:spPr>
           <a:xfrm>
-            <a:off x="6261100" y="2280444"/>
-            <a:ext cx="5003800" cy="3441700"/>
+            <a:off x="6331744" y="2639219"/>
+            <a:ext cx="4864100" cy="3416300"/>
           </a:xfrm>
           <a:prstGeom prst="rect">
             <a:avLst/>
@@ -5408,10 +7362,10 @@
       </p:pic>
       <p:sp>
         <p:nvSpPr>
-          <p:cNvPr id="13" name="TextBox 12">
-            <a:extLst>
-              <a:ext uri="{FF2B5EF4-FFF2-40B4-BE49-F238E27FC236}">
-                <a16:creationId xmlns:a16="http://schemas.microsoft.com/office/drawing/2014/main" id="{BE0EBA47-CFC6-3243-9D8A-446C00B2B48C}"/>
+          <p:cNvPr id="10" name="TextBox 9">
+            <a:extLst>
+              <a:ext uri="{FF2B5EF4-FFF2-40B4-BE49-F238E27FC236}">
+                <a16:creationId xmlns:a16="http://schemas.microsoft.com/office/drawing/2014/main" id="{FB868092-6A81-784C-9C99-02134F665571}"/>
               </a:ext>
             </a:extLst>
           </p:cNvPr>
@@ -5420,8 +7374,8 @@
         </p:nvSpPr>
         <p:spPr>
           <a:xfrm>
-            <a:off x="546265" y="6008914"/>
-            <a:ext cx="6504281" cy="646331"/>
+            <a:off x="6560288" y="6241312"/>
+            <a:ext cx="4527009" cy="369332"/>
           </a:xfrm>
           <a:prstGeom prst="rect">
             <a:avLst/>
@@ -5436,43 +7390,8 @@
           <a:p>
             <a:r>
               <a:rPr lang="en-US" dirty="0"/>
-              <a:t>Hard to distinguish sockpuppets or normal users by direct influence</a:t>
-            </a:r>
-          </a:p>
-          <a:p>
-            <a:r>
-              <a:rPr lang="en-US" dirty="0"/>
-              <a:t>COVERT has most direct influence</a:t>
-            </a:r>
-          </a:p>
-        </p:txBody>
-      </p:sp>
-      <p:sp>
-        <p:nvSpPr>
-          <p:cNvPr id="3" name="Slide Number Placeholder 2">
-            <a:extLst>
-              <a:ext uri="{FF2B5EF4-FFF2-40B4-BE49-F238E27FC236}">
-                <a16:creationId xmlns:a16="http://schemas.microsoft.com/office/drawing/2014/main" id="{57BB5309-865B-C54C-9FA1-163DBA46597C}"/>
-              </a:ext>
-            </a:extLst>
-          </p:cNvPr>
-          <p:cNvSpPr>
-            <a:spLocks noGrp="1"/>
-          </p:cNvSpPr>
-          <p:nvPr>
-            <p:ph type="sldNum" sz="quarter" idx="12"/>
-          </p:nvPr>
-        </p:nvSpPr>
-        <p:spPr/>
-        <p:txBody>
-          <a:bodyPr/>
-          <a:lstStyle/>
-          <a:p>
-            <a:fld id="{24616A5F-DC9D-EE40-97A8-DF361035BFDB}" type="slidenum">
-              <a:rPr lang="en-US" smtClean="0"/>
-              <a:t>6</a:t>
-            </a:fld>
-            <a:endParaRPr lang="en-US"/>
+              <a:t>Active accounts have far more direct influence</a:t>
+            </a:r>
           </a:p>
         </p:txBody>
       </p:sp>
@@ -5480,174 +7399,6 @@
     <p:extLst>
       <p:ext uri="{BB962C8B-B14F-4D97-AF65-F5344CB8AC3E}">
         <p14:creationId xmlns:p14="http://schemas.microsoft.com/office/powerpoint/2010/main" val="1421959787"/>
-      </p:ext>
-    </p:extLst>
-  </p:cSld>
-  <p:clrMapOvr>
-    <a:masterClrMapping/>
-  </p:clrMapOvr>
-</p:sld>
-</file>
-
-<file path=ppt/slides/slide7.xml><?xml version="1.0" encoding="utf-8"?>
-<p:sld xmlns:a="http://schemas.openxmlformats.org/drawingml/2006/main" xmlns:r="http://schemas.openxmlformats.org/officeDocument/2006/relationships" xmlns:p="http://schemas.openxmlformats.org/presentationml/2006/main">
-  <p:cSld>
-    <p:spTree>
-      <p:nvGrpSpPr>
-        <p:cNvPr id="1" name=""/>
-        <p:cNvGrpSpPr/>
-        <p:nvPr/>
-      </p:nvGrpSpPr>
-      <p:grpSpPr>
-        <a:xfrm>
-          <a:off x="0" y="0"/>
-          <a:ext cx="0" cy="0"/>
-          <a:chOff x="0" y="0"/>
-          <a:chExt cx="0" cy="0"/>
-        </a:xfrm>
-      </p:grpSpPr>
-      <p:sp>
-        <p:nvSpPr>
-          <p:cNvPr id="2" name="Title 1">
-            <a:extLst>
-              <a:ext uri="{FF2B5EF4-FFF2-40B4-BE49-F238E27FC236}">
-                <a16:creationId xmlns:a16="http://schemas.microsoft.com/office/drawing/2014/main" id="{2B341EE0-8BE1-6744-B7A9-340881B1FD8D}"/>
-              </a:ext>
-            </a:extLst>
-          </p:cNvPr>
-          <p:cNvSpPr>
-            <a:spLocks noGrp="1"/>
-          </p:cNvSpPr>
-          <p:nvPr>
-            <p:ph type="title"/>
-          </p:nvPr>
-        </p:nvSpPr>
-        <p:spPr/>
-        <p:txBody>
-          <a:bodyPr/>
-          <a:lstStyle/>
-          <a:p>
-            <a:r>
-              <a:rPr lang="en-US" dirty="0"/>
-              <a:t>Number of discovered by strategies</a:t>
-            </a:r>
-          </a:p>
-        </p:txBody>
-      </p:sp>
-      <p:pic>
-        <p:nvPicPr>
-          <p:cNvPr id="5" name="Content Placeholder 4">
-            <a:extLst>
-              <a:ext uri="{FF2B5EF4-FFF2-40B4-BE49-F238E27FC236}">
-                <a16:creationId xmlns:a16="http://schemas.microsoft.com/office/drawing/2014/main" id="{FAAED3A6-71ED-E24E-BA39-09EA9034961D}"/>
-              </a:ext>
-            </a:extLst>
-          </p:cNvPr>
-          <p:cNvPicPr>
-            <a:picLocks noGrp="1" noChangeAspect="1"/>
-          </p:cNvPicPr>
-          <p:nvPr>
-            <p:ph sz="half" idx="1"/>
-          </p:nvPr>
-        </p:nvPicPr>
-        <p:blipFill>
-          <a:blip r:embed="rId2"/>
-          <a:stretch>
-            <a:fillRect/>
-          </a:stretch>
-        </p:blipFill>
-        <p:spPr>
-          <a:xfrm>
-            <a:off x="933450" y="2331244"/>
-            <a:ext cx="4991100" cy="3340100"/>
-          </a:xfrm>
-          <a:prstGeom prst="rect">
-            <a:avLst/>
-          </a:prstGeom>
-        </p:spPr>
-      </p:pic>
-      <p:sp>
-        <p:nvSpPr>
-          <p:cNvPr id="4" name="Content Placeholder 3">
-            <a:extLst>
-              <a:ext uri="{FF2B5EF4-FFF2-40B4-BE49-F238E27FC236}">
-                <a16:creationId xmlns:a16="http://schemas.microsoft.com/office/drawing/2014/main" id="{80A66004-DCB7-744C-A310-8E609540FCFE}"/>
-              </a:ext>
-            </a:extLst>
-          </p:cNvPr>
-          <p:cNvSpPr>
-            <a:spLocks noGrp="1"/>
-          </p:cNvSpPr>
-          <p:nvPr>
-            <p:ph sz="half" idx="2"/>
-          </p:nvPr>
-        </p:nvSpPr>
-        <p:spPr/>
-        <p:txBody>
-          <a:bodyPr/>
-          <a:lstStyle/>
-          <a:p>
-            <a:r>
-              <a:rPr lang="en-US" dirty="0"/>
-              <a:t>8 sockpuppets are discovered</a:t>
-            </a:r>
-          </a:p>
-          <a:p>
-            <a:pPr lvl="1"/>
-            <a:r>
-              <a:rPr lang="en-US" dirty="0"/>
-              <a:t>4 COVERT</a:t>
-            </a:r>
-          </a:p>
-          <a:p>
-            <a:pPr lvl="1"/>
-            <a:r>
-              <a:rPr lang="en-US" dirty="0"/>
-              <a:t>3 OVERT</a:t>
-            </a:r>
-          </a:p>
-          <a:p>
-            <a:pPr lvl="1"/>
-            <a:r>
-              <a:rPr lang="en-US" dirty="0"/>
-              <a:t>1 UNRESTRICTED</a:t>
-            </a:r>
-          </a:p>
-        </p:txBody>
-      </p:sp>
-      <p:sp>
-        <p:nvSpPr>
-          <p:cNvPr id="3" name="Slide Number Placeholder 2">
-            <a:extLst>
-              <a:ext uri="{FF2B5EF4-FFF2-40B4-BE49-F238E27FC236}">
-                <a16:creationId xmlns:a16="http://schemas.microsoft.com/office/drawing/2014/main" id="{5B1B45B2-28C9-3C48-B3C0-57DBA38111DD}"/>
-              </a:ext>
-            </a:extLst>
-          </p:cNvPr>
-          <p:cNvSpPr>
-            <a:spLocks noGrp="1"/>
-          </p:cNvSpPr>
-          <p:nvPr>
-            <p:ph type="sldNum" sz="quarter" idx="12"/>
-          </p:nvPr>
-        </p:nvSpPr>
-        <p:spPr/>
-        <p:txBody>
-          <a:bodyPr/>
-          <a:lstStyle/>
-          <a:p>
-            <a:fld id="{24616A5F-DC9D-EE40-97A8-DF361035BFDB}" type="slidenum">
-              <a:rPr lang="en-US" smtClean="0"/>
-              <a:t>7</a:t>
-            </a:fld>
-            <a:endParaRPr lang="en-US"/>
-          </a:p>
-        </p:txBody>
-      </p:sp>
-    </p:spTree>
-    <p:extLst>
-      <p:ext uri="{BB962C8B-B14F-4D97-AF65-F5344CB8AC3E}">
-        <p14:creationId xmlns:p14="http://schemas.microsoft.com/office/powerpoint/2010/main" val="3451669571"/>
       </p:ext>
     </p:extLst>
   </p:cSld>
@@ -5674,20 +7425,186 @@
           <a:chExt cx="0" cy="0"/>
         </a:xfrm>
       </p:grpSpPr>
-      <p:sp>
-        <p:nvSpPr>
-          <p:cNvPr id="2" name="Title 1">
-            <a:extLst>
-              <a:ext uri="{FF2B5EF4-FFF2-40B4-BE49-F238E27FC236}">
-                <a16:creationId xmlns:a16="http://schemas.microsoft.com/office/drawing/2014/main" id="{FFFE1FB0-1ED4-D94E-AC5A-D56483534C62}"/>
-              </a:ext>
-            </a:extLst>
-          </p:cNvPr>
-          <p:cNvSpPr>
-            <a:spLocks noGrp="1"/>
-          </p:cNvSpPr>
-          <p:nvPr>
-            <p:ph type="title"/>
+      <mc:AlternateContent xmlns:mc="http://schemas.openxmlformats.org/markup-compatibility/2006">
+        <mc:Choice xmlns:a14="http://schemas.microsoft.com/office/drawing/2010/main" Requires="a14">
+          <p:sp>
+            <p:nvSpPr>
+              <p:cNvPr id="2" name="Title 1">
+                <a:extLst>
+                  <a:ext uri="{FF2B5EF4-FFF2-40B4-BE49-F238E27FC236}">
+                    <a16:creationId xmlns:a16="http://schemas.microsoft.com/office/drawing/2014/main" id="{1F05F370-281B-1840-870B-D13531721643}"/>
+                  </a:ext>
+                </a:extLst>
+              </p:cNvPr>
+              <p:cNvSpPr>
+                <a:spLocks noGrp="1"/>
+              </p:cNvSpPr>
+              <p:nvPr>
+                <p:ph type="title"/>
+              </p:nvPr>
+            </p:nvSpPr>
+            <p:spPr/>
+            <p:txBody>
+              <a:bodyPr/>
+              <a:lstStyle/>
+              <a:p>
+                <a:r>
+                  <a:rPr lang="en-US" dirty="0"/>
+                  <a:t>Direct Influence </a:t>
+                </a:r>
+                <a14:m>
+                  <m:oMath xmlns:m="http://schemas.openxmlformats.org/officeDocument/2006/math">
+                    <m:r>
+                      <a:rPr lang="en-US" b="0" i="1" smtClean="0">
+                        <a:latin typeface="Cambria Math" panose="02040503050406030204" pitchFamily="18" charset="0"/>
+                      </a:rPr>
+                      <m:t>𝐷𝐼</m:t>
+                    </m:r>
+                    <m:d>
+                      <m:dPr>
+                        <m:ctrlPr>
+                          <a:rPr lang="en-US" b="0" i="1" smtClean="0">
+                            <a:latin typeface="Cambria Math" panose="02040503050406030204" pitchFamily="18" charset="0"/>
+                          </a:rPr>
+                        </m:ctrlPr>
+                      </m:dPr>
+                      <m:e>
+                        <m:r>
+                          <a:rPr lang="en-US" b="0" i="1" smtClean="0">
+                            <a:latin typeface="Cambria Math" panose="02040503050406030204" pitchFamily="18" charset="0"/>
+                          </a:rPr>
+                          <m:t>𝑢</m:t>
+                        </m:r>
+                      </m:e>
+                    </m:d>
+                    <m:r>
+                      <a:rPr lang="en-US" b="0" i="1" smtClean="0">
+                        <a:latin typeface="Cambria Math" panose="02040503050406030204" pitchFamily="18" charset="0"/>
+                      </a:rPr>
+                      <m:t>=</m:t>
+                    </m:r>
+                    <m:f>
+                      <m:fPr>
+                        <m:ctrlPr>
+                          <a:rPr lang="en-US" b="0" i="1" smtClean="0">
+                            <a:latin typeface="Cambria Math" panose="02040503050406030204" pitchFamily="18" charset="0"/>
+                          </a:rPr>
+                        </m:ctrlPr>
+                      </m:fPr>
+                      <m:num>
+                        <m:r>
+                          <a:rPr lang="en-US" b="0" i="1" smtClean="0">
+                            <a:latin typeface="Cambria Math" panose="02040503050406030204" pitchFamily="18" charset="0"/>
+                          </a:rPr>
+                          <m:t>𝑇𝑤𝑒𝑒𝑡𝑠</m:t>
+                        </m:r>
+                        <m:r>
+                          <a:rPr lang="en-US" b="0" i="1" smtClean="0">
+                            <a:latin typeface="Cambria Math" panose="02040503050406030204" pitchFamily="18" charset="0"/>
+                          </a:rPr>
+                          <m:t>(</m:t>
+                        </m:r>
+                        <m:r>
+                          <a:rPr lang="en-US" b="0" i="1" smtClean="0">
+                            <a:latin typeface="Cambria Math" panose="02040503050406030204" pitchFamily="18" charset="0"/>
+                          </a:rPr>
+                          <m:t>𝑢</m:t>
+                        </m:r>
+                        <m:r>
+                          <a:rPr lang="en-US" b="0" i="1" smtClean="0">
+                            <a:latin typeface="Cambria Math" panose="02040503050406030204" pitchFamily="18" charset="0"/>
+                          </a:rPr>
+                          <m:t>)</m:t>
+                        </m:r>
+                      </m:num>
+                      <m:den>
+                        <m:r>
+                          <a:rPr lang="en-US" b="0" i="1" smtClean="0">
+                            <a:latin typeface="Cambria Math" panose="02040503050406030204" pitchFamily="18" charset="0"/>
+                          </a:rPr>
+                          <m:t>𝐹𝐴</m:t>
+                        </m:r>
+                        <m:r>
+                          <a:rPr lang="en-US" b="0" i="1" smtClean="0">
+                            <a:latin typeface="Cambria Math" panose="02040503050406030204" pitchFamily="18" charset="0"/>
+                          </a:rPr>
+                          <m:t>(</m:t>
+                        </m:r>
+                        <m:r>
+                          <a:rPr lang="en-US" b="0" i="1" smtClean="0">
+                            <a:latin typeface="Cambria Math" panose="02040503050406030204" pitchFamily="18" charset="0"/>
+                          </a:rPr>
+                          <m:t>𝑢</m:t>
+                        </m:r>
+                        <m:r>
+                          <a:rPr lang="en-US" b="0" i="1" smtClean="0">
+                            <a:latin typeface="Cambria Math" panose="02040503050406030204" pitchFamily="18" charset="0"/>
+                          </a:rPr>
+                          <m:t>)</m:t>
+                        </m:r>
+                      </m:den>
+                    </m:f>
+                  </m:oMath>
+                </a14:m>
+                <a:endParaRPr lang="en-US" dirty="0"/>
+              </a:p>
+            </p:txBody>
+          </p:sp>
+        </mc:Choice>
+        <mc:Fallback>
+          <p:sp>
+            <p:nvSpPr>
+              <p:cNvPr id="2" name="Title 1">
+                <a:extLst>
+                  <a:ext uri="{FF2B5EF4-FFF2-40B4-BE49-F238E27FC236}">
+                    <a16:creationId xmlns:a16="http://schemas.microsoft.com/office/drawing/2014/main" id="{1F05F370-281B-1840-870B-D13531721643}"/>
+                  </a:ext>
+                </a:extLst>
+              </p:cNvPr>
+              <p:cNvSpPr>
+                <a:spLocks noGrp="1" noRot="1" noChangeAspect="1" noMove="1" noResize="1" noEditPoints="1" noAdjustHandles="1" noChangeArrowheads="1" noChangeShapeType="1" noTextEdit="1"/>
+              </p:cNvSpPr>
+              <p:nvPr>
+                <p:ph type="title"/>
+              </p:nvPr>
+            </p:nvSpPr>
+            <p:spPr>
+              <a:blipFill>
+                <a:blip r:embed="rId2"/>
+                <a:stretch>
+                  <a:fillRect l="-2413" b="-2857"/>
+                </a:stretch>
+              </a:blipFill>
+            </p:spPr>
+            <p:txBody>
+              <a:bodyPr/>
+              <a:lstStyle/>
+              <a:p>
+                <a:r>
+                  <a:rPr lang="en-US">
+                    <a:noFill/>
+                  </a:rPr>
+                  <a:t> </a:t>
+                </a:r>
+              </a:p>
+            </p:txBody>
+          </p:sp>
+        </mc:Fallback>
+      </mc:AlternateContent>
+      <p:sp>
+        <p:nvSpPr>
+          <p:cNvPr id="8" name="Text Placeholder 7">
+            <a:extLst>
+              <a:ext uri="{FF2B5EF4-FFF2-40B4-BE49-F238E27FC236}">
+                <a16:creationId xmlns:a16="http://schemas.microsoft.com/office/drawing/2014/main" id="{1FBFA103-41EB-FC42-B0BC-46FF16510422}"/>
+              </a:ext>
+            </a:extLst>
+          </p:cNvPr>
+          <p:cNvSpPr>
+            <a:spLocks noGrp="1"/>
+          </p:cNvSpPr>
+          <p:nvPr>
+            <p:ph type="body" idx="1"/>
           </p:nvPr>
         </p:nvSpPr>
         <p:spPr/>
@@ -5697,17 +7614,17 @@
           <a:p>
             <a:r>
               <a:rPr lang="en-US" dirty="0"/>
-              <a:t>Average time to discover</a:t>
+              <a:t>All accounts</a:t>
             </a:r>
           </a:p>
         </p:txBody>
       </p:sp>
       <p:pic>
         <p:nvPicPr>
-          <p:cNvPr id="5" name="Content Placeholder 4">
-            <a:extLst>
-              <a:ext uri="{FF2B5EF4-FFF2-40B4-BE49-F238E27FC236}">
-                <a16:creationId xmlns:a16="http://schemas.microsoft.com/office/drawing/2014/main" id="{D581FEDF-1ED6-AF47-B426-A6107D2E60A7}"/>
+          <p:cNvPr id="11" name="Content Placeholder 11">
+            <a:extLst>
+              <a:ext uri="{FF2B5EF4-FFF2-40B4-BE49-F238E27FC236}">
+                <a16:creationId xmlns:a16="http://schemas.microsoft.com/office/drawing/2014/main" id="{D7076038-696A-414C-B781-53CFFF30BA66}"/>
               </a:ext>
             </a:extLst>
           </p:cNvPr>
@@ -5715,19 +7632,19 @@
             <a:picLocks noGrp="1" noChangeAspect="1"/>
           </p:cNvPicPr>
           <p:nvPr>
-            <p:ph sz="half" idx="1"/>
+            <p:ph sz="half" idx="2"/>
           </p:nvPr>
         </p:nvPicPr>
         <p:blipFill>
-          <a:blip r:embed="rId2"/>
+          <a:blip r:embed="rId3"/>
           <a:stretch>
             <a:fillRect/>
           </a:stretch>
         </p:blipFill>
         <p:spPr>
           <a:xfrm>
-            <a:off x="908050" y="2324894"/>
-            <a:ext cx="5041900" cy="3352800"/>
+            <a:off x="916781" y="2626519"/>
+            <a:ext cx="5003800" cy="3441700"/>
           </a:xfrm>
           <a:prstGeom prst="rect">
             <a:avLst/>
@@ -5736,18 +7653,18 @@
       </p:pic>
       <p:sp>
         <p:nvSpPr>
-          <p:cNvPr id="4" name="Content Placeholder 3">
-            <a:extLst>
-              <a:ext uri="{FF2B5EF4-FFF2-40B4-BE49-F238E27FC236}">
-                <a16:creationId xmlns:a16="http://schemas.microsoft.com/office/drawing/2014/main" id="{587A6EC4-691F-FD43-9D77-6E22C9029E06}"/>
-              </a:ext>
-            </a:extLst>
-          </p:cNvPr>
-          <p:cNvSpPr>
-            <a:spLocks noGrp="1"/>
-          </p:cNvSpPr>
-          <p:nvPr>
-            <p:ph sz="half" idx="2"/>
+          <p:cNvPr id="10" name="Text Placeholder 9">
+            <a:extLst>
+              <a:ext uri="{FF2B5EF4-FFF2-40B4-BE49-F238E27FC236}">
+                <a16:creationId xmlns:a16="http://schemas.microsoft.com/office/drawing/2014/main" id="{2C4C654F-E350-BB43-B001-3D793CC1ECB8}"/>
+              </a:ext>
+            </a:extLst>
+          </p:cNvPr>
+          <p:cNvSpPr>
+            <a:spLocks noGrp="1"/>
+          </p:cNvSpPr>
+          <p:nvPr>
+            <p:ph type="body" sz="quarter" idx="3"/>
           </p:nvPr>
         </p:nvSpPr>
         <p:spPr/>
@@ -5757,33 +7674,49 @@
           <a:p>
             <a:r>
               <a:rPr lang="en-US" dirty="0"/>
-              <a:t>UNRESTRICTED sockpuppets takes </a:t>
-            </a:r>
-            <a:r>
-              <a:rPr lang="en-US" b="1" dirty="0"/>
-              <a:t>1 day</a:t>
-            </a:r>
-            <a:r>
-              <a:rPr lang="en-US" dirty="0"/>
-              <a:t> to discover on average (</a:t>
-            </a:r>
-            <a:r>
-              <a:rPr lang="en-US" b="1" dirty="0"/>
-              <a:t>only one sample</a:t>
-            </a:r>
-            <a:r>
-              <a:rPr lang="en-US" dirty="0"/>
-              <a:t>)</a:t>
-            </a:r>
-          </a:p>
-        </p:txBody>
-      </p:sp>
+              <a:t>Active accounts</a:t>
+            </a:r>
+          </a:p>
+        </p:txBody>
+      </p:sp>
+      <p:pic>
+        <p:nvPicPr>
+          <p:cNvPr id="15" name="Content Placeholder 14">
+            <a:extLst>
+              <a:ext uri="{FF2B5EF4-FFF2-40B4-BE49-F238E27FC236}">
+                <a16:creationId xmlns:a16="http://schemas.microsoft.com/office/drawing/2014/main" id="{659AFF16-815A-6B46-B485-016B9B5E9D10}"/>
+              </a:ext>
+            </a:extLst>
+          </p:cNvPr>
+          <p:cNvPicPr>
+            <a:picLocks noGrp="1" noChangeAspect="1"/>
+          </p:cNvPicPr>
+          <p:nvPr>
+            <p:ph sz="quarter" idx="4"/>
+          </p:nvPr>
+        </p:nvPicPr>
+        <p:blipFill>
+          <a:blip r:embed="rId4"/>
+          <a:stretch>
+            <a:fillRect/>
+          </a:stretch>
+        </p:blipFill>
+        <p:spPr>
+          <a:xfrm>
+            <a:off x="6268244" y="2626519"/>
+            <a:ext cx="4991100" cy="3441700"/>
+          </a:xfrm>
+          <a:prstGeom prst="rect">
+            <a:avLst/>
+          </a:prstGeom>
+        </p:spPr>
+      </p:pic>
       <p:sp>
         <p:nvSpPr>
           <p:cNvPr id="3" name="Slide Number Placeholder 2">
             <a:extLst>
               <a:ext uri="{FF2B5EF4-FFF2-40B4-BE49-F238E27FC236}">
-                <a16:creationId xmlns:a16="http://schemas.microsoft.com/office/drawing/2014/main" id="{120E5A24-9428-1B47-83CF-C347F1934C05}"/>
+                <a16:creationId xmlns:a16="http://schemas.microsoft.com/office/drawing/2014/main" id="{57BB5309-865B-C54C-9FA1-163DBA46597C}"/>
               </a:ext>
             </a:extLst>
           </p:cNvPr>
@@ -5807,10 +7740,53 @@
           </a:p>
         </p:txBody>
       </p:sp>
+      <p:sp>
+        <p:nvSpPr>
+          <p:cNvPr id="13" name="TextBox 12">
+            <a:extLst>
+              <a:ext uri="{FF2B5EF4-FFF2-40B4-BE49-F238E27FC236}">
+                <a16:creationId xmlns:a16="http://schemas.microsoft.com/office/drawing/2014/main" id="{BE0EBA47-CFC6-3243-9D8A-446C00B2B48C}"/>
+              </a:ext>
+            </a:extLst>
+          </p:cNvPr>
+          <p:cNvSpPr txBox="1"/>
+          <p:nvPr/>
+        </p:nvSpPr>
+        <p:spPr>
+          <a:xfrm>
+            <a:off x="5819997" y="6027619"/>
+            <a:ext cx="6198363" cy="369332"/>
+          </a:xfrm>
+          <a:prstGeom prst="rect">
+            <a:avLst/>
+          </a:prstGeom>
+          <a:noFill/>
+        </p:spPr>
+        <p:txBody>
+          <a:bodyPr wrap="none" rtlCol="0">
+            <a:spAutoFit/>
+          </a:bodyPr>
+          <a:lstStyle/>
+          <a:p>
+            <a:r>
+              <a:rPr lang="en-US" dirty="0"/>
+              <a:t>OVERT and UNRESTRICTED strategies have </a:t>
+            </a:r>
+            <a:r>
+              <a:rPr lang="en-US" b="1" dirty="0"/>
+              <a:t>ZERO</a:t>
+            </a:r>
+            <a:r>
+              <a:rPr lang="en-US" dirty="0"/>
+              <a:t> friend activities</a:t>
+            </a:r>
+          </a:p>
+        </p:txBody>
+      </p:sp>
     </p:spTree>
     <p:extLst>
       <p:ext uri="{BB962C8B-B14F-4D97-AF65-F5344CB8AC3E}">
-        <p14:creationId xmlns:p14="http://schemas.microsoft.com/office/powerpoint/2010/main" val="3225662817"/>
+        <p14:creationId xmlns:p14="http://schemas.microsoft.com/office/powerpoint/2010/main" val="2295710350"/>
       </p:ext>
     </p:extLst>
   </p:cSld>
@@ -5842,7 +7818,7 @@
           <p:cNvPr id="2" name="Title 1">
             <a:extLst>
               <a:ext uri="{FF2B5EF4-FFF2-40B4-BE49-F238E27FC236}">
-                <a16:creationId xmlns:a16="http://schemas.microsoft.com/office/drawing/2014/main" id="{83E9BD10-FC0B-3442-AEE4-C75A1854FF0C}"/>
+                <a16:creationId xmlns:a16="http://schemas.microsoft.com/office/drawing/2014/main" id="{FFFE1FB0-1ED4-D94E-AC5A-D56483534C62}"/>
               </a:ext>
             </a:extLst>
           </p:cNvPr>
@@ -5858,66 +7834,139 @@
           <a:bodyPr/>
           <a:lstStyle/>
           <a:p>
-            <a:endParaRPr lang="en-US"/>
-          </a:p>
-        </p:txBody>
-      </p:sp>
-      <p:sp>
-        <p:nvSpPr>
-          <p:cNvPr id="3" name="Content Placeholder 2">
-            <a:extLst>
-              <a:ext uri="{FF2B5EF4-FFF2-40B4-BE49-F238E27FC236}">
-                <a16:creationId xmlns:a16="http://schemas.microsoft.com/office/drawing/2014/main" id="{1151CAF2-61B4-EF4F-952C-24796D95827B}"/>
-              </a:ext>
-            </a:extLst>
-          </p:cNvPr>
-          <p:cNvSpPr>
-            <a:spLocks noGrp="1"/>
-          </p:cNvSpPr>
-          <p:nvPr>
-            <p:ph sz="half" idx="1"/>
-          </p:nvPr>
-        </p:nvSpPr>
-        <p:spPr/>
-        <p:txBody>
-          <a:bodyPr/>
-          <a:lstStyle/>
-          <a:p>
-            <a:endParaRPr lang="en-US"/>
-          </a:p>
-        </p:txBody>
-      </p:sp>
-      <p:sp>
-        <p:nvSpPr>
-          <p:cNvPr id="4" name="Content Placeholder 3">
-            <a:extLst>
-              <a:ext uri="{FF2B5EF4-FFF2-40B4-BE49-F238E27FC236}">
-                <a16:creationId xmlns:a16="http://schemas.microsoft.com/office/drawing/2014/main" id="{2C80D5EE-844D-574B-B7E2-043FFA658D58}"/>
-              </a:ext>
-            </a:extLst>
-          </p:cNvPr>
-          <p:cNvSpPr>
-            <a:spLocks noGrp="1"/>
-          </p:cNvSpPr>
+            <a:r>
+              <a:rPr lang="en-US" dirty="0"/>
+              <a:t>Who is reporting?</a:t>
+            </a:r>
+          </a:p>
+        </p:txBody>
+      </p:sp>
+      <p:sp>
+        <p:nvSpPr>
+          <p:cNvPr id="10" name="Text Placeholder 9">
+            <a:extLst>
+              <a:ext uri="{FF2B5EF4-FFF2-40B4-BE49-F238E27FC236}">
+                <a16:creationId xmlns:a16="http://schemas.microsoft.com/office/drawing/2014/main" id="{B9228BA9-538B-134F-840F-1404EAB0DCA9}"/>
+              </a:ext>
+            </a:extLst>
+          </p:cNvPr>
+          <p:cNvSpPr>
+            <a:spLocks noGrp="1"/>
+          </p:cNvSpPr>
+          <p:nvPr>
+            <p:ph type="body" idx="1"/>
+          </p:nvPr>
+        </p:nvSpPr>
+        <p:spPr/>
+        <p:txBody>
+          <a:bodyPr/>
+          <a:lstStyle/>
+          <a:p>
+            <a:r>
+              <a:rPr lang="en-US" dirty="0"/>
+              <a:t>Account kind</a:t>
+            </a:r>
+          </a:p>
+        </p:txBody>
+      </p:sp>
+      <p:pic>
+        <p:nvPicPr>
+          <p:cNvPr id="8" name="Content Placeholder 7">
+            <a:extLst>
+              <a:ext uri="{FF2B5EF4-FFF2-40B4-BE49-F238E27FC236}">
+                <a16:creationId xmlns:a16="http://schemas.microsoft.com/office/drawing/2014/main" id="{990E6081-9FE4-5C4E-A47D-AB2B2A9203F4}"/>
+              </a:ext>
+            </a:extLst>
+          </p:cNvPr>
+          <p:cNvPicPr>
+            <a:picLocks noGrp="1" noChangeAspect="1"/>
+          </p:cNvPicPr>
           <p:nvPr>
             <p:ph sz="half" idx="2"/>
           </p:nvPr>
-        </p:nvSpPr>
-        <p:spPr/>
-        <p:txBody>
-          <a:bodyPr/>
-          <a:lstStyle/>
-          <a:p>
-            <a:endParaRPr lang="en-US"/>
-          </a:p>
-        </p:txBody>
-      </p:sp>
-      <p:sp>
-        <p:nvSpPr>
-          <p:cNvPr id="5" name="Slide Number Placeholder 4">
-            <a:extLst>
-              <a:ext uri="{FF2B5EF4-FFF2-40B4-BE49-F238E27FC236}">
-                <a16:creationId xmlns:a16="http://schemas.microsoft.com/office/drawing/2014/main" id="{BC69A43B-6614-7A4C-895F-D9562964E223}"/>
+        </p:nvPicPr>
+        <p:blipFill>
+          <a:blip r:embed="rId2"/>
+          <a:stretch>
+            <a:fillRect/>
+          </a:stretch>
+        </p:blipFill>
+        <p:spPr>
+          <a:xfrm>
+            <a:off x="999331" y="2613819"/>
+            <a:ext cx="4838700" cy="3467100"/>
+          </a:xfrm>
+          <a:prstGeom prst="rect">
+            <a:avLst/>
+          </a:prstGeom>
+        </p:spPr>
+      </p:pic>
+      <p:sp>
+        <p:nvSpPr>
+          <p:cNvPr id="11" name="Text Placeholder 10">
+            <a:extLst>
+              <a:ext uri="{FF2B5EF4-FFF2-40B4-BE49-F238E27FC236}">
+                <a16:creationId xmlns:a16="http://schemas.microsoft.com/office/drawing/2014/main" id="{7033C752-1FE3-0C42-AE2B-A0BBCBF6353B}"/>
+              </a:ext>
+            </a:extLst>
+          </p:cNvPr>
+          <p:cNvSpPr>
+            <a:spLocks noGrp="1"/>
+          </p:cNvSpPr>
+          <p:nvPr>
+            <p:ph type="body" sz="quarter" idx="3"/>
+          </p:nvPr>
+        </p:nvSpPr>
+        <p:spPr/>
+        <p:txBody>
+          <a:bodyPr/>
+          <a:lstStyle/>
+          <a:p>
+            <a:r>
+              <a:rPr lang="en-US" dirty="0"/>
+              <a:t>Relationship between reporter and suspects</a:t>
+            </a:r>
+          </a:p>
+        </p:txBody>
+      </p:sp>
+      <p:pic>
+        <p:nvPicPr>
+          <p:cNvPr id="13" name="Content Placeholder 12">
+            <a:extLst>
+              <a:ext uri="{FF2B5EF4-FFF2-40B4-BE49-F238E27FC236}">
+                <a16:creationId xmlns:a16="http://schemas.microsoft.com/office/drawing/2014/main" id="{7A64834B-D23C-9D42-B50C-B07FEF7A3E0B}"/>
+              </a:ext>
+            </a:extLst>
+          </p:cNvPr>
+          <p:cNvPicPr>
+            <a:picLocks noGrp="1" noChangeAspect="1"/>
+          </p:cNvPicPr>
+          <p:nvPr>
+            <p:ph sz="quarter" idx="4"/>
+          </p:nvPr>
+        </p:nvPicPr>
+        <p:blipFill>
+          <a:blip r:embed="rId3"/>
+          <a:stretch>
+            <a:fillRect/>
+          </a:stretch>
+        </p:blipFill>
+        <p:spPr>
+          <a:xfrm>
+            <a:off x="6299994" y="2645569"/>
+            <a:ext cx="4927600" cy="3403600"/>
+          </a:xfrm>
+          <a:prstGeom prst="rect">
+            <a:avLst/>
+          </a:prstGeom>
+        </p:spPr>
+      </p:pic>
+      <p:sp>
+        <p:nvSpPr>
+          <p:cNvPr id="3" name="Slide Number Placeholder 2">
+            <a:extLst>
+              <a:ext uri="{FF2B5EF4-FFF2-40B4-BE49-F238E27FC236}">
+                <a16:creationId xmlns:a16="http://schemas.microsoft.com/office/drawing/2014/main" id="{120E5A24-9428-1B47-83CF-C347F1934C05}"/>
               </a:ext>
             </a:extLst>
           </p:cNvPr>
@@ -5941,10 +7990,98 @@
           </a:p>
         </p:txBody>
       </p:sp>
+      <p:sp>
+        <p:nvSpPr>
+          <p:cNvPr id="9" name="TextBox 8">
+            <a:extLst>
+              <a:ext uri="{FF2B5EF4-FFF2-40B4-BE49-F238E27FC236}">
+                <a16:creationId xmlns:a16="http://schemas.microsoft.com/office/drawing/2014/main" id="{9AF7DE84-AAE0-7D43-A69B-267EA75E0424}"/>
+              </a:ext>
+            </a:extLst>
+          </p:cNvPr>
+          <p:cNvSpPr txBox="1"/>
+          <p:nvPr/>
+        </p:nvSpPr>
+        <p:spPr>
+          <a:xfrm>
+            <a:off x="1832541" y="6080919"/>
+            <a:ext cx="3172279" cy="646331"/>
+          </a:xfrm>
+          <a:prstGeom prst="rect">
+            <a:avLst/>
+          </a:prstGeom>
+          <a:noFill/>
+        </p:spPr>
+        <p:txBody>
+          <a:bodyPr wrap="none" rtlCol="0">
+            <a:spAutoFit/>
+          </a:bodyPr>
+          <a:lstStyle/>
+          <a:p>
+            <a:r>
+              <a:rPr lang="en-US" dirty="0"/>
+              <a:t>Only normal users are reporting</a:t>
+            </a:r>
+          </a:p>
+          <a:p>
+            <a:r>
+              <a:rPr lang="en-US" dirty="0"/>
+              <a:t>All reporters are active accounts</a:t>
+            </a:r>
+          </a:p>
+        </p:txBody>
+      </p:sp>
+      <p:sp>
+        <p:nvSpPr>
+          <p:cNvPr id="14" name="TextBox 13">
+            <a:extLst>
+              <a:ext uri="{FF2B5EF4-FFF2-40B4-BE49-F238E27FC236}">
+                <a16:creationId xmlns:a16="http://schemas.microsoft.com/office/drawing/2014/main" id="{CB7160D7-4F78-7649-A1B6-6A51156D0A31}"/>
+              </a:ext>
+            </a:extLst>
+          </p:cNvPr>
+          <p:cNvSpPr txBox="1"/>
+          <p:nvPr/>
+        </p:nvSpPr>
+        <p:spPr>
+          <a:xfrm>
+            <a:off x="6216173" y="459284"/>
+            <a:ext cx="5095241" cy="923330"/>
+          </a:xfrm>
+          <a:prstGeom prst="rect">
+            <a:avLst/>
+          </a:prstGeom>
+          <a:noFill/>
+        </p:spPr>
+        <p:txBody>
+          <a:bodyPr wrap="none" rtlCol="0">
+            <a:spAutoFit/>
+          </a:bodyPr>
+          <a:lstStyle/>
+          <a:p>
+            <a:r>
+              <a:rPr lang="en-US" dirty="0"/>
+              <a:t>Friend: has more than 1 same topic and position</a:t>
+            </a:r>
+          </a:p>
+          <a:p>
+            <a:r>
+              <a:rPr lang="en-US" dirty="0"/>
+              <a:t>Rival: has at least 1 same topic but different position</a:t>
+            </a:r>
+          </a:p>
+          <a:p>
+            <a:r>
+              <a:rPr lang="en-US" dirty="0"/>
+              <a:t>Neutral: no same topic at all</a:t>
+            </a:r>
+          </a:p>
+        </p:txBody>
+      </p:sp>
     </p:spTree>
     <p:extLst>
       <p:ext uri="{BB962C8B-B14F-4D97-AF65-F5344CB8AC3E}">
-        <p14:creationId xmlns:p14="http://schemas.microsoft.com/office/powerpoint/2010/main" val="2496965411"/>
+        <p14:creationId xmlns:p14="http://schemas.microsoft.com/office/powerpoint/2010/main" val="3225662817"/>
       </p:ext>
     </p:extLst>
   </p:cSld>

--- a/docs/dartpost.pptx
+++ b/docs/dartpost.pptx
@@ -211,7 +211,7 @@
           <a:p>
             <a:fld id="{F45204BA-6BFE-D84E-8A71-AB1BA7FB5FAF}" type="datetimeFigureOut">
               <a:rPr lang="en-US" smtClean="0"/>
-              <a:t>9/20/20</a:t>
+              <a:t>9/28/20</a:t>
             </a:fld>
             <a:endParaRPr lang="en-US"/>
           </a:p>
@@ -625,7 +625,7 @@
           <a:p>
             <a:fld id="{99724A53-B208-E343-8ACB-6919B5171113}" type="datetime1">
               <a:rPr lang="en-US" smtClean="0"/>
-              <a:t>9/20/20</a:t>
+              <a:t>9/28/20</a:t>
             </a:fld>
             <a:endParaRPr lang="en-US"/>
           </a:p>
@@ -823,7 +823,7 @@
           <a:p>
             <a:fld id="{057B134D-1994-F346-A325-CF22BFDE0F34}" type="datetime1">
               <a:rPr lang="en-US" smtClean="0"/>
-              <a:t>9/20/20</a:t>
+              <a:t>9/28/20</a:t>
             </a:fld>
             <a:endParaRPr lang="en-US"/>
           </a:p>
@@ -1031,7 +1031,7 @@
           <a:p>
             <a:fld id="{8F273EFF-1436-5C49-9D9D-8B167494FBE3}" type="datetime1">
               <a:rPr lang="en-US" smtClean="0"/>
-              <a:t>9/20/20</a:t>
+              <a:t>9/28/20</a:t>
             </a:fld>
             <a:endParaRPr lang="en-US"/>
           </a:p>
@@ -1229,7 +1229,7 @@
           <a:p>
             <a:fld id="{0BCC1344-A4BF-A04A-808D-36E0A3C01C3A}" type="datetime1">
               <a:rPr lang="en-US" smtClean="0"/>
-              <a:t>9/20/20</a:t>
+              <a:t>9/28/20</a:t>
             </a:fld>
             <a:endParaRPr lang="en-US"/>
           </a:p>
@@ -1504,7 +1504,7 @@
           <a:p>
             <a:fld id="{BD3585A0-4F64-2E46-9A8E-9D99F6A9D11B}" type="datetime1">
               <a:rPr lang="en-US" smtClean="0"/>
-              <a:t>9/20/20</a:t>
+              <a:t>9/28/20</a:t>
             </a:fld>
             <a:endParaRPr lang="en-US"/>
           </a:p>
@@ -1769,7 +1769,7 @@
           <a:p>
             <a:fld id="{F4D89D6C-429E-0742-A821-76138EBE8C72}" type="datetime1">
               <a:rPr lang="en-US" smtClean="0"/>
-              <a:t>9/20/20</a:t>
+              <a:t>9/28/20</a:t>
             </a:fld>
             <a:endParaRPr lang="en-US"/>
           </a:p>
@@ -2181,7 +2181,7 @@
           <a:p>
             <a:fld id="{070A7645-1D49-ED48-8677-72F74EB38CFB}" type="datetime1">
               <a:rPr lang="en-US" smtClean="0"/>
-              <a:t>9/20/20</a:t>
+              <a:t>9/28/20</a:t>
             </a:fld>
             <a:endParaRPr lang="en-US"/>
           </a:p>
@@ -2322,7 +2322,7 @@
           <a:p>
             <a:fld id="{8CF33880-07D8-994D-AE12-FCD04D31C1FE}" type="datetime1">
               <a:rPr lang="en-US" smtClean="0"/>
-              <a:t>9/20/20</a:t>
+              <a:t>9/28/20</a:t>
             </a:fld>
             <a:endParaRPr lang="en-US"/>
           </a:p>
@@ -2435,7 +2435,7 @@
           <a:p>
             <a:fld id="{5EC84C56-B96B-424A-8991-EC812510A3D5}" type="datetime1">
               <a:rPr lang="en-US" smtClean="0"/>
-              <a:t>9/20/20</a:t>
+              <a:t>9/28/20</a:t>
             </a:fld>
             <a:endParaRPr lang="en-US"/>
           </a:p>
@@ -2746,7 +2746,7 @@
           <a:p>
             <a:fld id="{DDDAD896-D098-0344-8C18-427FDEB2ED07}" type="datetime1">
               <a:rPr lang="en-US" smtClean="0"/>
-              <a:t>9/20/20</a:t>
+              <a:t>9/28/20</a:t>
             </a:fld>
             <a:endParaRPr lang="en-US"/>
           </a:p>
@@ -3034,7 +3034,7 @@
           <a:p>
             <a:fld id="{41C619C7-A4B5-9A4D-B627-34A79352DF36}" type="datetime1">
               <a:rPr lang="en-US" smtClean="0"/>
-              <a:t>9/20/20</a:t>
+              <a:t>9/28/20</a:t>
             </a:fld>
             <a:endParaRPr lang="en-US"/>
           </a:p>
@@ -3275,7 +3275,7 @@
           <a:p>
             <a:fld id="{C4E658C3-D4D1-824A-8042-D6EBFE46C3BC}" type="datetime1">
               <a:rPr lang="en-US" smtClean="0"/>
-              <a:t>9/20/20</a:t>
+              <a:t>9/28/20</a:t>
             </a:fld>
             <a:endParaRPr lang="en-US"/>
           </a:p>
@@ -5216,13 +5216,13 @@
             <p:ph sz="half" idx="2"/>
             <p:extLst>
               <p:ext uri="{D42A27DB-BD31-4B8C-83A1-F6EECF244321}">
-                <p14:modId xmlns:p14="http://schemas.microsoft.com/office/powerpoint/2010/main" val="1875910953"/>
+                <p14:modId xmlns:p14="http://schemas.microsoft.com/office/powerpoint/2010/main" val="358871464"/>
               </p:ext>
             </p:extLst>
           </p:nvPr>
         </p:nvGraphicFramePr>
         <p:xfrm>
-          <a:off x="6172202" y="3436458"/>
+          <a:off x="6172202" y="2332053"/>
           <a:ext cx="5791372" cy="1483360"/>
         </p:xfrm>
         <a:graphic>
@@ -5396,7 +5396,7 @@
                     <a:lstStyle/>
                     <a:p>
                       <a:r>
-                        <a:rPr lang="en-US" dirty="0"/>
+                        <a:rPr lang="en-US" b="1" dirty="0"/>
                         <a:t>41</a:t>
                       </a:r>
                     </a:p>
@@ -5409,7 +5409,7 @@
                     <a:lstStyle/>
                     <a:p>
                       <a:r>
-                        <a:rPr lang="en-US" dirty="0"/>
+                        <a:rPr lang="en-US" b="1" dirty="0"/>
                         <a:t>26</a:t>
                       </a:r>
                     </a:p>
@@ -5422,7 +5422,7 @@
                     <a:lstStyle/>
                     <a:p>
                       <a:r>
-                        <a:rPr lang="en-US" dirty="0"/>
+                        <a:rPr lang="en-US" b="1" dirty="0"/>
                         <a:t>67</a:t>
                       </a:r>
                     </a:p>
@@ -5541,8 +5541,8 @@
         </p:nvSpPr>
         <p:spPr>
           <a:xfrm>
-            <a:off x="6542567" y="136525"/>
-            <a:ext cx="5421007" cy="1384995"/>
+            <a:off x="6172203" y="136525"/>
+            <a:ext cx="5791372" cy="954107"/>
           </a:xfrm>
           <a:prstGeom prst="rect">
             <a:avLst/>
@@ -5576,7 +5576,7 @@
         </p:nvSpPr>
         <p:spPr>
           <a:xfrm>
-            <a:off x="8183386" y="2668772"/>
+            <a:off x="7998204" y="1690688"/>
             <a:ext cx="2139368" cy="369332"/>
           </a:xfrm>
           <a:prstGeom prst="rect">
@@ -5597,6 +5597,279 @@
           </a:p>
         </p:txBody>
       </p:sp>
+      <p:sp>
+        <p:nvSpPr>
+          <p:cNvPr id="6" name="TextBox 5">
+            <a:extLst>
+              <a:ext uri="{FF2B5EF4-FFF2-40B4-BE49-F238E27FC236}">
+                <a16:creationId xmlns:a16="http://schemas.microsoft.com/office/drawing/2014/main" id="{E7AA40B7-C794-834F-9220-28D4FD35506E}"/>
+              </a:ext>
+            </a:extLst>
+          </p:cNvPr>
+          <p:cNvSpPr txBox="1"/>
+          <p:nvPr/>
+        </p:nvSpPr>
+        <p:spPr>
+          <a:xfrm>
+            <a:off x="7694082" y="4460915"/>
+            <a:ext cx="2747612" cy="369332"/>
+          </a:xfrm>
+          <a:prstGeom prst="rect">
+            <a:avLst/>
+          </a:prstGeom>
+          <a:noFill/>
+        </p:spPr>
+        <p:txBody>
+          <a:bodyPr wrap="none" rtlCol="0">
+            <a:spAutoFit/>
+          </a:bodyPr>
+          <a:lstStyle/>
+          <a:p>
+            <a:r>
+              <a:rPr lang="en-US" b="1" dirty="0"/>
+              <a:t>67 active accounts in total!</a:t>
+            </a:r>
+          </a:p>
+        </p:txBody>
+      </p:sp>
+      <p:graphicFrame>
+        <p:nvGraphicFramePr>
+          <p:cNvPr id="9" name="Table 9">
+            <a:extLst>
+              <a:ext uri="{FF2B5EF4-FFF2-40B4-BE49-F238E27FC236}">
+                <a16:creationId xmlns:a16="http://schemas.microsoft.com/office/drawing/2014/main" id="{4F8D3AE1-A152-BF47-AEFF-49DFD728DEA8}"/>
+              </a:ext>
+            </a:extLst>
+          </p:cNvPr>
+          <p:cNvGraphicFramePr>
+            <a:graphicFrameLocks noGrp="1"/>
+          </p:cNvGraphicFramePr>
+          <p:nvPr>
+            <p:extLst>
+              <p:ext uri="{D42A27DB-BD31-4B8C-83A1-F6EECF244321}">
+                <p14:modId xmlns:p14="http://schemas.microsoft.com/office/powerpoint/2010/main" val="2753080545"/>
+              </p:ext>
+            </p:extLst>
+          </p:nvPr>
+        </p:nvGraphicFramePr>
+        <p:xfrm>
+          <a:off x="6172202" y="4992648"/>
+          <a:ext cx="5791372" cy="1381760"/>
+        </p:xfrm>
+        <a:graphic>
+          <a:graphicData uri="http://schemas.openxmlformats.org/drawingml/2006/table">
+            <a:tbl>
+              <a:tblPr firstRow="1" bandRow="1">
+                <a:tableStyleId>{5C22544A-7EE6-4342-B048-85BDC9FD1C3A}</a:tableStyleId>
+              </a:tblPr>
+              <a:tblGrid>
+                <a:gridCol w="1447843">
+                  <a:extLst>
+                    <a:ext uri="{9D8B030D-6E8A-4147-A177-3AD203B41FA5}">
+                      <a16:colId xmlns:a16="http://schemas.microsoft.com/office/drawing/2014/main" val="342143911"/>
+                    </a:ext>
+                  </a:extLst>
+                </a:gridCol>
+                <a:gridCol w="1447843">
+                  <a:extLst>
+                    <a:ext uri="{9D8B030D-6E8A-4147-A177-3AD203B41FA5}">
+                      <a16:colId xmlns:a16="http://schemas.microsoft.com/office/drawing/2014/main" val="3728845915"/>
+                    </a:ext>
+                  </a:extLst>
+                </a:gridCol>
+                <a:gridCol w="1447843">
+                  <a:extLst>
+                    <a:ext uri="{9D8B030D-6E8A-4147-A177-3AD203B41FA5}">
+                      <a16:colId xmlns:a16="http://schemas.microsoft.com/office/drawing/2014/main" val="2693221599"/>
+                    </a:ext>
+                  </a:extLst>
+                </a:gridCol>
+                <a:gridCol w="1447843">
+                  <a:extLst>
+                    <a:ext uri="{9D8B030D-6E8A-4147-A177-3AD203B41FA5}">
+                      <a16:colId xmlns:a16="http://schemas.microsoft.com/office/drawing/2014/main" val="1448404938"/>
+                    </a:ext>
+                  </a:extLst>
+                </a:gridCol>
+              </a:tblGrid>
+              <a:tr h="370840">
+                <a:tc>
+                  <a:txBody>
+                    <a:bodyPr/>
+                    <a:lstStyle/>
+                    <a:p>
+                      <a:endParaRPr lang="en-US"/>
+                    </a:p>
+                  </a:txBody>
+                  <a:tcPr/>
+                </a:tc>
+                <a:tc>
+                  <a:txBody>
+                    <a:bodyPr/>
+                    <a:lstStyle/>
+                    <a:p>
+                      <a:r>
+                        <a:rPr lang="en-US" dirty="0"/>
+                        <a:t>COVERT</a:t>
+                      </a:r>
+                    </a:p>
+                  </a:txBody>
+                  <a:tcPr/>
+                </a:tc>
+                <a:tc>
+                  <a:txBody>
+                    <a:bodyPr/>
+                    <a:lstStyle/>
+                    <a:p>
+                      <a:r>
+                        <a:rPr lang="en-US" dirty="0"/>
+                        <a:t>OVERT</a:t>
+                      </a:r>
+                    </a:p>
+                  </a:txBody>
+                  <a:tcPr/>
+                </a:tc>
+                <a:tc>
+                  <a:txBody>
+                    <a:bodyPr/>
+                    <a:lstStyle/>
+                    <a:p>
+                      <a:r>
+                        <a:rPr lang="en-US" dirty="0"/>
+                        <a:t>UNRESTRITCTED</a:t>
+                      </a:r>
+                    </a:p>
+                  </a:txBody>
+                  <a:tcPr/>
+                </a:tc>
+                <a:extLst>
+                  <a:ext uri="{0D108BD9-81ED-4DB2-BD59-A6C34878D82A}">
+                    <a16:rowId xmlns:a16="http://schemas.microsoft.com/office/drawing/2014/main" val="1306174626"/>
+                  </a:ext>
+                </a:extLst>
+              </a:tr>
+              <a:tr h="370840">
+                <a:tc>
+                  <a:txBody>
+                    <a:bodyPr/>
+                    <a:lstStyle/>
+                    <a:p>
+                      <a:r>
+                        <a:rPr lang="en-US" dirty="0"/>
+                        <a:t>Total</a:t>
+                      </a:r>
+                    </a:p>
+                  </a:txBody>
+                  <a:tcPr/>
+                </a:tc>
+                <a:tc>
+                  <a:txBody>
+                    <a:bodyPr/>
+                    <a:lstStyle/>
+                    <a:p>
+                      <a:r>
+                        <a:rPr lang="en-US" dirty="0"/>
+                        <a:t>56</a:t>
+                      </a:r>
+                    </a:p>
+                  </a:txBody>
+                  <a:tcPr/>
+                </a:tc>
+                <a:tc>
+                  <a:txBody>
+                    <a:bodyPr/>
+                    <a:lstStyle/>
+                    <a:p>
+                      <a:r>
+                        <a:rPr lang="en-US" dirty="0"/>
+                        <a:t>80</a:t>
+                      </a:r>
+                    </a:p>
+                  </a:txBody>
+                  <a:tcPr/>
+                </a:tc>
+                <a:tc>
+                  <a:txBody>
+                    <a:bodyPr/>
+                    <a:lstStyle/>
+                    <a:p>
+                      <a:r>
+                        <a:rPr lang="en-US" dirty="0"/>
+                        <a:t>73</a:t>
+                      </a:r>
+                    </a:p>
+                  </a:txBody>
+                  <a:tcPr/>
+                </a:tc>
+                <a:extLst>
+                  <a:ext uri="{0D108BD9-81ED-4DB2-BD59-A6C34878D82A}">
+                    <a16:rowId xmlns:a16="http://schemas.microsoft.com/office/drawing/2014/main" val="2784000574"/>
+                  </a:ext>
+                </a:extLst>
+              </a:tr>
+              <a:tr h="370840">
+                <a:tc>
+                  <a:txBody>
+                    <a:bodyPr/>
+                    <a:lstStyle/>
+                    <a:p>
+                      <a:r>
+                        <a:rPr lang="en-US" dirty="0"/>
+                        <a:t>Active</a:t>
+                      </a:r>
+                    </a:p>
+                  </a:txBody>
+                  <a:tcPr/>
+                </a:tc>
+                <a:tc>
+                  <a:txBody>
+                    <a:bodyPr/>
+                    <a:lstStyle/>
+                    <a:p>
+                      <a:r>
+                        <a:rPr lang="en-US" dirty="0"/>
+                        <a:t>21</a:t>
+                      </a:r>
+                    </a:p>
+                  </a:txBody>
+                  <a:tcPr/>
+                </a:tc>
+                <a:tc>
+                  <a:txBody>
+                    <a:bodyPr/>
+                    <a:lstStyle/>
+                    <a:p>
+                      <a:r>
+                        <a:rPr lang="en-US" dirty="0"/>
+                        <a:t>1</a:t>
+                      </a:r>
+                    </a:p>
+                  </a:txBody>
+                  <a:tcPr/>
+                </a:tc>
+                <a:tc>
+                  <a:txBody>
+                    <a:bodyPr/>
+                    <a:lstStyle/>
+                    <a:p>
+                      <a:r>
+                        <a:rPr lang="en-US" dirty="0"/>
+                        <a:t>4</a:t>
+                      </a:r>
+                    </a:p>
+                  </a:txBody>
+                  <a:tcPr/>
+                </a:tc>
+                <a:extLst>
+                  <a:ext uri="{0D108BD9-81ED-4DB2-BD59-A6C34878D82A}">
+                    <a16:rowId xmlns:a16="http://schemas.microsoft.com/office/drawing/2014/main" val="2591163407"/>
+                  </a:ext>
+                </a:extLst>
+              </a:tr>
+            </a:tbl>
+          </a:graphicData>
+        </a:graphic>
+      </p:graphicFrame>
     </p:spTree>
     <p:extLst>
       <p:ext uri="{BB962C8B-B14F-4D97-AF65-F5344CB8AC3E}">
@@ -6128,8 +6401,8 @@
           <a:chExt cx="0" cy="0"/>
         </a:xfrm>
       </p:grpSpPr>
-      <mc:AlternateContent xmlns:mc="http://schemas.openxmlformats.org/markup-compatibility/2006">
-        <mc:Choice xmlns:a14="http://schemas.microsoft.com/office/drawing/2010/main" Requires="a14">
+      <mc:AlternateContent xmlns:mc="http://schemas.openxmlformats.org/markup-compatibility/2006" xmlns:a14="http://schemas.microsoft.com/office/drawing/2010/main">
+        <mc:Choice Requires="a14">
           <p:sp>
             <p:nvSpPr>
               <p:cNvPr id="2" name="Title 1">
@@ -6280,7 +6553,7 @@
             </p:txBody>
           </p:sp>
         </mc:Choice>
-        <mc:Fallback>
+        <mc:Fallback xmlns="">
           <p:sp>
             <p:nvSpPr>
               <p:cNvPr id="2" name="Title 1">
@@ -6569,8 +6842,8 @@
           <a:chExt cx="0" cy="0"/>
         </a:xfrm>
       </p:grpSpPr>
-      <mc:AlternateContent xmlns:mc="http://schemas.openxmlformats.org/markup-compatibility/2006">
-        <mc:Choice xmlns:a14="http://schemas.microsoft.com/office/drawing/2010/main" Requires="a14">
+      <mc:AlternateContent xmlns:mc="http://schemas.openxmlformats.org/markup-compatibility/2006" xmlns:a14="http://schemas.microsoft.com/office/drawing/2010/main">
+        <mc:Choice Requires="a14">
           <p:sp>
             <p:nvSpPr>
               <p:cNvPr id="2" name="Title 1">
@@ -6721,7 +6994,7 @@
             </p:txBody>
           </p:sp>
         </mc:Choice>
-        <mc:Fallback>
+        <mc:Fallback xmlns="">
           <p:sp>
             <p:nvSpPr>
               <p:cNvPr id="2" name="Title 1">
@@ -6925,7 +7198,7 @@
         <p:spPr>
           <a:xfrm>
             <a:off x="7289102" y="6130558"/>
-            <a:ext cx="3437159" cy="369332"/>
+            <a:ext cx="3511026" cy="369332"/>
           </a:xfrm>
           <a:prstGeom prst="rect">
             <a:avLst/>
@@ -6939,7 +7212,7 @@
           <a:lstStyle/>
           <a:p>
             <a:r>
-              <a:rPr lang="en-US" dirty="0"/>
+              <a:rPr lang="en-US" b="1" dirty="0"/>
               <a:t>Only COVERT have active followers</a:t>
             </a:r>
           </a:p>
@@ -7011,6 +7284,53 @@
             <a:r>
               <a:rPr lang="en-US" dirty="0"/>
               <a:t>Some accounts are only active for less than one day.</a:t>
+            </a:r>
+          </a:p>
+        </p:txBody>
+      </p:sp>
+      <p:sp>
+        <p:nvSpPr>
+          <p:cNvPr id="11" name="TextBox 10">
+            <a:extLst>
+              <a:ext uri="{FF2B5EF4-FFF2-40B4-BE49-F238E27FC236}">
+                <a16:creationId xmlns:a16="http://schemas.microsoft.com/office/drawing/2014/main" id="{7DA75BC9-A881-1740-9829-C0D499938C8B}"/>
+              </a:ext>
+            </a:extLst>
+          </p:cNvPr>
+          <p:cNvSpPr txBox="1"/>
+          <p:nvPr/>
+        </p:nvSpPr>
+        <p:spPr>
+          <a:xfrm>
+            <a:off x="6482742" y="6415608"/>
+            <a:ext cx="5343579" cy="369332"/>
+          </a:xfrm>
+          <a:prstGeom prst="rect">
+            <a:avLst/>
+          </a:prstGeom>
+          <a:noFill/>
+        </p:spPr>
+        <p:txBody>
+          <a:bodyPr wrap="none" rtlCol="0">
+            <a:spAutoFit/>
+          </a:bodyPr>
+          <a:lstStyle/>
+          <a:p>
+            <a:r>
+              <a:rPr lang="en-US" b="1" dirty="0"/>
+              <a:t>OVERT and UNRESTRICTED have </a:t>
+            </a:r>
+            <a:r>
+              <a:rPr lang="en-US" b="1" dirty="0">
+                <a:solidFill>
+                  <a:srgbClr val="FF0000"/>
+                </a:solidFill>
+              </a:rPr>
+              <a:t>ZERO</a:t>
+            </a:r>
+            <a:r>
+              <a:rPr lang="en-US" b="1" dirty="0"/>
+              <a:t> friend activities</a:t>
             </a:r>
           </a:p>
         </p:txBody>
@@ -7045,8 +7365,390 @@
           <a:chExt cx="0" cy="0"/>
         </a:xfrm>
       </p:grpSpPr>
-      <mc:AlternateContent xmlns:mc="http://schemas.openxmlformats.org/markup-compatibility/2006">
-        <mc:Choice xmlns:a14="http://schemas.microsoft.com/office/drawing/2010/main" Requires="a14">
+      <mc:AlternateContent xmlns:mc="http://schemas.openxmlformats.org/markup-compatibility/2006" xmlns:a14="http://schemas.microsoft.com/office/drawing/2010/main">
+        <mc:Choice Requires="a14">
+          <p:sp>
+            <p:nvSpPr>
+              <p:cNvPr id="2" name="Title 1">
+                <a:extLst>
+                  <a:ext uri="{FF2B5EF4-FFF2-40B4-BE49-F238E27FC236}">
+                    <a16:creationId xmlns:a16="http://schemas.microsoft.com/office/drawing/2014/main" id="{1F05F370-281B-1840-870B-D13531721643}"/>
+                  </a:ext>
+                </a:extLst>
+              </p:cNvPr>
+              <p:cNvSpPr>
+                <a:spLocks noGrp="1"/>
+              </p:cNvSpPr>
+              <p:nvPr>
+                <p:ph type="title"/>
+              </p:nvPr>
+            </p:nvSpPr>
+            <p:spPr/>
+            <p:txBody>
+              <a:bodyPr>
+                <a:normAutofit/>
+              </a:bodyPr>
+              <a:lstStyle/>
+              <a:p>
+                <a:r>
+                  <a:rPr lang="en-US" dirty="0"/>
+                  <a:t>Direct Influence </a:t>
+                </a:r>
+                <a14:m>
+                  <m:oMath xmlns:m="http://schemas.openxmlformats.org/officeDocument/2006/math">
+                    <m:r>
+                      <a:rPr lang="en-US" b="0" i="1" smtClean="0">
+                        <a:latin typeface="Cambria Math" panose="02040503050406030204" pitchFamily="18" charset="0"/>
+                      </a:rPr>
+                      <m:t>𝐷𝐼</m:t>
+                    </m:r>
+                    <m:d>
+                      <m:dPr>
+                        <m:ctrlPr>
+                          <a:rPr lang="en-US" b="0" i="1" smtClean="0">
+                            <a:latin typeface="Cambria Math" panose="02040503050406030204" pitchFamily="18" charset="0"/>
+                          </a:rPr>
+                        </m:ctrlPr>
+                      </m:dPr>
+                      <m:e>
+                        <m:r>
+                          <a:rPr lang="en-US" b="0" i="1" smtClean="0">
+                            <a:latin typeface="Cambria Math" panose="02040503050406030204" pitchFamily="18" charset="0"/>
+                          </a:rPr>
+                          <m:t>𝑢</m:t>
+                        </m:r>
+                      </m:e>
+                    </m:d>
+                    <m:r>
+                      <a:rPr lang="en-US" b="0" i="1" smtClean="0">
+                        <a:latin typeface="Cambria Math" panose="02040503050406030204" pitchFamily="18" charset="0"/>
+                      </a:rPr>
+                      <m:t>=</m:t>
+                    </m:r>
+                    <m:f>
+                      <m:fPr>
+                        <m:ctrlPr>
+                          <a:rPr lang="en-US" b="0" i="1" smtClean="0">
+                            <a:latin typeface="Cambria Math" panose="02040503050406030204" pitchFamily="18" charset="0"/>
+                          </a:rPr>
+                        </m:ctrlPr>
+                      </m:fPr>
+                      <m:num>
+                        <m:r>
+                          <a:rPr lang="en-US" b="0" i="1" smtClean="0">
+                            <a:latin typeface="Cambria Math" panose="02040503050406030204" pitchFamily="18" charset="0"/>
+                          </a:rPr>
+                          <m:t>𝑇𝑤𝑒𝑒𝑡𝑠</m:t>
+                        </m:r>
+                        <m:r>
+                          <a:rPr lang="en-US" b="0" i="1" smtClean="0">
+                            <a:latin typeface="Cambria Math" panose="02040503050406030204" pitchFamily="18" charset="0"/>
+                          </a:rPr>
+                          <m:t>(</m:t>
+                        </m:r>
+                        <m:r>
+                          <a:rPr lang="en-US" b="0" i="1" smtClean="0">
+                            <a:latin typeface="Cambria Math" panose="02040503050406030204" pitchFamily="18" charset="0"/>
+                          </a:rPr>
+                          <m:t>𝑢</m:t>
+                        </m:r>
+                        <m:r>
+                          <a:rPr lang="en-US" b="0" i="1" smtClean="0">
+                            <a:latin typeface="Cambria Math" panose="02040503050406030204" pitchFamily="18" charset="0"/>
+                          </a:rPr>
+                          <m:t>)</m:t>
+                        </m:r>
+                      </m:num>
+                      <m:den>
+                        <m:r>
+                          <a:rPr lang="en-US" b="0" i="1" smtClean="0">
+                            <a:latin typeface="Cambria Math" panose="02040503050406030204" pitchFamily="18" charset="0"/>
+                          </a:rPr>
+                          <m:t>𝐹𝐴</m:t>
+                        </m:r>
+                        <m:r>
+                          <a:rPr lang="en-US" b="0" i="1" smtClean="0">
+                            <a:latin typeface="Cambria Math" panose="02040503050406030204" pitchFamily="18" charset="0"/>
+                          </a:rPr>
+                          <m:t>(</m:t>
+                        </m:r>
+                        <m:r>
+                          <a:rPr lang="en-US" b="0" i="1" smtClean="0">
+                            <a:latin typeface="Cambria Math" panose="02040503050406030204" pitchFamily="18" charset="0"/>
+                          </a:rPr>
+                          <m:t>𝑢</m:t>
+                        </m:r>
+                        <m:r>
+                          <a:rPr lang="en-US" b="0" i="1" smtClean="0">
+                            <a:latin typeface="Cambria Math" panose="02040503050406030204" pitchFamily="18" charset="0"/>
+                          </a:rPr>
+                          <m:t>)</m:t>
+                        </m:r>
+                      </m:den>
+                    </m:f>
+                  </m:oMath>
+                </a14:m>
+                <a:endParaRPr lang="en-US" dirty="0"/>
+              </a:p>
+            </p:txBody>
+          </p:sp>
+        </mc:Choice>
+        <mc:Fallback xmlns="">
+          <p:sp>
+            <p:nvSpPr>
+              <p:cNvPr id="2" name="Title 1">
+                <a:extLst>
+                  <a:ext uri="{FF2B5EF4-FFF2-40B4-BE49-F238E27FC236}">
+                    <a16:creationId xmlns:a16="http://schemas.microsoft.com/office/drawing/2014/main" id="{1F05F370-281B-1840-870B-D13531721643}"/>
+                  </a:ext>
+                </a:extLst>
+              </p:cNvPr>
+              <p:cNvSpPr>
+                <a:spLocks noGrp="1" noRot="1" noChangeAspect="1" noMove="1" noResize="1" noEditPoints="1" noAdjustHandles="1" noChangeArrowheads="1" noChangeShapeType="1" noTextEdit="1"/>
+              </p:cNvSpPr>
+              <p:nvPr>
+                <p:ph type="title"/>
+              </p:nvPr>
+            </p:nvSpPr>
+            <p:spPr>
+              <a:blipFill>
+                <a:blip r:embed="rId2"/>
+                <a:stretch>
+                  <a:fillRect l="-2413" b="-2857"/>
+                </a:stretch>
+              </a:blipFill>
+            </p:spPr>
+            <p:txBody>
+              <a:bodyPr/>
+              <a:lstStyle/>
+              <a:p>
+                <a:r>
+                  <a:rPr lang="en-US">
+                    <a:noFill/>
+                  </a:rPr>
+                  <a:t> </a:t>
+                </a:r>
+              </a:p>
+            </p:txBody>
+          </p:sp>
+        </mc:Fallback>
+      </mc:AlternateContent>
+      <p:sp>
+        <p:nvSpPr>
+          <p:cNvPr id="4" name="Text Placeholder 3">
+            <a:extLst>
+              <a:ext uri="{FF2B5EF4-FFF2-40B4-BE49-F238E27FC236}">
+                <a16:creationId xmlns:a16="http://schemas.microsoft.com/office/drawing/2014/main" id="{EA9CF97C-89F8-3F4F-BE48-6128A5D5AA3D}"/>
+              </a:ext>
+            </a:extLst>
+          </p:cNvPr>
+          <p:cNvSpPr>
+            <a:spLocks noGrp="1"/>
+          </p:cNvSpPr>
+          <p:nvPr>
+            <p:ph type="body" idx="1"/>
+          </p:nvPr>
+        </p:nvSpPr>
+        <p:spPr/>
+        <p:txBody>
+          <a:bodyPr/>
+          <a:lstStyle/>
+          <a:p>
+            <a:r>
+              <a:rPr lang="en-US" dirty="0"/>
+              <a:t>All accounts</a:t>
+            </a:r>
+          </a:p>
+        </p:txBody>
+      </p:sp>
+      <p:pic>
+        <p:nvPicPr>
+          <p:cNvPr id="9" name="Content Placeholder 8">
+            <a:extLst>
+              <a:ext uri="{FF2B5EF4-FFF2-40B4-BE49-F238E27FC236}">
+                <a16:creationId xmlns:a16="http://schemas.microsoft.com/office/drawing/2014/main" id="{60FB4AA0-EFD5-764A-8776-AB0D8B052AF7}"/>
+              </a:ext>
+            </a:extLst>
+          </p:cNvPr>
+          <p:cNvPicPr>
+            <a:picLocks noGrp="1" noChangeAspect="1"/>
+          </p:cNvPicPr>
+          <p:nvPr>
+            <p:ph sz="half" idx="2"/>
+          </p:nvPr>
+        </p:nvPicPr>
+        <p:blipFill>
+          <a:blip r:embed="rId3"/>
+          <a:stretch>
+            <a:fillRect/>
+          </a:stretch>
+        </p:blipFill>
+        <p:spPr>
+          <a:xfrm>
+            <a:off x="910431" y="2702719"/>
+            <a:ext cx="5016500" cy="3289300"/>
+          </a:xfrm>
+          <a:prstGeom prst="rect">
+            <a:avLst/>
+          </a:prstGeom>
+        </p:spPr>
+      </p:pic>
+      <p:sp>
+        <p:nvSpPr>
+          <p:cNvPr id="5" name="Text Placeholder 4">
+            <a:extLst>
+              <a:ext uri="{FF2B5EF4-FFF2-40B4-BE49-F238E27FC236}">
+                <a16:creationId xmlns:a16="http://schemas.microsoft.com/office/drawing/2014/main" id="{B25ED657-CE45-9947-A766-EE630E2ADD41}"/>
+              </a:ext>
+            </a:extLst>
+          </p:cNvPr>
+          <p:cNvSpPr>
+            <a:spLocks noGrp="1"/>
+          </p:cNvSpPr>
+          <p:nvPr>
+            <p:ph type="body" sz="quarter" idx="3"/>
+          </p:nvPr>
+        </p:nvSpPr>
+        <p:spPr/>
+        <p:txBody>
+          <a:bodyPr/>
+          <a:lstStyle/>
+          <a:p>
+            <a:r>
+              <a:rPr lang="en-US" dirty="0"/>
+              <a:t>Active accounts</a:t>
+            </a:r>
+          </a:p>
+        </p:txBody>
+      </p:sp>
+      <p:sp>
+        <p:nvSpPr>
+          <p:cNvPr id="3" name="Slide Number Placeholder 2">
+            <a:extLst>
+              <a:ext uri="{FF2B5EF4-FFF2-40B4-BE49-F238E27FC236}">
+                <a16:creationId xmlns:a16="http://schemas.microsoft.com/office/drawing/2014/main" id="{57BB5309-865B-C54C-9FA1-163DBA46597C}"/>
+              </a:ext>
+            </a:extLst>
+          </p:cNvPr>
+          <p:cNvSpPr>
+            <a:spLocks noGrp="1"/>
+          </p:cNvSpPr>
+          <p:nvPr>
+            <p:ph type="sldNum" sz="quarter" idx="12"/>
+          </p:nvPr>
+        </p:nvSpPr>
+        <p:spPr/>
+        <p:txBody>
+          <a:bodyPr/>
+          <a:lstStyle/>
+          <a:p>
+            <a:fld id="{24616A5F-DC9D-EE40-97A8-DF361035BFDB}" type="slidenum">
+              <a:rPr lang="en-US" smtClean="0"/>
+              <a:t>7</a:t>
+            </a:fld>
+            <a:endParaRPr lang="en-US"/>
+          </a:p>
+        </p:txBody>
+      </p:sp>
+      <p:pic>
+        <p:nvPicPr>
+          <p:cNvPr id="8" name="Content Placeholder 7">
+            <a:extLst>
+              <a:ext uri="{FF2B5EF4-FFF2-40B4-BE49-F238E27FC236}">
+                <a16:creationId xmlns:a16="http://schemas.microsoft.com/office/drawing/2014/main" id="{107ECCE0-749E-0E48-B7A1-A158014755F4}"/>
+              </a:ext>
+            </a:extLst>
+          </p:cNvPr>
+          <p:cNvPicPr>
+            <a:picLocks noGrp="1" noChangeAspect="1"/>
+          </p:cNvPicPr>
+          <p:nvPr>
+            <p:ph sz="quarter" idx="4"/>
+          </p:nvPr>
+        </p:nvPicPr>
+        <p:blipFill>
+          <a:blip r:embed="rId4"/>
+          <a:stretch>
+            <a:fillRect/>
+          </a:stretch>
+        </p:blipFill>
+        <p:spPr>
+          <a:xfrm>
+            <a:off x="6331744" y="2639219"/>
+            <a:ext cx="4864100" cy="3416300"/>
+          </a:xfrm>
+          <a:prstGeom prst="rect">
+            <a:avLst/>
+          </a:prstGeom>
+        </p:spPr>
+      </p:pic>
+      <p:sp>
+        <p:nvSpPr>
+          <p:cNvPr id="10" name="TextBox 9">
+            <a:extLst>
+              <a:ext uri="{FF2B5EF4-FFF2-40B4-BE49-F238E27FC236}">
+                <a16:creationId xmlns:a16="http://schemas.microsoft.com/office/drawing/2014/main" id="{FB868092-6A81-784C-9C99-02134F665571}"/>
+              </a:ext>
+            </a:extLst>
+          </p:cNvPr>
+          <p:cNvSpPr txBox="1"/>
+          <p:nvPr/>
+        </p:nvSpPr>
+        <p:spPr>
+          <a:xfrm>
+            <a:off x="6560288" y="6241312"/>
+            <a:ext cx="4527009" cy="369332"/>
+          </a:xfrm>
+          <a:prstGeom prst="rect">
+            <a:avLst/>
+          </a:prstGeom>
+          <a:noFill/>
+        </p:spPr>
+        <p:txBody>
+          <a:bodyPr wrap="none" rtlCol="0">
+            <a:spAutoFit/>
+          </a:bodyPr>
+          <a:lstStyle/>
+          <a:p>
+            <a:r>
+              <a:rPr lang="en-US" dirty="0"/>
+              <a:t>Active accounts have far more direct influence</a:t>
+            </a:r>
+          </a:p>
+        </p:txBody>
+      </p:sp>
+    </p:spTree>
+    <p:extLst>
+      <p:ext uri="{BB962C8B-B14F-4D97-AF65-F5344CB8AC3E}">
+        <p14:creationId xmlns:p14="http://schemas.microsoft.com/office/powerpoint/2010/main" val="1421959787"/>
+      </p:ext>
+    </p:extLst>
+  </p:cSld>
+  <p:clrMapOvr>
+    <a:masterClrMapping/>
+  </p:clrMapOvr>
+</p:sld>
+</file>
+
+<file path=ppt/slides/slide8.xml><?xml version="1.0" encoding="utf-8"?>
+<p:sld xmlns:a="http://schemas.openxmlformats.org/drawingml/2006/main" xmlns:r="http://schemas.openxmlformats.org/officeDocument/2006/relationships" xmlns:p="http://schemas.openxmlformats.org/presentationml/2006/main">
+  <p:cSld>
+    <p:spTree>
+      <p:nvGrpSpPr>
+        <p:cNvPr id="1" name=""/>
+        <p:cNvGrpSpPr/>
+        <p:nvPr/>
+      </p:nvGrpSpPr>
+      <p:grpSpPr>
+        <a:xfrm>
+          <a:off x="0" y="0"/>
+          <a:ext cx="0" cy="0"/>
+          <a:chOff x="0" y="0"/>
+          <a:chExt cx="0" cy="0"/>
+        </a:xfrm>
+      </p:grpSpPr>
+      <mc:AlternateContent xmlns:mc="http://schemas.openxmlformats.org/markup-compatibility/2006" xmlns:a14="http://schemas.microsoft.com/office/drawing/2010/main">
+        <mc:Choice Requires="a14">
           <p:sp>
             <p:nvSpPr>
               <p:cNvPr id="2" name="Title 1">
@@ -7171,7 +7873,7 @@
             </p:txBody>
           </p:sp>
         </mc:Choice>
-        <mc:Fallback>
+        <mc:Fallback xmlns="">
           <p:sp>
             <p:nvSpPr>
               <p:cNvPr id="2" name="Title 1">
@@ -7213,386 +7915,6 @@
       </mc:AlternateContent>
       <p:sp>
         <p:nvSpPr>
-          <p:cNvPr id="4" name="Text Placeholder 3">
-            <a:extLst>
-              <a:ext uri="{FF2B5EF4-FFF2-40B4-BE49-F238E27FC236}">
-                <a16:creationId xmlns:a16="http://schemas.microsoft.com/office/drawing/2014/main" id="{EA9CF97C-89F8-3F4F-BE48-6128A5D5AA3D}"/>
-              </a:ext>
-            </a:extLst>
-          </p:cNvPr>
-          <p:cNvSpPr>
-            <a:spLocks noGrp="1"/>
-          </p:cNvSpPr>
-          <p:nvPr>
-            <p:ph type="body" idx="1"/>
-          </p:nvPr>
-        </p:nvSpPr>
-        <p:spPr/>
-        <p:txBody>
-          <a:bodyPr/>
-          <a:lstStyle/>
-          <a:p>
-            <a:r>
-              <a:rPr lang="en-US" dirty="0"/>
-              <a:t>All accounts</a:t>
-            </a:r>
-          </a:p>
-        </p:txBody>
-      </p:sp>
-      <p:pic>
-        <p:nvPicPr>
-          <p:cNvPr id="9" name="Content Placeholder 8">
-            <a:extLst>
-              <a:ext uri="{FF2B5EF4-FFF2-40B4-BE49-F238E27FC236}">
-                <a16:creationId xmlns:a16="http://schemas.microsoft.com/office/drawing/2014/main" id="{60FB4AA0-EFD5-764A-8776-AB0D8B052AF7}"/>
-              </a:ext>
-            </a:extLst>
-          </p:cNvPr>
-          <p:cNvPicPr>
-            <a:picLocks noGrp="1" noChangeAspect="1"/>
-          </p:cNvPicPr>
-          <p:nvPr>
-            <p:ph sz="half" idx="2"/>
-          </p:nvPr>
-        </p:nvPicPr>
-        <p:blipFill>
-          <a:blip r:embed="rId3"/>
-          <a:stretch>
-            <a:fillRect/>
-          </a:stretch>
-        </p:blipFill>
-        <p:spPr>
-          <a:xfrm>
-            <a:off x="910431" y="2702719"/>
-            <a:ext cx="5016500" cy="3289300"/>
-          </a:xfrm>
-          <a:prstGeom prst="rect">
-            <a:avLst/>
-          </a:prstGeom>
-        </p:spPr>
-      </p:pic>
-      <p:sp>
-        <p:nvSpPr>
-          <p:cNvPr id="5" name="Text Placeholder 4">
-            <a:extLst>
-              <a:ext uri="{FF2B5EF4-FFF2-40B4-BE49-F238E27FC236}">
-                <a16:creationId xmlns:a16="http://schemas.microsoft.com/office/drawing/2014/main" id="{B25ED657-CE45-9947-A766-EE630E2ADD41}"/>
-              </a:ext>
-            </a:extLst>
-          </p:cNvPr>
-          <p:cNvSpPr>
-            <a:spLocks noGrp="1"/>
-          </p:cNvSpPr>
-          <p:nvPr>
-            <p:ph type="body" sz="quarter" idx="3"/>
-          </p:nvPr>
-        </p:nvSpPr>
-        <p:spPr/>
-        <p:txBody>
-          <a:bodyPr/>
-          <a:lstStyle/>
-          <a:p>
-            <a:r>
-              <a:rPr lang="en-US" dirty="0"/>
-              <a:t>Active accounts</a:t>
-            </a:r>
-          </a:p>
-        </p:txBody>
-      </p:sp>
-      <p:sp>
-        <p:nvSpPr>
-          <p:cNvPr id="3" name="Slide Number Placeholder 2">
-            <a:extLst>
-              <a:ext uri="{FF2B5EF4-FFF2-40B4-BE49-F238E27FC236}">
-                <a16:creationId xmlns:a16="http://schemas.microsoft.com/office/drawing/2014/main" id="{57BB5309-865B-C54C-9FA1-163DBA46597C}"/>
-              </a:ext>
-            </a:extLst>
-          </p:cNvPr>
-          <p:cNvSpPr>
-            <a:spLocks noGrp="1"/>
-          </p:cNvSpPr>
-          <p:nvPr>
-            <p:ph type="sldNum" sz="quarter" idx="12"/>
-          </p:nvPr>
-        </p:nvSpPr>
-        <p:spPr/>
-        <p:txBody>
-          <a:bodyPr/>
-          <a:lstStyle/>
-          <a:p>
-            <a:fld id="{24616A5F-DC9D-EE40-97A8-DF361035BFDB}" type="slidenum">
-              <a:rPr lang="en-US" smtClean="0"/>
-              <a:t>7</a:t>
-            </a:fld>
-            <a:endParaRPr lang="en-US"/>
-          </a:p>
-        </p:txBody>
-      </p:sp>
-      <p:pic>
-        <p:nvPicPr>
-          <p:cNvPr id="8" name="Content Placeholder 7">
-            <a:extLst>
-              <a:ext uri="{FF2B5EF4-FFF2-40B4-BE49-F238E27FC236}">
-                <a16:creationId xmlns:a16="http://schemas.microsoft.com/office/drawing/2014/main" id="{107ECCE0-749E-0E48-B7A1-A158014755F4}"/>
-              </a:ext>
-            </a:extLst>
-          </p:cNvPr>
-          <p:cNvPicPr>
-            <a:picLocks noGrp="1" noChangeAspect="1"/>
-          </p:cNvPicPr>
-          <p:nvPr>
-            <p:ph sz="quarter" idx="4"/>
-          </p:nvPr>
-        </p:nvPicPr>
-        <p:blipFill>
-          <a:blip r:embed="rId4"/>
-          <a:stretch>
-            <a:fillRect/>
-          </a:stretch>
-        </p:blipFill>
-        <p:spPr>
-          <a:xfrm>
-            <a:off x="6331744" y="2639219"/>
-            <a:ext cx="4864100" cy="3416300"/>
-          </a:xfrm>
-          <a:prstGeom prst="rect">
-            <a:avLst/>
-          </a:prstGeom>
-        </p:spPr>
-      </p:pic>
-      <p:sp>
-        <p:nvSpPr>
-          <p:cNvPr id="10" name="TextBox 9">
-            <a:extLst>
-              <a:ext uri="{FF2B5EF4-FFF2-40B4-BE49-F238E27FC236}">
-                <a16:creationId xmlns:a16="http://schemas.microsoft.com/office/drawing/2014/main" id="{FB868092-6A81-784C-9C99-02134F665571}"/>
-              </a:ext>
-            </a:extLst>
-          </p:cNvPr>
-          <p:cNvSpPr txBox="1"/>
-          <p:nvPr/>
-        </p:nvSpPr>
-        <p:spPr>
-          <a:xfrm>
-            <a:off x="6560288" y="6241312"/>
-            <a:ext cx="4527009" cy="369332"/>
-          </a:xfrm>
-          <a:prstGeom prst="rect">
-            <a:avLst/>
-          </a:prstGeom>
-          <a:noFill/>
-        </p:spPr>
-        <p:txBody>
-          <a:bodyPr wrap="none" rtlCol="0">
-            <a:spAutoFit/>
-          </a:bodyPr>
-          <a:lstStyle/>
-          <a:p>
-            <a:r>
-              <a:rPr lang="en-US" dirty="0"/>
-              <a:t>Active accounts have far more direct influence</a:t>
-            </a:r>
-          </a:p>
-        </p:txBody>
-      </p:sp>
-    </p:spTree>
-    <p:extLst>
-      <p:ext uri="{BB962C8B-B14F-4D97-AF65-F5344CB8AC3E}">
-        <p14:creationId xmlns:p14="http://schemas.microsoft.com/office/powerpoint/2010/main" val="1421959787"/>
-      </p:ext>
-    </p:extLst>
-  </p:cSld>
-  <p:clrMapOvr>
-    <a:masterClrMapping/>
-  </p:clrMapOvr>
-</p:sld>
-</file>
-
-<file path=ppt/slides/slide8.xml><?xml version="1.0" encoding="utf-8"?>
-<p:sld xmlns:a="http://schemas.openxmlformats.org/drawingml/2006/main" xmlns:r="http://schemas.openxmlformats.org/officeDocument/2006/relationships" xmlns:p="http://schemas.openxmlformats.org/presentationml/2006/main">
-  <p:cSld>
-    <p:spTree>
-      <p:nvGrpSpPr>
-        <p:cNvPr id="1" name=""/>
-        <p:cNvGrpSpPr/>
-        <p:nvPr/>
-      </p:nvGrpSpPr>
-      <p:grpSpPr>
-        <a:xfrm>
-          <a:off x="0" y="0"/>
-          <a:ext cx="0" cy="0"/>
-          <a:chOff x="0" y="0"/>
-          <a:chExt cx="0" cy="0"/>
-        </a:xfrm>
-      </p:grpSpPr>
-      <mc:AlternateContent xmlns:mc="http://schemas.openxmlformats.org/markup-compatibility/2006">
-        <mc:Choice xmlns:a14="http://schemas.microsoft.com/office/drawing/2010/main" Requires="a14">
-          <p:sp>
-            <p:nvSpPr>
-              <p:cNvPr id="2" name="Title 1">
-                <a:extLst>
-                  <a:ext uri="{FF2B5EF4-FFF2-40B4-BE49-F238E27FC236}">
-                    <a16:creationId xmlns:a16="http://schemas.microsoft.com/office/drawing/2014/main" id="{1F05F370-281B-1840-870B-D13531721643}"/>
-                  </a:ext>
-                </a:extLst>
-              </p:cNvPr>
-              <p:cNvSpPr>
-                <a:spLocks noGrp="1"/>
-              </p:cNvSpPr>
-              <p:nvPr>
-                <p:ph type="title"/>
-              </p:nvPr>
-            </p:nvSpPr>
-            <p:spPr/>
-            <p:txBody>
-              <a:bodyPr/>
-              <a:lstStyle/>
-              <a:p>
-                <a:r>
-                  <a:rPr lang="en-US" dirty="0"/>
-                  <a:t>Direct Influence </a:t>
-                </a:r>
-                <a14:m>
-                  <m:oMath xmlns:m="http://schemas.openxmlformats.org/officeDocument/2006/math">
-                    <m:r>
-                      <a:rPr lang="en-US" b="0" i="1" smtClean="0">
-                        <a:latin typeface="Cambria Math" panose="02040503050406030204" pitchFamily="18" charset="0"/>
-                      </a:rPr>
-                      <m:t>𝐷𝐼</m:t>
-                    </m:r>
-                    <m:d>
-                      <m:dPr>
-                        <m:ctrlPr>
-                          <a:rPr lang="en-US" b="0" i="1" smtClean="0">
-                            <a:latin typeface="Cambria Math" panose="02040503050406030204" pitchFamily="18" charset="0"/>
-                          </a:rPr>
-                        </m:ctrlPr>
-                      </m:dPr>
-                      <m:e>
-                        <m:r>
-                          <a:rPr lang="en-US" b="0" i="1" smtClean="0">
-                            <a:latin typeface="Cambria Math" panose="02040503050406030204" pitchFamily="18" charset="0"/>
-                          </a:rPr>
-                          <m:t>𝑢</m:t>
-                        </m:r>
-                      </m:e>
-                    </m:d>
-                    <m:r>
-                      <a:rPr lang="en-US" b="0" i="1" smtClean="0">
-                        <a:latin typeface="Cambria Math" panose="02040503050406030204" pitchFamily="18" charset="0"/>
-                      </a:rPr>
-                      <m:t>=</m:t>
-                    </m:r>
-                    <m:f>
-                      <m:fPr>
-                        <m:ctrlPr>
-                          <a:rPr lang="en-US" b="0" i="1" smtClean="0">
-                            <a:latin typeface="Cambria Math" panose="02040503050406030204" pitchFamily="18" charset="0"/>
-                          </a:rPr>
-                        </m:ctrlPr>
-                      </m:fPr>
-                      <m:num>
-                        <m:r>
-                          <a:rPr lang="en-US" b="0" i="1" smtClean="0">
-                            <a:latin typeface="Cambria Math" panose="02040503050406030204" pitchFamily="18" charset="0"/>
-                          </a:rPr>
-                          <m:t>𝑇𝑤𝑒𝑒𝑡𝑠</m:t>
-                        </m:r>
-                        <m:r>
-                          <a:rPr lang="en-US" b="0" i="1" smtClean="0">
-                            <a:latin typeface="Cambria Math" panose="02040503050406030204" pitchFamily="18" charset="0"/>
-                          </a:rPr>
-                          <m:t>(</m:t>
-                        </m:r>
-                        <m:r>
-                          <a:rPr lang="en-US" b="0" i="1" smtClean="0">
-                            <a:latin typeface="Cambria Math" panose="02040503050406030204" pitchFamily="18" charset="0"/>
-                          </a:rPr>
-                          <m:t>𝑢</m:t>
-                        </m:r>
-                        <m:r>
-                          <a:rPr lang="en-US" b="0" i="1" smtClean="0">
-                            <a:latin typeface="Cambria Math" panose="02040503050406030204" pitchFamily="18" charset="0"/>
-                          </a:rPr>
-                          <m:t>)</m:t>
-                        </m:r>
-                      </m:num>
-                      <m:den>
-                        <m:r>
-                          <a:rPr lang="en-US" b="0" i="1" smtClean="0">
-                            <a:latin typeface="Cambria Math" panose="02040503050406030204" pitchFamily="18" charset="0"/>
-                          </a:rPr>
-                          <m:t>𝐹𝐴</m:t>
-                        </m:r>
-                        <m:r>
-                          <a:rPr lang="en-US" b="0" i="1" smtClean="0">
-                            <a:latin typeface="Cambria Math" panose="02040503050406030204" pitchFamily="18" charset="0"/>
-                          </a:rPr>
-                          <m:t>(</m:t>
-                        </m:r>
-                        <m:r>
-                          <a:rPr lang="en-US" b="0" i="1" smtClean="0">
-                            <a:latin typeface="Cambria Math" panose="02040503050406030204" pitchFamily="18" charset="0"/>
-                          </a:rPr>
-                          <m:t>𝑢</m:t>
-                        </m:r>
-                        <m:r>
-                          <a:rPr lang="en-US" b="0" i="1" smtClean="0">
-                            <a:latin typeface="Cambria Math" panose="02040503050406030204" pitchFamily="18" charset="0"/>
-                          </a:rPr>
-                          <m:t>)</m:t>
-                        </m:r>
-                      </m:den>
-                    </m:f>
-                  </m:oMath>
-                </a14:m>
-                <a:endParaRPr lang="en-US" dirty="0"/>
-              </a:p>
-            </p:txBody>
-          </p:sp>
-        </mc:Choice>
-        <mc:Fallback>
-          <p:sp>
-            <p:nvSpPr>
-              <p:cNvPr id="2" name="Title 1">
-                <a:extLst>
-                  <a:ext uri="{FF2B5EF4-FFF2-40B4-BE49-F238E27FC236}">
-                    <a16:creationId xmlns:a16="http://schemas.microsoft.com/office/drawing/2014/main" id="{1F05F370-281B-1840-870B-D13531721643}"/>
-                  </a:ext>
-                </a:extLst>
-              </p:cNvPr>
-              <p:cNvSpPr>
-                <a:spLocks noGrp="1" noRot="1" noChangeAspect="1" noMove="1" noResize="1" noEditPoints="1" noAdjustHandles="1" noChangeArrowheads="1" noChangeShapeType="1" noTextEdit="1"/>
-              </p:cNvSpPr>
-              <p:nvPr>
-                <p:ph type="title"/>
-              </p:nvPr>
-            </p:nvSpPr>
-            <p:spPr>
-              <a:blipFill>
-                <a:blip r:embed="rId2"/>
-                <a:stretch>
-                  <a:fillRect l="-2413" b="-2857"/>
-                </a:stretch>
-              </a:blipFill>
-            </p:spPr>
-            <p:txBody>
-              <a:bodyPr/>
-              <a:lstStyle/>
-              <a:p>
-                <a:r>
-                  <a:rPr lang="en-US">
-                    <a:noFill/>
-                  </a:rPr>
-                  <a:t> </a:t>
-                </a:r>
-              </a:p>
-            </p:txBody>
-          </p:sp>
-        </mc:Fallback>
-      </mc:AlternateContent>
-      <p:sp>
-        <p:nvSpPr>
           <p:cNvPr id="8" name="Text Placeholder 7">
             <a:extLst>
               <a:ext uri="{FF2B5EF4-FFF2-40B4-BE49-F238E27FC236}">
@@ -7755,7 +8077,7 @@
         <p:spPr>
           <a:xfrm>
             <a:off x="5819997" y="6027619"/>
-            <a:ext cx="6198363" cy="369332"/>
+            <a:ext cx="5907515" cy="369332"/>
           </a:xfrm>
           <a:prstGeom prst="rect">
             <a:avLst/>
@@ -7769,15 +8091,19 @@
           <a:lstStyle/>
           <a:p>
             <a:r>
-              <a:rPr lang="en-US" dirty="0"/>
-              <a:t>OVERT and UNRESTRICTED strategies have </a:t>
-            </a:r>
-            <a:r>
               <a:rPr lang="en-US" b="1" dirty="0"/>
+              <a:t>OVERT and UNRESTRICTED socks have </a:t>
+            </a:r>
+            <a:r>
+              <a:rPr lang="en-US" b="1" dirty="0">
+                <a:solidFill>
+                  <a:srgbClr val="FF0000"/>
+                </a:solidFill>
+              </a:rPr>
               <a:t>ZERO</a:t>
             </a:r>
             <a:r>
-              <a:rPr lang="en-US" dirty="0"/>
+              <a:rPr lang="en-US" b="1" dirty="0"/>
               <a:t> friend activities</a:t>
             </a:r>
           </a:p>

--- a/docs/dartpost.pptx
+++ b/docs/dartpost.pptx
@@ -211,7 +211,7 @@
           <a:p>
             <a:fld id="{F45204BA-6BFE-D84E-8A71-AB1BA7FB5FAF}" type="datetimeFigureOut">
               <a:rPr lang="en-US" smtClean="0"/>
-              <a:t>9/28/20</a:t>
+              <a:t>10/1/20</a:t>
             </a:fld>
             <a:endParaRPr lang="en-US"/>
           </a:p>
@@ -625,7 +625,7 @@
           <a:p>
             <a:fld id="{99724A53-B208-E343-8ACB-6919B5171113}" type="datetime1">
               <a:rPr lang="en-US" smtClean="0"/>
-              <a:t>9/28/20</a:t>
+              <a:t>10/1/20</a:t>
             </a:fld>
             <a:endParaRPr lang="en-US"/>
           </a:p>
@@ -823,7 +823,7 @@
           <a:p>
             <a:fld id="{057B134D-1994-F346-A325-CF22BFDE0F34}" type="datetime1">
               <a:rPr lang="en-US" smtClean="0"/>
-              <a:t>9/28/20</a:t>
+              <a:t>10/1/20</a:t>
             </a:fld>
             <a:endParaRPr lang="en-US"/>
           </a:p>
@@ -1031,7 +1031,7 @@
           <a:p>
             <a:fld id="{8F273EFF-1436-5C49-9D9D-8B167494FBE3}" type="datetime1">
               <a:rPr lang="en-US" smtClean="0"/>
-              <a:t>9/28/20</a:t>
+              <a:t>10/1/20</a:t>
             </a:fld>
             <a:endParaRPr lang="en-US"/>
           </a:p>
@@ -1229,7 +1229,7 @@
           <a:p>
             <a:fld id="{0BCC1344-A4BF-A04A-808D-36E0A3C01C3A}" type="datetime1">
               <a:rPr lang="en-US" smtClean="0"/>
-              <a:t>9/28/20</a:t>
+              <a:t>10/1/20</a:t>
             </a:fld>
             <a:endParaRPr lang="en-US"/>
           </a:p>
@@ -1504,7 +1504,7 @@
           <a:p>
             <a:fld id="{BD3585A0-4F64-2E46-9A8E-9D99F6A9D11B}" type="datetime1">
               <a:rPr lang="en-US" smtClean="0"/>
-              <a:t>9/28/20</a:t>
+              <a:t>10/1/20</a:t>
             </a:fld>
             <a:endParaRPr lang="en-US"/>
           </a:p>
@@ -1769,7 +1769,7 @@
           <a:p>
             <a:fld id="{F4D89D6C-429E-0742-A821-76138EBE8C72}" type="datetime1">
               <a:rPr lang="en-US" smtClean="0"/>
-              <a:t>9/28/20</a:t>
+              <a:t>10/1/20</a:t>
             </a:fld>
             <a:endParaRPr lang="en-US"/>
           </a:p>
@@ -2181,7 +2181,7 @@
           <a:p>
             <a:fld id="{070A7645-1D49-ED48-8677-72F74EB38CFB}" type="datetime1">
               <a:rPr lang="en-US" smtClean="0"/>
-              <a:t>9/28/20</a:t>
+              <a:t>10/1/20</a:t>
             </a:fld>
             <a:endParaRPr lang="en-US"/>
           </a:p>
@@ -2322,7 +2322,7 @@
           <a:p>
             <a:fld id="{8CF33880-07D8-994D-AE12-FCD04D31C1FE}" type="datetime1">
               <a:rPr lang="en-US" smtClean="0"/>
-              <a:t>9/28/20</a:t>
+              <a:t>10/1/20</a:t>
             </a:fld>
             <a:endParaRPr lang="en-US"/>
           </a:p>
@@ -2435,7 +2435,7 @@
           <a:p>
             <a:fld id="{5EC84C56-B96B-424A-8991-EC812510A3D5}" type="datetime1">
               <a:rPr lang="en-US" smtClean="0"/>
-              <a:t>9/28/20</a:t>
+              <a:t>10/1/20</a:t>
             </a:fld>
             <a:endParaRPr lang="en-US"/>
           </a:p>
@@ -2746,7 +2746,7 @@
           <a:p>
             <a:fld id="{DDDAD896-D098-0344-8C18-427FDEB2ED07}" type="datetime1">
               <a:rPr lang="en-US" smtClean="0"/>
-              <a:t>9/28/20</a:t>
+              <a:t>10/1/20</a:t>
             </a:fld>
             <a:endParaRPr lang="en-US"/>
           </a:p>
@@ -3034,7 +3034,7 @@
           <a:p>
             <a:fld id="{41C619C7-A4B5-9A4D-B627-34A79352DF36}" type="datetime1">
               <a:rPr lang="en-US" smtClean="0"/>
-              <a:t>9/28/20</a:t>
+              <a:t>10/1/20</a:t>
             </a:fld>
             <a:endParaRPr lang="en-US"/>
           </a:p>
@@ -3275,7 +3275,7 @@
           <a:p>
             <a:fld id="{C4E658C3-D4D1-824A-8042-D6EBFE46C3BC}" type="datetime1">
               <a:rPr lang="en-US" smtClean="0"/>
-              <a:t>9/28/20</a:t>
+              <a:t>10/1/20</a:t>
             </a:fld>
             <a:endParaRPr lang="en-US"/>
           </a:p>
@@ -3862,12 +3862,69 @@
           </a:p>
         </p:txBody>
       </p:sp>
+      <p:sp>
+        <p:nvSpPr>
+          <p:cNvPr id="5" name="Text Placeholder 4">
+            <a:extLst>
+              <a:ext uri="{FF2B5EF4-FFF2-40B4-BE49-F238E27FC236}">
+                <a16:creationId xmlns:a16="http://schemas.microsoft.com/office/drawing/2014/main" id="{D5BC63E5-75D7-874C-BA68-4B7A63493BD9}"/>
+              </a:ext>
+            </a:extLst>
+          </p:cNvPr>
+          <p:cNvSpPr>
+            <a:spLocks noGrp="1"/>
+          </p:cNvSpPr>
+          <p:nvPr>
+            <p:ph type="body" sz="quarter" idx="3"/>
+          </p:nvPr>
+        </p:nvSpPr>
+        <p:spPr/>
+        <p:txBody>
+          <a:bodyPr/>
+          <a:lstStyle/>
+          <a:p>
+            <a:r>
+              <a:rPr lang="en-US" dirty="0"/>
+              <a:t>21 targeted at sockpuppets</a:t>
+            </a:r>
+          </a:p>
+        </p:txBody>
+      </p:sp>
+      <p:sp>
+        <p:nvSpPr>
+          <p:cNvPr id="7" name="Slide Number Placeholder 6">
+            <a:extLst>
+              <a:ext uri="{FF2B5EF4-FFF2-40B4-BE49-F238E27FC236}">
+                <a16:creationId xmlns:a16="http://schemas.microsoft.com/office/drawing/2014/main" id="{DEA07DBC-9407-854C-B7AD-97F15407C4FB}"/>
+              </a:ext>
+            </a:extLst>
+          </p:cNvPr>
+          <p:cNvSpPr>
+            <a:spLocks noGrp="1"/>
+          </p:cNvSpPr>
+          <p:nvPr>
+            <p:ph type="sldNum" sz="quarter" idx="12"/>
+          </p:nvPr>
+        </p:nvSpPr>
+        <p:spPr/>
+        <p:txBody>
+          <a:bodyPr/>
+          <a:lstStyle/>
+          <a:p>
+            <a:fld id="{24616A5F-DC9D-EE40-97A8-DF361035BFDB}" type="slidenum">
+              <a:rPr lang="en-US" smtClean="0"/>
+              <a:t>10</a:t>
+            </a:fld>
+            <a:endParaRPr lang="en-US"/>
+          </a:p>
+        </p:txBody>
+      </p:sp>
       <p:pic>
         <p:nvPicPr>
-          <p:cNvPr id="8" name="Content Placeholder 7">
-            <a:extLst>
-              <a:ext uri="{FF2B5EF4-FFF2-40B4-BE49-F238E27FC236}">
-                <a16:creationId xmlns:a16="http://schemas.microsoft.com/office/drawing/2014/main" id="{66564C4F-475B-8B42-8DF8-11FE2CBEA4E4}"/>
+          <p:cNvPr id="10" name="Content Placeholder 9">
+            <a:extLst>
+              <a:ext uri="{FF2B5EF4-FFF2-40B4-BE49-F238E27FC236}">
+                <a16:creationId xmlns:a16="http://schemas.microsoft.com/office/drawing/2014/main" id="{80A433FC-3A66-7C41-AE7D-74D342A7D58C}"/>
               </a:ext>
             </a:extLst>
           </p:cNvPr>
@@ -3886,48 +3943,20 @@
         </p:blipFill>
         <p:spPr>
           <a:xfrm>
-            <a:off x="992981" y="2670969"/>
-            <a:ext cx="4851400" cy="3352800"/>
+            <a:off x="839788" y="2789288"/>
+            <a:ext cx="5157787" cy="3116162"/>
           </a:xfrm>
           <a:prstGeom prst="rect">
             <a:avLst/>
           </a:prstGeom>
         </p:spPr>
       </p:pic>
-      <p:sp>
-        <p:nvSpPr>
-          <p:cNvPr id="5" name="Text Placeholder 4">
-            <a:extLst>
-              <a:ext uri="{FF2B5EF4-FFF2-40B4-BE49-F238E27FC236}">
-                <a16:creationId xmlns:a16="http://schemas.microsoft.com/office/drawing/2014/main" id="{D5BC63E5-75D7-874C-BA68-4B7A63493BD9}"/>
-              </a:ext>
-            </a:extLst>
-          </p:cNvPr>
-          <p:cNvSpPr>
-            <a:spLocks noGrp="1"/>
-          </p:cNvSpPr>
-          <p:nvPr>
-            <p:ph type="body" sz="quarter" idx="3"/>
-          </p:nvPr>
-        </p:nvSpPr>
-        <p:spPr/>
-        <p:txBody>
-          <a:bodyPr/>
-          <a:lstStyle/>
-          <a:p>
-            <a:r>
-              <a:rPr lang="en-US" dirty="0"/>
-              <a:t>21 targeted at sockpuppets</a:t>
-            </a:r>
-          </a:p>
-        </p:txBody>
-      </p:sp>
       <p:pic>
         <p:nvPicPr>
-          <p:cNvPr id="9" name="Content Placeholder 8">
-            <a:extLst>
-              <a:ext uri="{FF2B5EF4-FFF2-40B4-BE49-F238E27FC236}">
-                <a16:creationId xmlns:a16="http://schemas.microsoft.com/office/drawing/2014/main" id="{F498ED5A-96F8-DD48-B1DD-0CD40B02C865}"/>
+          <p:cNvPr id="13" name="Content Placeholder 12">
+            <a:extLst>
+              <a:ext uri="{FF2B5EF4-FFF2-40B4-BE49-F238E27FC236}">
+                <a16:creationId xmlns:a16="http://schemas.microsoft.com/office/drawing/2014/main" id="{5B9A3AB1-484F-9742-998F-88EBA43899A6}"/>
               </a:ext>
             </a:extLst>
           </p:cNvPr>
@@ -3946,43 +3975,14 @@
         </p:blipFill>
         <p:spPr>
           <a:xfrm>
-            <a:off x="6350794" y="2651919"/>
-            <a:ext cx="4826000" cy="3390900"/>
+            <a:off x="6172200" y="2815156"/>
+            <a:ext cx="5183188" cy="3064425"/>
           </a:xfrm>
           <a:prstGeom prst="rect">
             <a:avLst/>
           </a:prstGeom>
         </p:spPr>
       </p:pic>
-      <p:sp>
-        <p:nvSpPr>
-          <p:cNvPr id="7" name="Slide Number Placeholder 6">
-            <a:extLst>
-              <a:ext uri="{FF2B5EF4-FFF2-40B4-BE49-F238E27FC236}">
-                <a16:creationId xmlns:a16="http://schemas.microsoft.com/office/drawing/2014/main" id="{DEA07DBC-9407-854C-B7AD-97F15407C4FB}"/>
-              </a:ext>
-            </a:extLst>
-          </p:cNvPr>
-          <p:cNvSpPr>
-            <a:spLocks noGrp="1"/>
-          </p:cNvSpPr>
-          <p:nvPr>
-            <p:ph type="sldNum" sz="quarter" idx="12"/>
-          </p:nvPr>
-        </p:nvSpPr>
-        <p:spPr/>
-        <p:txBody>
-          <a:bodyPr/>
-          <a:lstStyle/>
-          <a:p>
-            <a:fld id="{24616A5F-DC9D-EE40-97A8-DF361035BFDB}" type="slidenum">
-              <a:rPr lang="en-US" smtClean="0"/>
-              <a:t>10</a:t>
-            </a:fld>
-            <a:endParaRPr lang="en-US"/>
-          </a:p>
-        </p:txBody>
-      </p:sp>
     </p:spTree>
     <p:extLst>
       <p:ext uri="{BB962C8B-B14F-4D97-AF65-F5344CB8AC3E}">
@@ -4069,12 +4069,69 @@
           </a:p>
         </p:txBody>
       </p:sp>
+      <p:sp>
+        <p:nvSpPr>
+          <p:cNvPr id="5" name="Text Placeholder 4">
+            <a:extLst>
+              <a:ext uri="{FF2B5EF4-FFF2-40B4-BE49-F238E27FC236}">
+                <a16:creationId xmlns:a16="http://schemas.microsoft.com/office/drawing/2014/main" id="{E3730A02-7935-F046-90D5-71D4928F0002}"/>
+              </a:ext>
+            </a:extLst>
+          </p:cNvPr>
+          <p:cNvSpPr>
+            <a:spLocks noGrp="1"/>
+          </p:cNvSpPr>
+          <p:nvPr>
+            <p:ph type="body" sz="quarter" idx="3"/>
+          </p:nvPr>
+        </p:nvSpPr>
+        <p:spPr/>
+        <p:txBody>
+          <a:bodyPr/>
+          <a:lstStyle/>
+          <a:p>
+            <a:r>
+              <a:rPr lang="en-US" dirty="0"/>
+              <a:t>Active users or not?</a:t>
+            </a:r>
+          </a:p>
+        </p:txBody>
+      </p:sp>
+      <p:sp>
+        <p:nvSpPr>
+          <p:cNvPr id="7" name="Slide Number Placeholder 6">
+            <a:extLst>
+              <a:ext uri="{FF2B5EF4-FFF2-40B4-BE49-F238E27FC236}">
+                <a16:creationId xmlns:a16="http://schemas.microsoft.com/office/drawing/2014/main" id="{2D7A1477-81E3-4A4C-BF1E-A03B0D2C0231}"/>
+              </a:ext>
+            </a:extLst>
+          </p:cNvPr>
+          <p:cNvSpPr>
+            <a:spLocks noGrp="1"/>
+          </p:cNvSpPr>
+          <p:nvPr>
+            <p:ph type="sldNum" sz="quarter" idx="12"/>
+          </p:nvPr>
+        </p:nvSpPr>
+        <p:spPr/>
+        <p:txBody>
+          <a:bodyPr/>
+          <a:lstStyle/>
+          <a:p>
+            <a:fld id="{24616A5F-DC9D-EE40-97A8-DF361035BFDB}" type="slidenum">
+              <a:rPr lang="en-US" smtClean="0"/>
+              <a:t>11</a:t>
+            </a:fld>
+            <a:endParaRPr lang="en-US"/>
+          </a:p>
+        </p:txBody>
+      </p:sp>
       <p:pic>
         <p:nvPicPr>
-          <p:cNvPr id="8" name="Content Placeholder 7">
-            <a:extLst>
-              <a:ext uri="{FF2B5EF4-FFF2-40B4-BE49-F238E27FC236}">
-                <a16:creationId xmlns:a16="http://schemas.microsoft.com/office/drawing/2014/main" id="{5847C956-5811-5644-908D-B1A24B2D59AA}"/>
+          <p:cNvPr id="10" name="Content Placeholder 9">
+            <a:extLst>
+              <a:ext uri="{FF2B5EF4-FFF2-40B4-BE49-F238E27FC236}">
+                <a16:creationId xmlns:a16="http://schemas.microsoft.com/office/drawing/2014/main" id="{A32F1E04-0E47-3A44-A74E-4AE0E124ABD8}"/>
               </a:ext>
             </a:extLst>
           </p:cNvPr>
@@ -4093,48 +4150,20 @@
         </p:blipFill>
         <p:spPr>
           <a:xfrm>
-            <a:off x="954881" y="2670969"/>
-            <a:ext cx="4927600" cy="3352800"/>
+            <a:off x="986631" y="2702719"/>
+            <a:ext cx="4864100" cy="3289300"/>
           </a:xfrm>
           <a:prstGeom prst="rect">
             <a:avLst/>
           </a:prstGeom>
         </p:spPr>
       </p:pic>
-      <p:sp>
-        <p:nvSpPr>
-          <p:cNvPr id="5" name="Text Placeholder 4">
-            <a:extLst>
-              <a:ext uri="{FF2B5EF4-FFF2-40B4-BE49-F238E27FC236}">
-                <a16:creationId xmlns:a16="http://schemas.microsoft.com/office/drawing/2014/main" id="{E3730A02-7935-F046-90D5-71D4928F0002}"/>
-              </a:ext>
-            </a:extLst>
-          </p:cNvPr>
-          <p:cNvSpPr>
-            <a:spLocks noGrp="1"/>
-          </p:cNvSpPr>
-          <p:nvPr>
-            <p:ph type="body" sz="quarter" idx="3"/>
-          </p:nvPr>
-        </p:nvSpPr>
-        <p:spPr/>
-        <p:txBody>
-          <a:bodyPr/>
-          <a:lstStyle/>
-          <a:p>
-            <a:r>
-              <a:rPr lang="en-US" dirty="0"/>
-              <a:t>Active users or not?</a:t>
-            </a:r>
-          </a:p>
-        </p:txBody>
-      </p:sp>
       <p:pic>
         <p:nvPicPr>
-          <p:cNvPr id="9" name="Content Placeholder 8">
-            <a:extLst>
-              <a:ext uri="{FF2B5EF4-FFF2-40B4-BE49-F238E27FC236}">
-                <a16:creationId xmlns:a16="http://schemas.microsoft.com/office/drawing/2014/main" id="{9E285943-D88D-174C-A9FF-DD6BB0AFB620}"/>
+          <p:cNvPr id="13" name="Content Placeholder 12">
+            <a:extLst>
+              <a:ext uri="{FF2B5EF4-FFF2-40B4-BE49-F238E27FC236}">
+                <a16:creationId xmlns:a16="http://schemas.microsoft.com/office/drawing/2014/main" id="{40BC838E-156C-E249-AF30-D4357A9907FE}"/>
               </a:ext>
             </a:extLst>
           </p:cNvPr>
@@ -4153,43 +4182,14 @@
         </p:blipFill>
         <p:spPr>
           <a:xfrm>
-            <a:off x="6331744" y="2613819"/>
-            <a:ext cx="4864100" cy="3467100"/>
+            <a:off x="6344444" y="2702719"/>
+            <a:ext cx="4838700" cy="3289300"/>
           </a:xfrm>
           <a:prstGeom prst="rect">
             <a:avLst/>
           </a:prstGeom>
         </p:spPr>
       </p:pic>
-      <p:sp>
-        <p:nvSpPr>
-          <p:cNvPr id="7" name="Slide Number Placeholder 6">
-            <a:extLst>
-              <a:ext uri="{FF2B5EF4-FFF2-40B4-BE49-F238E27FC236}">
-                <a16:creationId xmlns:a16="http://schemas.microsoft.com/office/drawing/2014/main" id="{2D7A1477-81E3-4A4C-BF1E-A03B0D2C0231}"/>
-              </a:ext>
-            </a:extLst>
-          </p:cNvPr>
-          <p:cNvSpPr>
-            <a:spLocks noGrp="1"/>
-          </p:cNvSpPr>
-          <p:nvPr>
-            <p:ph type="sldNum" sz="quarter" idx="12"/>
-          </p:nvPr>
-        </p:nvSpPr>
-        <p:spPr/>
-        <p:txBody>
-          <a:bodyPr/>
-          <a:lstStyle/>
-          <a:p>
-            <a:fld id="{24616A5F-DC9D-EE40-97A8-DF361035BFDB}" type="slidenum">
-              <a:rPr lang="en-US" smtClean="0"/>
-              <a:t>11</a:t>
-            </a:fld>
-            <a:endParaRPr lang="en-US"/>
-          </a:p>
-        </p:txBody>
-      </p:sp>
     </p:spTree>
     <p:extLst>
       <p:ext uri="{BB962C8B-B14F-4D97-AF65-F5344CB8AC3E}">
@@ -5956,38 +5956,6 @@
           </a:p>
         </p:txBody>
       </p:sp>
-      <p:pic>
-        <p:nvPicPr>
-          <p:cNvPr id="4" name="Content Placeholder 3">
-            <a:extLst>
-              <a:ext uri="{FF2B5EF4-FFF2-40B4-BE49-F238E27FC236}">
-                <a16:creationId xmlns:a16="http://schemas.microsoft.com/office/drawing/2014/main" id="{D27F9768-4682-2646-B227-4BEF9CAA2729}"/>
-              </a:ext>
-            </a:extLst>
-          </p:cNvPr>
-          <p:cNvPicPr>
-            <a:picLocks noGrp="1" noChangeAspect="1"/>
-          </p:cNvPicPr>
-          <p:nvPr>
-            <p:ph sz="half" idx="2"/>
-          </p:nvPr>
-        </p:nvPicPr>
-        <p:blipFill>
-          <a:blip r:embed="rId2"/>
-          <a:stretch>
-            <a:fillRect/>
-          </a:stretch>
-        </p:blipFill>
-        <p:spPr>
-          <a:xfrm>
-            <a:off x="992981" y="2645569"/>
-            <a:ext cx="4851400" cy="3403600"/>
-          </a:xfrm>
-          <a:prstGeom prst="rect">
-            <a:avLst/>
-          </a:prstGeom>
-        </p:spPr>
-      </p:pic>
       <p:sp>
         <p:nvSpPr>
           <p:cNvPr id="8" name="Text Placeholder 7">
@@ -6016,38 +5984,6 @@
           </a:p>
         </p:txBody>
       </p:sp>
-      <p:pic>
-        <p:nvPicPr>
-          <p:cNvPr id="10" name="Content Placeholder 9">
-            <a:extLst>
-              <a:ext uri="{FF2B5EF4-FFF2-40B4-BE49-F238E27FC236}">
-                <a16:creationId xmlns:a16="http://schemas.microsoft.com/office/drawing/2014/main" id="{EA43AD99-2FA7-7D4C-B214-6A48309B9316}"/>
-              </a:ext>
-            </a:extLst>
-          </p:cNvPr>
-          <p:cNvPicPr>
-            <a:picLocks noGrp="1" noChangeAspect="1"/>
-          </p:cNvPicPr>
-          <p:nvPr>
-            <p:ph sz="quarter" idx="4"/>
-          </p:nvPr>
-        </p:nvPicPr>
-        <p:blipFill>
-          <a:blip r:embed="rId3"/>
-          <a:stretch>
-            <a:fillRect/>
-          </a:stretch>
-        </p:blipFill>
-        <p:spPr>
-          <a:xfrm>
-            <a:off x="6325394" y="2670969"/>
-            <a:ext cx="4876800" cy="3352800"/>
-          </a:xfrm>
-          <a:prstGeom prst="rect">
-            <a:avLst/>
-          </a:prstGeom>
-        </p:spPr>
-      </p:pic>
       <p:sp>
         <p:nvSpPr>
           <p:cNvPr id="2" name="Slide Number Placeholder 1">
@@ -6118,6 +6054,70 @@
           </a:p>
         </p:txBody>
       </p:sp>
+      <p:pic>
+        <p:nvPicPr>
+          <p:cNvPr id="11" name="Content Placeholder 10">
+            <a:extLst>
+              <a:ext uri="{FF2B5EF4-FFF2-40B4-BE49-F238E27FC236}">
+                <a16:creationId xmlns:a16="http://schemas.microsoft.com/office/drawing/2014/main" id="{BB73B266-DB7F-E049-95FB-066D1ABC1C44}"/>
+              </a:ext>
+            </a:extLst>
+          </p:cNvPr>
+          <p:cNvPicPr>
+            <a:picLocks noGrp="1" noChangeAspect="1"/>
+          </p:cNvPicPr>
+          <p:nvPr>
+            <p:ph sz="half" idx="2"/>
+          </p:nvPr>
+        </p:nvPicPr>
+        <p:blipFill>
+          <a:blip r:embed="rId2"/>
+          <a:stretch>
+            <a:fillRect/>
+          </a:stretch>
+        </p:blipFill>
+        <p:spPr>
+          <a:xfrm>
+            <a:off x="961231" y="2709069"/>
+            <a:ext cx="4914900" cy="3276600"/>
+          </a:xfrm>
+          <a:prstGeom prst="rect">
+            <a:avLst/>
+          </a:prstGeom>
+        </p:spPr>
+      </p:pic>
+      <p:pic>
+        <p:nvPicPr>
+          <p:cNvPr id="14" name="Content Placeholder 13">
+            <a:extLst>
+              <a:ext uri="{FF2B5EF4-FFF2-40B4-BE49-F238E27FC236}">
+                <a16:creationId xmlns:a16="http://schemas.microsoft.com/office/drawing/2014/main" id="{3BFF57C8-AA8C-924D-9FC1-7E2C26BCE7B0}"/>
+              </a:ext>
+            </a:extLst>
+          </p:cNvPr>
+          <p:cNvPicPr>
+            <a:picLocks noGrp="1" noChangeAspect="1"/>
+          </p:cNvPicPr>
+          <p:nvPr>
+            <p:ph sz="quarter" idx="4"/>
+          </p:nvPr>
+        </p:nvPicPr>
+        <p:blipFill>
+          <a:blip r:embed="rId3"/>
+          <a:stretch>
+            <a:fillRect/>
+          </a:stretch>
+        </p:blipFill>
+        <p:spPr>
+          <a:xfrm>
+            <a:off x="6338094" y="2677319"/>
+            <a:ext cx="4851400" cy="3340100"/>
+          </a:xfrm>
+          <a:prstGeom prst="rect">
+            <a:avLst/>
+          </a:prstGeom>
+        </p:spPr>
+      </p:pic>
     </p:spTree>
     <p:extLst>
       <p:ext uri="{BB962C8B-B14F-4D97-AF65-F5344CB8AC3E}">
@@ -6209,38 +6209,6 @@
           </a:p>
         </p:txBody>
       </p:sp>
-      <p:pic>
-        <p:nvPicPr>
-          <p:cNvPr id="5" name="Content Placeholder 4">
-            <a:extLst>
-              <a:ext uri="{FF2B5EF4-FFF2-40B4-BE49-F238E27FC236}">
-                <a16:creationId xmlns:a16="http://schemas.microsoft.com/office/drawing/2014/main" id="{FF6B0B1D-FFE8-2745-8E85-8049E98DB2DA}"/>
-              </a:ext>
-            </a:extLst>
-          </p:cNvPr>
-          <p:cNvPicPr>
-            <a:picLocks noGrp="1" noChangeAspect="1"/>
-          </p:cNvPicPr>
-          <p:nvPr>
-            <p:ph sz="half" idx="2"/>
-          </p:nvPr>
-        </p:nvPicPr>
-        <p:blipFill>
-          <a:blip r:embed="rId2"/>
-          <a:stretch>
-            <a:fillRect/>
-          </a:stretch>
-        </p:blipFill>
-        <p:spPr>
-          <a:xfrm>
-            <a:off x="916781" y="2690019"/>
-            <a:ext cx="5003800" cy="3314700"/>
-          </a:xfrm>
-          <a:prstGeom prst="rect">
-            <a:avLst/>
-          </a:prstGeom>
-        </p:spPr>
-      </p:pic>
       <p:sp>
         <p:nvSpPr>
           <p:cNvPr id="7" name="Text Placeholder 6">
@@ -6269,38 +6237,6 @@
           </a:p>
         </p:txBody>
       </p:sp>
-      <p:pic>
-        <p:nvPicPr>
-          <p:cNvPr id="9" name="Content Placeholder 8">
-            <a:extLst>
-              <a:ext uri="{FF2B5EF4-FFF2-40B4-BE49-F238E27FC236}">
-                <a16:creationId xmlns:a16="http://schemas.microsoft.com/office/drawing/2014/main" id="{CB31A920-30B2-D340-9E14-9A6F14CED4A7}"/>
-              </a:ext>
-            </a:extLst>
-          </p:cNvPr>
-          <p:cNvPicPr>
-            <a:picLocks noGrp="1" noChangeAspect="1"/>
-          </p:cNvPicPr>
-          <p:nvPr>
-            <p:ph sz="quarter" idx="4"/>
-          </p:nvPr>
-        </p:nvPicPr>
-        <p:blipFill>
-          <a:blip r:embed="rId3"/>
-          <a:stretch>
-            <a:fillRect/>
-          </a:stretch>
-        </p:blipFill>
-        <p:spPr>
-          <a:xfrm>
-            <a:off x="6325394" y="2664619"/>
-            <a:ext cx="4876800" cy="3365500"/>
-          </a:xfrm>
-          <a:prstGeom prst="rect">
-            <a:avLst/>
-          </a:prstGeom>
-        </p:spPr>
-      </p:pic>
       <p:sp>
         <p:nvSpPr>
           <p:cNvPr id="3" name="Slide Number Placeholder 2">
@@ -6371,6 +6307,70 @@
           </a:p>
         </p:txBody>
       </p:sp>
+      <p:pic>
+        <p:nvPicPr>
+          <p:cNvPr id="11" name="Content Placeholder 10">
+            <a:extLst>
+              <a:ext uri="{FF2B5EF4-FFF2-40B4-BE49-F238E27FC236}">
+                <a16:creationId xmlns:a16="http://schemas.microsoft.com/office/drawing/2014/main" id="{65BEC693-698C-8948-9716-A8294170B4BF}"/>
+              </a:ext>
+            </a:extLst>
+          </p:cNvPr>
+          <p:cNvPicPr>
+            <a:picLocks noGrp="1" noChangeAspect="1"/>
+          </p:cNvPicPr>
+          <p:nvPr>
+            <p:ph sz="half" idx="2"/>
+          </p:nvPr>
+        </p:nvPicPr>
+        <p:blipFill>
+          <a:blip r:embed="rId2"/>
+          <a:stretch>
+            <a:fillRect/>
+          </a:stretch>
+        </p:blipFill>
+        <p:spPr>
+          <a:xfrm>
+            <a:off x="942181" y="2690019"/>
+            <a:ext cx="4953000" cy="3314700"/>
+          </a:xfrm>
+          <a:prstGeom prst="rect">
+            <a:avLst/>
+          </a:prstGeom>
+        </p:spPr>
+      </p:pic>
+      <p:pic>
+        <p:nvPicPr>
+          <p:cNvPr id="14" name="Content Placeholder 13">
+            <a:extLst>
+              <a:ext uri="{FF2B5EF4-FFF2-40B4-BE49-F238E27FC236}">
+                <a16:creationId xmlns:a16="http://schemas.microsoft.com/office/drawing/2014/main" id="{90502478-DB80-514F-A8CD-F78B318F1275}"/>
+              </a:ext>
+            </a:extLst>
+          </p:cNvPr>
+          <p:cNvPicPr>
+            <a:picLocks noGrp="1" noChangeAspect="1"/>
+          </p:cNvPicPr>
+          <p:nvPr>
+            <p:ph sz="quarter" idx="4"/>
+          </p:nvPr>
+        </p:nvPicPr>
+        <p:blipFill>
+          <a:blip r:embed="rId3"/>
+          <a:stretch>
+            <a:fillRect/>
+          </a:stretch>
+        </p:blipFill>
+        <p:spPr>
+          <a:xfrm>
+            <a:off x="6287294" y="2677319"/>
+            <a:ext cx="4953000" cy="3340100"/>
+          </a:xfrm>
+          <a:prstGeom prst="rect">
+            <a:avLst/>
+          </a:prstGeom>
+        </p:spPr>
+      </p:pic>
     </p:spTree>
     <p:extLst>
       <p:ext uri="{BB962C8B-B14F-4D97-AF65-F5344CB8AC3E}">
@@ -6621,38 +6621,6 @@
           </a:p>
         </p:txBody>
       </p:sp>
-      <p:pic>
-        <p:nvPicPr>
-          <p:cNvPr id="5" name="Content Placeholder 4">
-            <a:extLst>
-              <a:ext uri="{FF2B5EF4-FFF2-40B4-BE49-F238E27FC236}">
-                <a16:creationId xmlns:a16="http://schemas.microsoft.com/office/drawing/2014/main" id="{E07AA9DB-4CEA-2845-BCF9-818FA5AC74F5}"/>
-              </a:ext>
-            </a:extLst>
-          </p:cNvPr>
-          <p:cNvPicPr>
-            <a:picLocks noGrp="1" noChangeAspect="1"/>
-          </p:cNvPicPr>
-          <p:nvPr>
-            <p:ph sz="half" idx="2"/>
-          </p:nvPr>
-        </p:nvPicPr>
-        <p:blipFill>
-          <a:blip r:embed="rId3"/>
-          <a:stretch>
-            <a:fillRect/>
-          </a:stretch>
-        </p:blipFill>
-        <p:spPr>
-          <a:xfrm>
-            <a:off x="935831" y="2645569"/>
-            <a:ext cx="4965700" cy="3403600"/>
-          </a:xfrm>
-          <a:prstGeom prst="rect">
-            <a:avLst/>
-          </a:prstGeom>
-        </p:spPr>
-      </p:pic>
       <p:sp>
         <p:nvSpPr>
           <p:cNvPr id="11" name="Text Placeholder 10">
@@ -6782,10 +6750,10 @@
       </p:sp>
       <p:pic>
         <p:nvPicPr>
-          <p:cNvPr id="17" name="Content Placeholder 16">
-            <a:extLst>
-              <a:ext uri="{FF2B5EF4-FFF2-40B4-BE49-F238E27FC236}">
-                <a16:creationId xmlns:a16="http://schemas.microsoft.com/office/drawing/2014/main" id="{5C5F781D-5466-C649-BE2E-E03449C6E347}"/>
+          <p:cNvPr id="18" name="Content Placeholder 17">
+            <a:extLst>
+              <a:ext uri="{FF2B5EF4-FFF2-40B4-BE49-F238E27FC236}">
+                <a16:creationId xmlns:a16="http://schemas.microsoft.com/office/drawing/2014/main" id="{FAD7C065-6263-B34C-AEE5-FBEACE14C0FD}"/>
               </a:ext>
             </a:extLst>
           </p:cNvPr>
@@ -6794,6 +6762,38 @@
           </p:cNvPicPr>
           <p:nvPr>
             <p:ph sz="quarter" idx="4"/>
+          </p:nvPr>
+        </p:nvPicPr>
+        <p:blipFill>
+          <a:blip r:embed="rId3"/>
+          <a:stretch>
+            <a:fillRect/>
+          </a:stretch>
+        </p:blipFill>
+        <p:spPr>
+          <a:xfrm>
+            <a:off x="6312694" y="2696369"/>
+            <a:ext cx="4902200" cy="3302000"/>
+          </a:xfrm>
+          <a:prstGeom prst="rect">
+            <a:avLst/>
+          </a:prstGeom>
+        </p:spPr>
+      </p:pic>
+      <p:pic>
+        <p:nvPicPr>
+          <p:cNvPr id="16" name="Content Placeholder 15">
+            <a:extLst>
+              <a:ext uri="{FF2B5EF4-FFF2-40B4-BE49-F238E27FC236}">
+                <a16:creationId xmlns:a16="http://schemas.microsoft.com/office/drawing/2014/main" id="{CC41D69B-3F48-3C46-A212-2AAEF99E4382}"/>
+              </a:ext>
+            </a:extLst>
+          </p:cNvPr>
+          <p:cNvPicPr>
+            <a:picLocks noGrp="1" noChangeAspect="1"/>
+          </p:cNvPicPr>
+          <p:nvPr>
+            <p:ph sz="half" idx="2"/>
           </p:nvPr>
         </p:nvPicPr>
         <p:blipFill>
@@ -6804,8 +6804,8 @@
         </p:blipFill>
         <p:spPr>
           <a:xfrm>
-            <a:off x="6261894" y="2677319"/>
-            <a:ext cx="5003800" cy="3340100"/>
+            <a:off x="1018381" y="2702719"/>
+            <a:ext cx="4800600" cy="3289300"/>
           </a:xfrm>
           <a:prstGeom prst="rect">
             <a:avLst/>
@@ -7062,38 +7062,6 @@
           </a:p>
         </p:txBody>
       </p:sp>
-      <p:pic>
-        <p:nvPicPr>
-          <p:cNvPr id="12" name="Content Placeholder 5">
-            <a:extLst>
-              <a:ext uri="{FF2B5EF4-FFF2-40B4-BE49-F238E27FC236}">
-                <a16:creationId xmlns:a16="http://schemas.microsoft.com/office/drawing/2014/main" id="{9426AEB7-F232-7E43-B055-5DB3317D0576}"/>
-              </a:ext>
-            </a:extLst>
-          </p:cNvPr>
-          <p:cNvPicPr>
-            <a:picLocks noGrp="1" noChangeAspect="1"/>
-          </p:cNvPicPr>
-          <p:nvPr>
-            <p:ph sz="half" idx="2"/>
-          </p:nvPr>
-        </p:nvPicPr>
-        <p:blipFill>
-          <a:blip r:embed="rId3"/>
-          <a:stretch>
-            <a:fillRect/>
-          </a:stretch>
-        </p:blipFill>
-        <p:spPr>
-          <a:xfrm>
-            <a:off x="973931" y="2658269"/>
-            <a:ext cx="4889500" cy="3378200"/>
-          </a:xfrm>
-          <a:prstGeom prst="rect">
-            <a:avLst/>
-          </a:prstGeom>
-        </p:spPr>
-      </p:pic>
       <p:sp>
         <p:nvSpPr>
           <p:cNvPr id="14" name="Text Placeholder 13">
@@ -7122,38 +7090,6 @@
           </a:p>
         </p:txBody>
       </p:sp>
-      <p:pic>
-        <p:nvPicPr>
-          <p:cNvPr id="16" name="Content Placeholder 15">
-            <a:extLst>
-              <a:ext uri="{FF2B5EF4-FFF2-40B4-BE49-F238E27FC236}">
-                <a16:creationId xmlns:a16="http://schemas.microsoft.com/office/drawing/2014/main" id="{40256E20-A98E-0D4A-A378-959E1656340B}"/>
-              </a:ext>
-            </a:extLst>
-          </p:cNvPr>
-          <p:cNvPicPr>
-            <a:picLocks noGrp="1" noChangeAspect="1"/>
-          </p:cNvPicPr>
-          <p:nvPr>
-            <p:ph sz="quarter" idx="4"/>
-          </p:nvPr>
-        </p:nvPicPr>
-        <p:blipFill>
-          <a:blip r:embed="rId4"/>
-          <a:stretch>
-            <a:fillRect/>
-          </a:stretch>
-        </p:blipFill>
-        <p:spPr>
-          <a:xfrm>
-            <a:off x="6287294" y="2677319"/>
-            <a:ext cx="4953000" cy="3340100"/>
-          </a:xfrm>
-          <a:prstGeom prst="rect">
-            <a:avLst/>
-          </a:prstGeom>
-        </p:spPr>
-      </p:pic>
       <p:sp>
         <p:nvSpPr>
           <p:cNvPr id="3" name="Slide Number Placeholder 2">
@@ -7335,6 +7271,70 @@
           </a:p>
         </p:txBody>
       </p:sp>
+      <p:pic>
+        <p:nvPicPr>
+          <p:cNvPr id="8" name="Content Placeholder 7">
+            <a:extLst>
+              <a:ext uri="{FF2B5EF4-FFF2-40B4-BE49-F238E27FC236}">
+                <a16:creationId xmlns:a16="http://schemas.microsoft.com/office/drawing/2014/main" id="{7914C63D-0D5E-4B4E-8A0A-46B13AAFB486}"/>
+              </a:ext>
+            </a:extLst>
+          </p:cNvPr>
+          <p:cNvPicPr>
+            <a:picLocks noGrp="1" noChangeAspect="1"/>
+          </p:cNvPicPr>
+          <p:nvPr>
+            <p:ph sz="half" idx="2"/>
+          </p:nvPr>
+        </p:nvPicPr>
+        <p:blipFill>
+          <a:blip r:embed="rId3"/>
+          <a:stretch>
+            <a:fillRect/>
+          </a:stretch>
+        </p:blipFill>
+        <p:spPr>
+          <a:xfrm>
+            <a:off x="980281" y="2702719"/>
+            <a:ext cx="4876800" cy="3289300"/>
+          </a:xfrm>
+          <a:prstGeom prst="rect">
+            <a:avLst/>
+          </a:prstGeom>
+        </p:spPr>
+      </p:pic>
+      <p:pic>
+        <p:nvPicPr>
+          <p:cNvPr id="15" name="Content Placeholder 14">
+            <a:extLst>
+              <a:ext uri="{FF2B5EF4-FFF2-40B4-BE49-F238E27FC236}">
+                <a16:creationId xmlns:a16="http://schemas.microsoft.com/office/drawing/2014/main" id="{7F2EE440-E436-194D-BF91-2E0882B7C915}"/>
+              </a:ext>
+            </a:extLst>
+          </p:cNvPr>
+          <p:cNvPicPr>
+            <a:picLocks noGrp="1" noChangeAspect="1"/>
+          </p:cNvPicPr>
+          <p:nvPr>
+            <p:ph sz="quarter" idx="4"/>
+          </p:nvPr>
+        </p:nvPicPr>
+        <p:blipFill>
+          <a:blip r:embed="rId4"/>
+          <a:stretch>
+            <a:fillRect/>
+          </a:stretch>
+        </p:blipFill>
+        <p:spPr>
+          <a:xfrm>
+            <a:off x="6338094" y="2683669"/>
+            <a:ext cx="4851400" cy="3327400"/>
+          </a:xfrm>
+          <a:prstGeom prst="rect">
+            <a:avLst/>
+          </a:prstGeom>
+        </p:spPr>
+      </p:pic>
     </p:spTree>
     <p:extLst>
       <p:ext uri="{BB962C8B-B14F-4D97-AF65-F5344CB8AC3E}">
@@ -7561,38 +7561,6 @@
           </a:p>
         </p:txBody>
       </p:sp>
-      <p:pic>
-        <p:nvPicPr>
-          <p:cNvPr id="9" name="Content Placeholder 8">
-            <a:extLst>
-              <a:ext uri="{FF2B5EF4-FFF2-40B4-BE49-F238E27FC236}">
-                <a16:creationId xmlns:a16="http://schemas.microsoft.com/office/drawing/2014/main" id="{60FB4AA0-EFD5-764A-8776-AB0D8B052AF7}"/>
-              </a:ext>
-            </a:extLst>
-          </p:cNvPr>
-          <p:cNvPicPr>
-            <a:picLocks noGrp="1" noChangeAspect="1"/>
-          </p:cNvPicPr>
-          <p:nvPr>
-            <p:ph sz="half" idx="2"/>
-          </p:nvPr>
-        </p:nvPicPr>
-        <p:blipFill>
-          <a:blip r:embed="rId3"/>
-          <a:stretch>
-            <a:fillRect/>
-          </a:stretch>
-        </p:blipFill>
-        <p:spPr>
-          <a:xfrm>
-            <a:off x="910431" y="2702719"/>
-            <a:ext cx="5016500" cy="3289300"/>
-          </a:xfrm>
-          <a:prstGeom prst="rect">
-            <a:avLst/>
-          </a:prstGeom>
-        </p:spPr>
-      </p:pic>
       <p:sp>
         <p:nvSpPr>
           <p:cNvPr id="5" name="Text Placeholder 4">
@@ -7650,38 +7618,6 @@
           </a:p>
         </p:txBody>
       </p:sp>
-      <p:pic>
-        <p:nvPicPr>
-          <p:cNvPr id="8" name="Content Placeholder 7">
-            <a:extLst>
-              <a:ext uri="{FF2B5EF4-FFF2-40B4-BE49-F238E27FC236}">
-                <a16:creationId xmlns:a16="http://schemas.microsoft.com/office/drawing/2014/main" id="{107ECCE0-749E-0E48-B7A1-A158014755F4}"/>
-              </a:ext>
-            </a:extLst>
-          </p:cNvPr>
-          <p:cNvPicPr>
-            <a:picLocks noGrp="1" noChangeAspect="1"/>
-          </p:cNvPicPr>
-          <p:nvPr>
-            <p:ph sz="quarter" idx="4"/>
-          </p:nvPr>
-        </p:nvPicPr>
-        <p:blipFill>
-          <a:blip r:embed="rId4"/>
-          <a:stretch>
-            <a:fillRect/>
-          </a:stretch>
-        </p:blipFill>
-        <p:spPr>
-          <a:xfrm>
-            <a:off x="6331744" y="2639219"/>
-            <a:ext cx="4864100" cy="3416300"/>
-          </a:xfrm>
-          <a:prstGeom prst="rect">
-            <a:avLst/>
-          </a:prstGeom>
-        </p:spPr>
-      </p:pic>
       <p:sp>
         <p:nvSpPr>
           <p:cNvPr id="10" name="TextBox 9">
@@ -7717,6 +7653,70 @@
           </a:p>
         </p:txBody>
       </p:sp>
+      <p:pic>
+        <p:nvPicPr>
+          <p:cNvPr id="11" name="Content Placeholder 10">
+            <a:extLst>
+              <a:ext uri="{FF2B5EF4-FFF2-40B4-BE49-F238E27FC236}">
+                <a16:creationId xmlns:a16="http://schemas.microsoft.com/office/drawing/2014/main" id="{96D771DB-DD41-424A-AF06-ADB49A56D844}"/>
+              </a:ext>
+            </a:extLst>
+          </p:cNvPr>
+          <p:cNvPicPr>
+            <a:picLocks noGrp="1" noChangeAspect="1"/>
+          </p:cNvPicPr>
+          <p:nvPr>
+            <p:ph sz="half" idx="2"/>
+          </p:nvPr>
+        </p:nvPicPr>
+        <p:blipFill>
+          <a:blip r:embed="rId3"/>
+          <a:stretch>
+            <a:fillRect/>
+          </a:stretch>
+        </p:blipFill>
+        <p:spPr>
+          <a:xfrm>
+            <a:off x="935831" y="2709069"/>
+            <a:ext cx="4965700" cy="3276600"/>
+          </a:xfrm>
+          <a:prstGeom prst="rect">
+            <a:avLst/>
+          </a:prstGeom>
+        </p:spPr>
+      </p:pic>
+      <p:pic>
+        <p:nvPicPr>
+          <p:cNvPr id="14" name="Content Placeholder 13">
+            <a:extLst>
+              <a:ext uri="{FF2B5EF4-FFF2-40B4-BE49-F238E27FC236}">
+                <a16:creationId xmlns:a16="http://schemas.microsoft.com/office/drawing/2014/main" id="{C49CEDC8-3827-B24B-AC56-31C1B5F6364D}"/>
+              </a:ext>
+            </a:extLst>
+          </p:cNvPr>
+          <p:cNvPicPr>
+            <a:picLocks noGrp="1" noChangeAspect="1"/>
+          </p:cNvPicPr>
+          <p:nvPr>
+            <p:ph sz="quarter" idx="4"/>
+          </p:nvPr>
+        </p:nvPicPr>
+        <p:blipFill>
+          <a:blip r:embed="rId4"/>
+          <a:stretch>
+            <a:fillRect/>
+          </a:stretch>
+        </p:blipFill>
+        <p:spPr>
+          <a:xfrm>
+            <a:off x="6344444" y="2696369"/>
+            <a:ext cx="4838700" cy="3302000"/>
+          </a:xfrm>
+          <a:prstGeom prst="rect">
+            <a:avLst/>
+          </a:prstGeom>
+        </p:spPr>
+      </p:pic>
     </p:spTree>
     <p:extLst>
       <p:ext uri="{BB962C8B-B14F-4D97-AF65-F5344CB8AC3E}">
@@ -7941,38 +7941,6 @@
           </a:p>
         </p:txBody>
       </p:sp>
-      <p:pic>
-        <p:nvPicPr>
-          <p:cNvPr id="11" name="Content Placeholder 11">
-            <a:extLst>
-              <a:ext uri="{FF2B5EF4-FFF2-40B4-BE49-F238E27FC236}">
-                <a16:creationId xmlns:a16="http://schemas.microsoft.com/office/drawing/2014/main" id="{D7076038-696A-414C-B781-53CFFF30BA66}"/>
-              </a:ext>
-            </a:extLst>
-          </p:cNvPr>
-          <p:cNvPicPr>
-            <a:picLocks noGrp="1" noChangeAspect="1"/>
-          </p:cNvPicPr>
-          <p:nvPr>
-            <p:ph sz="half" idx="2"/>
-          </p:nvPr>
-        </p:nvPicPr>
-        <p:blipFill>
-          <a:blip r:embed="rId3"/>
-          <a:stretch>
-            <a:fillRect/>
-          </a:stretch>
-        </p:blipFill>
-        <p:spPr>
-          <a:xfrm>
-            <a:off x="916781" y="2626519"/>
-            <a:ext cx="5003800" cy="3441700"/>
-          </a:xfrm>
-          <a:prstGeom prst="rect">
-            <a:avLst/>
-          </a:prstGeom>
-        </p:spPr>
-      </p:pic>
       <p:sp>
         <p:nvSpPr>
           <p:cNvPr id="10" name="Text Placeholder 9">
@@ -8001,38 +7969,6 @@
           </a:p>
         </p:txBody>
       </p:sp>
-      <p:pic>
-        <p:nvPicPr>
-          <p:cNvPr id="15" name="Content Placeholder 14">
-            <a:extLst>
-              <a:ext uri="{FF2B5EF4-FFF2-40B4-BE49-F238E27FC236}">
-                <a16:creationId xmlns:a16="http://schemas.microsoft.com/office/drawing/2014/main" id="{659AFF16-815A-6B46-B485-016B9B5E9D10}"/>
-              </a:ext>
-            </a:extLst>
-          </p:cNvPr>
-          <p:cNvPicPr>
-            <a:picLocks noGrp="1" noChangeAspect="1"/>
-          </p:cNvPicPr>
-          <p:nvPr>
-            <p:ph sz="quarter" idx="4"/>
-          </p:nvPr>
-        </p:nvPicPr>
-        <p:blipFill>
-          <a:blip r:embed="rId4"/>
-          <a:stretch>
-            <a:fillRect/>
-          </a:stretch>
-        </p:blipFill>
-        <p:spPr>
-          <a:xfrm>
-            <a:off x="6268244" y="2626519"/>
-            <a:ext cx="4991100" cy="3441700"/>
-          </a:xfrm>
-          <a:prstGeom prst="rect">
-            <a:avLst/>
-          </a:prstGeom>
-        </p:spPr>
-      </p:pic>
       <p:sp>
         <p:nvSpPr>
           <p:cNvPr id="3" name="Slide Number Placeholder 2">
@@ -8109,6 +8045,70 @@
           </a:p>
         </p:txBody>
       </p:sp>
+      <p:pic>
+        <p:nvPicPr>
+          <p:cNvPr id="6" name="Content Placeholder 5">
+            <a:extLst>
+              <a:ext uri="{FF2B5EF4-FFF2-40B4-BE49-F238E27FC236}">
+                <a16:creationId xmlns:a16="http://schemas.microsoft.com/office/drawing/2014/main" id="{FB76150A-E486-2846-AF56-2C4F7CF70165}"/>
+              </a:ext>
+            </a:extLst>
+          </p:cNvPr>
+          <p:cNvPicPr>
+            <a:picLocks noGrp="1" noChangeAspect="1"/>
+          </p:cNvPicPr>
+          <p:nvPr>
+            <p:ph sz="half" idx="2"/>
+          </p:nvPr>
+        </p:nvPicPr>
+        <p:blipFill>
+          <a:blip r:embed="rId3"/>
+          <a:stretch>
+            <a:fillRect/>
+          </a:stretch>
+        </p:blipFill>
+        <p:spPr>
+          <a:xfrm>
+            <a:off x="935831" y="2709069"/>
+            <a:ext cx="4965700" cy="3276600"/>
+          </a:xfrm>
+          <a:prstGeom prst="rect">
+            <a:avLst/>
+          </a:prstGeom>
+        </p:spPr>
+      </p:pic>
+      <p:pic>
+        <p:nvPicPr>
+          <p:cNvPr id="12" name="Content Placeholder 11">
+            <a:extLst>
+              <a:ext uri="{FF2B5EF4-FFF2-40B4-BE49-F238E27FC236}">
+                <a16:creationId xmlns:a16="http://schemas.microsoft.com/office/drawing/2014/main" id="{86AB7234-C6C3-DC44-A30F-30D8AB305111}"/>
+              </a:ext>
+            </a:extLst>
+          </p:cNvPr>
+          <p:cNvPicPr>
+            <a:picLocks noGrp="1" noChangeAspect="1"/>
+          </p:cNvPicPr>
+          <p:nvPr>
+            <p:ph sz="quarter" idx="4"/>
+          </p:nvPr>
+        </p:nvPicPr>
+        <p:blipFill>
+          <a:blip r:embed="rId4"/>
+          <a:stretch>
+            <a:fillRect/>
+          </a:stretch>
+        </p:blipFill>
+        <p:spPr>
+          <a:xfrm>
+            <a:off x="6350794" y="2690019"/>
+            <a:ext cx="4826000" cy="3314700"/>
+          </a:xfrm>
+          <a:prstGeom prst="rect">
+            <a:avLst/>
+          </a:prstGeom>
+        </p:spPr>
+      </p:pic>
     </p:spTree>
     <p:extLst>
       <p:ext uri="{BB962C8B-B14F-4D97-AF65-F5344CB8AC3E}">
@@ -8195,38 +8195,6 @@
           </a:p>
         </p:txBody>
       </p:sp>
-      <p:pic>
-        <p:nvPicPr>
-          <p:cNvPr id="8" name="Content Placeholder 7">
-            <a:extLst>
-              <a:ext uri="{FF2B5EF4-FFF2-40B4-BE49-F238E27FC236}">
-                <a16:creationId xmlns:a16="http://schemas.microsoft.com/office/drawing/2014/main" id="{990E6081-9FE4-5C4E-A47D-AB2B2A9203F4}"/>
-              </a:ext>
-            </a:extLst>
-          </p:cNvPr>
-          <p:cNvPicPr>
-            <a:picLocks noGrp="1" noChangeAspect="1"/>
-          </p:cNvPicPr>
-          <p:nvPr>
-            <p:ph sz="half" idx="2"/>
-          </p:nvPr>
-        </p:nvPicPr>
-        <p:blipFill>
-          <a:blip r:embed="rId2"/>
-          <a:stretch>
-            <a:fillRect/>
-          </a:stretch>
-        </p:blipFill>
-        <p:spPr>
-          <a:xfrm>
-            <a:off x="999331" y="2613819"/>
-            <a:ext cx="4838700" cy="3467100"/>
-          </a:xfrm>
-          <a:prstGeom prst="rect">
-            <a:avLst/>
-          </a:prstGeom>
-        </p:spPr>
-      </p:pic>
       <p:sp>
         <p:nvSpPr>
           <p:cNvPr id="11" name="Text Placeholder 10">
@@ -8255,38 +8223,6 @@
           </a:p>
         </p:txBody>
       </p:sp>
-      <p:pic>
-        <p:nvPicPr>
-          <p:cNvPr id="13" name="Content Placeholder 12">
-            <a:extLst>
-              <a:ext uri="{FF2B5EF4-FFF2-40B4-BE49-F238E27FC236}">
-                <a16:creationId xmlns:a16="http://schemas.microsoft.com/office/drawing/2014/main" id="{7A64834B-D23C-9D42-B50C-B07FEF7A3E0B}"/>
-              </a:ext>
-            </a:extLst>
-          </p:cNvPr>
-          <p:cNvPicPr>
-            <a:picLocks noGrp="1" noChangeAspect="1"/>
-          </p:cNvPicPr>
-          <p:nvPr>
-            <p:ph sz="quarter" idx="4"/>
-          </p:nvPr>
-        </p:nvPicPr>
-        <p:blipFill>
-          <a:blip r:embed="rId3"/>
-          <a:stretch>
-            <a:fillRect/>
-          </a:stretch>
-        </p:blipFill>
-        <p:spPr>
-          <a:xfrm>
-            <a:off x="6299994" y="2645569"/>
-            <a:ext cx="4927600" cy="3403600"/>
-          </a:xfrm>
-          <a:prstGeom prst="rect">
-            <a:avLst/>
-          </a:prstGeom>
-        </p:spPr>
-      </p:pic>
       <p:sp>
         <p:nvSpPr>
           <p:cNvPr id="3" name="Slide Number Placeholder 2">
@@ -8404,6 +8340,70 @@
           </a:p>
         </p:txBody>
       </p:sp>
+      <p:pic>
+        <p:nvPicPr>
+          <p:cNvPr id="15" name="Content Placeholder 14">
+            <a:extLst>
+              <a:ext uri="{FF2B5EF4-FFF2-40B4-BE49-F238E27FC236}">
+                <a16:creationId xmlns:a16="http://schemas.microsoft.com/office/drawing/2014/main" id="{43BB0175-2129-E641-A7EE-E35D43658209}"/>
+              </a:ext>
+            </a:extLst>
+          </p:cNvPr>
+          <p:cNvPicPr>
+            <a:picLocks noGrp="1" noChangeAspect="1"/>
+          </p:cNvPicPr>
+          <p:nvPr>
+            <p:ph sz="half" idx="2"/>
+          </p:nvPr>
+        </p:nvPicPr>
+        <p:blipFill>
+          <a:blip r:embed="rId2"/>
+          <a:stretch>
+            <a:fillRect/>
+          </a:stretch>
+        </p:blipFill>
+        <p:spPr>
+          <a:xfrm>
+            <a:off x="980281" y="2709069"/>
+            <a:ext cx="4876800" cy="3276600"/>
+          </a:xfrm>
+          <a:prstGeom prst="rect">
+            <a:avLst/>
+          </a:prstGeom>
+        </p:spPr>
+      </p:pic>
+      <p:pic>
+        <p:nvPicPr>
+          <p:cNvPr id="21" name="Content Placeholder 20">
+            <a:extLst>
+              <a:ext uri="{FF2B5EF4-FFF2-40B4-BE49-F238E27FC236}">
+                <a16:creationId xmlns:a16="http://schemas.microsoft.com/office/drawing/2014/main" id="{23B62B44-B131-9E4D-9EB7-BDBBFB90C64B}"/>
+              </a:ext>
+            </a:extLst>
+          </p:cNvPr>
+          <p:cNvPicPr>
+            <a:picLocks noGrp="1" noChangeAspect="1"/>
+          </p:cNvPicPr>
+          <p:nvPr>
+            <p:ph sz="quarter" idx="4"/>
+          </p:nvPr>
+        </p:nvPicPr>
+        <p:blipFill>
+          <a:blip r:embed="rId3"/>
+          <a:stretch>
+            <a:fillRect/>
+          </a:stretch>
+        </p:blipFill>
+        <p:spPr>
+          <a:xfrm>
+            <a:off x="6172200" y="2785230"/>
+            <a:ext cx="5183188" cy="3124277"/>
+          </a:xfrm>
+          <a:prstGeom prst="rect">
+            <a:avLst/>
+          </a:prstGeom>
+        </p:spPr>
+      </p:pic>
     </p:spTree>
     <p:extLst>
       <p:ext uri="{BB962C8B-B14F-4D97-AF65-F5344CB8AC3E}">
